--- a/research_paper/TEETHER_ GNAWING AT ETHEREUM TO AUTOMATICALLY EXPLOIT SMART CONTRACTS.pptx
+++ b/research_paper/TEETHER_ GNAWING AT ETHEREUM TO AUTOMATICALLY EXPLOIT SMART CONTRACTS.pptx
@@ -1,41 +1,41 @@
 
 <file path=ppt/presentation.xml><?xml version="1.0" encoding="utf-8"?>
-<p:presentation xmlns:a="http://schemas.openxmlformats.org/drawingml/2006/main" xmlns:r="http://schemas.openxmlformats.org/officeDocument/2006/relationships" xmlns:mc="http://schemas.openxmlformats.org/markup-compatibility/2006" xmlns:mv="urn:schemas-microsoft-com:mac:vml" xmlns:p="http://schemas.openxmlformats.org/presentationml/2006/main" xmlns:c="http://schemas.openxmlformats.org/drawingml/2006/chart" xmlns:dgm="http://schemas.openxmlformats.org/drawingml/2006/diagram" xmlns:o="urn:schemas-microsoft-com:office:office" xmlns:v="urn:schemas-microsoft-com:vml" xmlns:pvml="urn:schemas-microsoft-com:office:powerpoint" xmlns:com="http://schemas.openxmlformats.org/drawingml/2006/compatibility" xmlns:p14="http://schemas.microsoft.com/office/powerpoint/2010/main" xmlns:p15="http://schemas.microsoft.com/office/powerpoint/2012/main" xmlns:ahyp="http://schemas.microsoft.com/office/drawing/2018/hyperlinkcolor" autoCompressPictures="0" strictFirstAndLastChars="0" saveSubsetFonts="1">
+<p:presentation xmlns:a="http://schemas.openxmlformats.org/drawingml/2006/main" xmlns:r="http://schemas.openxmlformats.org/officeDocument/2006/relationships" xmlns:p="http://schemas.openxmlformats.org/presentationml/2006/main" strictFirstAndLastChars="0" saveSubsetFonts="1" autoCompressPictures="0">
   <p:sldMasterIdLst>
-    <p:sldMasterId id="2147483659" r:id="rId4"/>
+    <p:sldMasterId id="2147483659" r:id="rId1"/>
   </p:sldMasterIdLst>
   <p:notesMasterIdLst>
-    <p:notesMasterId r:id="rId5"/>
+    <p:notesMasterId r:id="rId25"/>
   </p:notesMasterIdLst>
   <p:sldIdLst>
-    <p:sldId id="256" r:id="rId6"/>
-    <p:sldId id="257" r:id="rId7"/>
-    <p:sldId id="258" r:id="rId8"/>
-    <p:sldId id="259" r:id="rId9"/>
-    <p:sldId id="260" r:id="rId10"/>
-    <p:sldId id="261" r:id="rId11"/>
-    <p:sldId id="262" r:id="rId12"/>
-    <p:sldId id="263" r:id="rId13"/>
-    <p:sldId id="264" r:id="rId14"/>
-    <p:sldId id="265" r:id="rId15"/>
-    <p:sldId id="266" r:id="rId16"/>
-    <p:sldId id="267" r:id="rId17"/>
-    <p:sldId id="268" r:id="rId18"/>
-    <p:sldId id="269" r:id="rId19"/>
-    <p:sldId id="270" r:id="rId20"/>
-    <p:sldId id="271" r:id="rId21"/>
-    <p:sldId id="272" r:id="rId22"/>
-    <p:sldId id="273" r:id="rId23"/>
-    <p:sldId id="274" r:id="rId24"/>
-    <p:sldId id="275" r:id="rId25"/>
-    <p:sldId id="276" r:id="rId26"/>
-    <p:sldId id="277" r:id="rId27"/>
-    <p:sldId id="278" r:id="rId28"/>
+    <p:sldId id="256" r:id="rId2"/>
+    <p:sldId id="257" r:id="rId3"/>
+    <p:sldId id="258" r:id="rId4"/>
+    <p:sldId id="259" r:id="rId5"/>
+    <p:sldId id="260" r:id="rId6"/>
+    <p:sldId id="261" r:id="rId7"/>
+    <p:sldId id="262" r:id="rId8"/>
+    <p:sldId id="263" r:id="rId9"/>
+    <p:sldId id="264" r:id="rId10"/>
+    <p:sldId id="265" r:id="rId11"/>
+    <p:sldId id="266" r:id="rId12"/>
+    <p:sldId id="267" r:id="rId13"/>
+    <p:sldId id="268" r:id="rId14"/>
+    <p:sldId id="269" r:id="rId15"/>
+    <p:sldId id="270" r:id="rId16"/>
+    <p:sldId id="271" r:id="rId17"/>
+    <p:sldId id="272" r:id="rId18"/>
+    <p:sldId id="273" r:id="rId19"/>
+    <p:sldId id="274" r:id="rId20"/>
+    <p:sldId id="275" r:id="rId21"/>
+    <p:sldId id="276" r:id="rId22"/>
+    <p:sldId id="277" r:id="rId23"/>
+    <p:sldId id="278" r:id="rId24"/>
   </p:sldIdLst>
-  <p:sldSz cy="5143500" cx="9144000"/>
+  <p:sldSz cx="9144000" cy="5143500" type="screen16x9"/>
   <p:notesSz cx="6858000" cy="9144000"/>
   <p:defaultTextStyle>
-    <a:defPPr lvl="0" marR="0" rtl="0" algn="l">
+    <a:defPPr marR="0" lvl="0" algn="l" rtl="0">
       <a:lnSpc>
         <a:spcPct val="100000"/>
       </a:lnSpc>
@@ -46,7 +46,7 @@
         <a:spcPts val="0"/>
       </a:spcAft>
     </a:defPPr>
-    <a:lvl1pPr lvl="0" marR="0" rtl="0" algn="l">
+    <a:lvl1pPr marR="0" lvl="0" algn="l" rtl="0">
       <a:lnSpc>
         <a:spcPct val="100000"/>
       </a:lnSpc>
@@ -60,7 +60,7 @@
         <a:srgbClr val="000000"/>
       </a:buClr>
       <a:buFont typeface="Arial"/>
-      <a:defRPr b="0" i="0" sz="1400" u="none" cap="none" strike="noStrike">
+      <a:defRPr sz="1400" b="0" i="0" u="none" strike="noStrike" cap="none">
         <a:solidFill>
           <a:srgbClr val="000000"/>
         </a:solidFill>
@@ -70,7 +70,7 @@
         <a:sym typeface="Arial"/>
       </a:defRPr>
     </a:lvl1pPr>
-    <a:lvl2pPr lvl="1" marR="0" rtl="0" algn="l">
+    <a:lvl2pPr marR="0" lvl="1" algn="l" rtl="0">
       <a:lnSpc>
         <a:spcPct val="100000"/>
       </a:lnSpc>
@@ -84,7 +84,7 @@
         <a:srgbClr val="000000"/>
       </a:buClr>
       <a:buFont typeface="Arial"/>
-      <a:defRPr b="0" i="0" sz="1400" u="none" cap="none" strike="noStrike">
+      <a:defRPr sz="1400" b="0" i="0" u="none" strike="noStrike" cap="none">
         <a:solidFill>
           <a:srgbClr val="000000"/>
         </a:solidFill>
@@ -94,7 +94,7 @@
         <a:sym typeface="Arial"/>
       </a:defRPr>
     </a:lvl2pPr>
-    <a:lvl3pPr lvl="2" marR="0" rtl="0" algn="l">
+    <a:lvl3pPr marR="0" lvl="2" algn="l" rtl="0">
       <a:lnSpc>
         <a:spcPct val="100000"/>
       </a:lnSpc>
@@ -108,7 +108,7 @@
         <a:srgbClr val="000000"/>
       </a:buClr>
       <a:buFont typeface="Arial"/>
-      <a:defRPr b="0" i="0" sz="1400" u="none" cap="none" strike="noStrike">
+      <a:defRPr sz="1400" b="0" i="0" u="none" strike="noStrike" cap="none">
         <a:solidFill>
           <a:srgbClr val="000000"/>
         </a:solidFill>
@@ -118,7 +118,7 @@
         <a:sym typeface="Arial"/>
       </a:defRPr>
     </a:lvl3pPr>
-    <a:lvl4pPr lvl="3" marR="0" rtl="0" algn="l">
+    <a:lvl4pPr marR="0" lvl="3" algn="l" rtl="0">
       <a:lnSpc>
         <a:spcPct val="100000"/>
       </a:lnSpc>
@@ -132,7 +132,7 @@
         <a:srgbClr val="000000"/>
       </a:buClr>
       <a:buFont typeface="Arial"/>
-      <a:defRPr b="0" i="0" sz="1400" u="none" cap="none" strike="noStrike">
+      <a:defRPr sz="1400" b="0" i="0" u="none" strike="noStrike" cap="none">
         <a:solidFill>
           <a:srgbClr val="000000"/>
         </a:solidFill>
@@ -142,7 +142,7 @@
         <a:sym typeface="Arial"/>
       </a:defRPr>
     </a:lvl4pPr>
-    <a:lvl5pPr lvl="4" marR="0" rtl="0" algn="l">
+    <a:lvl5pPr marR="0" lvl="4" algn="l" rtl="0">
       <a:lnSpc>
         <a:spcPct val="100000"/>
       </a:lnSpc>
@@ -156,7 +156,7 @@
         <a:srgbClr val="000000"/>
       </a:buClr>
       <a:buFont typeface="Arial"/>
-      <a:defRPr b="0" i="0" sz="1400" u="none" cap="none" strike="noStrike">
+      <a:defRPr sz="1400" b="0" i="0" u="none" strike="noStrike" cap="none">
         <a:solidFill>
           <a:srgbClr val="000000"/>
         </a:solidFill>
@@ -166,7 +166,7 @@
         <a:sym typeface="Arial"/>
       </a:defRPr>
     </a:lvl5pPr>
-    <a:lvl6pPr lvl="5" marR="0" rtl="0" algn="l">
+    <a:lvl6pPr marR="0" lvl="5" algn="l" rtl="0">
       <a:lnSpc>
         <a:spcPct val="100000"/>
       </a:lnSpc>
@@ -180,7 +180,7 @@
         <a:srgbClr val="000000"/>
       </a:buClr>
       <a:buFont typeface="Arial"/>
-      <a:defRPr b="0" i="0" sz="1400" u="none" cap="none" strike="noStrike">
+      <a:defRPr sz="1400" b="0" i="0" u="none" strike="noStrike" cap="none">
         <a:solidFill>
           <a:srgbClr val="000000"/>
         </a:solidFill>
@@ -190,7 +190,7 @@
         <a:sym typeface="Arial"/>
       </a:defRPr>
     </a:lvl6pPr>
-    <a:lvl7pPr lvl="6" marR="0" rtl="0" algn="l">
+    <a:lvl7pPr marR="0" lvl="6" algn="l" rtl="0">
       <a:lnSpc>
         <a:spcPct val="100000"/>
       </a:lnSpc>
@@ -204,7 +204,7 @@
         <a:srgbClr val="000000"/>
       </a:buClr>
       <a:buFont typeface="Arial"/>
-      <a:defRPr b="0" i="0" sz="1400" u="none" cap="none" strike="noStrike">
+      <a:defRPr sz="1400" b="0" i="0" u="none" strike="noStrike" cap="none">
         <a:solidFill>
           <a:srgbClr val="000000"/>
         </a:solidFill>
@@ -214,7 +214,7 @@
         <a:sym typeface="Arial"/>
       </a:defRPr>
     </a:lvl7pPr>
-    <a:lvl8pPr lvl="7" marR="0" rtl="0" algn="l">
+    <a:lvl8pPr marR="0" lvl="7" algn="l" rtl="0">
       <a:lnSpc>
         <a:spcPct val="100000"/>
       </a:lnSpc>
@@ -228,7 +228,7 @@
         <a:srgbClr val="000000"/>
       </a:buClr>
       <a:buFont typeface="Arial"/>
-      <a:defRPr b="0" i="0" sz="1400" u="none" cap="none" strike="noStrike">
+      <a:defRPr sz="1400" b="0" i="0" u="none" strike="noStrike" cap="none">
         <a:solidFill>
           <a:srgbClr val="000000"/>
         </a:solidFill>
@@ -238,7 +238,7 @@
         <a:sym typeface="Arial"/>
       </a:defRPr>
     </a:lvl8pPr>
-    <a:lvl9pPr lvl="8" marR="0" rtl="0" algn="l">
+    <a:lvl9pPr marR="0" lvl="8" algn="l" rtl="0">
       <a:lnSpc>
         <a:spcPct val="100000"/>
       </a:lnSpc>
@@ -252,7 +252,7 @@
         <a:srgbClr val="000000"/>
       </a:buClr>
       <a:buFont typeface="Arial"/>
-      <a:defRPr b="0" i="0" sz="1400" u="none" cap="none" strike="noStrike">
+      <a:defRPr sz="1400" b="0" i="0" u="none" strike="noStrike" cap="none">
         <a:solidFill>
           <a:srgbClr val="000000"/>
         </a:solidFill>
@@ -265,7 +265,7 @@
   </p:defaultTextStyle>
   <p:extLst>
     <p:ext uri="{EFAFB233-063F-42B5-8137-9DF3F51BA10A}">
-      <p15:sldGuideLst>
+      <p15:sldGuideLst xmlns:p15="http://schemas.microsoft.com/office/powerpoint/2012/main">
         <p15:guide id="1" orient="horz" pos="1620">
           <p15:clr>
             <a:srgbClr val="747775"/>
@@ -283,11 +283,16 @@
 </file>
 
 <file path=ppt/notesMasters/notesMaster1.xml><?xml version="1.0" encoding="utf-8"?>
-<p:notesMaster xmlns:a="http://schemas.openxmlformats.org/drawingml/2006/main" xmlns:r="http://schemas.openxmlformats.org/officeDocument/2006/relationships" xmlns:mc="http://schemas.openxmlformats.org/markup-compatibility/2006" xmlns:mv="urn:schemas-microsoft-com:mac:vml" xmlns:p="http://schemas.openxmlformats.org/presentationml/2006/main" xmlns:c="http://schemas.openxmlformats.org/drawingml/2006/chart" xmlns:dgm="http://schemas.openxmlformats.org/drawingml/2006/diagram" xmlns:o="urn:schemas-microsoft-com:office:office" xmlns:v="urn:schemas-microsoft-com:vml" xmlns:pvml="urn:schemas-microsoft-com:office:powerpoint" xmlns:com="http://schemas.openxmlformats.org/drawingml/2006/compatibility" xmlns:p14="http://schemas.microsoft.com/office/powerpoint/2010/main" xmlns:p15="http://schemas.microsoft.com/office/powerpoint/2012/main" xmlns:ahyp="http://schemas.microsoft.com/office/drawing/2018/hyperlinkcolor">
+<p:notesMaster xmlns:a="http://schemas.openxmlformats.org/drawingml/2006/main" xmlns:r="http://schemas.openxmlformats.org/officeDocument/2006/relationships" xmlns:p="http://schemas.openxmlformats.org/presentationml/2006/main">
   <p:cSld>
+    <p:bg>
+      <p:bgRef idx="1001">
+        <a:schemeClr val="bg1"/>
+      </p:bgRef>
+    </p:bg>
     <p:spTree>
       <p:nvGrpSpPr>
-        <p:cNvPr id="2" name="Shape 2"/>
+        <p:cNvPr id="1" name="Shape 2"/>
         <p:cNvGrpSpPr/>
         <p:nvPr/>
       </p:nvGrpSpPr>
@@ -302,9 +307,11 @@
       <p:sp>
         <p:nvSpPr>
           <p:cNvPr id="3" name="Google Shape;3;n"/>
-          <p:cNvSpPr/>
+          <p:cNvSpPr>
+            <a:spLocks noGrp="1" noRot="1" noChangeAspect="1"/>
+          </p:cNvSpPr>
           <p:nvPr>
-            <p:ph idx="2" type="sldImg"/>
+            <p:ph type="sldImg" idx="2"/>
           </p:nvPr>
         </p:nvSpPr>
         <p:spPr>
@@ -313,9 +320,13 @@
             <a:ext cx="6096075" cy="3429000"/>
           </a:xfrm>
           <a:custGeom>
-            <a:rect b="b" l="l" r="r" t="t"/>
+            <a:avLst/>
+            <a:gdLst/>
+            <a:ahLst/>
+            <a:cxnLst/>
+            <a:rect l="l" t="t" r="r" b="b"/>
             <a:pathLst>
-              <a:path extrusionOk="0" h="120000" w="120000">
+              <a:path w="120000" h="120000" extrusionOk="0">
                 <a:moveTo>
                   <a:pt x="0" y="0"/>
                 </a:moveTo>
@@ -333,23 +344,25 @@
             </a:pathLst>
           </a:custGeom>
           <a:noFill/>
-          <a:ln cap="flat" cmpd="sng" w="9525">
+          <a:ln w="9525" cap="flat" cmpd="sng">
             <a:solidFill>
               <a:srgbClr val="000000"/>
             </a:solidFill>
             <a:prstDash val="solid"/>
             <a:round/>
-            <a:headEnd len="sm" w="sm" type="none"/>
-            <a:tailEnd len="sm" w="sm" type="none"/>
+            <a:headEnd type="none" w="sm" len="sm"/>
+            <a:tailEnd type="none" w="sm" len="sm"/>
           </a:ln>
         </p:spPr>
       </p:sp>
       <p:sp>
         <p:nvSpPr>
           <p:cNvPr id="4" name="Google Shape;4;n"/>
-          <p:cNvSpPr txBox="1"/>
+          <p:cNvSpPr txBox="1">
+            <a:spLocks noGrp="1"/>
+          </p:cNvSpPr>
           <p:nvPr>
-            <p:ph idx="1" type="body"/>
+            <p:ph type="body" idx="1"/>
           </p:nvPr>
         </p:nvSpPr>
         <p:spPr>
@@ -366,11 +379,11 @@
           </a:ln>
         </p:spPr>
         <p:txBody>
-          <a:bodyPr anchorCtr="0" anchor="t" bIns="91425" lIns="91425" spcFirstLastPara="1" rIns="91425" wrap="square" tIns="91425">
+          <a:bodyPr spcFirstLastPara="1" wrap="square" lIns="91425" tIns="91425" rIns="91425" bIns="91425" anchor="t" anchorCtr="0">
             <a:noAutofit/>
           </a:bodyPr>
           <a:lstStyle>
-            <a:lvl1pPr indent="-298450" lvl="0" marL="457200">
+            <a:lvl1pPr marL="457200" lvl="0" indent="-298450">
               <a:spcBef>
                 <a:spcPts val="0"/>
               </a:spcBef>
@@ -381,7 +394,7 @@
               <a:buChar char="●"/>
               <a:defRPr sz="1100"/>
             </a:lvl1pPr>
-            <a:lvl2pPr indent="-298450" lvl="1" marL="914400">
+            <a:lvl2pPr marL="914400" lvl="1" indent="-298450">
               <a:spcBef>
                 <a:spcPts val="0"/>
               </a:spcBef>
@@ -392,7 +405,7 @@
               <a:buChar char="○"/>
               <a:defRPr sz="1100"/>
             </a:lvl2pPr>
-            <a:lvl3pPr indent="-298450" lvl="2" marL="1371600">
+            <a:lvl3pPr marL="1371600" lvl="2" indent="-298450">
               <a:spcBef>
                 <a:spcPts val="0"/>
               </a:spcBef>
@@ -403,7 +416,7 @@
               <a:buChar char="■"/>
               <a:defRPr sz="1100"/>
             </a:lvl3pPr>
-            <a:lvl4pPr indent="-298450" lvl="3" marL="1828800">
+            <a:lvl4pPr marL="1828800" lvl="3" indent="-298450">
               <a:spcBef>
                 <a:spcPts val="0"/>
               </a:spcBef>
@@ -414,7 +427,7 @@
               <a:buChar char="●"/>
               <a:defRPr sz="1100"/>
             </a:lvl4pPr>
-            <a:lvl5pPr indent="-298450" lvl="4" marL="2286000">
+            <a:lvl5pPr marL="2286000" lvl="4" indent="-298450">
               <a:spcBef>
                 <a:spcPts val="0"/>
               </a:spcBef>
@@ -425,7 +438,7 @@
               <a:buChar char="○"/>
               <a:defRPr sz="1100"/>
             </a:lvl5pPr>
-            <a:lvl6pPr indent="-298450" lvl="5" marL="2743200">
+            <a:lvl6pPr marL="2743200" lvl="5" indent="-298450">
               <a:spcBef>
                 <a:spcPts val="0"/>
               </a:spcBef>
@@ -436,7 +449,7 @@
               <a:buChar char="■"/>
               <a:defRPr sz="1100"/>
             </a:lvl6pPr>
-            <a:lvl7pPr indent="-298450" lvl="6" marL="3200400">
+            <a:lvl7pPr marL="3200400" lvl="6" indent="-298450">
               <a:spcBef>
                 <a:spcPts val="0"/>
               </a:spcBef>
@@ -447,7 +460,7 @@
               <a:buChar char="●"/>
               <a:defRPr sz="1100"/>
             </a:lvl7pPr>
-            <a:lvl8pPr indent="-298450" lvl="7" marL="3657600">
+            <a:lvl8pPr marL="3657600" lvl="7" indent="-298450">
               <a:spcBef>
                 <a:spcPts val="0"/>
               </a:spcBef>
@@ -458,7 +471,7 @@
               <a:buChar char="○"/>
               <a:defRPr sz="1100"/>
             </a:lvl8pPr>
-            <a:lvl9pPr indent="-298450" lvl="8" marL="4114800">
+            <a:lvl9pPr marL="4114800" lvl="8" indent="-298450">
               <a:spcBef>
                 <a:spcPts val="0"/>
               </a:spcBef>
@@ -470,14 +483,16 @@
               <a:defRPr sz="1100"/>
             </a:lvl9pPr>
           </a:lstStyle>
-          <a:p/>
+          <a:p>
+            <a:endParaRPr/>
+          </a:p>
         </p:txBody>
       </p:sp>
     </p:spTree>
   </p:cSld>
-  <p:clrMap accent1="accent1" accent2="accent2" accent3="accent3" accent4="accent4" accent5="accent5" accent6="accent6" bg1="lt1" bg2="dk2" tx1="dk1" tx2="lt2" folHlink="folHlink" hlink="hlink"/>
+  <p:clrMap bg1="lt1" tx1="dk1" bg2="dk2" tx2="lt2" accent1="accent1" accent2="accent2" accent3="accent3" accent4="accent4" accent5="accent5" accent6="accent6" hlink="hlink" folHlink="folHlink"/>
   <p:notesStyle>
-    <a:defPPr lvl="0" marR="0" rtl="0" algn="l">
+    <a:defPPr marR="0" lvl="0" algn="l" rtl="0">
       <a:lnSpc>
         <a:spcPct val="100000"/>
       </a:lnSpc>
@@ -488,7 +503,7 @@
         <a:spcPts val="0"/>
       </a:spcAft>
     </a:defPPr>
-    <a:lvl1pPr lvl="0" marR="0" rtl="0" algn="l">
+    <a:lvl1pPr marR="0" lvl="0" algn="l" rtl="0">
       <a:lnSpc>
         <a:spcPct val="100000"/>
       </a:lnSpc>
@@ -502,7 +517,7 @@
         <a:srgbClr val="000000"/>
       </a:buClr>
       <a:buFont typeface="Arial"/>
-      <a:defRPr b="0" i="0" sz="1400" u="none" cap="none" strike="noStrike">
+      <a:defRPr sz="1400" b="0" i="0" u="none" strike="noStrike" cap="none">
         <a:solidFill>
           <a:srgbClr val="000000"/>
         </a:solidFill>
@@ -512,7 +527,7 @@
         <a:sym typeface="Arial"/>
       </a:defRPr>
     </a:lvl1pPr>
-    <a:lvl2pPr lvl="1" marR="0" rtl="0" algn="l">
+    <a:lvl2pPr marR="0" lvl="1" algn="l" rtl="0">
       <a:lnSpc>
         <a:spcPct val="100000"/>
       </a:lnSpc>
@@ -526,7 +541,7 @@
         <a:srgbClr val="000000"/>
       </a:buClr>
       <a:buFont typeface="Arial"/>
-      <a:defRPr b="0" i="0" sz="1400" u="none" cap="none" strike="noStrike">
+      <a:defRPr sz="1400" b="0" i="0" u="none" strike="noStrike" cap="none">
         <a:solidFill>
           <a:srgbClr val="000000"/>
         </a:solidFill>
@@ -536,7 +551,7 @@
         <a:sym typeface="Arial"/>
       </a:defRPr>
     </a:lvl2pPr>
-    <a:lvl3pPr lvl="2" marR="0" rtl="0" algn="l">
+    <a:lvl3pPr marR="0" lvl="2" algn="l" rtl="0">
       <a:lnSpc>
         <a:spcPct val="100000"/>
       </a:lnSpc>
@@ -550,7 +565,7 @@
         <a:srgbClr val="000000"/>
       </a:buClr>
       <a:buFont typeface="Arial"/>
-      <a:defRPr b="0" i="0" sz="1400" u="none" cap="none" strike="noStrike">
+      <a:defRPr sz="1400" b="0" i="0" u="none" strike="noStrike" cap="none">
         <a:solidFill>
           <a:srgbClr val="000000"/>
         </a:solidFill>
@@ -560,7 +575,7 @@
         <a:sym typeface="Arial"/>
       </a:defRPr>
     </a:lvl3pPr>
-    <a:lvl4pPr lvl="3" marR="0" rtl="0" algn="l">
+    <a:lvl4pPr marR="0" lvl="3" algn="l" rtl="0">
       <a:lnSpc>
         <a:spcPct val="100000"/>
       </a:lnSpc>
@@ -574,7 +589,7 @@
         <a:srgbClr val="000000"/>
       </a:buClr>
       <a:buFont typeface="Arial"/>
-      <a:defRPr b="0" i="0" sz="1400" u="none" cap="none" strike="noStrike">
+      <a:defRPr sz="1400" b="0" i="0" u="none" strike="noStrike" cap="none">
         <a:solidFill>
           <a:srgbClr val="000000"/>
         </a:solidFill>
@@ -584,7 +599,7 @@
         <a:sym typeface="Arial"/>
       </a:defRPr>
     </a:lvl4pPr>
-    <a:lvl5pPr lvl="4" marR="0" rtl="0" algn="l">
+    <a:lvl5pPr marR="0" lvl="4" algn="l" rtl="0">
       <a:lnSpc>
         <a:spcPct val="100000"/>
       </a:lnSpc>
@@ -598,7 +613,7 @@
         <a:srgbClr val="000000"/>
       </a:buClr>
       <a:buFont typeface="Arial"/>
-      <a:defRPr b="0" i="0" sz="1400" u="none" cap="none" strike="noStrike">
+      <a:defRPr sz="1400" b="0" i="0" u="none" strike="noStrike" cap="none">
         <a:solidFill>
           <a:srgbClr val="000000"/>
         </a:solidFill>
@@ -608,7 +623,7 @@
         <a:sym typeface="Arial"/>
       </a:defRPr>
     </a:lvl5pPr>
-    <a:lvl6pPr lvl="5" marR="0" rtl="0" algn="l">
+    <a:lvl6pPr marR="0" lvl="5" algn="l" rtl="0">
       <a:lnSpc>
         <a:spcPct val="100000"/>
       </a:lnSpc>
@@ -622,7 +637,7 @@
         <a:srgbClr val="000000"/>
       </a:buClr>
       <a:buFont typeface="Arial"/>
-      <a:defRPr b="0" i="0" sz="1400" u="none" cap="none" strike="noStrike">
+      <a:defRPr sz="1400" b="0" i="0" u="none" strike="noStrike" cap="none">
         <a:solidFill>
           <a:srgbClr val="000000"/>
         </a:solidFill>
@@ -632,7 +647,7 @@
         <a:sym typeface="Arial"/>
       </a:defRPr>
     </a:lvl6pPr>
-    <a:lvl7pPr lvl="6" marR="0" rtl="0" algn="l">
+    <a:lvl7pPr marR="0" lvl="6" algn="l" rtl="0">
       <a:lnSpc>
         <a:spcPct val="100000"/>
       </a:lnSpc>
@@ -646,7 +661,7 @@
         <a:srgbClr val="000000"/>
       </a:buClr>
       <a:buFont typeface="Arial"/>
-      <a:defRPr b="0" i="0" sz="1400" u="none" cap="none" strike="noStrike">
+      <a:defRPr sz="1400" b="0" i="0" u="none" strike="noStrike" cap="none">
         <a:solidFill>
           <a:srgbClr val="000000"/>
         </a:solidFill>
@@ -656,7 +671,7 @@
         <a:sym typeface="Arial"/>
       </a:defRPr>
     </a:lvl7pPr>
-    <a:lvl8pPr lvl="7" marR="0" rtl="0" algn="l">
+    <a:lvl8pPr marR="0" lvl="7" algn="l" rtl="0">
       <a:lnSpc>
         <a:spcPct val="100000"/>
       </a:lnSpc>
@@ -670,7 +685,7 @@
         <a:srgbClr val="000000"/>
       </a:buClr>
       <a:buFont typeface="Arial"/>
-      <a:defRPr b="0" i="0" sz="1400" u="none" cap="none" strike="noStrike">
+      <a:defRPr sz="1400" b="0" i="0" u="none" strike="noStrike" cap="none">
         <a:solidFill>
           <a:srgbClr val="000000"/>
         </a:solidFill>
@@ -680,7 +695,7 @@
         <a:sym typeface="Arial"/>
       </a:defRPr>
     </a:lvl8pPr>
-    <a:lvl9pPr lvl="8" marR="0" rtl="0" algn="l">
+    <a:lvl9pPr marR="0" lvl="8" algn="l" rtl="0">
       <a:lnSpc>
         <a:spcPct val="100000"/>
       </a:lnSpc>
@@ -694,7 +709,7 @@
         <a:srgbClr val="000000"/>
       </a:buClr>
       <a:buFont typeface="Arial"/>
-      <a:defRPr b="0" i="0" sz="1400" u="none" cap="none" strike="noStrike">
+      <a:defRPr sz="1400" b="0" i="0" u="none" strike="noStrike" cap="none">
         <a:solidFill>
           <a:srgbClr val="000000"/>
         </a:solidFill>
@@ -709,11 +724,11 @@
 </file>
 
 <file path=ppt/notesSlides/notesSlide1.xml><?xml version="1.0" encoding="utf-8"?>
-<p:notes xmlns:a="http://schemas.openxmlformats.org/drawingml/2006/main" xmlns:r="http://schemas.openxmlformats.org/officeDocument/2006/relationships" xmlns:mc="http://schemas.openxmlformats.org/markup-compatibility/2006" xmlns:mv="urn:schemas-microsoft-com:mac:vml" xmlns:p="http://schemas.openxmlformats.org/presentationml/2006/main" xmlns:c="http://schemas.openxmlformats.org/drawingml/2006/chart" xmlns:dgm="http://schemas.openxmlformats.org/drawingml/2006/diagram" xmlns:o="urn:schemas-microsoft-com:office:office" xmlns:v="urn:schemas-microsoft-com:vml" xmlns:pvml="urn:schemas-microsoft-com:office:powerpoint" xmlns:com="http://schemas.openxmlformats.org/drawingml/2006/compatibility" xmlns:p14="http://schemas.microsoft.com/office/powerpoint/2010/main" xmlns:p15="http://schemas.microsoft.com/office/powerpoint/2012/main" xmlns:ahyp="http://schemas.microsoft.com/office/drawing/2018/hyperlinkcolor" showMasterPhAnim="0" showMasterSp="0">
+<p:notes xmlns:a="http://schemas.openxmlformats.org/drawingml/2006/main" xmlns:r="http://schemas.openxmlformats.org/officeDocument/2006/relationships" xmlns:p="http://schemas.openxmlformats.org/presentationml/2006/main" showMasterSp="0" showMasterPhAnim="0">
   <p:cSld>
     <p:spTree>
       <p:nvGrpSpPr>
-        <p:cNvPr id="50" name="Shape 50"/>
+        <p:cNvPr id="1" name="Shape 50"/>
         <p:cNvGrpSpPr/>
         <p:nvPr/>
       </p:nvGrpSpPr>
@@ -728,9 +743,11 @@
       <p:sp>
         <p:nvSpPr>
           <p:cNvPr id="51" name="Google Shape;51;p:notes"/>
-          <p:cNvSpPr/>
+          <p:cNvSpPr>
+            <a:spLocks noGrp="1" noRot="1" noChangeAspect="1"/>
+          </p:cNvSpPr>
           <p:nvPr>
-            <p:ph idx="2" type="sldImg"/>
+            <p:ph type="sldImg" idx="2"/>
           </p:nvPr>
         </p:nvSpPr>
         <p:spPr>
@@ -739,9 +756,13 @@
             <a:ext cx="6096075" cy="3429000"/>
           </a:xfrm>
           <a:custGeom>
-            <a:rect b="b" l="l" r="r" t="t"/>
+            <a:avLst/>
+            <a:gdLst/>
+            <a:ahLst/>
+            <a:cxnLst/>
+            <a:rect l="l" t="t" r="r" b="b"/>
             <a:pathLst>
-              <a:path extrusionOk="0" h="120000" w="120000">
+              <a:path w="120000" h="120000" extrusionOk="0">
                 <a:moveTo>
                   <a:pt x="0" y="0"/>
                 </a:moveTo>
@@ -763,9 +784,11 @@
       <p:sp>
         <p:nvSpPr>
           <p:cNvPr id="52" name="Google Shape;52;p:notes"/>
-          <p:cNvSpPr txBox="1"/>
+          <p:cNvSpPr txBox="1">
+            <a:spLocks noGrp="1"/>
+          </p:cNvSpPr>
           <p:nvPr>
-            <p:ph idx="1" type="body"/>
+            <p:ph type="body" idx="1"/>
           </p:nvPr>
         </p:nvSpPr>
         <p:spPr>
@@ -778,23 +801,20 @@
           </a:prstGeom>
         </p:spPr>
         <p:txBody>
-          <a:bodyPr anchorCtr="0" anchor="t" bIns="91425" lIns="91425" spcFirstLastPara="1" rIns="91425" wrap="square" tIns="91425">
+          <a:bodyPr spcFirstLastPara="1" wrap="square" lIns="91425" tIns="91425" rIns="91425" bIns="91425" anchor="t" anchorCtr="0">
             <a:noAutofit/>
           </a:bodyPr>
           <a:lstStyle/>
           <a:p>
-            <a:pPr indent="0" lvl="0" marL="0" rtl="0" algn="l">
-              <a:spcBef>
-                <a:spcPts val="0"/>
-              </a:spcBef>
-              <a:spcAft>
-                <a:spcPts val="0"/>
-              </a:spcAft>
-              <a:buNone/>
-            </a:pPr>
-            <a:r>
-              <a:t/>
-            </a:r>
+            <a:pPr marL="0" lvl="0" indent="0" algn="l" rtl="0">
+              <a:spcBef>
+                <a:spcPts val="0"/>
+              </a:spcBef>
+              <a:spcAft>
+                <a:spcPts val="0"/>
+              </a:spcAft>
+              <a:buNone/>
+            </a:pPr>
             <a:endParaRPr/>
           </a:p>
         </p:txBody>
@@ -808,11 +828,11 @@
 </file>
 
 <file path=ppt/notesSlides/notesSlide10.xml><?xml version="1.0" encoding="utf-8"?>
-<p:notes xmlns:a="http://schemas.openxmlformats.org/drawingml/2006/main" xmlns:r="http://schemas.openxmlformats.org/officeDocument/2006/relationships" xmlns:mc="http://schemas.openxmlformats.org/markup-compatibility/2006" xmlns:mv="urn:schemas-microsoft-com:mac:vml" xmlns:p="http://schemas.openxmlformats.org/presentationml/2006/main" xmlns:c="http://schemas.openxmlformats.org/drawingml/2006/chart" xmlns:dgm="http://schemas.openxmlformats.org/drawingml/2006/diagram" xmlns:o="urn:schemas-microsoft-com:office:office" xmlns:v="urn:schemas-microsoft-com:vml" xmlns:pvml="urn:schemas-microsoft-com:office:powerpoint" xmlns:com="http://schemas.openxmlformats.org/drawingml/2006/compatibility" xmlns:p14="http://schemas.microsoft.com/office/powerpoint/2010/main" xmlns:p15="http://schemas.microsoft.com/office/powerpoint/2012/main" xmlns:ahyp="http://schemas.microsoft.com/office/drawing/2018/hyperlinkcolor" showMasterPhAnim="0" showMasterSp="0">
+<p:notes xmlns:a="http://schemas.openxmlformats.org/drawingml/2006/main" xmlns:r="http://schemas.openxmlformats.org/officeDocument/2006/relationships" xmlns:p="http://schemas.openxmlformats.org/presentationml/2006/main" showMasterSp="0" showMasterPhAnim="0">
   <p:cSld>
     <p:spTree>
       <p:nvGrpSpPr>
-        <p:cNvPr id="105" name="Shape 105"/>
+        <p:cNvPr id="1" name="Shape 105"/>
         <p:cNvGrpSpPr/>
         <p:nvPr/>
       </p:nvGrpSpPr>
@@ -827,9 +847,11 @@
       <p:sp>
         <p:nvSpPr>
           <p:cNvPr id="106" name="Google Shape;106;g26e88626879_0_156:notes"/>
-          <p:cNvSpPr/>
+          <p:cNvSpPr>
+            <a:spLocks noGrp="1" noRot="1" noChangeAspect="1"/>
+          </p:cNvSpPr>
           <p:nvPr>
-            <p:ph idx="2" type="sldImg"/>
+            <p:ph type="sldImg" idx="2"/>
           </p:nvPr>
         </p:nvSpPr>
         <p:spPr>
@@ -838,9 +860,13 @@
             <a:ext cx="6096000" cy="3429000"/>
           </a:xfrm>
           <a:custGeom>
-            <a:rect b="b" l="l" r="r" t="t"/>
+            <a:avLst/>
+            <a:gdLst/>
+            <a:ahLst/>
+            <a:cxnLst/>
+            <a:rect l="l" t="t" r="r" b="b"/>
             <a:pathLst>
-              <a:path extrusionOk="0" h="120000" w="120000">
+              <a:path w="120000" h="120000" extrusionOk="0">
                 <a:moveTo>
                   <a:pt x="0" y="0"/>
                 </a:moveTo>
@@ -862,9 +888,11 @@
       <p:sp>
         <p:nvSpPr>
           <p:cNvPr id="107" name="Google Shape;107;g26e88626879_0_156:notes"/>
-          <p:cNvSpPr txBox="1"/>
+          <p:cNvSpPr txBox="1">
+            <a:spLocks noGrp="1"/>
+          </p:cNvSpPr>
           <p:nvPr>
-            <p:ph idx="1" type="body"/>
+            <p:ph type="body" idx="1"/>
           </p:nvPr>
         </p:nvSpPr>
         <p:spPr>
@@ -877,23 +905,20 @@
           </a:prstGeom>
         </p:spPr>
         <p:txBody>
-          <a:bodyPr anchorCtr="0" anchor="t" bIns="91425" lIns="91425" spcFirstLastPara="1" rIns="91425" wrap="square" tIns="91425">
+          <a:bodyPr spcFirstLastPara="1" wrap="square" lIns="91425" tIns="91425" rIns="91425" bIns="91425" anchor="t" anchorCtr="0">
             <a:noAutofit/>
           </a:bodyPr>
           <a:lstStyle/>
           <a:p>
-            <a:pPr indent="0" lvl="0" marL="0" rtl="0" algn="l">
-              <a:spcBef>
-                <a:spcPts val="0"/>
-              </a:spcBef>
-              <a:spcAft>
-                <a:spcPts val="0"/>
-              </a:spcAft>
-              <a:buNone/>
-            </a:pPr>
-            <a:r>
-              <a:t/>
-            </a:r>
+            <a:pPr marL="0" lvl="0" indent="0" algn="l" rtl="0">
+              <a:spcBef>
+                <a:spcPts val="0"/>
+              </a:spcBef>
+              <a:spcAft>
+                <a:spcPts val="0"/>
+              </a:spcAft>
+              <a:buNone/>
+            </a:pPr>
             <a:endParaRPr/>
           </a:p>
         </p:txBody>
@@ -907,11 +932,11 @@
 </file>
 
 <file path=ppt/notesSlides/notesSlide11.xml><?xml version="1.0" encoding="utf-8"?>
-<p:notes xmlns:a="http://schemas.openxmlformats.org/drawingml/2006/main" xmlns:r="http://schemas.openxmlformats.org/officeDocument/2006/relationships" xmlns:mc="http://schemas.openxmlformats.org/markup-compatibility/2006" xmlns:mv="urn:schemas-microsoft-com:mac:vml" xmlns:p="http://schemas.openxmlformats.org/presentationml/2006/main" xmlns:c="http://schemas.openxmlformats.org/drawingml/2006/chart" xmlns:dgm="http://schemas.openxmlformats.org/drawingml/2006/diagram" xmlns:o="urn:schemas-microsoft-com:office:office" xmlns:v="urn:schemas-microsoft-com:vml" xmlns:pvml="urn:schemas-microsoft-com:office:powerpoint" xmlns:com="http://schemas.openxmlformats.org/drawingml/2006/compatibility" xmlns:p14="http://schemas.microsoft.com/office/powerpoint/2010/main" xmlns:p15="http://schemas.microsoft.com/office/powerpoint/2012/main" xmlns:ahyp="http://schemas.microsoft.com/office/drawing/2018/hyperlinkcolor" showMasterPhAnim="0" showMasterSp="0">
+<p:notes xmlns:a="http://schemas.openxmlformats.org/drawingml/2006/main" xmlns:r="http://schemas.openxmlformats.org/officeDocument/2006/relationships" xmlns:p="http://schemas.openxmlformats.org/presentationml/2006/main" showMasterSp="0" showMasterPhAnim="0">
   <p:cSld>
     <p:spTree>
       <p:nvGrpSpPr>
-        <p:cNvPr id="111" name="Shape 111"/>
+        <p:cNvPr id="1" name="Shape 111"/>
         <p:cNvGrpSpPr/>
         <p:nvPr/>
       </p:nvGrpSpPr>
@@ -926,9 +951,11 @@
       <p:sp>
         <p:nvSpPr>
           <p:cNvPr id="112" name="Google Shape;112;g26e88626879_0_164:notes"/>
-          <p:cNvSpPr/>
+          <p:cNvSpPr>
+            <a:spLocks noGrp="1" noRot="1" noChangeAspect="1"/>
+          </p:cNvSpPr>
           <p:nvPr>
-            <p:ph idx="2" type="sldImg"/>
+            <p:ph type="sldImg" idx="2"/>
           </p:nvPr>
         </p:nvSpPr>
         <p:spPr>
@@ -937,9 +964,13 @@
             <a:ext cx="6096000" cy="3429000"/>
           </a:xfrm>
           <a:custGeom>
-            <a:rect b="b" l="l" r="r" t="t"/>
+            <a:avLst/>
+            <a:gdLst/>
+            <a:ahLst/>
+            <a:cxnLst/>
+            <a:rect l="l" t="t" r="r" b="b"/>
             <a:pathLst>
-              <a:path extrusionOk="0" h="120000" w="120000">
+              <a:path w="120000" h="120000" extrusionOk="0">
                 <a:moveTo>
                   <a:pt x="0" y="0"/>
                 </a:moveTo>
@@ -961,9 +992,11 @@
       <p:sp>
         <p:nvSpPr>
           <p:cNvPr id="113" name="Google Shape;113;g26e88626879_0_164:notes"/>
-          <p:cNvSpPr txBox="1"/>
+          <p:cNvSpPr txBox="1">
+            <a:spLocks noGrp="1"/>
+          </p:cNvSpPr>
           <p:nvPr>
-            <p:ph idx="1" type="body"/>
+            <p:ph type="body" idx="1"/>
           </p:nvPr>
         </p:nvSpPr>
         <p:spPr>
@@ -976,23 +1009,20 @@
           </a:prstGeom>
         </p:spPr>
         <p:txBody>
-          <a:bodyPr anchorCtr="0" anchor="t" bIns="91425" lIns="91425" spcFirstLastPara="1" rIns="91425" wrap="square" tIns="91425">
+          <a:bodyPr spcFirstLastPara="1" wrap="square" lIns="91425" tIns="91425" rIns="91425" bIns="91425" anchor="t" anchorCtr="0">
             <a:noAutofit/>
           </a:bodyPr>
           <a:lstStyle/>
           <a:p>
-            <a:pPr indent="0" lvl="0" marL="0" rtl="0" algn="l">
-              <a:spcBef>
-                <a:spcPts val="0"/>
-              </a:spcBef>
-              <a:spcAft>
-                <a:spcPts val="0"/>
-              </a:spcAft>
-              <a:buNone/>
-            </a:pPr>
-            <a:r>
-              <a:t/>
-            </a:r>
+            <a:pPr marL="0" lvl="0" indent="0" algn="l" rtl="0">
+              <a:spcBef>
+                <a:spcPts val="0"/>
+              </a:spcBef>
+              <a:spcAft>
+                <a:spcPts val="0"/>
+              </a:spcAft>
+              <a:buNone/>
+            </a:pPr>
             <a:endParaRPr/>
           </a:p>
         </p:txBody>
@@ -1006,11 +1036,11 @@
 </file>
 
 <file path=ppt/notesSlides/notesSlide12.xml><?xml version="1.0" encoding="utf-8"?>
-<p:notes xmlns:a="http://schemas.openxmlformats.org/drawingml/2006/main" xmlns:r="http://schemas.openxmlformats.org/officeDocument/2006/relationships" xmlns:mc="http://schemas.openxmlformats.org/markup-compatibility/2006" xmlns:mv="urn:schemas-microsoft-com:mac:vml" xmlns:p="http://schemas.openxmlformats.org/presentationml/2006/main" xmlns:c="http://schemas.openxmlformats.org/drawingml/2006/chart" xmlns:dgm="http://schemas.openxmlformats.org/drawingml/2006/diagram" xmlns:o="urn:schemas-microsoft-com:office:office" xmlns:v="urn:schemas-microsoft-com:vml" xmlns:pvml="urn:schemas-microsoft-com:office:powerpoint" xmlns:com="http://schemas.openxmlformats.org/drawingml/2006/compatibility" xmlns:p14="http://schemas.microsoft.com/office/powerpoint/2010/main" xmlns:p15="http://schemas.microsoft.com/office/powerpoint/2012/main" xmlns:ahyp="http://schemas.microsoft.com/office/drawing/2018/hyperlinkcolor" showMasterPhAnim="0" showMasterSp="0">
+<p:notes xmlns:a="http://schemas.openxmlformats.org/drawingml/2006/main" xmlns:r="http://schemas.openxmlformats.org/officeDocument/2006/relationships" xmlns:p="http://schemas.openxmlformats.org/presentationml/2006/main" showMasterSp="0" showMasterPhAnim="0">
   <p:cSld>
     <p:spTree>
       <p:nvGrpSpPr>
-        <p:cNvPr id="117" name="Shape 117"/>
+        <p:cNvPr id="1" name="Shape 117"/>
         <p:cNvGrpSpPr/>
         <p:nvPr/>
       </p:nvGrpSpPr>
@@ -1025,9 +1055,11 @@
       <p:sp>
         <p:nvSpPr>
           <p:cNvPr id="118" name="Google Shape;118;g26e88626879_0_175:notes"/>
-          <p:cNvSpPr/>
+          <p:cNvSpPr>
+            <a:spLocks noGrp="1" noRot="1" noChangeAspect="1"/>
+          </p:cNvSpPr>
           <p:nvPr>
-            <p:ph idx="2" type="sldImg"/>
+            <p:ph type="sldImg" idx="2"/>
           </p:nvPr>
         </p:nvSpPr>
         <p:spPr>
@@ -1036,9 +1068,13 @@
             <a:ext cx="6096000" cy="3429000"/>
           </a:xfrm>
           <a:custGeom>
-            <a:rect b="b" l="l" r="r" t="t"/>
+            <a:avLst/>
+            <a:gdLst/>
+            <a:ahLst/>
+            <a:cxnLst/>
+            <a:rect l="l" t="t" r="r" b="b"/>
             <a:pathLst>
-              <a:path extrusionOk="0" h="120000" w="120000">
+              <a:path w="120000" h="120000" extrusionOk="0">
                 <a:moveTo>
                   <a:pt x="0" y="0"/>
                 </a:moveTo>
@@ -1060,9 +1096,11 @@
       <p:sp>
         <p:nvSpPr>
           <p:cNvPr id="119" name="Google Shape;119;g26e88626879_0_175:notes"/>
-          <p:cNvSpPr txBox="1"/>
+          <p:cNvSpPr txBox="1">
+            <a:spLocks noGrp="1"/>
+          </p:cNvSpPr>
           <p:nvPr>
-            <p:ph idx="1" type="body"/>
+            <p:ph type="body" idx="1"/>
           </p:nvPr>
         </p:nvSpPr>
         <p:spPr>
@@ -1075,23 +1113,20 @@
           </a:prstGeom>
         </p:spPr>
         <p:txBody>
-          <a:bodyPr anchorCtr="0" anchor="t" bIns="91425" lIns="91425" spcFirstLastPara="1" rIns="91425" wrap="square" tIns="91425">
+          <a:bodyPr spcFirstLastPara="1" wrap="square" lIns="91425" tIns="91425" rIns="91425" bIns="91425" anchor="t" anchorCtr="0">
             <a:noAutofit/>
           </a:bodyPr>
           <a:lstStyle/>
           <a:p>
-            <a:pPr indent="0" lvl="0" marL="0" rtl="0" algn="l">
-              <a:spcBef>
-                <a:spcPts val="0"/>
-              </a:spcBef>
-              <a:spcAft>
-                <a:spcPts val="0"/>
-              </a:spcAft>
-              <a:buNone/>
-            </a:pPr>
-            <a:r>
-              <a:t/>
-            </a:r>
+            <a:pPr marL="0" lvl="0" indent="0" algn="l" rtl="0">
+              <a:spcBef>
+                <a:spcPts val="0"/>
+              </a:spcBef>
+              <a:spcAft>
+                <a:spcPts val="0"/>
+              </a:spcAft>
+              <a:buNone/>
+            </a:pPr>
             <a:endParaRPr/>
           </a:p>
         </p:txBody>
@@ -1105,11 +1140,11 @@
 </file>
 
 <file path=ppt/notesSlides/notesSlide13.xml><?xml version="1.0" encoding="utf-8"?>
-<p:notes xmlns:a="http://schemas.openxmlformats.org/drawingml/2006/main" xmlns:r="http://schemas.openxmlformats.org/officeDocument/2006/relationships" xmlns:mc="http://schemas.openxmlformats.org/markup-compatibility/2006" xmlns:mv="urn:schemas-microsoft-com:mac:vml" xmlns:p="http://schemas.openxmlformats.org/presentationml/2006/main" xmlns:c="http://schemas.openxmlformats.org/drawingml/2006/chart" xmlns:dgm="http://schemas.openxmlformats.org/drawingml/2006/diagram" xmlns:o="urn:schemas-microsoft-com:office:office" xmlns:v="urn:schemas-microsoft-com:vml" xmlns:pvml="urn:schemas-microsoft-com:office:powerpoint" xmlns:com="http://schemas.openxmlformats.org/drawingml/2006/compatibility" xmlns:p14="http://schemas.microsoft.com/office/powerpoint/2010/main" xmlns:p15="http://schemas.microsoft.com/office/powerpoint/2012/main" xmlns:ahyp="http://schemas.microsoft.com/office/drawing/2018/hyperlinkcolor" showMasterPhAnim="0" showMasterSp="0">
+<p:notes xmlns:a="http://schemas.openxmlformats.org/drawingml/2006/main" xmlns:r="http://schemas.openxmlformats.org/officeDocument/2006/relationships" xmlns:p="http://schemas.openxmlformats.org/presentationml/2006/main" showMasterSp="0" showMasterPhAnim="0">
   <p:cSld>
     <p:spTree>
       <p:nvGrpSpPr>
-        <p:cNvPr id="123" name="Shape 123"/>
+        <p:cNvPr id="1" name="Shape 123"/>
         <p:cNvGrpSpPr/>
         <p:nvPr/>
       </p:nvGrpSpPr>
@@ -1124,9 +1159,11 @@
       <p:sp>
         <p:nvSpPr>
           <p:cNvPr id="124" name="Google Shape;124;g26e88626879_0_184:notes"/>
-          <p:cNvSpPr/>
+          <p:cNvSpPr>
+            <a:spLocks noGrp="1" noRot="1" noChangeAspect="1"/>
+          </p:cNvSpPr>
           <p:nvPr>
-            <p:ph idx="2" type="sldImg"/>
+            <p:ph type="sldImg" idx="2"/>
           </p:nvPr>
         </p:nvSpPr>
         <p:spPr>
@@ -1135,9 +1172,13 @@
             <a:ext cx="6096000" cy="3429000"/>
           </a:xfrm>
           <a:custGeom>
-            <a:rect b="b" l="l" r="r" t="t"/>
+            <a:avLst/>
+            <a:gdLst/>
+            <a:ahLst/>
+            <a:cxnLst/>
+            <a:rect l="l" t="t" r="r" b="b"/>
             <a:pathLst>
-              <a:path extrusionOk="0" h="120000" w="120000">
+              <a:path w="120000" h="120000" extrusionOk="0">
                 <a:moveTo>
                   <a:pt x="0" y="0"/>
                 </a:moveTo>
@@ -1159,9 +1200,11 @@
       <p:sp>
         <p:nvSpPr>
           <p:cNvPr id="125" name="Google Shape;125;g26e88626879_0_184:notes"/>
-          <p:cNvSpPr txBox="1"/>
+          <p:cNvSpPr txBox="1">
+            <a:spLocks noGrp="1"/>
+          </p:cNvSpPr>
           <p:nvPr>
-            <p:ph idx="1" type="body"/>
+            <p:ph type="body" idx="1"/>
           </p:nvPr>
         </p:nvSpPr>
         <p:spPr>
@@ -1174,23 +1217,20 @@
           </a:prstGeom>
         </p:spPr>
         <p:txBody>
-          <a:bodyPr anchorCtr="0" anchor="t" bIns="91425" lIns="91425" spcFirstLastPara="1" rIns="91425" wrap="square" tIns="91425">
+          <a:bodyPr spcFirstLastPara="1" wrap="square" lIns="91425" tIns="91425" rIns="91425" bIns="91425" anchor="t" anchorCtr="0">
             <a:noAutofit/>
           </a:bodyPr>
           <a:lstStyle/>
           <a:p>
-            <a:pPr indent="0" lvl="0" marL="0" rtl="0" algn="l">
-              <a:spcBef>
-                <a:spcPts val="0"/>
-              </a:spcBef>
-              <a:spcAft>
-                <a:spcPts val="0"/>
-              </a:spcAft>
-              <a:buNone/>
-            </a:pPr>
-            <a:r>
-              <a:t/>
-            </a:r>
+            <a:pPr marL="0" lvl="0" indent="0" algn="l" rtl="0">
+              <a:spcBef>
+                <a:spcPts val="0"/>
+              </a:spcBef>
+              <a:spcAft>
+                <a:spcPts val="0"/>
+              </a:spcAft>
+              <a:buNone/>
+            </a:pPr>
             <a:endParaRPr/>
           </a:p>
         </p:txBody>
@@ -1204,11 +1244,11 @@
 </file>
 
 <file path=ppt/notesSlides/notesSlide14.xml><?xml version="1.0" encoding="utf-8"?>
-<p:notes xmlns:a="http://schemas.openxmlformats.org/drawingml/2006/main" xmlns:r="http://schemas.openxmlformats.org/officeDocument/2006/relationships" xmlns:mc="http://schemas.openxmlformats.org/markup-compatibility/2006" xmlns:mv="urn:schemas-microsoft-com:mac:vml" xmlns:p="http://schemas.openxmlformats.org/presentationml/2006/main" xmlns:c="http://schemas.openxmlformats.org/drawingml/2006/chart" xmlns:dgm="http://schemas.openxmlformats.org/drawingml/2006/diagram" xmlns:o="urn:schemas-microsoft-com:office:office" xmlns:v="urn:schemas-microsoft-com:vml" xmlns:pvml="urn:schemas-microsoft-com:office:powerpoint" xmlns:com="http://schemas.openxmlformats.org/drawingml/2006/compatibility" xmlns:p14="http://schemas.microsoft.com/office/powerpoint/2010/main" xmlns:p15="http://schemas.microsoft.com/office/powerpoint/2012/main" xmlns:ahyp="http://schemas.microsoft.com/office/drawing/2018/hyperlinkcolor" showMasterPhAnim="0" showMasterSp="0">
+<p:notes xmlns:a="http://schemas.openxmlformats.org/drawingml/2006/main" xmlns:r="http://schemas.openxmlformats.org/officeDocument/2006/relationships" xmlns:p="http://schemas.openxmlformats.org/presentationml/2006/main" showMasterSp="0" showMasterPhAnim="0">
   <p:cSld>
     <p:spTree>
       <p:nvGrpSpPr>
-        <p:cNvPr id="130" name="Shape 130"/>
+        <p:cNvPr id="1" name="Shape 130"/>
         <p:cNvGrpSpPr/>
         <p:nvPr/>
       </p:nvGrpSpPr>
@@ -1223,9 +1263,11 @@
       <p:sp>
         <p:nvSpPr>
           <p:cNvPr id="131" name="Google Shape;131;g26e88626879_0_195:notes"/>
-          <p:cNvSpPr/>
+          <p:cNvSpPr>
+            <a:spLocks noGrp="1" noRot="1" noChangeAspect="1"/>
+          </p:cNvSpPr>
           <p:nvPr>
-            <p:ph idx="2" type="sldImg"/>
+            <p:ph type="sldImg" idx="2"/>
           </p:nvPr>
         </p:nvSpPr>
         <p:spPr>
@@ -1234,9 +1276,13 @@
             <a:ext cx="6096000" cy="3429000"/>
           </a:xfrm>
           <a:custGeom>
-            <a:rect b="b" l="l" r="r" t="t"/>
+            <a:avLst/>
+            <a:gdLst/>
+            <a:ahLst/>
+            <a:cxnLst/>
+            <a:rect l="l" t="t" r="r" b="b"/>
             <a:pathLst>
-              <a:path extrusionOk="0" h="120000" w="120000">
+              <a:path w="120000" h="120000" extrusionOk="0">
                 <a:moveTo>
                   <a:pt x="0" y="0"/>
                 </a:moveTo>
@@ -1258,9 +1304,11 @@
       <p:sp>
         <p:nvSpPr>
           <p:cNvPr id="132" name="Google Shape;132;g26e88626879_0_195:notes"/>
-          <p:cNvSpPr txBox="1"/>
+          <p:cNvSpPr txBox="1">
+            <a:spLocks noGrp="1"/>
+          </p:cNvSpPr>
           <p:nvPr>
-            <p:ph idx="1" type="body"/>
+            <p:ph type="body" idx="1"/>
           </p:nvPr>
         </p:nvSpPr>
         <p:spPr>
@@ -1273,23 +1321,20 @@
           </a:prstGeom>
         </p:spPr>
         <p:txBody>
-          <a:bodyPr anchorCtr="0" anchor="t" bIns="91425" lIns="91425" spcFirstLastPara="1" rIns="91425" wrap="square" tIns="91425">
+          <a:bodyPr spcFirstLastPara="1" wrap="square" lIns="91425" tIns="91425" rIns="91425" bIns="91425" anchor="t" anchorCtr="0">
             <a:noAutofit/>
           </a:bodyPr>
           <a:lstStyle/>
           <a:p>
-            <a:pPr indent="0" lvl="0" marL="0" rtl="0" algn="l">
-              <a:spcBef>
-                <a:spcPts val="0"/>
-              </a:spcBef>
-              <a:spcAft>
-                <a:spcPts val="0"/>
-              </a:spcAft>
-              <a:buNone/>
-            </a:pPr>
-            <a:r>
-              <a:t/>
-            </a:r>
+            <a:pPr marL="0" lvl="0" indent="0" algn="l" rtl="0">
+              <a:spcBef>
+                <a:spcPts val="0"/>
+              </a:spcBef>
+              <a:spcAft>
+                <a:spcPts val="0"/>
+              </a:spcAft>
+              <a:buNone/>
+            </a:pPr>
             <a:endParaRPr/>
           </a:p>
         </p:txBody>
@@ -1303,11 +1348,11 @@
 </file>
 
 <file path=ppt/notesSlides/notesSlide15.xml><?xml version="1.0" encoding="utf-8"?>
-<p:notes xmlns:a="http://schemas.openxmlformats.org/drawingml/2006/main" xmlns:r="http://schemas.openxmlformats.org/officeDocument/2006/relationships" xmlns:mc="http://schemas.openxmlformats.org/markup-compatibility/2006" xmlns:mv="urn:schemas-microsoft-com:mac:vml" xmlns:p="http://schemas.openxmlformats.org/presentationml/2006/main" xmlns:c="http://schemas.openxmlformats.org/drawingml/2006/chart" xmlns:dgm="http://schemas.openxmlformats.org/drawingml/2006/diagram" xmlns:o="urn:schemas-microsoft-com:office:office" xmlns:v="urn:schemas-microsoft-com:vml" xmlns:pvml="urn:schemas-microsoft-com:office:powerpoint" xmlns:com="http://schemas.openxmlformats.org/drawingml/2006/compatibility" xmlns:p14="http://schemas.microsoft.com/office/powerpoint/2010/main" xmlns:p15="http://schemas.microsoft.com/office/powerpoint/2012/main" xmlns:ahyp="http://schemas.microsoft.com/office/drawing/2018/hyperlinkcolor" showMasterPhAnim="0" showMasterSp="0">
+<p:notes xmlns:a="http://schemas.openxmlformats.org/drawingml/2006/main" xmlns:r="http://schemas.openxmlformats.org/officeDocument/2006/relationships" xmlns:p="http://schemas.openxmlformats.org/presentationml/2006/main" showMasterSp="0" showMasterPhAnim="0">
   <p:cSld>
     <p:spTree>
       <p:nvGrpSpPr>
-        <p:cNvPr id="138" name="Shape 138"/>
+        <p:cNvPr id="1" name="Shape 138"/>
         <p:cNvGrpSpPr/>
         <p:nvPr/>
       </p:nvGrpSpPr>
@@ -1322,9 +1367,11 @@
       <p:sp>
         <p:nvSpPr>
           <p:cNvPr id="139" name="Google Shape;139;g26e88626879_0_208:notes"/>
-          <p:cNvSpPr/>
+          <p:cNvSpPr>
+            <a:spLocks noGrp="1" noRot="1" noChangeAspect="1"/>
+          </p:cNvSpPr>
           <p:nvPr>
-            <p:ph idx="2" type="sldImg"/>
+            <p:ph type="sldImg" idx="2"/>
           </p:nvPr>
         </p:nvSpPr>
         <p:spPr>
@@ -1333,9 +1380,13 @@
             <a:ext cx="6096000" cy="3429000"/>
           </a:xfrm>
           <a:custGeom>
-            <a:rect b="b" l="l" r="r" t="t"/>
+            <a:avLst/>
+            <a:gdLst/>
+            <a:ahLst/>
+            <a:cxnLst/>
+            <a:rect l="l" t="t" r="r" b="b"/>
             <a:pathLst>
-              <a:path extrusionOk="0" h="120000" w="120000">
+              <a:path w="120000" h="120000" extrusionOk="0">
                 <a:moveTo>
                   <a:pt x="0" y="0"/>
                 </a:moveTo>
@@ -1357,9 +1408,11 @@
       <p:sp>
         <p:nvSpPr>
           <p:cNvPr id="140" name="Google Shape;140;g26e88626879_0_208:notes"/>
-          <p:cNvSpPr txBox="1"/>
+          <p:cNvSpPr txBox="1">
+            <a:spLocks noGrp="1"/>
+          </p:cNvSpPr>
           <p:nvPr>
-            <p:ph idx="1" type="body"/>
+            <p:ph type="body" idx="1"/>
           </p:nvPr>
         </p:nvSpPr>
         <p:spPr>
@@ -1372,23 +1425,20 @@
           </a:prstGeom>
         </p:spPr>
         <p:txBody>
-          <a:bodyPr anchorCtr="0" anchor="t" bIns="91425" lIns="91425" spcFirstLastPara="1" rIns="91425" wrap="square" tIns="91425">
+          <a:bodyPr spcFirstLastPara="1" wrap="square" lIns="91425" tIns="91425" rIns="91425" bIns="91425" anchor="t" anchorCtr="0">
             <a:noAutofit/>
           </a:bodyPr>
           <a:lstStyle/>
           <a:p>
-            <a:pPr indent="0" lvl="0" marL="0" rtl="0" algn="l">
-              <a:spcBef>
-                <a:spcPts val="0"/>
-              </a:spcBef>
-              <a:spcAft>
-                <a:spcPts val="0"/>
-              </a:spcAft>
-              <a:buNone/>
-            </a:pPr>
-            <a:r>
-              <a:t/>
-            </a:r>
+            <a:pPr marL="0" lvl="0" indent="0" algn="l" rtl="0">
+              <a:spcBef>
+                <a:spcPts val="0"/>
+              </a:spcBef>
+              <a:spcAft>
+                <a:spcPts val="0"/>
+              </a:spcAft>
+              <a:buNone/>
+            </a:pPr>
             <a:endParaRPr/>
           </a:p>
         </p:txBody>
@@ -1402,11 +1452,11 @@
 </file>
 
 <file path=ppt/notesSlides/notesSlide16.xml><?xml version="1.0" encoding="utf-8"?>
-<p:notes xmlns:a="http://schemas.openxmlformats.org/drawingml/2006/main" xmlns:r="http://schemas.openxmlformats.org/officeDocument/2006/relationships" xmlns:mc="http://schemas.openxmlformats.org/markup-compatibility/2006" xmlns:mv="urn:schemas-microsoft-com:mac:vml" xmlns:p="http://schemas.openxmlformats.org/presentationml/2006/main" xmlns:c="http://schemas.openxmlformats.org/drawingml/2006/chart" xmlns:dgm="http://schemas.openxmlformats.org/drawingml/2006/diagram" xmlns:o="urn:schemas-microsoft-com:office:office" xmlns:v="urn:schemas-microsoft-com:vml" xmlns:pvml="urn:schemas-microsoft-com:office:powerpoint" xmlns:com="http://schemas.openxmlformats.org/drawingml/2006/compatibility" xmlns:p14="http://schemas.microsoft.com/office/powerpoint/2010/main" xmlns:p15="http://schemas.microsoft.com/office/powerpoint/2012/main" xmlns:ahyp="http://schemas.microsoft.com/office/drawing/2018/hyperlinkcolor" showMasterPhAnim="0" showMasterSp="0">
+<p:notes xmlns:a="http://schemas.openxmlformats.org/drawingml/2006/main" xmlns:r="http://schemas.openxmlformats.org/officeDocument/2006/relationships" xmlns:p="http://schemas.openxmlformats.org/presentationml/2006/main" showMasterSp="0" showMasterPhAnim="0">
   <p:cSld>
     <p:spTree>
       <p:nvGrpSpPr>
-        <p:cNvPr id="144" name="Shape 144"/>
+        <p:cNvPr id="1" name="Shape 144"/>
         <p:cNvGrpSpPr/>
         <p:nvPr/>
       </p:nvGrpSpPr>
@@ -1421,9 +1471,11 @@
       <p:sp>
         <p:nvSpPr>
           <p:cNvPr id="145" name="Google Shape;145;g26e88626879_0_226:notes"/>
-          <p:cNvSpPr/>
+          <p:cNvSpPr>
+            <a:spLocks noGrp="1" noRot="1" noChangeAspect="1"/>
+          </p:cNvSpPr>
           <p:nvPr>
-            <p:ph idx="2" type="sldImg"/>
+            <p:ph type="sldImg" idx="2"/>
           </p:nvPr>
         </p:nvSpPr>
         <p:spPr>
@@ -1432,9 +1484,13 @@
             <a:ext cx="6096000" cy="3429000"/>
           </a:xfrm>
           <a:custGeom>
-            <a:rect b="b" l="l" r="r" t="t"/>
+            <a:avLst/>
+            <a:gdLst/>
+            <a:ahLst/>
+            <a:cxnLst/>
+            <a:rect l="l" t="t" r="r" b="b"/>
             <a:pathLst>
-              <a:path extrusionOk="0" h="120000" w="120000">
+              <a:path w="120000" h="120000" extrusionOk="0">
                 <a:moveTo>
                   <a:pt x="0" y="0"/>
                 </a:moveTo>
@@ -1456,9 +1512,11 @@
       <p:sp>
         <p:nvSpPr>
           <p:cNvPr id="146" name="Google Shape;146;g26e88626879_0_226:notes"/>
-          <p:cNvSpPr txBox="1"/>
+          <p:cNvSpPr txBox="1">
+            <a:spLocks noGrp="1"/>
+          </p:cNvSpPr>
           <p:nvPr>
-            <p:ph idx="1" type="body"/>
+            <p:ph type="body" idx="1"/>
           </p:nvPr>
         </p:nvSpPr>
         <p:spPr>
@@ -1471,23 +1529,20 @@
           </a:prstGeom>
         </p:spPr>
         <p:txBody>
-          <a:bodyPr anchorCtr="0" anchor="t" bIns="91425" lIns="91425" spcFirstLastPara="1" rIns="91425" wrap="square" tIns="91425">
+          <a:bodyPr spcFirstLastPara="1" wrap="square" lIns="91425" tIns="91425" rIns="91425" bIns="91425" anchor="t" anchorCtr="0">
             <a:noAutofit/>
           </a:bodyPr>
           <a:lstStyle/>
           <a:p>
-            <a:pPr indent="0" lvl="0" marL="0" rtl="0" algn="l">
-              <a:spcBef>
-                <a:spcPts val="0"/>
-              </a:spcBef>
-              <a:spcAft>
-                <a:spcPts val="0"/>
-              </a:spcAft>
-              <a:buNone/>
-            </a:pPr>
-            <a:r>
-              <a:t/>
-            </a:r>
+            <a:pPr marL="0" lvl="0" indent="0" algn="l" rtl="0">
+              <a:spcBef>
+                <a:spcPts val="0"/>
+              </a:spcBef>
+              <a:spcAft>
+                <a:spcPts val="0"/>
+              </a:spcAft>
+              <a:buNone/>
+            </a:pPr>
             <a:endParaRPr/>
           </a:p>
         </p:txBody>
@@ -1501,11 +1556,11 @@
 </file>
 
 <file path=ppt/notesSlides/notesSlide17.xml><?xml version="1.0" encoding="utf-8"?>
-<p:notes xmlns:a="http://schemas.openxmlformats.org/drawingml/2006/main" xmlns:r="http://schemas.openxmlformats.org/officeDocument/2006/relationships" xmlns:mc="http://schemas.openxmlformats.org/markup-compatibility/2006" xmlns:mv="urn:schemas-microsoft-com:mac:vml" xmlns:p="http://schemas.openxmlformats.org/presentationml/2006/main" xmlns:c="http://schemas.openxmlformats.org/drawingml/2006/chart" xmlns:dgm="http://schemas.openxmlformats.org/drawingml/2006/diagram" xmlns:o="urn:schemas-microsoft-com:office:office" xmlns:v="urn:schemas-microsoft-com:vml" xmlns:pvml="urn:schemas-microsoft-com:office:powerpoint" xmlns:com="http://schemas.openxmlformats.org/drawingml/2006/compatibility" xmlns:p14="http://schemas.microsoft.com/office/powerpoint/2010/main" xmlns:p15="http://schemas.microsoft.com/office/powerpoint/2012/main" xmlns:ahyp="http://schemas.microsoft.com/office/drawing/2018/hyperlinkcolor" showMasterPhAnim="0" showMasterSp="0">
+<p:notes xmlns:a="http://schemas.openxmlformats.org/drawingml/2006/main" xmlns:r="http://schemas.openxmlformats.org/officeDocument/2006/relationships" xmlns:p="http://schemas.openxmlformats.org/presentationml/2006/main" showMasterSp="0" showMasterPhAnim="0">
   <p:cSld>
     <p:spTree>
       <p:nvGrpSpPr>
-        <p:cNvPr id="151" name="Shape 151"/>
+        <p:cNvPr id="1" name="Shape 151"/>
         <p:cNvGrpSpPr/>
         <p:nvPr/>
       </p:nvGrpSpPr>
@@ -1520,9 +1575,11 @@
       <p:sp>
         <p:nvSpPr>
           <p:cNvPr id="152" name="Google Shape;152;g26e88626879_0_232:notes"/>
-          <p:cNvSpPr/>
+          <p:cNvSpPr>
+            <a:spLocks noGrp="1" noRot="1" noChangeAspect="1"/>
+          </p:cNvSpPr>
           <p:nvPr>
-            <p:ph idx="2" type="sldImg"/>
+            <p:ph type="sldImg" idx="2"/>
           </p:nvPr>
         </p:nvSpPr>
         <p:spPr>
@@ -1531,9 +1588,13 @@
             <a:ext cx="6096000" cy="3429000"/>
           </a:xfrm>
           <a:custGeom>
-            <a:rect b="b" l="l" r="r" t="t"/>
+            <a:avLst/>
+            <a:gdLst/>
+            <a:ahLst/>
+            <a:cxnLst/>
+            <a:rect l="l" t="t" r="r" b="b"/>
             <a:pathLst>
-              <a:path extrusionOk="0" h="120000" w="120000">
+              <a:path w="120000" h="120000" extrusionOk="0">
                 <a:moveTo>
                   <a:pt x="0" y="0"/>
                 </a:moveTo>
@@ -1555,9 +1616,11 @@
       <p:sp>
         <p:nvSpPr>
           <p:cNvPr id="153" name="Google Shape;153;g26e88626879_0_232:notes"/>
-          <p:cNvSpPr txBox="1"/>
+          <p:cNvSpPr txBox="1">
+            <a:spLocks noGrp="1"/>
+          </p:cNvSpPr>
           <p:nvPr>
-            <p:ph idx="1" type="body"/>
+            <p:ph type="body" idx="1"/>
           </p:nvPr>
         </p:nvSpPr>
         <p:spPr>
@@ -1570,23 +1633,20 @@
           </a:prstGeom>
         </p:spPr>
         <p:txBody>
-          <a:bodyPr anchorCtr="0" anchor="t" bIns="91425" lIns="91425" spcFirstLastPara="1" rIns="91425" wrap="square" tIns="91425">
+          <a:bodyPr spcFirstLastPara="1" wrap="square" lIns="91425" tIns="91425" rIns="91425" bIns="91425" anchor="t" anchorCtr="0">
             <a:noAutofit/>
           </a:bodyPr>
           <a:lstStyle/>
           <a:p>
-            <a:pPr indent="0" lvl="0" marL="0" rtl="0" algn="l">
-              <a:spcBef>
-                <a:spcPts val="0"/>
-              </a:spcBef>
-              <a:spcAft>
-                <a:spcPts val="0"/>
-              </a:spcAft>
-              <a:buNone/>
-            </a:pPr>
-            <a:r>
-              <a:t/>
-            </a:r>
+            <a:pPr marL="0" lvl="0" indent="0" algn="l" rtl="0">
+              <a:spcBef>
+                <a:spcPts val="0"/>
+              </a:spcBef>
+              <a:spcAft>
+                <a:spcPts val="0"/>
+              </a:spcAft>
+              <a:buNone/>
+            </a:pPr>
             <a:endParaRPr/>
           </a:p>
         </p:txBody>
@@ -1600,11 +1660,11 @@
 </file>
 
 <file path=ppt/notesSlides/notesSlide18.xml><?xml version="1.0" encoding="utf-8"?>
-<p:notes xmlns:a="http://schemas.openxmlformats.org/drawingml/2006/main" xmlns:r="http://schemas.openxmlformats.org/officeDocument/2006/relationships" xmlns:mc="http://schemas.openxmlformats.org/markup-compatibility/2006" xmlns:mv="urn:schemas-microsoft-com:mac:vml" xmlns:p="http://schemas.openxmlformats.org/presentationml/2006/main" xmlns:c="http://schemas.openxmlformats.org/drawingml/2006/chart" xmlns:dgm="http://schemas.openxmlformats.org/drawingml/2006/diagram" xmlns:o="urn:schemas-microsoft-com:office:office" xmlns:v="urn:schemas-microsoft-com:vml" xmlns:pvml="urn:schemas-microsoft-com:office:powerpoint" xmlns:com="http://schemas.openxmlformats.org/drawingml/2006/compatibility" xmlns:p14="http://schemas.microsoft.com/office/powerpoint/2010/main" xmlns:p15="http://schemas.microsoft.com/office/powerpoint/2012/main" xmlns:ahyp="http://schemas.microsoft.com/office/drawing/2018/hyperlinkcolor" showMasterPhAnim="0" showMasterSp="0">
+<p:notes xmlns:a="http://schemas.openxmlformats.org/drawingml/2006/main" xmlns:r="http://schemas.openxmlformats.org/officeDocument/2006/relationships" xmlns:p="http://schemas.openxmlformats.org/presentationml/2006/main" showMasterSp="0" showMasterPhAnim="0">
   <p:cSld>
     <p:spTree>
       <p:nvGrpSpPr>
-        <p:cNvPr id="157" name="Shape 157"/>
+        <p:cNvPr id="1" name="Shape 157"/>
         <p:cNvGrpSpPr/>
         <p:nvPr/>
       </p:nvGrpSpPr>
@@ -1619,9 +1679,11 @@
       <p:sp>
         <p:nvSpPr>
           <p:cNvPr id="158" name="Google Shape;158;g26e88626879_0_237:notes"/>
-          <p:cNvSpPr/>
+          <p:cNvSpPr>
+            <a:spLocks noGrp="1" noRot="1" noChangeAspect="1"/>
+          </p:cNvSpPr>
           <p:nvPr>
-            <p:ph idx="2" type="sldImg"/>
+            <p:ph type="sldImg" idx="2"/>
           </p:nvPr>
         </p:nvSpPr>
         <p:spPr>
@@ -1630,9 +1692,13 @@
             <a:ext cx="6096000" cy="3429000"/>
           </a:xfrm>
           <a:custGeom>
-            <a:rect b="b" l="l" r="r" t="t"/>
+            <a:avLst/>
+            <a:gdLst/>
+            <a:ahLst/>
+            <a:cxnLst/>
+            <a:rect l="l" t="t" r="r" b="b"/>
             <a:pathLst>
-              <a:path extrusionOk="0" h="120000" w="120000">
+              <a:path w="120000" h="120000" extrusionOk="0">
                 <a:moveTo>
                   <a:pt x="0" y="0"/>
                 </a:moveTo>
@@ -1654,9 +1720,11 @@
       <p:sp>
         <p:nvSpPr>
           <p:cNvPr id="159" name="Google Shape;159;g26e88626879_0_237:notes"/>
-          <p:cNvSpPr txBox="1"/>
+          <p:cNvSpPr txBox="1">
+            <a:spLocks noGrp="1"/>
+          </p:cNvSpPr>
           <p:nvPr>
-            <p:ph idx="1" type="body"/>
+            <p:ph type="body" idx="1"/>
           </p:nvPr>
         </p:nvSpPr>
         <p:spPr>
@@ -1669,23 +1737,20 @@
           </a:prstGeom>
         </p:spPr>
         <p:txBody>
-          <a:bodyPr anchorCtr="0" anchor="t" bIns="91425" lIns="91425" spcFirstLastPara="1" rIns="91425" wrap="square" tIns="91425">
+          <a:bodyPr spcFirstLastPara="1" wrap="square" lIns="91425" tIns="91425" rIns="91425" bIns="91425" anchor="t" anchorCtr="0">
             <a:noAutofit/>
           </a:bodyPr>
           <a:lstStyle/>
           <a:p>
-            <a:pPr indent="0" lvl="0" marL="0" rtl="0" algn="l">
-              <a:spcBef>
-                <a:spcPts val="0"/>
-              </a:spcBef>
-              <a:spcAft>
-                <a:spcPts val="0"/>
-              </a:spcAft>
-              <a:buNone/>
-            </a:pPr>
-            <a:r>
-              <a:t/>
-            </a:r>
+            <a:pPr marL="0" lvl="0" indent="0" algn="l" rtl="0">
+              <a:spcBef>
+                <a:spcPts val="0"/>
+              </a:spcBef>
+              <a:spcAft>
+                <a:spcPts val="0"/>
+              </a:spcAft>
+              <a:buNone/>
+            </a:pPr>
             <a:endParaRPr/>
           </a:p>
         </p:txBody>
@@ -1699,11 +1764,11 @@
 </file>
 
 <file path=ppt/notesSlides/notesSlide19.xml><?xml version="1.0" encoding="utf-8"?>
-<p:notes xmlns:a="http://schemas.openxmlformats.org/drawingml/2006/main" xmlns:r="http://schemas.openxmlformats.org/officeDocument/2006/relationships" xmlns:mc="http://schemas.openxmlformats.org/markup-compatibility/2006" xmlns:mv="urn:schemas-microsoft-com:mac:vml" xmlns:p="http://schemas.openxmlformats.org/presentationml/2006/main" xmlns:c="http://schemas.openxmlformats.org/drawingml/2006/chart" xmlns:dgm="http://schemas.openxmlformats.org/drawingml/2006/diagram" xmlns:o="urn:schemas-microsoft-com:office:office" xmlns:v="urn:schemas-microsoft-com:vml" xmlns:pvml="urn:schemas-microsoft-com:office:powerpoint" xmlns:com="http://schemas.openxmlformats.org/drawingml/2006/compatibility" xmlns:p14="http://schemas.microsoft.com/office/powerpoint/2010/main" xmlns:p15="http://schemas.microsoft.com/office/powerpoint/2012/main" xmlns:ahyp="http://schemas.microsoft.com/office/drawing/2018/hyperlinkcolor" showMasterPhAnim="0" showMasterSp="0">
+<p:notes xmlns:a="http://schemas.openxmlformats.org/drawingml/2006/main" xmlns:r="http://schemas.openxmlformats.org/officeDocument/2006/relationships" xmlns:p="http://schemas.openxmlformats.org/presentationml/2006/main" showMasterSp="0" showMasterPhAnim="0">
   <p:cSld>
     <p:spTree>
       <p:nvGrpSpPr>
-        <p:cNvPr id="163" name="Shape 163"/>
+        <p:cNvPr id="1" name="Shape 163"/>
         <p:cNvGrpSpPr/>
         <p:nvPr/>
       </p:nvGrpSpPr>
@@ -1718,9 +1783,11 @@
       <p:sp>
         <p:nvSpPr>
           <p:cNvPr id="164" name="Google Shape;164;g26e8b34f94c_1_8:notes"/>
-          <p:cNvSpPr/>
+          <p:cNvSpPr>
+            <a:spLocks noGrp="1" noRot="1" noChangeAspect="1"/>
+          </p:cNvSpPr>
           <p:nvPr>
-            <p:ph idx="2" type="sldImg"/>
+            <p:ph type="sldImg" idx="2"/>
           </p:nvPr>
         </p:nvSpPr>
         <p:spPr>
@@ -1729,9 +1796,13 @@
             <a:ext cx="6096000" cy="3429000"/>
           </a:xfrm>
           <a:custGeom>
-            <a:rect b="b" l="l" r="r" t="t"/>
+            <a:avLst/>
+            <a:gdLst/>
+            <a:ahLst/>
+            <a:cxnLst/>
+            <a:rect l="l" t="t" r="r" b="b"/>
             <a:pathLst>
-              <a:path extrusionOk="0" h="120000" w="120000">
+              <a:path w="120000" h="120000" extrusionOk="0">
                 <a:moveTo>
                   <a:pt x="0" y="0"/>
                 </a:moveTo>
@@ -1753,9 +1824,11 @@
       <p:sp>
         <p:nvSpPr>
           <p:cNvPr id="165" name="Google Shape;165;g26e8b34f94c_1_8:notes"/>
-          <p:cNvSpPr txBox="1"/>
+          <p:cNvSpPr txBox="1">
+            <a:spLocks noGrp="1"/>
+          </p:cNvSpPr>
           <p:nvPr>
-            <p:ph idx="1" type="body"/>
+            <p:ph type="body" idx="1"/>
           </p:nvPr>
         </p:nvSpPr>
         <p:spPr>
@@ -1768,23 +1841,20 @@
           </a:prstGeom>
         </p:spPr>
         <p:txBody>
-          <a:bodyPr anchorCtr="0" anchor="t" bIns="91425" lIns="91425" spcFirstLastPara="1" rIns="91425" wrap="square" tIns="91425">
+          <a:bodyPr spcFirstLastPara="1" wrap="square" lIns="91425" tIns="91425" rIns="91425" bIns="91425" anchor="t" anchorCtr="0">
             <a:noAutofit/>
           </a:bodyPr>
           <a:lstStyle/>
           <a:p>
-            <a:pPr indent="0" lvl="0" marL="0" rtl="0" algn="l">
-              <a:spcBef>
-                <a:spcPts val="0"/>
-              </a:spcBef>
-              <a:spcAft>
-                <a:spcPts val="0"/>
-              </a:spcAft>
-              <a:buNone/>
-            </a:pPr>
-            <a:r>
-              <a:t/>
-            </a:r>
+            <a:pPr marL="0" lvl="0" indent="0" algn="l" rtl="0">
+              <a:spcBef>
+                <a:spcPts val="0"/>
+              </a:spcBef>
+              <a:spcAft>
+                <a:spcPts val="0"/>
+              </a:spcAft>
+              <a:buNone/>
+            </a:pPr>
             <a:endParaRPr/>
           </a:p>
         </p:txBody>
@@ -1798,11 +1868,11 @@
 </file>
 
 <file path=ppt/notesSlides/notesSlide2.xml><?xml version="1.0" encoding="utf-8"?>
-<p:notes xmlns:a="http://schemas.openxmlformats.org/drawingml/2006/main" xmlns:r="http://schemas.openxmlformats.org/officeDocument/2006/relationships" xmlns:mc="http://schemas.openxmlformats.org/markup-compatibility/2006" xmlns:mv="urn:schemas-microsoft-com:mac:vml" xmlns:p="http://schemas.openxmlformats.org/presentationml/2006/main" xmlns:c="http://schemas.openxmlformats.org/drawingml/2006/chart" xmlns:dgm="http://schemas.openxmlformats.org/drawingml/2006/diagram" xmlns:o="urn:schemas-microsoft-com:office:office" xmlns:v="urn:schemas-microsoft-com:vml" xmlns:pvml="urn:schemas-microsoft-com:office:powerpoint" xmlns:com="http://schemas.openxmlformats.org/drawingml/2006/compatibility" xmlns:p14="http://schemas.microsoft.com/office/powerpoint/2010/main" xmlns:p15="http://schemas.microsoft.com/office/powerpoint/2012/main" xmlns:ahyp="http://schemas.microsoft.com/office/drawing/2018/hyperlinkcolor" showMasterPhAnim="0" showMasterSp="0">
+<p:notes xmlns:a="http://schemas.openxmlformats.org/drawingml/2006/main" xmlns:r="http://schemas.openxmlformats.org/officeDocument/2006/relationships" xmlns:p="http://schemas.openxmlformats.org/presentationml/2006/main" showMasterSp="0" showMasterPhAnim="0">
   <p:cSld>
     <p:spTree>
       <p:nvGrpSpPr>
-        <p:cNvPr id="56" name="Shape 56"/>
+        <p:cNvPr id="1" name="Shape 56"/>
         <p:cNvGrpSpPr/>
         <p:nvPr/>
       </p:nvGrpSpPr>
@@ -1817,9 +1887,11 @@
       <p:sp>
         <p:nvSpPr>
           <p:cNvPr id="57" name="Google Shape;57;g26e743bb3af_0_0:notes"/>
-          <p:cNvSpPr/>
+          <p:cNvSpPr>
+            <a:spLocks noGrp="1" noRot="1" noChangeAspect="1"/>
+          </p:cNvSpPr>
           <p:nvPr>
-            <p:ph idx="2" type="sldImg"/>
+            <p:ph type="sldImg" idx="2"/>
           </p:nvPr>
         </p:nvSpPr>
         <p:spPr>
@@ -1828,9 +1900,13 @@
             <a:ext cx="6096000" cy="3429000"/>
           </a:xfrm>
           <a:custGeom>
-            <a:rect b="b" l="l" r="r" t="t"/>
+            <a:avLst/>
+            <a:gdLst/>
+            <a:ahLst/>
+            <a:cxnLst/>
+            <a:rect l="l" t="t" r="r" b="b"/>
             <a:pathLst>
-              <a:path extrusionOk="0" h="120000" w="120000">
+              <a:path w="120000" h="120000" extrusionOk="0">
                 <a:moveTo>
                   <a:pt x="0" y="0"/>
                 </a:moveTo>
@@ -1852,9 +1928,11 @@
       <p:sp>
         <p:nvSpPr>
           <p:cNvPr id="58" name="Google Shape;58;g26e743bb3af_0_0:notes"/>
-          <p:cNvSpPr txBox="1"/>
+          <p:cNvSpPr txBox="1">
+            <a:spLocks noGrp="1"/>
+          </p:cNvSpPr>
           <p:nvPr>
-            <p:ph idx="1" type="body"/>
+            <p:ph type="body" idx="1"/>
           </p:nvPr>
         </p:nvSpPr>
         <p:spPr>
@@ -1867,23 +1945,20 @@
           </a:prstGeom>
         </p:spPr>
         <p:txBody>
-          <a:bodyPr anchorCtr="0" anchor="t" bIns="91425" lIns="91425" spcFirstLastPara="1" rIns="91425" wrap="square" tIns="91425">
+          <a:bodyPr spcFirstLastPara="1" wrap="square" lIns="91425" tIns="91425" rIns="91425" bIns="91425" anchor="t" anchorCtr="0">
             <a:noAutofit/>
           </a:bodyPr>
           <a:lstStyle/>
           <a:p>
-            <a:pPr indent="0" lvl="0" marL="0" rtl="0" algn="l">
-              <a:spcBef>
-                <a:spcPts val="0"/>
-              </a:spcBef>
-              <a:spcAft>
-                <a:spcPts val="0"/>
-              </a:spcAft>
-              <a:buNone/>
-            </a:pPr>
-            <a:r>
-              <a:t/>
-            </a:r>
+            <a:pPr marL="0" lvl="0" indent="0" algn="l" rtl="0">
+              <a:spcBef>
+                <a:spcPts val="0"/>
+              </a:spcBef>
+              <a:spcAft>
+                <a:spcPts val="0"/>
+              </a:spcAft>
+              <a:buNone/>
+            </a:pPr>
             <a:endParaRPr/>
           </a:p>
         </p:txBody>
@@ -1897,11 +1972,11 @@
 </file>
 
 <file path=ppt/notesSlides/notesSlide20.xml><?xml version="1.0" encoding="utf-8"?>
-<p:notes xmlns:a="http://schemas.openxmlformats.org/drawingml/2006/main" xmlns:r="http://schemas.openxmlformats.org/officeDocument/2006/relationships" xmlns:mc="http://schemas.openxmlformats.org/markup-compatibility/2006" xmlns:mv="urn:schemas-microsoft-com:mac:vml" xmlns:p="http://schemas.openxmlformats.org/presentationml/2006/main" xmlns:c="http://schemas.openxmlformats.org/drawingml/2006/chart" xmlns:dgm="http://schemas.openxmlformats.org/drawingml/2006/diagram" xmlns:o="urn:schemas-microsoft-com:office:office" xmlns:v="urn:schemas-microsoft-com:vml" xmlns:pvml="urn:schemas-microsoft-com:office:powerpoint" xmlns:com="http://schemas.openxmlformats.org/drawingml/2006/compatibility" xmlns:p14="http://schemas.microsoft.com/office/powerpoint/2010/main" xmlns:p15="http://schemas.microsoft.com/office/powerpoint/2012/main" xmlns:ahyp="http://schemas.microsoft.com/office/drawing/2018/hyperlinkcolor" showMasterPhAnim="0" showMasterSp="0">
+<p:notes xmlns:a="http://schemas.openxmlformats.org/drawingml/2006/main" xmlns:r="http://schemas.openxmlformats.org/officeDocument/2006/relationships" xmlns:p="http://schemas.openxmlformats.org/presentationml/2006/main" showMasterSp="0" showMasterPhAnim="0">
   <p:cSld>
     <p:spTree>
       <p:nvGrpSpPr>
-        <p:cNvPr id="170" name="Shape 170"/>
+        <p:cNvPr id="1" name="Shape 170"/>
         <p:cNvGrpSpPr/>
         <p:nvPr/>
       </p:nvGrpSpPr>
@@ -1916,9 +1991,11 @@
       <p:sp>
         <p:nvSpPr>
           <p:cNvPr id="171" name="Google Shape;171;g26e86dc0a63_0_91:notes"/>
-          <p:cNvSpPr/>
+          <p:cNvSpPr>
+            <a:spLocks noGrp="1" noRot="1" noChangeAspect="1"/>
+          </p:cNvSpPr>
           <p:nvPr>
-            <p:ph idx="2" type="sldImg"/>
+            <p:ph type="sldImg" idx="2"/>
           </p:nvPr>
         </p:nvSpPr>
         <p:spPr>
@@ -1927,9 +2004,13 @@
             <a:ext cx="6096000" cy="3429000"/>
           </a:xfrm>
           <a:custGeom>
-            <a:rect b="b" l="l" r="r" t="t"/>
+            <a:avLst/>
+            <a:gdLst/>
+            <a:ahLst/>
+            <a:cxnLst/>
+            <a:rect l="l" t="t" r="r" b="b"/>
             <a:pathLst>
-              <a:path extrusionOk="0" h="120000" w="120000">
+              <a:path w="120000" h="120000" extrusionOk="0">
                 <a:moveTo>
                   <a:pt x="0" y="0"/>
                 </a:moveTo>
@@ -1951,9 +2032,11 @@
       <p:sp>
         <p:nvSpPr>
           <p:cNvPr id="172" name="Google Shape;172;g26e86dc0a63_0_91:notes"/>
-          <p:cNvSpPr txBox="1"/>
+          <p:cNvSpPr txBox="1">
+            <a:spLocks noGrp="1"/>
+          </p:cNvSpPr>
           <p:nvPr>
-            <p:ph idx="1" type="body"/>
+            <p:ph type="body" idx="1"/>
           </p:nvPr>
         </p:nvSpPr>
         <p:spPr>
@@ -1966,23 +2049,20 @@
           </a:prstGeom>
         </p:spPr>
         <p:txBody>
-          <a:bodyPr anchorCtr="0" anchor="t" bIns="91425" lIns="91425" spcFirstLastPara="1" rIns="91425" wrap="square" tIns="91425">
+          <a:bodyPr spcFirstLastPara="1" wrap="square" lIns="91425" tIns="91425" rIns="91425" bIns="91425" anchor="t" anchorCtr="0">
             <a:noAutofit/>
           </a:bodyPr>
           <a:lstStyle/>
           <a:p>
-            <a:pPr indent="0" lvl="0" marL="0" rtl="0" algn="l">
-              <a:spcBef>
-                <a:spcPts val="0"/>
-              </a:spcBef>
-              <a:spcAft>
-                <a:spcPts val="0"/>
-              </a:spcAft>
-              <a:buNone/>
-            </a:pPr>
-            <a:r>
-              <a:t/>
-            </a:r>
+            <a:pPr marL="0" lvl="0" indent="0" algn="l" rtl="0">
+              <a:spcBef>
+                <a:spcPts val="0"/>
+              </a:spcBef>
+              <a:spcAft>
+                <a:spcPts val="0"/>
+              </a:spcAft>
+              <a:buNone/>
+            </a:pPr>
             <a:endParaRPr/>
           </a:p>
         </p:txBody>
@@ -1996,11 +2076,11 @@
 </file>
 
 <file path=ppt/notesSlides/notesSlide21.xml><?xml version="1.0" encoding="utf-8"?>
-<p:notes xmlns:a="http://schemas.openxmlformats.org/drawingml/2006/main" xmlns:r="http://schemas.openxmlformats.org/officeDocument/2006/relationships" xmlns:mc="http://schemas.openxmlformats.org/markup-compatibility/2006" xmlns:mv="urn:schemas-microsoft-com:mac:vml" xmlns:p="http://schemas.openxmlformats.org/presentationml/2006/main" xmlns:c="http://schemas.openxmlformats.org/drawingml/2006/chart" xmlns:dgm="http://schemas.openxmlformats.org/drawingml/2006/diagram" xmlns:o="urn:schemas-microsoft-com:office:office" xmlns:v="urn:schemas-microsoft-com:vml" xmlns:pvml="urn:schemas-microsoft-com:office:powerpoint" xmlns:com="http://schemas.openxmlformats.org/drawingml/2006/compatibility" xmlns:p14="http://schemas.microsoft.com/office/powerpoint/2010/main" xmlns:p15="http://schemas.microsoft.com/office/powerpoint/2012/main" xmlns:ahyp="http://schemas.microsoft.com/office/drawing/2018/hyperlinkcolor" showMasterPhAnim="0" showMasterSp="0">
+<p:notes xmlns:a="http://schemas.openxmlformats.org/drawingml/2006/main" xmlns:r="http://schemas.openxmlformats.org/officeDocument/2006/relationships" xmlns:p="http://schemas.openxmlformats.org/presentationml/2006/main" showMasterSp="0" showMasterPhAnim="0">
   <p:cSld>
     <p:spTree>
       <p:nvGrpSpPr>
-        <p:cNvPr id="176" name="Shape 176"/>
+        <p:cNvPr id="1" name="Shape 176"/>
         <p:cNvGrpSpPr/>
         <p:nvPr/>
       </p:nvGrpSpPr>
@@ -2015,20 +2095,26 @@
       <p:sp>
         <p:nvSpPr>
           <p:cNvPr id="177" name="Google Shape;177;g26e8b34f94c_1_3:notes"/>
-          <p:cNvSpPr/>
+          <p:cNvSpPr>
+            <a:spLocks noGrp="1" noRot="1" noChangeAspect="1"/>
+          </p:cNvSpPr>
           <p:nvPr>
-            <p:ph idx="2" type="sldImg"/>
+            <p:ph type="sldImg" idx="2"/>
           </p:nvPr>
         </p:nvSpPr>
         <p:spPr>
           <a:xfrm>
-            <a:off x="381300" y="685800"/>
+            <a:off x="381000" y="685800"/>
             <a:ext cx="6096000" cy="3429000"/>
           </a:xfrm>
           <a:custGeom>
-            <a:rect b="b" l="l" r="r" t="t"/>
+            <a:avLst/>
+            <a:gdLst/>
+            <a:ahLst/>
+            <a:cxnLst/>
+            <a:rect l="l" t="t" r="r" b="b"/>
             <a:pathLst>
-              <a:path extrusionOk="0" h="120000" w="120000">
+              <a:path w="120000" h="120000" extrusionOk="0">
                 <a:moveTo>
                   <a:pt x="0" y="0"/>
                 </a:moveTo>
@@ -2050,9 +2136,11 @@
       <p:sp>
         <p:nvSpPr>
           <p:cNvPr id="178" name="Google Shape;178;g26e8b34f94c_1_3:notes"/>
-          <p:cNvSpPr txBox="1"/>
+          <p:cNvSpPr txBox="1">
+            <a:spLocks noGrp="1"/>
+          </p:cNvSpPr>
           <p:nvPr>
-            <p:ph idx="1" type="body"/>
+            <p:ph type="body" idx="1"/>
           </p:nvPr>
         </p:nvSpPr>
         <p:spPr>
@@ -2065,23 +2153,20 @@
           </a:prstGeom>
         </p:spPr>
         <p:txBody>
-          <a:bodyPr anchorCtr="0" anchor="t" bIns="91425" lIns="91425" spcFirstLastPara="1" rIns="91425" wrap="square" tIns="91425">
+          <a:bodyPr spcFirstLastPara="1" wrap="square" lIns="91425" tIns="91425" rIns="91425" bIns="91425" anchor="t" anchorCtr="0">
             <a:noAutofit/>
           </a:bodyPr>
           <a:lstStyle/>
           <a:p>
-            <a:pPr indent="0" lvl="0" marL="0" rtl="0" algn="l">
-              <a:spcBef>
-                <a:spcPts val="0"/>
-              </a:spcBef>
-              <a:spcAft>
-                <a:spcPts val="0"/>
-              </a:spcAft>
-              <a:buNone/>
-            </a:pPr>
-            <a:r>
-              <a:t/>
-            </a:r>
+            <a:pPr marL="0" lvl="0" indent="0" algn="l" rtl="0">
+              <a:spcBef>
+                <a:spcPts val="0"/>
+              </a:spcBef>
+              <a:spcAft>
+                <a:spcPts val="0"/>
+              </a:spcAft>
+              <a:buNone/>
+            </a:pPr>
             <a:endParaRPr/>
           </a:p>
         </p:txBody>
@@ -2095,11 +2180,11 @@
 </file>
 
 <file path=ppt/notesSlides/notesSlide22.xml><?xml version="1.0" encoding="utf-8"?>
-<p:notes xmlns:a="http://schemas.openxmlformats.org/drawingml/2006/main" xmlns:r="http://schemas.openxmlformats.org/officeDocument/2006/relationships" xmlns:mc="http://schemas.openxmlformats.org/markup-compatibility/2006" xmlns:mv="urn:schemas-microsoft-com:mac:vml" xmlns:p="http://schemas.openxmlformats.org/presentationml/2006/main" xmlns:c="http://schemas.openxmlformats.org/drawingml/2006/chart" xmlns:dgm="http://schemas.openxmlformats.org/drawingml/2006/diagram" xmlns:o="urn:schemas-microsoft-com:office:office" xmlns:v="urn:schemas-microsoft-com:vml" xmlns:pvml="urn:schemas-microsoft-com:office:powerpoint" xmlns:com="http://schemas.openxmlformats.org/drawingml/2006/compatibility" xmlns:p14="http://schemas.microsoft.com/office/powerpoint/2010/main" xmlns:p15="http://schemas.microsoft.com/office/powerpoint/2012/main" xmlns:ahyp="http://schemas.microsoft.com/office/drawing/2018/hyperlinkcolor" showMasterPhAnim="0" showMasterSp="0">
+<p:notes xmlns:a="http://schemas.openxmlformats.org/drawingml/2006/main" xmlns:r="http://schemas.openxmlformats.org/officeDocument/2006/relationships" xmlns:p="http://schemas.openxmlformats.org/presentationml/2006/main" showMasterSp="0" showMasterPhAnim="0">
   <p:cSld>
     <p:spTree>
       <p:nvGrpSpPr>
-        <p:cNvPr id="182" name="Shape 182"/>
+        <p:cNvPr id="1" name="Shape 182"/>
         <p:cNvGrpSpPr/>
         <p:nvPr/>
       </p:nvGrpSpPr>
@@ -2114,20 +2199,26 @@
       <p:sp>
         <p:nvSpPr>
           <p:cNvPr id="183" name="Google Shape;183;g26e86dc0a63_0_102:notes"/>
-          <p:cNvSpPr/>
+          <p:cNvSpPr>
+            <a:spLocks noGrp="1" noRot="1" noChangeAspect="1"/>
+          </p:cNvSpPr>
           <p:nvPr>
-            <p:ph idx="2" type="sldImg"/>
+            <p:ph type="sldImg" idx="2"/>
           </p:nvPr>
         </p:nvSpPr>
         <p:spPr>
           <a:xfrm>
-            <a:off x="381300" y="685800"/>
+            <a:off x="381000" y="685800"/>
             <a:ext cx="6096000" cy="3429000"/>
           </a:xfrm>
           <a:custGeom>
-            <a:rect b="b" l="l" r="r" t="t"/>
+            <a:avLst/>
+            <a:gdLst/>
+            <a:ahLst/>
+            <a:cxnLst/>
+            <a:rect l="l" t="t" r="r" b="b"/>
             <a:pathLst>
-              <a:path extrusionOk="0" h="120000" w="120000">
+              <a:path w="120000" h="120000" extrusionOk="0">
                 <a:moveTo>
                   <a:pt x="0" y="0"/>
                 </a:moveTo>
@@ -2149,9 +2240,11 @@
       <p:sp>
         <p:nvSpPr>
           <p:cNvPr id="184" name="Google Shape;184;g26e86dc0a63_0_102:notes"/>
-          <p:cNvSpPr txBox="1"/>
+          <p:cNvSpPr txBox="1">
+            <a:spLocks noGrp="1"/>
+          </p:cNvSpPr>
           <p:nvPr>
-            <p:ph idx="1" type="body"/>
+            <p:ph type="body" idx="1"/>
           </p:nvPr>
         </p:nvSpPr>
         <p:spPr>
@@ -2164,23 +2257,20 @@
           </a:prstGeom>
         </p:spPr>
         <p:txBody>
-          <a:bodyPr anchorCtr="0" anchor="t" bIns="91425" lIns="91425" spcFirstLastPara="1" rIns="91425" wrap="square" tIns="91425">
+          <a:bodyPr spcFirstLastPara="1" wrap="square" lIns="91425" tIns="91425" rIns="91425" bIns="91425" anchor="t" anchorCtr="0">
             <a:noAutofit/>
           </a:bodyPr>
           <a:lstStyle/>
           <a:p>
-            <a:pPr indent="0" lvl="0" marL="0" rtl="0" algn="l">
-              <a:spcBef>
-                <a:spcPts val="0"/>
-              </a:spcBef>
-              <a:spcAft>
-                <a:spcPts val="0"/>
-              </a:spcAft>
-              <a:buNone/>
-            </a:pPr>
-            <a:r>
-              <a:t/>
-            </a:r>
+            <a:pPr marL="0" lvl="0" indent="0" algn="l" rtl="0">
+              <a:spcBef>
+                <a:spcPts val="0"/>
+              </a:spcBef>
+              <a:spcAft>
+                <a:spcPts val="0"/>
+              </a:spcAft>
+              <a:buNone/>
+            </a:pPr>
             <a:endParaRPr/>
           </a:p>
         </p:txBody>
@@ -2194,11 +2284,11 @@
 </file>
 
 <file path=ppt/notesSlides/notesSlide23.xml><?xml version="1.0" encoding="utf-8"?>
-<p:notes xmlns:a="http://schemas.openxmlformats.org/drawingml/2006/main" xmlns:r="http://schemas.openxmlformats.org/officeDocument/2006/relationships" xmlns:mc="http://schemas.openxmlformats.org/markup-compatibility/2006" xmlns:mv="urn:schemas-microsoft-com:mac:vml" xmlns:p="http://schemas.openxmlformats.org/presentationml/2006/main" xmlns:c="http://schemas.openxmlformats.org/drawingml/2006/chart" xmlns:dgm="http://schemas.openxmlformats.org/drawingml/2006/diagram" xmlns:o="urn:schemas-microsoft-com:office:office" xmlns:v="urn:schemas-microsoft-com:vml" xmlns:pvml="urn:schemas-microsoft-com:office:powerpoint" xmlns:com="http://schemas.openxmlformats.org/drawingml/2006/compatibility" xmlns:p14="http://schemas.microsoft.com/office/powerpoint/2010/main" xmlns:p15="http://schemas.microsoft.com/office/powerpoint/2012/main" xmlns:ahyp="http://schemas.microsoft.com/office/drawing/2018/hyperlinkcolor" showMasterPhAnim="0" showMasterSp="0">
+<p:notes xmlns:a="http://schemas.openxmlformats.org/drawingml/2006/main" xmlns:r="http://schemas.openxmlformats.org/officeDocument/2006/relationships" xmlns:p="http://schemas.openxmlformats.org/presentationml/2006/main" showMasterSp="0" showMasterPhAnim="0">
   <p:cSld>
     <p:spTree>
       <p:nvGrpSpPr>
-        <p:cNvPr id="188" name="Shape 188"/>
+        <p:cNvPr id="1" name="Shape 188"/>
         <p:cNvGrpSpPr/>
         <p:nvPr/>
       </p:nvGrpSpPr>
@@ -2213,20 +2303,26 @@
       <p:sp>
         <p:nvSpPr>
           <p:cNvPr id="189" name="Google Shape;189;g26e86dc0a63_0_26:notes"/>
-          <p:cNvSpPr/>
+          <p:cNvSpPr>
+            <a:spLocks noGrp="1" noRot="1" noChangeAspect="1"/>
+          </p:cNvSpPr>
           <p:nvPr>
-            <p:ph idx="2" type="sldImg"/>
+            <p:ph type="sldImg" idx="2"/>
           </p:nvPr>
         </p:nvSpPr>
         <p:spPr>
           <a:xfrm>
-            <a:off x="381300" y="685800"/>
+            <a:off x="381000" y="685800"/>
             <a:ext cx="6096000" cy="3429000"/>
           </a:xfrm>
           <a:custGeom>
-            <a:rect b="b" l="l" r="r" t="t"/>
+            <a:avLst/>
+            <a:gdLst/>
+            <a:ahLst/>
+            <a:cxnLst/>
+            <a:rect l="l" t="t" r="r" b="b"/>
             <a:pathLst>
-              <a:path extrusionOk="0" h="120000" w="120000">
+              <a:path w="120000" h="120000" extrusionOk="0">
                 <a:moveTo>
                   <a:pt x="0" y="0"/>
                 </a:moveTo>
@@ -2248,9 +2344,11 @@
       <p:sp>
         <p:nvSpPr>
           <p:cNvPr id="190" name="Google Shape;190;g26e86dc0a63_0_26:notes"/>
-          <p:cNvSpPr txBox="1"/>
+          <p:cNvSpPr txBox="1">
+            <a:spLocks noGrp="1"/>
+          </p:cNvSpPr>
           <p:nvPr>
-            <p:ph idx="1" type="body"/>
+            <p:ph type="body" idx="1"/>
           </p:nvPr>
         </p:nvSpPr>
         <p:spPr>
@@ -2263,23 +2361,20 @@
           </a:prstGeom>
         </p:spPr>
         <p:txBody>
-          <a:bodyPr anchorCtr="0" anchor="t" bIns="91425" lIns="91425" spcFirstLastPara="1" rIns="91425" wrap="square" tIns="91425">
+          <a:bodyPr spcFirstLastPara="1" wrap="square" lIns="91425" tIns="91425" rIns="91425" bIns="91425" anchor="t" anchorCtr="0">
             <a:noAutofit/>
           </a:bodyPr>
           <a:lstStyle/>
           <a:p>
-            <a:pPr indent="0" lvl="0" marL="0" rtl="0" algn="l">
-              <a:spcBef>
-                <a:spcPts val="0"/>
-              </a:spcBef>
-              <a:spcAft>
-                <a:spcPts val="0"/>
-              </a:spcAft>
-              <a:buNone/>
-            </a:pPr>
-            <a:r>
-              <a:t/>
-            </a:r>
+            <a:pPr marL="0" lvl="0" indent="0" algn="l" rtl="0">
+              <a:spcBef>
+                <a:spcPts val="0"/>
+              </a:spcBef>
+              <a:spcAft>
+                <a:spcPts val="0"/>
+              </a:spcAft>
+              <a:buNone/>
+            </a:pPr>
             <a:endParaRPr/>
           </a:p>
         </p:txBody>
@@ -2293,11 +2388,11 @@
 </file>
 
 <file path=ppt/notesSlides/notesSlide3.xml><?xml version="1.0" encoding="utf-8"?>
-<p:notes xmlns:a="http://schemas.openxmlformats.org/drawingml/2006/main" xmlns:r="http://schemas.openxmlformats.org/officeDocument/2006/relationships" xmlns:mc="http://schemas.openxmlformats.org/markup-compatibility/2006" xmlns:mv="urn:schemas-microsoft-com:mac:vml" xmlns:p="http://schemas.openxmlformats.org/presentationml/2006/main" xmlns:c="http://schemas.openxmlformats.org/drawingml/2006/chart" xmlns:dgm="http://schemas.openxmlformats.org/drawingml/2006/diagram" xmlns:o="urn:schemas-microsoft-com:office:office" xmlns:v="urn:schemas-microsoft-com:vml" xmlns:pvml="urn:schemas-microsoft-com:office:powerpoint" xmlns:com="http://schemas.openxmlformats.org/drawingml/2006/compatibility" xmlns:p14="http://schemas.microsoft.com/office/powerpoint/2010/main" xmlns:p15="http://schemas.microsoft.com/office/powerpoint/2012/main" xmlns:ahyp="http://schemas.microsoft.com/office/drawing/2018/hyperlinkcolor" showMasterPhAnim="0" showMasterSp="0">
+<p:notes xmlns:a="http://schemas.openxmlformats.org/drawingml/2006/main" xmlns:r="http://schemas.openxmlformats.org/officeDocument/2006/relationships" xmlns:p="http://schemas.openxmlformats.org/presentationml/2006/main" showMasterSp="0" showMasterPhAnim="0">
   <p:cSld>
     <p:spTree>
       <p:nvGrpSpPr>
-        <p:cNvPr id="62" name="Shape 62"/>
+        <p:cNvPr id="1" name="Shape 62"/>
         <p:cNvGrpSpPr/>
         <p:nvPr/>
       </p:nvGrpSpPr>
@@ -2312,9 +2407,11 @@
       <p:sp>
         <p:nvSpPr>
           <p:cNvPr id="63" name="Google Shape;63;g26e88626879_0_34:notes"/>
-          <p:cNvSpPr/>
+          <p:cNvSpPr>
+            <a:spLocks noGrp="1" noRot="1" noChangeAspect="1"/>
+          </p:cNvSpPr>
           <p:nvPr>
-            <p:ph idx="2" type="sldImg"/>
+            <p:ph type="sldImg" idx="2"/>
           </p:nvPr>
         </p:nvSpPr>
         <p:spPr>
@@ -2323,9 +2420,13 @@
             <a:ext cx="6096000" cy="3429000"/>
           </a:xfrm>
           <a:custGeom>
-            <a:rect b="b" l="l" r="r" t="t"/>
+            <a:avLst/>
+            <a:gdLst/>
+            <a:ahLst/>
+            <a:cxnLst/>
+            <a:rect l="l" t="t" r="r" b="b"/>
             <a:pathLst>
-              <a:path extrusionOk="0" h="120000" w="120000">
+              <a:path w="120000" h="120000" extrusionOk="0">
                 <a:moveTo>
                   <a:pt x="0" y="0"/>
                 </a:moveTo>
@@ -2347,9 +2448,11 @@
       <p:sp>
         <p:nvSpPr>
           <p:cNvPr id="64" name="Google Shape;64;g26e88626879_0_34:notes"/>
-          <p:cNvSpPr txBox="1"/>
+          <p:cNvSpPr txBox="1">
+            <a:spLocks noGrp="1"/>
+          </p:cNvSpPr>
           <p:nvPr>
-            <p:ph idx="1" type="body"/>
+            <p:ph type="body" idx="1"/>
           </p:nvPr>
         </p:nvSpPr>
         <p:spPr>
@@ -2362,23 +2465,20 @@
           </a:prstGeom>
         </p:spPr>
         <p:txBody>
-          <a:bodyPr anchorCtr="0" anchor="t" bIns="91425" lIns="91425" spcFirstLastPara="1" rIns="91425" wrap="square" tIns="91425">
+          <a:bodyPr spcFirstLastPara="1" wrap="square" lIns="91425" tIns="91425" rIns="91425" bIns="91425" anchor="t" anchorCtr="0">
             <a:noAutofit/>
           </a:bodyPr>
           <a:lstStyle/>
           <a:p>
-            <a:pPr indent="0" lvl="0" marL="0" rtl="0" algn="l">
-              <a:spcBef>
-                <a:spcPts val="0"/>
-              </a:spcBef>
-              <a:spcAft>
-                <a:spcPts val="0"/>
-              </a:spcAft>
-              <a:buNone/>
-            </a:pPr>
-            <a:r>
-              <a:t/>
-            </a:r>
+            <a:pPr marL="0" lvl="0" indent="0" algn="l" rtl="0">
+              <a:spcBef>
+                <a:spcPts val="0"/>
+              </a:spcBef>
+              <a:spcAft>
+                <a:spcPts val="0"/>
+              </a:spcAft>
+              <a:buNone/>
+            </a:pPr>
             <a:endParaRPr/>
           </a:p>
         </p:txBody>
@@ -2392,11 +2492,11 @@
 </file>
 
 <file path=ppt/notesSlides/notesSlide4.xml><?xml version="1.0" encoding="utf-8"?>
-<p:notes xmlns:a="http://schemas.openxmlformats.org/drawingml/2006/main" xmlns:r="http://schemas.openxmlformats.org/officeDocument/2006/relationships" xmlns:mc="http://schemas.openxmlformats.org/markup-compatibility/2006" xmlns:mv="urn:schemas-microsoft-com:mac:vml" xmlns:p="http://schemas.openxmlformats.org/presentationml/2006/main" xmlns:c="http://schemas.openxmlformats.org/drawingml/2006/chart" xmlns:dgm="http://schemas.openxmlformats.org/drawingml/2006/diagram" xmlns:o="urn:schemas-microsoft-com:office:office" xmlns:v="urn:schemas-microsoft-com:vml" xmlns:pvml="urn:schemas-microsoft-com:office:powerpoint" xmlns:com="http://schemas.openxmlformats.org/drawingml/2006/compatibility" xmlns:p14="http://schemas.microsoft.com/office/powerpoint/2010/main" xmlns:p15="http://schemas.microsoft.com/office/powerpoint/2012/main" xmlns:ahyp="http://schemas.microsoft.com/office/drawing/2018/hyperlinkcolor" showMasterPhAnim="0" showMasterSp="0">
+<p:notes xmlns:a="http://schemas.openxmlformats.org/drawingml/2006/main" xmlns:r="http://schemas.openxmlformats.org/officeDocument/2006/relationships" xmlns:p="http://schemas.openxmlformats.org/presentationml/2006/main" showMasterSp="0" showMasterPhAnim="0">
   <p:cSld>
     <p:spTree>
       <p:nvGrpSpPr>
-        <p:cNvPr id="68" name="Shape 68"/>
+        <p:cNvPr id="1" name="Shape 68"/>
         <p:cNvGrpSpPr/>
         <p:nvPr/>
       </p:nvGrpSpPr>
@@ -2411,9 +2511,11 @@
       <p:sp>
         <p:nvSpPr>
           <p:cNvPr id="69" name="Google Shape;69;g26e88626879_0_4:notes"/>
-          <p:cNvSpPr/>
+          <p:cNvSpPr>
+            <a:spLocks noGrp="1" noRot="1" noChangeAspect="1"/>
+          </p:cNvSpPr>
           <p:nvPr>
-            <p:ph idx="2" type="sldImg"/>
+            <p:ph type="sldImg" idx="2"/>
           </p:nvPr>
         </p:nvSpPr>
         <p:spPr>
@@ -2422,9 +2524,13 @@
             <a:ext cx="6096000" cy="3429000"/>
           </a:xfrm>
           <a:custGeom>
-            <a:rect b="b" l="l" r="r" t="t"/>
+            <a:avLst/>
+            <a:gdLst/>
+            <a:ahLst/>
+            <a:cxnLst/>
+            <a:rect l="l" t="t" r="r" b="b"/>
             <a:pathLst>
-              <a:path extrusionOk="0" h="120000" w="120000">
+              <a:path w="120000" h="120000" extrusionOk="0">
                 <a:moveTo>
                   <a:pt x="0" y="0"/>
                 </a:moveTo>
@@ -2446,9 +2552,11 @@
       <p:sp>
         <p:nvSpPr>
           <p:cNvPr id="70" name="Google Shape;70;g26e88626879_0_4:notes"/>
-          <p:cNvSpPr txBox="1"/>
+          <p:cNvSpPr txBox="1">
+            <a:spLocks noGrp="1"/>
+          </p:cNvSpPr>
           <p:nvPr>
-            <p:ph idx="1" type="body"/>
+            <p:ph type="body" idx="1"/>
           </p:nvPr>
         </p:nvSpPr>
         <p:spPr>
@@ -2461,23 +2569,20 @@
           </a:prstGeom>
         </p:spPr>
         <p:txBody>
-          <a:bodyPr anchorCtr="0" anchor="t" bIns="91425" lIns="91425" spcFirstLastPara="1" rIns="91425" wrap="square" tIns="91425">
+          <a:bodyPr spcFirstLastPara="1" wrap="square" lIns="91425" tIns="91425" rIns="91425" bIns="91425" anchor="t" anchorCtr="0">
             <a:noAutofit/>
           </a:bodyPr>
           <a:lstStyle/>
           <a:p>
-            <a:pPr indent="0" lvl="0" marL="0" rtl="0" algn="l">
-              <a:spcBef>
-                <a:spcPts val="0"/>
-              </a:spcBef>
-              <a:spcAft>
-                <a:spcPts val="0"/>
-              </a:spcAft>
-              <a:buNone/>
-            </a:pPr>
-            <a:r>
-              <a:t/>
-            </a:r>
+            <a:pPr marL="0" lvl="0" indent="0" algn="l" rtl="0">
+              <a:spcBef>
+                <a:spcPts val="0"/>
+              </a:spcBef>
+              <a:spcAft>
+                <a:spcPts val="0"/>
+              </a:spcAft>
+              <a:buNone/>
+            </a:pPr>
             <a:endParaRPr/>
           </a:p>
         </p:txBody>
@@ -2491,11 +2596,11 @@
 </file>
 
 <file path=ppt/notesSlides/notesSlide5.xml><?xml version="1.0" encoding="utf-8"?>
-<p:notes xmlns:a="http://schemas.openxmlformats.org/drawingml/2006/main" xmlns:r="http://schemas.openxmlformats.org/officeDocument/2006/relationships" xmlns:mc="http://schemas.openxmlformats.org/markup-compatibility/2006" xmlns:mv="urn:schemas-microsoft-com:mac:vml" xmlns:p="http://schemas.openxmlformats.org/presentationml/2006/main" xmlns:c="http://schemas.openxmlformats.org/drawingml/2006/chart" xmlns:dgm="http://schemas.openxmlformats.org/drawingml/2006/diagram" xmlns:o="urn:schemas-microsoft-com:office:office" xmlns:v="urn:schemas-microsoft-com:vml" xmlns:pvml="urn:schemas-microsoft-com:office:powerpoint" xmlns:com="http://schemas.openxmlformats.org/drawingml/2006/compatibility" xmlns:p14="http://schemas.microsoft.com/office/powerpoint/2010/main" xmlns:p15="http://schemas.microsoft.com/office/powerpoint/2012/main" xmlns:ahyp="http://schemas.microsoft.com/office/drawing/2018/hyperlinkcolor" showMasterPhAnim="0" showMasterSp="0">
+<p:notes xmlns:a="http://schemas.openxmlformats.org/drawingml/2006/main" xmlns:r="http://schemas.openxmlformats.org/officeDocument/2006/relationships" xmlns:p="http://schemas.openxmlformats.org/presentationml/2006/main" showMasterSp="0" showMasterPhAnim="0">
   <p:cSld>
     <p:spTree>
       <p:nvGrpSpPr>
-        <p:cNvPr id="74" name="Shape 74"/>
+        <p:cNvPr id="1" name="Shape 74"/>
         <p:cNvGrpSpPr/>
         <p:nvPr/>
       </p:nvGrpSpPr>
@@ -2510,9 +2615,11 @@
       <p:sp>
         <p:nvSpPr>
           <p:cNvPr id="75" name="Google Shape;75;g26e88626879_0_103:notes"/>
-          <p:cNvSpPr/>
+          <p:cNvSpPr>
+            <a:spLocks noGrp="1" noRot="1" noChangeAspect="1"/>
+          </p:cNvSpPr>
           <p:nvPr>
-            <p:ph idx="2" type="sldImg"/>
+            <p:ph type="sldImg" idx="2"/>
           </p:nvPr>
         </p:nvSpPr>
         <p:spPr>
@@ -2521,9 +2628,13 @@
             <a:ext cx="6096000" cy="3429000"/>
           </a:xfrm>
           <a:custGeom>
-            <a:rect b="b" l="l" r="r" t="t"/>
+            <a:avLst/>
+            <a:gdLst/>
+            <a:ahLst/>
+            <a:cxnLst/>
+            <a:rect l="l" t="t" r="r" b="b"/>
             <a:pathLst>
-              <a:path extrusionOk="0" h="120000" w="120000">
+              <a:path w="120000" h="120000" extrusionOk="0">
                 <a:moveTo>
                   <a:pt x="0" y="0"/>
                 </a:moveTo>
@@ -2545,9 +2656,11 @@
       <p:sp>
         <p:nvSpPr>
           <p:cNvPr id="76" name="Google Shape;76;g26e88626879_0_103:notes"/>
-          <p:cNvSpPr txBox="1"/>
+          <p:cNvSpPr txBox="1">
+            <a:spLocks noGrp="1"/>
+          </p:cNvSpPr>
           <p:nvPr>
-            <p:ph idx="1" type="body"/>
+            <p:ph type="body" idx="1"/>
           </p:nvPr>
         </p:nvSpPr>
         <p:spPr>
@@ -2560,23 +2673,20 @@
           </a:prstGeom>
         </p:spPr>
         <p:txBody>
-          <a:bodyPr anchorCtr="0" anchor="t" bIns="91425" lIns="91425" spcFirstLastPara="1" rIns="91425" wrap="square" tIns="91425">
+          <a:bodyPr spcFirstLastPara="1" wrap="square" lIns="91425" tIns="91425" rIns="91425" bIns="91425" anchor="t" anchorCtr="0">
             <a:noAutofit/>
           </a:bodyPr>
           <a:lstStyle/>
           <a:p>
-            <a:pPr indent="0" lvl="0" marL="0" rtl="0" algn="l">
-              <a:spcBef>
-                <a:spcPts val="0"/>
-              </a:spcBef>
-              <a:spcAft>
-                <a:spcPts val="0"/>
-              </a:spcAft>
-              <a:buNone/>
-            </a:pPr>
-            <a:r>
-              <a:t/>
-            </a:r>
+            <a:pPr marL="0" lvl="0" indent="0" algn="l" rtl="0">
+              <a:spcBef>
+                <a:spcPts val="0"/>
+              </a:spcBef>
+              <a:spcAft>
+                <a:spcPts val="0"/>
+              </a:spcAft>
+              <a:buNone/>
+            </a:pPr>
             <a:endParaRPr/>
           </a:p>
         </p:txBody>
@@ -2590,11 +2700,11 @@
 </file>
 
 <file path=ppt/notesSlides/notesSlide6.xml><?xml version="1.0" encoding="utf-8"?>
-<p:notes xmlns:a="http://schemas.openxmlformats.org/drawingml/2006/main" xmlns:r="http://schemas.openxmlformats.org/officeDocument/2006/relationships" xmlns:mc="http://schemas.openxmlformats.org/markup-compatibility/2006" xmlns:mv="urn:schemas-microsoft-com:mac:vml" xmlns:p="http://schemas.openxmlformats.org/presentationml/2006/main" xmlns:c="http://schemas.openxmlformats.org/drawingml/2006/chart" xmlns:dgm="http://schemas.openxmlformats.org/drawingml/2006/diagram" xmlns:o="urn:schemas-microsoft-com:office:office" xmlns:v="urn:schemas-microsoft-com:vml" xmlns:pvml="urn:schemas-microsoft-com:office:powerpoint" xmlns:com="http://schemas.openxmlformats.org/drawingml/2006/compatibility" xmlns:p14="http://schemas.microsoft.com/office/powerpoint/2010/main" xmlns:p15="http://schemas.microsoft.com/office/powerpoint/2012/main" xmlns:ahyp="http://schemas.microsoft.com/office/drawing/2018/hyperlinkcolor" showMasterPhAnim="0" showMasterSp="0">
+<p:notes xmlns:a="http://schemas.openxmlformats.org/drawingml/2006/main" xmlns:r="http://schemas.openxmlformats.org/officeDocument/2006/relationships" xmlns:p="http://schemas.openxmlformats.org/presentationml/2006/main" showMasterSp="0" showMasterPhAnim="0">
   <p:cSld>
     <p:spTree>
       <p:nvGrpSpPr>
-        <p:cNvPr id="80" name="Shape 80"/>
+        <p:cNvPr id="1" name="Shape 80"/>
         <p:cNvGrpSpPr/>
         <p:nvPr/>
       </p:nvGrpSpPr>
@@ -2609,9 +2719,11 @@
       <p:sp>
         <p:nvSpPr>
           <p:cNvPr id="81" name="Google Shape;81;g26e88626879_0_115:notes"/>
-          <p:cNvSpPr/>
+          <p:cNvSpPr>
+            <a:spLocks noGrp="1" noRot="1" noChangeAspect="1"/>
+          </p:cNvSpPr>
           <p:nvPr>
-            <p:ph idx="2" type="sldImg"/>
+            <p:ph type="sldImg" idx="2"/>
           </p:nvPr>
         </p:nvSpPr>
         <p:spPr>
@@ -2620,9 +2732,13 @@
             <a:ext cx="6096000" cy="3429000"/>
           </a:xfrm>
           <a:custGeom>
-            <a:rect b="b" l="l" r="r" t="t"/>
+            <a:avLst/>
+            <a:gdLst/>
+            <a:ahLst/>
+            <a:cxnLst/>
+            <a:rect l="l" t="t" r="r" b="b"/>
             <a:pathLst>
-              <a:path extrusionOk="0" h="120000" w="120000">
+              <a:path w="120000" h="120000" extrusionOk="0">
                 <a:moveTo>
                   <a:pt x="0" y="0"/>
                 </a:moveTo>
@@ -2644,9 +2760,11 @@
       <p:sp>
         <p:nvSpPr>
           <p:cNvPr id="82" name="Google Shape;82;g26e88626879_0_115:notes"/>
-          <p:cNvSpPr txBox="1"/>
+          <p:cNvSpPr txBox="1">
+            <a:spLocks noGrp="1"/>
+          </p:cNvSpPr>
           <p:nvPr>
-            <p:ph idx="1" type="body"/>
+            <p:ph type="body" idx="1"/>
           </p:nvPr>
         </p:nvSpPr>
         <p:spPr>
@@ -2659,23 +2777,20 @@
           </a:prstGeom>
         </p:spPr>
         <p:txBody>
-          <a:bodyPr anchorCtr="0" anchor="t" bIns="91425" lIns="91425" spcFirstLastPara="1" rIns="91425" wrap="square" tIns="91425">
+          <a:bodyPr spcFirstLastPara="1" wrap="square" lIns="91425" tIns="91425" rIns="91425" bIns="91425" anchor="t" anchorCtr="0">
             <a:noAutofit/>
           </a:bodyPr>
           <a:lstStyle/>
           <a:p>
-            <a:pPr indent="0" lvl="0" marL="0" rtl="0" algn="l">
-              <a:spcBef>
-                <a:spcPts val="0"/>
-              </a:spcBef>
-              <a:spcAft>
-                <a:spcPts val="0"/>
-              </a:spcAft>
-              <a:buNone/>
-            </a:pPr>
-            <a:r>
-              <a:t/>
-            </a:r>
+            <a:pPr marL="0" lvl="0" indent="0" algn="l" rtl="0">
+              <a:spcBef>
+                <a:spcPts val="0"/>
+              </a:spcBef>
+              <a:spcAft>
+                <a:spcPts val="0"/>
+              </a:spcAft>
+              <a:buNone/>
+            </a:pPr>
             <a:endParaRPr/>
           </a:p>
         </p:txBody>
@@ -2689,11 +2804,11 @@
 </file>
 
 <file path=ppt/notesSlides/notesSlide7.xml><?xml version="1.0" encoding="utf-8"?>
-<p:notes xmlns:a="http://schemas.openxmlformats.org/drawingml/2006/main" xmlns:r="http://schemas.openxmlformats.org/officeDocument/2006/relationships" xmlns:mc="http://schemas.openxmlformats.org/markup-compatibility/2006" xmlns:mv="urn:schemas-microsoft-com:mac:vml" xmlns:p="http://schemas.openxmlformats.org/presentationml/2006/main" xmlns:c="http://schemas.openxmlformats.org/drawingml/2006/chart" xmlns:dgm="http://schemas.openxmlformats.org/drawingml/2006/diagram" xmlns:o="urn:schemas-microsoft-com:office:office" xmlns:v="urn:schemas-microsoft-com:vml" xmlns:pvml="urn:schemas-microsoft-com:office:powerpoint" xmlns:com="http://schemas.openxmlformats.org/drawingml/2006/compatibility" xmlns:p14="http://schemas.microsoft.com/office/powerpoint/2010/main" xmlns:p15="http://schemas.microsoft.com/office/powerpoint/2012/main" xmlns:ahyp="http://schemas.microsoft.com/office/drawing/2018/hyperlinkcolor" showMasterPhAnim="0" showMasterSp="0">
+<p:notes xmlns:a="http://schemas.openxmlformats.org/drawingml/2006/main" xmlns:r="http://schemas.openxmlformats.org/officeDocument/2006/relationships" xmlns:p="http://schemas.openxmlformats.org/presentationml/2006/main" showMasterSp="0" showMasterPhAnim="0">
   <p:cSld>
     <p:spTree>
       <p:nvGrpSpPr>
-        <p:cNvPr id="87" name="Shape 87"/>
+        <p:cNvPr id="1" name="Shape 87"/>
         <p:cNvGrpSpPr/>
         <p:nvPr/>
       </p:nvGrpSpPr>
@@ -2708,9 +2823,11 @@
       <p:sp>
         <p:nvSpPr>
           <p:cNvPr id="88" name="Google Shape;88;g26e88626879_0_130:notes"/>
-          <p:cNvSpPr/>
+          <p:cNvSpPr>
+            <a:spLocks noGrp="1" noRot="1" noChangeAspect="1"/>
+          </p:cNvSpPr>
           <p:nvPr>
-            <p:ph idx="2" type="sldImg"/>
+            <p:ph type="sldImg" idx="2"/>
           </p:nvPr>
         </p:nvSpPr>
         <p:spPr>
@@ -2719,9 +2836,13 @@
             <a:ext cx="6096000" cy="3429000"/>
           </a:xfrm>
           <a:custGeom>
-            <a:rect b="b" l="l" r="r" t="t"/>
+            <a:avLst/>
+            <a:gdLst/>
+            <a:ahLst/>
+            <a:cxnLst/>
+            <a:rect l="l" t="t" r="r" b="b"/>
             <a:pathLst>
-              <a:path extrusionOk="0" h="120000" w="120000">
+              <a:path w="120000" h="120000" extrusionOk="0">
                 <a:moveTo>
                   <a:pt x="0" y="0"/>
                 </a:moveTo>
@@ -2743,9 +2864,11 @@
       <p:sp>
         <p:nvSpPr>
           <p:cNvPr id="89" name="Google Shape;89;g26e88626879_0_130:notes"/>
-          <p:cNvSpPr txBox="1"/>
+          <p:cNvSpPr txBox="1">
+            <a:spLocks noGrp="1"/>
+          </p:cNvSpPr>
           <p:nvPr>
-            <p:ph idx="1" type="body"/>
+            <p:ph type="body" idx="1"/>
           </p:nvPr>
         </p:nvSpPr>
         <p:spPr>
@@ -2758,23 +2881,20 @@
           </a:prstGeom>
         </p:spPr>
         <p:txBody>
-          <a:bodyPr anchorCtr="0" anchor="t" bIns="91425" lIns="91425" spcFirstLastPara="1" rIns="91425" wrap="square" tIns="91425">
+          <a:bodyPr spcFirstLastPara="1" wrap="square" lIns="91425" tIns="91425" rIns="91425" bIns="91425" anchor="t" anchorCtr="0">
             <a:noAutofit/>
           </a:bodyPr>
           <a:lstStyle/>
           <a:p>
-            <a:pPr indent="0" lvl="0" marL="0" rtl="0" algn="l">
-              <a:spcBef>
-                <a:spcPts val="0"/>
-              </a:spcBef>
-              <a:spcAft>
-                <a:spcPts val="0"/>
-              </a:spcAft>
-              <a:buNone/>
-            </a:pPr>
-            <a:r>
-              <a:t/>
-            </a:r>
+            <a:pPr marL="0" lvl="0" indent="0" algn="l" rtl="0">
+              <a:spcBef>
+                <a:spcPts val="0"/>
+              </a:spcBef>
+              <a:spcAft>
+                <a:spcPts val="0"/>
+              </a:spcAft>
+              <a:buNone/>
+            </a:pPr>
             <a:endParaRPr/>
           </a:p>
         </p:txBody>
@@ -2788,11 +2908,11 @@
 </file>
 
 <file path=ppt/notesSlides/notesSlide8.xml><?xml version="1.0" encoding="utf-8"?>
-<p:notes xmlns:a="http://schemas.openxmlformats.org/drawingml/2006/main" xmlns:r="http://schemas.openxmlformats.org/officeDocument/2006/relationships" xmlns:mc="http://schemas.openxmlformats.org/markup-compatibility/2006" xmlns:mv="urn:schemas-microsoft-com:mac:vml" xmlns:p="http://schemas.openxmlformats.org/presentationml/2006/main" xmlns:c="http://schemas.openxmlformats.org/drawingml/2006/chart" xmlns:dgm="http://schemas.openxmlformats.org/drawingml/2006/diagram" xmlns:o="urn:schemas-microsoft-com:office:office" xmlns:v="urn:schemas-microsoft-com:vml" xmlns:pvml="urn:schemas-microsoft-com:office:powerpoint" xmlns:com="http://schemas.openxmlformats.org/drawingml/2006/compatibility" xmlns:p14="http://schemas.microsoft.com/office/powerpoint/2010/main" xmlns:p15="http://schemas.microsoft.com/office/powerpoint/2012/main" xmlns:ahyp="http://schemas.microsoft.com/office/drawing/2018/hyperlinkcolor" showMasterPhAnim="0" showMasterSp="0">
+<p:notes xmlns:a="http://schemas.openxmlformats.org/drawingml/2006/main" xmlns:r="http://schemas.openxmlformats.org/officeDocument/2006/relationships" xmlns:p="http://schemas.openxmlformats.org/presentationml/2006/main" showMasterSp="0" showMasterPhAnim="0">
   <p:cSld>
     <p:spTree>
       <p:nvGrpSpPr>
-        <p:cNvPr id="93" name="Shape 93"/>
+        <p:cNvPr id="1" name="Shape 93"/>
         <p:cNvGrpSpPr/>
         <p:nvPr/>
       </p:nvGrpSpPr>
@@ -2807,9 +2927,11 @@
       <p:sp>
         <p:nvSpPr>
           <p:cNvPr id="94" name="Google Shape;94;g26e88626879_0_141:notes"/>
-          <p:cNvSpPr/>
+          <p:cNvSpPr>
+            <a:spLocks noGrp="1" noRot="1" noChangeAspect="1"/>
+          </p:cNvSpPr>
           <p:nvPr>
-            <p:ph idx="2" type="sldImg"/>
+            <p:ph type="sldImg" idx="2"/>
           </p:nvPr>
         </p:nvSpPr>
         <p:spPr>
@@ -2818,9 +2940,13 @@
             <a:ext cx="6096000" cy="3429000"/>
           </a:xfrm>
           <a:custGeom>
-            <a:rect b="b" l="l" r="r" t="t"/>
+            <a:avLst/>
+            <a:gdLst/>
+            <a:ahLst/>
+            <a:cxnLst/>
+            <a:rect l="l" t="t" r="r" b="b"/>
             <a:pathLst>
-              <a:path extrusionOk="0" h="120000" w="120000">
+              <a:path w="120000" h="120000" extrusionOk="0">
                 <a:moveTo>
                   <a:pt x="0" y="0"/>
                 </a:moveTo>
@@ -2842,9 +2968,11 @@
       <p:sp>
         <p:nvSpPr>
           <p:cNvPr id="95" name="Google Shape;95;g26e88626879_0_141:notes"/>
-          <p:cNvSpPr txBox="1"/>
+          <p:cNvSpPr txBox="1">
+            <a:spLocks noGrp="1"/>
+          </p:cNvSpPr>
           <p:nvPr>
-            <p:ph idx="1" type="body"/>
+            <p:ph type="body" idx="1"/>
           </p:nvPr>
         </p:nvSpPr>
         <p:spPr>
@@ -2857,23 +2985,20 @@
           </a:prstGeom>
         </p:spPr>
         <p:txBody>
-          <a:bodyPr anchorCtr="0" anchor="t" bIns="91425" lIns="91425" spcFirstLastPara="1" rIns="91425" wrap="square" tIns="91425">
+          <a:bodyPr spcFirstLastPara="1" wrap="square" lIns="91425" tIns="91425" rIns="91425" bIns="91425" anchor="t" anchorCtr="0">
             <a:noAutofit/>
           </a:bodyPr>
           <a:lstStyle/>
           <a:p>
-            <a:pPr indent="0" lvl="0" marL="0" rtl="0" algn="l">
-              <a:spcBef>
-                <a:spcPts val="0"/>
-              </a:spcBef>
-              <a:spcAft>
-                <a:spcPts val="0"/>
-              </a:spcAft>
-              <a:buNone/>
-            </a:pPr>
-            <a:r>
-              <a:t/>
-            </a:r>
+            <a:pPr marL="0" lvl="0" indent="0" algn="l" rtl="0">
+              <a:spcBef>
+                <a:spcPts val="0"/>
+              </a:spcBef>
+              <a:spcAft>
+                <a:spcPts val="0"/>
+              </a:spcAft>
+              <a:buNone/>
+            </a:pPr>
             <a:endParaRPr/>
           </a:p>
         </p:txBody>
@@ -2887,11 +3012,11 @@
 </file>
 
 <file path=ppt/notesSlides/notesSlide9.xml><?xml version="1.0" encoding="utf-8"?>
-<p:notes xmlns:a="http://schemas.openxmlformats.org/drawingml/2006/main" xmlns:r="http://schemas.openxmlformats.org/officeDocument/2006/relationships" xmlns:mc="http://schemas.openxmlformats.org/markup-compatibility/2006" xmlns:mv="urn:schemas-microsoft-com:mac:vml" xmlns:p="http://schemas.openxmlformats.org/presentationml/2006/main" xmlns:c="http://schemas.openxmlformats.org/drawingml/2006/chart" xmlns:dgm="http://schemas.openxmlformats.org/drawingml/2006/diagram" xmlns:o="urn:schemas-microsoft-com:office:office" xmlns:v="urn:schemas-microsoft-com:vml" xmlns:pvml="urn:schemas-microsoft-com:office:powerpoint" xmlns:com="http://schemas.openxmlformats.org/drawingml/2006/compatibility" xmlns:p14="http://schemas.microsoft.com/office/powerpoint/2010/main" xmlns:p15="http://schemas.microsoft.com/office/powerpoint/2012/main" xmlns:ahyp="http://schemas.microsoft.com/office/drawing/2018/hyperlinkcolor" showMasterPhAnim="0" showMasterSp="0">
+<p:notes xmlns:a="http://schemas.openxmlformats.org/drawingml/2006/main" xmlns:r="http://schemas.openxmlformats.org/officeDocument/2006/relationships" xmlns:p="http://schemas.openxmlformats.org/presentationml/2006/main" showMasterSp="0" showMasterPhAnim="0">
   <p:cSld>
     <p:spTree>
       <p:nvGrpSpPr>
-        <p:cNvPr id="99" name="Shape 99"/>
+        <p:cNvPr id="1" name="Shape 99"/>
         <p:cNvGrpSpPr/>
         <p:nvPr/>
       </p:nvGrpSpPr>
@@ -2906,9 +3031,11 @@
       <p:sp>
         <p:nvSpPr>
           <p:cNvPr id="100" name="Google Shape;100;g26e88626879_0_147:notes"/>
-          <p:cNvSpPr/>
+          <p:cNvSpPr>
+            <a:spLocks noGrp="1" noRot="1" noChangeAspect="1"/>
+          </p:cNvSpPr>
           <p:nvPr>
-            <p:ph idx="2" type="sldImg"/>
+            <p:ph type="sldImg" idx="2"/>
           </p:nvPr>
         </p:nvSpPr>
         <p:spPr>
@@ -2917,9 +3044,13 @@
             <a:ext cx="6096000" cy="3429000"/>
           </a:xfrm>
           <a:custGeom>
-            <a:rect b="b" l="l" r="r" t="t"/>
+            <a:avLst/>
+            <a:gdLst/>
+            <a:ahLst/>
+            <a:cxnLst/>
+            <a:rect l="l" t="t" r="r" b="b"/>
             <a:pathLst>
-              <a:path extrusionOk="0" h="120000" w="120000">
+              <a:path w="120000" h="120000" extrusionOk="0">
                 <a:moveTo>
                   <a:pt x="0" y="0"/>
                 </a:moveTo>
@@ -2941,9 +3072,11 @@
       <p:sp>
         <p:nvSpPr>
           <p:cNvPr id="101" name="Google Shape;101;g26e88626879_0_147:notes"/>
-          <p:cNvSpPr txBox="1"/>
+          <p:cNvSpPr txBox="1">
+            <a:spLocks noGrp="1"/>
+          </p:cNvSpPr>
           <p:nvPr>
-            <p:ph idx="1" type="body"/>
+            <p:ph type="body" idx="1"/>
           </p:nvPr>
         </p:nvSpPr>
         <p:spPr>
@@ -2956,23 +3089,20 @@
           </a:prstGeom>
         </p:spPr>
         <p:txBody>
-          <a:bodyPr anchorCtr="0" anchor="t" bIns="91425" lIns="91425" spcFirstLastPara="1" rIns="91425" wrap="square" tIns="91425">
+          <a:bodyPr spcFirstLastPara="1" wrap="square" lIns="91425" tIns="91425" rIns="91425" bIns="91425" anchor="t" anchorCtr="0">
             <a:noAutofit/>
           </a:bodyPr>
           <a:lstStyle/>
           <a:p>
-            <a:pPr indent="0" lvl="0" marL="0" rtl="0" algn="l">
-              <a:spcBef>
-                <a:spcPts val="0"/>
-              </a:spcBef>
-              <a:spcAft>
-                <a:spcPts val="0"/>
-              </a:spcAft>
-              <a:buNone/>
-            </a:pPr>
-            <a:r>
-              <a:t/>
-            </a:r>
+            <a:pPr marL="0" lvl="0" indent="0" algn="l" rtl="0">
+              <a:spcBef>
+                <a:spcPts val="0"/>
+              </a:spcBef>
+              <a:spcAft>
+                <a:spcPts val="0"/>
+              </a:spcAft>
+              <a:buNone/>
+            </a:pPr>
             <a:endParaRPr/>
           </a:p>
         </p:txBody>
@@ -2986,11 +3116,11 @@
 </file>
 
 <file path=ppt/slideLayouts/slideLayout1.xml><?xml version="1.0" encoding="utf-8"?>
-<p:sldLayout xmlns:a="http://schemas.openxmlformats.org/drawingml/2006/main" xmlns:r="http://schemas.openxmlformats.org/officeDocument/2006/relationships" xmlns:mc="http://schemas.openxmlformats.org/markup-compatibility/2006" xmlns:mv="urn:schemas-microsoft-com:mac:vml" xmlns:p="http://schemas.openxmlformats.org/presentationml/2006/main" xmlns:c="http://schemas.openxmlformats.org/drawingml/2006/chart" xmlns:dgm="http://schemas.openxmlformats.org/drawingml/2006/diagram" xmlns:o="urn:schemas-microsoft-com:office:office" xmlns:v="urn:schemas-microsoft-com:vml" xmlns:pvml="urn:schemas-microsoft-com:office:powerpoint" xmlns:com="http://schemas.openxmlformats.org/drawingml/2006/compatibility" xmlns:p14="http://schemas.microsoft.com/office/powerpoint/2010/main" xmlns:p15="http://schemas.microsoft.com/office/powerpoint/2012/main" xmlns:ahyp="http://schemas.microsoft.com/office/drawing/2018/hyperlinkcolor" matchingName="Title slide" type="title">
+<p:sldLayout xmlns:a="http://schemas.openxmlformats.org/drawingml/2006/main" xmlns:r="http://schemas.openxmlformats.org/officeDocument/2006/relationships" xmlns:p="http://schemas.openxmlformats.org/presentationml/2006/main" matchingName="Title slide" type="title">
   <p:cSld name="TITLE">
     <p:spTree>
       <p:nvGrpSpPr>
-        <p:cNvPr id="9" name="Shape 9"/>
+        <p:cNvPr id="1" name="Shape 9"/>
         <p:cNvGrpSpPr/>
         <p:nvPr/>
       </p:nvGrpSpPr>
@@ -3005,7 +3135,9 @@
       <p:sp>
         <p:nvSpPr>
           <p:cNvPr id="10" name="Google Shape;10;p2"/>
-          <p:cNvSpPr txBox="1"/>
+          <p:cNvSpPr txBox="1">
+            <a:spLocks noGrp="1"/>
+          </p:cNvSpPr>
           <p:nvPr>
             <p:ph type="ctrTitle"/>
           </p:nvPr>
@@ -3020,7 +3152,7 @@
           </a:prstGeom>
         </p:spPr>
         <p:txBody>
-          <a:bodyPr anchorCtr="0" anchor="b" bIns="91425" lIns="91425" spcFirstLastPara="1" rIns="91425" wrap="square" tIns="91425">
+          <a:bodyPr spcFirstLastPara="1" wrap="square" lIns="91425" tIns="91425" rIns="91425" bIns="91425" anchor="b" anchorCtr="0">
             <a:normAutofit/>
           </a:bodyPr>
           <a:lstStyle>
@@ -3124,15 +3256,19 @@
               <a:defRPr sz="5200"/>
             </a:lvl9pPr>
           </a:lstStyle>
-          <a:p/>
+          <a:p>
+            <a:endParaRPr/>
+          </a:p>
         </p:txBody>
       </p:sp>
       <p:sp>
         <p:nvSpPr>
           <p:cNvPr id="11" name="Google Shape;11;p2"/>
-          <p:cNvSpPr txBox="1"/>
+          <p:cNvSpPr txBox="1">
+            <a:spLocks noGrp="1"/>
+          </p:cNvSpPr>
           <p:nvPr>
-            <p:ph idx="1" type="subTitle"/>
+            <p:ph type="subTitle" idx="1"/>
           </p:nvPr>
         </p:nvSpPr>
         <p:spPr>
@@ -3145,7 +3281,7 @@
           </a:prstGeom>
         </p:spPr>
         <p:txBody>
-          <a:bodyPr anchorCtr="0" anchor="t" bIns="91425" lIns="91425" spcFirstLastPara="1" rIns="91425" wrap="square" tIns="91425">
+          <a:bodyPr spcFirstLastPara="1" wrap="square" lIns="91425" tIns="91425" rIns="91425" bIns="91425" anchor="t" anchorCtr="0">
             <a:normAutofit/>
           </a:bodyPr>
           <a:lstStyle>
@@ -3276,15 +3412,19 @@
               <a:defRPr sz="2800"/>
             </a:lvl9pPr>
           </a:lstStyle>
-          <a:p/>
+          <a:p>
+            <a:endParaRPr/>
+          </a:p>
         </p:txBody>
       </p:sp>
       <p:sp>
         <p:nvSpPr>
           <p:cNvPr id="12" name="Google Shape;12;p2"/>
-          <p:cNvSpPr txBox="1"/>
+          <p:cNvSpPr txBox="1">
+            <a:spLocks noGrp="1"/>
+          </p:cNvSpPr>
           <p:nvPr>
-            <p:ph idx="12" type="sldNum"/>
+            <p:ph type="sldNum" idx="12"/>
           </p:nvPr>
         </p:nvSpPr>
         <p:spPr>
@@ -3297,7 +3437,7 @@
           </a:prstGeom>
         </p:spPr>
         <p:txBody>
-          <a:bodyPr anchorCtr="0" anchor="ctr" bIns="91425" lIns="91425" spcFirstLastPara="1" rIns="91425" wrap="square" tIns="91425">
+          <a:bodyPr spcFirstLastPara="1" wrap="square" lIns="91425" tIns="91425" rIns="91425" bIns="91425" anchor="ctr" anchorCtr="0">
             <a:normAutofit/>
           </a:bodyPr>
           <a:lstStyle>
@@ -3339,7 +3479,7 @@
             </a:lvl9pPr>
           </a:lstStyle>
           <a:p>
-            <a:pPr indent="0" lvl="0" marL="0" rtl="0" algn="r">
+            <a:pPr marL="0" lvl="0" indent="0" algn="r" rtl="0">
               <a:spcBef>
                 <a:spcPts val="0"/>
               </a:spcBef>
@@ -3365,11 +3505,11 @@
 </file>
 
 <file path=ppt/slideLayouts/slideLayout10.xml><?xml version="1.0" encoding="utf-8"?>
-<p:sldLayout xmlns:a="http://schemas.openxmlformats.org/drawingml/2006/main" xmlns:r="http://schemas.openxmlformats.org/officeDocument/2006/relationships" xmlns:mc="http://schemas.openxmlformats.org/markup-compatibility/2006" xmlns:mv="urn:schemas-microsoft-com:mac:vml" xmlns:p="http://schemas.openxmlformats.org/presentationml/2006/main" xmlns:c="http://schemas.openxmlformats.org/drawingml/2006/chart" xmlns:dgm="http://schemas.openxmlformats.org/drawingml/2006/diagram" xmlns:o="urn:schemas-microsoft-com:office:office" xmlns:v="urn:schemas-microsoft-com:vml" xmlns:pvml="urn:schemas-microsoft-com:office:powerpoint" xmlns:com="http://schemas.openxmlformats.org/drawingml/2006/compatibility" xmlns:p14="http://schemas.microsoft.com/office/powerpoint/2010/main" xmlns:p15="http://schemas.microsoft.com/office/powerpoint/2012/main" xmlns:ahyp="http://schemas.microsoft.com/office/drawing/2018/hyperlinkcolor" matchingName="Big number">
+<p:sldLayout xmlns:a="http://schemas.openxmlformats.org/drawingml/2006/main" xmlns:r="http://schemas.openxmlformats.org/officeDocument/2006/relationships" xmlns:p="http://schemas.openxmlformats.org/presentationml/2006/main" matchingName="Big number">
   <p:cSld name="BIG_NUMBER">
     <p:spTree>
       <p:nvGrpSpPr>
-        <p:cNvPr id="44" name="Shape 44"/>
+        <p:cNvPr id="1" name="Shape 44"/>
         <p:cNvGrpSpPr/>
         <p:nvPr/>
       </p:nvGrpSpPr>
@@ -3384,9 +3524,11 @@
       <p:sp>
         <p:nvSpPr>
           <p:cNvPr id="45" name="Google Shape;45;p11"/>
-          <p:cNvSpPr txBox="1"/>
+          <p:cNvSpPr txBox="1">
+            <a:spLocks noGrp="1"/>
+          </p:cNvSpPr>
           <p:nvPr>
-            <p:ph hasCustomPrompt="1" type="title"/>
+            <p:ph type="title" hasCustomPrompt="1"/>
           </p:nvPr>
         </p:nvSpPr>
         <p:spPr>
@@ -3399,7 +3541,7 @@
           </a:prstGeom>
         </p:spPr>
         <p:txBody>
-          <a:bodyPr anchorCtr="0" anchor="b" bIns="91425" lIns="91425" spcFirstLastPara="1" rIns="91425" wrap="square" tIns="91425">
+          <a:bodyPr spcFirstLastPara="1" wrap="square" lIns="91425" tIns="91425" rIns="91425" bIns="91425" anchor="b" anchorCtr="0">
             <a:normAutofit/>
           </a:bodyPr>
           <a:lstStyle>
@@ -3513,9 +3655,11 @@
       <p:sp>
         <p:nvSpPr>
           <p:cNvPr id="46" name="Google Shape;46;p11"/>
-          <p:cNvSpPr txBox="1"/>
+          <p:cNvSpPr txBox="1">
+            <a:spLocks noGrp="1"/>
+          </p:cNvSpPr>
           <p:nvPr>
-            <p:ph idx="1" type="body"/>
+            <p:ph type="body" idx="1"/>
           </p:nvPr>
         </p:nvSpPr>
         <p:spPr>
@@ -3528,11 +3672,11 @@
           </a:prstGeom>
         </p:spPr>
         <p:txBody>
-          <a:bodyPr anchorCtr="0" anchor="t" bIns="91425" lIns="91425" spcFirstLastPara="1" rIns="91425" wrap="square" tIns="91425">
+          <a:bodyPr spcFirstLastPara="1" wrap="square" lIns="91425" tIns="91425" rIns="91425" bIns="91425" anchor="t" anchorCtr="0">
             <a:normAutofit/>
           </a:bodyPr>
           <a:lstStyle>
-            <a:lvl1pPr indent="-342900" lvl="0" marL="457200" algn="ctr">
+            <a:lvl1pPr marL="457200" lvl="0" indent="-342900" algn="ctr">
               <a:spcBef>
                 <a:spcPts val="0"/>
               </a:spcBef>
@@ -3543,7 +3687,7 @@
               <a:buChar char="●"/>
               <a:defRPr/>
             </a:lvl1pPr>
-            <a:lvl2pPr indent="-317500" lvl="1" marL="914400" algn="ctr">
+            <a:lvl2pPr marL="914400" lvl="1" indent="-317500" algn="ctr">
               <a:spcBef>
                 <a:spcPts val="0"/>
               </a:spcBef>
@@ -3554,7 +3698,7 @@
               <a:buChar char="○"/>
               <a:defRPr/>
             </a:lvl2pPr>
-            <a:lvl3pPr indent="-317500" lvl="2" marL="1371600" algn="ctr">
+            <a:lvl3pPr marL="1371600" lvl="2" indent="-317500" algn="ctr">
               <a:spcBef>
                 <a:spcPts val="0"/>
               </a:spcBef>
@@ -3565,7 +3709,7 @@
               <a:buChar char="■"/>
               <a:defRPr/>
             </a:lvl3pPr>
-            <a:lvl4pPr indent="-317500" lvl="3" marL="1828800" algn="ctr">
+            <a:lvl4pPr marL="1828800" lvl="3" indent="-317500" algn="ctr">
               <a:spcBef>
                 <a:spcPts val="0"/>
               </a:spcBef>
@@ -3576,7 +3720,7 @@
               <a:buChar char="●"/>
               <a:defRPr/>
             </a:lvl4pPr>
-            <a:lvl5pPr indent="-317500" lvl="4" marL="2286000" algn="ctr">
+            <a:lvl5pPr marL="2286000" lvl="4" indent="-317500" algn="ctr">
               <a:spcBef>
                 <a:spcPts val="0"/>
               </a:spcBef>
@@ -3587,7 +3731,7 @@
               <a:buChar char="○"/>
               <a:defRPr/>
             </a:lvl5pPr>
-            <a:lvl6pPr indent="-317500" lvl="5" marL="2743200" algn="ctr">
+            <a:lvl6pPr marL="2743200" lvl="5" indent="-317500" algn="ctr">
               <a:spcBef>
                 <a:spcPts val="0"/>
               </a:spcBef>
@@ -3598,7 +3742,7 @@
               <a:buChar char="■"/>
               <a:defRPr/>
             </a:lvl6pPr>
-            <a:lvl7pPr indent="-317500" lvl="6" marL="3200400" algn="ctr">
+            <a:lvl7pPr marL="3200400" lvl="6" indent="-317500" algn="ctr">
               <a:spcBef>
                 <a:spcPts val="0"/>
               </a:spcBef>
@@ -3609,7 +3753,7 @@
               <a:buChar char="●"/>
               <a:defRPr/>
             </a:lvl7pPr>
-            <a:lvl8pPr indent="-317500" lvl="7" marL="3657600" algn="ctr">
+            <a:lvl8pPr marL="3657600" lvl="7" indent="-317500" algn="ctr">
               <a:spcBef>
                 <a:spcPts val="0"/>
               </a:spcBef>
@@ -3620,7 +3764,7 @@
               <a:buChar char="○"/>
               <a:defRPr/>
             </a:lvl8pPr>
-            <a:lvl9pPr indent="-317500" lvl="8" marL="4114800" algn="ctr">
+            <a:lvl9pPr marL="4114800" lvl="8" indent="-317500" algn="ctr">
               <a:spcBef>
                 <a:spcPts val="0"/>
               </a:spcBef>
@@ -3632,15 +3776,19 @@
               <a:defRPr/>
             </a:lvl9pPr>
           </a:lstStyle>
-          <a:p/>
+          <a:p>
+            <a:endParaRPr/>
+          </a:p>
         </p:txBody>
       </p:sp>
       <p:sp>
         <p:nvSpPr>
           <p:cNvPr id="47" name="Google Shape;47;p11"/>
-          <p:cNvSpPr txBox="1"/>
+          <p:cNvSpPr txBox="1">
+            <a:spLocks noGrp="1"/>
+          </p:cNvSpPr>
           <p:nvPr>
-            <p:ph idx="12" type="sldNum"/>
+            <p:ph type="sldNum" idx="12"/>
           </p:nvPr>
         </p:nvSpPr>
         <p:spPr>
@@ -3653,7 +3801,7 @@
           </a:prstGeom>
         </p:spPr>
         <p:txBody>
-          <a:bodyPr anchorCtr="0" anchor="ctr" bIns="91425" lIns="91425" spcFirstLastPara="1" rIns="91425" wrap="square" tIns="91425">
+          <a:bodyPr spcFirstLastPara="1" wrap="square" lIns="91425" tIns="91425" rIns="91425" bIns="91425" anchor="ctr" anchorCtr="0">
             <a:normAutofit/>
           </a:bodyPr>
           <a:lstStyle>
@@ -3695,7 +3843,7 @@
             </a:lvl9pPr>
           </a:lstStyle>
           <a:p>
-            <a:pPr indent="0" lvl="0" marL="0" rtl="0" algn="r">
+            <a:pPr marL="0" lvl="0" indent="0" algn="r" rtl="0">
               <a:spcBef>
                 <a:spcPts val="0"/>
               </a:spcBef>
@@ -3721,11 +3869,11 @@
 </file>
 
 <file path=ppt/slideLayouts/slideLayout11.xml><?xml version="1.0" encoding="utf-8"?>
-<p:sldLayout xmlns:a="http://schemas.openxmlformats.org/drawingml/2006/main" xmlns:r="http://schemas.openxmlformats.org/officeDocument/2006/relationships" xmlns:mc="http://schemas.openxmlformats.org/markup-compatibility/2006" xmlns:mv="urn:schemas-microsoft-com:mac:vml" xmlns:p="http://schemas.openxmlformats.org/presentationml/2006/main" xmlns:c="http://schemas.openxmlformats.org/drawingml/2006/chart" xmlns:dgm="http://schemas.openxmlformats.org/drawingml/2006/diagram" xmlns:o="urn:schemas-microsoft-com:office:office" xmlns:v="urn:schemas-microsoft-com:vml" xmlns:pvml="urn:schemas-microsoft-com:office:powerpoint" xmlns:com="http://schemas.openxmlformats.org/drawingml/2006/compatibility" xmlns:p14="http://schemas.microsoft.com/office/powerpoint/2010/main" xmlns:p15="http://schemas.microsoft.com/office/powerpoint/2012/main" xmlns:ahyp="http://schemas.microsoft.com/office/drawing/2018/hyperlinkcolor" matchingName="Blank" type="blank">
+<p:sldLayout xmlns:a="http://schemas.openxmlformats.org/drawingml/2006/main" xmlns:r="http://schemas.openxmlformats.org/officeDocument/2006/relationships" xmlns:p="http://schemas.openxmlformats.org/presentationml/2006/main" matchingName="Blank" type="blank">
   <p:cSld name="BLANK">
     <p:spTree>
       <p:nvGrpSpPr>
-        <p:cNvPr id="48" name="Shape 48"/>
+        <p:cNvPr id="1" name="Shape 48"/>
         <p:cNvGrpSpPr/>
         <p:nvPr/>
       </p:nvGrpSpPr>
@@ -3740,9 +3888,11 @@
       <p:sp>
         <p:nvSpPr>
           <p:cNvPr id="49" name="Google Shape;49;p12"/>
-          <p:cNvSpPr txBox="1"/>
+          <p:cNvSpPr txBox="1">
+            <a:spLocks noGrp="1"/>
+          </p:cNvSpPr>
           <p:nvPr>
-            <p:ph idx="12" type="sldNum"/>
+            <p:ph type="sldNum" idx="12"/>
           </p:nvPr>
         </p:nvSpPr>
         <p:spPr>
@@ -3755,7 +3905,7 @@
           </a:prstGeom>
         </p:spPr>
         <p:txBody>
-          <a:bodyPr anchorCtr="0" anchor="ctr" bIns="91425" lIns="91425" spcFirstLastPara="1" rIns="91425" wrap="square" tIns="91425">
+          <a:bodyPr spcFirstLastPara="1" wrap="square" lIns="91425" tIns="91425" rIns="91425" bIns="91425" anchor="ctr" anchorCtr="0">
             <a:normAutofit/>
           </a:bodyPr>
           <a:lstStyle>
@@ -3797,7 +3947,7 @@
             </a:lvl9pPr>
           </a:lstStyle>
           <a:p>
-            <a:pPr indent="0" lvl="0" marL="0" rtl="0" algn="r">
+            <a:pPr marL="0" lvl="0" indent="0" algn="r" rtl="0">
               <a:spcBef>
                 <a:spcPts val="0"/>
               </a:spcBef>
@@ -3823,11 +3973,11 @@
 </file>
 
 <file path=ppt/slideLayouts/slideLayout2.xml><?xml version="1.0" encoding="utf-8"?>
-<p:sldLayout xmlns:a="http://schemas.openxmlformats.org/drawingml/2006/main" xmlns:r="http://schemas.openxmlformats.org/officeDocument/2006/relationships" xmlns:mc="http://schemas.openxmlformats.org/markup-compatibility/2006" xmlns:mv="urn:schemas-microsoft-com:mac:vml" xmlns:p="http://schemas.openxmlformats.org/presentationml/2006/main" xmlns:c="http://schemas.openxmlformats.org/drawingml/2006/chart" xmlns:dgm="http://schemas.openxmlformats.org/drawingml/2006/diagram" xmlns:o="urn:schemas-microsoft-com:office:office" xmlns:v="urn:schemas-microsoft-com:vml" xmlns:pvml="urn:schemas-microsoft-com:office:powerpoint" xmlns:com="http://schemas.openxmlformats.org/drawingml/2006/compatibility" xmlns:p14="http://schemas.microsoft.com/office/powerpoint/2010/main" xmlns:p15="http://schemas.microsoft.com/office/powerpoint/2012/main" xmlns:ahyp="http://schemas.microsoft.com/office/drawing/2018/hyperlinkcolor" matchingName="Section header" type="secHead">
+<p:sldLayout xmlns:a="http://schemas.openxmlformats.org/drawingml/2006/main" xmlns:r="http://schemas.openxmlformats.org/officeDocument/2006/relationships" xmlns:p="http://schemas.openxmlformats.org/presentationml/2006/main" matchingName="Section header" type="secHead">
   <p:cSld name="SECTION_HEADER">
     <p:spTree>
       <p:nvGrpSpPr>
-        <p:cNvPr id="13" name="Shape 13"/>
+        <p:cNvPr id="1" name="Shape 13"/>
         <p:cNvGrpSpPr/>
         <p:nvPr/>
       </p:nvGrpSpPr>
@@ -3842,7 +3992,9 @@
       <p:sp>
         <p:nvSpPr>
           <p:cNvPr id="14" name="Google Shape;14;p3"/>
-          <p:cNvSpPr txBox="1"/>
+          <p:cNvSpPr txBox="1">
+            <a:spLocks noGrp="1"/>
+          </p:cNvSpPr>
           <p:nvPr>
             <p:ph type="title"/>
           </p:nvPr>
@@ -3857,7 +4009,7 @@
           </a:prstGeom>
         </p:spPr>
         <p:txBody>
-          <a:bodyPr anchorCtr="0" anchor="ctr" bIns="91425" lIns="91425" spcFirstLastPara="1" rIns="91425" wrap="square" tIns="91425">
+          <a:bodyPr spcFirstLastPara="1" wrap="square" lIns="91425" tIns="91425" rIns="91425" bIns="91425" anchor="ctr" anchorCtr="0">
             <a:normAutofit/>
           </a:bodyPr>
           <a:lstStyle>
@@ -3961,15 +4113,19 @@
               <a:defRPr sz="3600"/>
             </a:lvl9pPr>
           </a:lstStyle>
-          <a:p/>
+          <a:p>
+            <a:endParaRPr/>
+          </a:p>
         </p:txBody>
       </p:sp>
       <p:sp>
         <p:nvSpPr>
           <p:cNvPr id="15" name="Google Shape;15;p3"/>
-          <p:cNvSpPr txBox="1"/>
+          <p:cNvSpPr txBox="1">
+            <a:spLocks noGrp="1"/>
+          </p:cNvSpPr>
           <p:nvPr>
-            <p:ph idx="12" type="sldNum"/>
+            <p:ph type="sldNum" idx="12"/>
           </p:nvPr>
         </p:nvSpPr>
         <p:spPr>
@@ -3982,7 +4138,7 @@
           </a:prstGeom>
         </p:spPr>
         <p:txBody>
-          <a:bodyPr anchorCtr="0" anchor="ctr" bIns="91425" lIns="91425" spcFirstLastPara="1" rIns="91425" wrap="square" tIns="91425">
+          <a:bodyPr spcFirstLastPara="1" wrap="square" lIns="91425" tIns="91425" rIns="91425" bIns="91425" anchor="ctr" anchorCtr="0">
             <a:normAutofit/>
           </a:bodyPr>
           <a:lstStyle>
@@ -4024,7 +4180,7 @@
             </a:lvl9pPr>
           </a:lstStyle>
           <a:p>
-            <a:pPr indent="0" lvl="0" marL="0" rtl="0" algn="r">
+            <a:pPr marL="0" lvl="0" indent="0" algn="r" rtl="0">
               <a:spcBef>
                 <a:spcPts val="0"/>
               </a:spcBef>
@@ -4050,11 +4206,11 @@
 </file>
 
 <file path=ppt/slideLayouts/slideLayout3.xml><?xml version="1.0" encoding="utf-8"?>
-<p:sldLayout xmlns:a="http://schemas.openxmlformats.org/drawingml/2006/main" xmlns:r="http://schemas.openxmlformats.org/officeDocument/2006/relationships" xmlns:mc="http://schemas.openxmlformats.org/markup-compatibility/2006" xmlns:mv="urn:schemas-microsoft-com:mac:vml" xmlns:p="http://schemas.openxmlformats.org/presentationml/2006/main" xmlns:c="http://schemas.openxmlformats.org/drawingml/2006/chart" xmlns:dgm="http://schemas.openxmlformats.org/drawingml/2006/diagram" xmlns:o="urn:schemas-microsoft-com:office:office" xmlns:v="urn:schemas-microsoft-com:vml" xmlns:pvml="urn:schemas-microsoft-com:office:powerpoint" xmlns:com="http://schemas.openxmlformats.org/drawingml/2006/compatibility" xmlns:p14="http://schemas.microsoft.com/office/powerpoint/2010/main" xmlns:p15="http://schemas.microsoft.com/office/powerpoint/2012/main" xmlns:ahyp="http://schemas.microsoft.com/office/drawing/2018/hyperlinkcolor" matchingName="Title and body" type="tx">
+<p:sldLayout xmlns:a="http://schemas.openxmlformats.org/drawingml/2006/main" xmlns:r="http://schemas.openxmlformats.org/officeDocument/2006/relationships" xmlns:p="http://schemas.openxmlformats.org/presentationml/2006/main" matchingName="Title and body" type="tx">
   <p:cSld name="TITLE_AND_BODY">
     <p:spTree>
       <p:nvGrpSpPr>
-        <p:cNvPr id="16" name="Shape 16"/>
+        <p:cNvPr id="1" name="Shape 16"/>
         <p:cNvGrpSpPr/>
         <p:nvPr/>
       </p:nvGrpSpPr>
@@ -4069,7 +4225,9 @@
       <p:sp>
         <p:nvSpPr>
           <p:cNvPr id="17" name="Google Shape;17;p4"/>
-          <p:cNvSpPr txBox="1"/>
+          <p:cNvSpPr txBox="1">
+            <a:spLocks noGrp="1"/>
+          </p:cNvSpPr>
           <p:nvPr>
             <p:ph type="title"/>
           </p:nvPr>
@@ -4084,7 +4242,7 @@
           </a:prstGeom>
         </p:spPr>
         <p:txBody>
-          <a:bodyPr anchorCtr="0" anchor="t" bIns="91425" lIns="91425" spcFirstLastPara="1" rIns="91425" wrap="square" tIns="91425">
+          <a:bodyPr spcFirstLastPara="1" wrap="square" lIns="91425" tIns="91425" rIns="91425" bIns="91425" anchor="t" anchorCtr="0">
             <a:normAutofit/>
           </a:bodyPr>
           <a:lstStyle>
@@ -4188,15 +4346,19 @@
               <a:defRPr/>
             </a:lvl9pPr>
           </a:lstStyle>
-          <a:p/>
+          <a:p>
+            <a:endParaRPr/>
+          </a:p>
         </p:txBody>
       </p:sp>
       <p:sp>
         <p:nvSpPr>
           <p:cNvPr id="18" name="Google Shape;18;p4"/>
-          <p:cNvSpPr txBox="1"/>
+          <p:cNvSpPr txBox="1">
+            <a:spLocks noGrp="1"/>
+          </p:cNvSpPr>
           <p:nvPr>
-            <p:ph idx="1" type="body"/>
+            <p:ph type="body" idx="1"/>
           </p:nvPr>
         </p:nvSpPr>
         <p:spPr>
@@ -4209,11 +4371,11 @@
           </a:prstGeom>
         </p:spPr>
         <p:txBody>
-          <a:bodyPr anchorCtr="0" anchor="t" bIns="91425" lIns="91425" spcFirstLastPara="1" rIns="91425" wrap="square" tIns="91425">
+          <a:bodyPr spcFirstLastPara="1" wrap="square" lIns="91425" tIns="91425" rIns="91425" bIns="91425" anchor="t" anchorCtr="0">
             <a:normAutofit/>
           </a:bodyPr>
           <a:lstStyle>
-            <a:lvl1pPr indent="-342900" lvl="0" marL="457200">
+            <a:lvl1pPr marL="457200" lvl="0" indent="-342900">
               <a:spcBef>
                 <a:spcPts val="0"/>
               </a:spcBef>
@@ -4224,7 +4386,7 @@
               <a:buChar char="●"/>
               <a:defRPr/>
             </a:lvl1pPr>
-            <a:lvl2pPr indent="-317500" lvl="1" marL="914400">
+            <a:lvl2pPr marL="914400" lvl="1" indent="-317500">
               <a:spcBef>
                 <a:spcPts val="0"/>
               </a:spcBef>
@@ -4235,7 +4397,7 @@
               <a:buChar char="○"/>
               <a:defRPr/>
             </a:lvl2pPr>
-            <a:lvl3pPr indent="-317500" lvl="2" marL="1371600">
+            <a:lvl3pPr marL="1371600" lvl="2" indent="-317500">
               <a:spcBef>
                 <a:spcPts val="0"/>
               </a:spcBef>
@@ -4246,7 +4408,7 @@
               <a:buChar char="■"/>
               <a:defRPr/>
             </a:lvl3pPr>
-            <a:lvl4pPr indent="-317500" lvl="3" marL="1828800">
+            <a:lvl4pPr marL="1828800" lvl="3" indent="-317500">
               <a:spcBef>
                 <a:spcPts val="0"/>
               </a:spcBef>
@@ -4257,7 +4419,7 @@
               <a:buChar char="●"/>
               <a:defRPr/>
             </a:lvl4pPr>
-            <a:lvl5pPr indent="-317500" lvl="4" marL="2286000">
+            <a:lvl5pPr marL="2286000" lvl="4" indent="-317500">
               <a:spcBef>
                 <a:spcPts val="0"/>
               </a:spcBef>
@@ -4268,7 +4430,7 @@
               <a:buChar char="○"/>
               <a:defRPr/>
             </a:lvl5pPr>
-            <a:lvl6pPr indent="-317500" lvl="5" marL="2743200">
+            <a:lvl6pPr marL="2743200" lvl="5" indent="-317500">
               <a:spcBef>
                 <a:spcPts val="0"/>
               </a:spcBef>
@@ -4279,7 +4441,7 @@
               <a:buChar char="■"/>
               <a:defRPr/>
             </a:lvl6pPr>
-            <a:lvl7pPr indent="-317500" lvl="6" marL="3200400">
+            <a:lvl7pPr marL="3200400" lvl="6" indent="-317500">
               <a:spcBef>
                 <a:spcPts val="0"/>
               </a:spcBef>
@@ -4290,7 +4452,7 @@
               <a:buChar char="●"/>
               <a:defRPr/>
             </a:lvl7pPr>
-            <a:lvl8pPr indent="-317500" lvl="7" marL="3657600">
+            <a:lvl8pPr marL="3657600" lvl="7" indent="-317500">
               <a:spcBef>
                 <a:spcPts val="0"/>
               </a:spcBef>
@@ -4301,7 +4463,7 @@
               <a:buChar char="○"/>
               <a:defRPr/>
             </a:lvl8pPr>
-            <a:lvl9pPr indent="-317500" lvl="8" marL="4114800">
+            <a:lvl9pPr marL="4114800" lvl="8" indent="-317500">
               <a:spcBef>
                 <a:spcPts val="0"/>
               </a:spcBef>
@@ -4313,15 +4475,19 @@
               <a:defRPr/>
             </a:lvl9pPr>
           </a:lstStyle>
-          <a:p/>
+          <a:p>
+            <a:endParaRPr/>
+          </a:p>
         </p:txBody>
       </p:sp>
       <p:sp>
         <p:nvSpPr>
           <p:cNvPr id="19" name="Google Shape;19;p4"/>
-          <p:cNvSpPr txBox="1"/>
+          <p:cNvSpPr txBox="1">
+            <a:spLocks noGrp="1"/>
+          </p:cNvSpPr>
           <p:nvPr>
-            <p:ph idx="12" type="sldNum"/>
+            <p:ph type="sldNum" idx="12"/>
           </p:nvPr>
         </p:nvSpPr>
         <p:spPr>
@@ -4334,7 +4500,7 @@
           </a:prstGeom>
         </p:spPr>
         <p:txBody>
-          <a:bodyPr anchorCtr="0" anchor="ctr" bIns="91425" lIns="91425" spcFirstLastPara="1" rIns="91425" wrap="square" tIns="91425">
+          <a:bodyPr spcFirstLastPara="1" wrap="square" lIns="91425" tIns="91425" rIns="91425" bIns="91425" anchor="ctr" anchorCtr="0">
             <a:normAutofit/>
           </a:bodyPr>
           <a:lstStyle>
@@ -4376,7 +4542,7 @@
             </a:lvl9pPr>
           </a:lstStyle>
           <a:p>
-            <a:pPr indent="0" lvl="0" marL="0" rtl="0" algn="r">
+            <a:pPr marL="0" lvl="0" indent="0" algn="r" rtl="0">
               <a:spcBef>
                 <a:spcPts val="0"/>
               </a:spcBef>
@@ -4402,11 +4568,11 @@
 </file>
 
 <file path=ppt/slideLayouts/slideLayout4.xml><?xml version="1.0" encoding="utf-8"?>
-<p:sldLayout xmlns:a="http://schemas.openxmlformats.org/drawingml/2006/main" xmlns:r="http://schemas.openxmlformats.org/officeDocument/2006/relationships" xmlns:mc="http://schemas.openxmlformats.org/markup-compatibility/2006" xmlns:mv="urn:schemas-microsoft-com:mac:vml" xmlns:p="http://schemas.openxmlformats.org/presentationml/2006/main" xmlns:c="http://schemas.openxmlformats.org/drawingml/2006/chart" xmlns:dgm="http://schemas.openxmlformats.org/drawingml/2006/diagram" xmlns:o="urn:schemas-microsoft-com:office:office" xmlns:v="urn:schemas-microsoft-com:vml" xmlns:pvml="urn:schemas-microsoft-com:office:powerpoint" xmlns:com="http://schemas.openxmlformats.org/drawingml/2006/compatibility" xmlns:p14="http://schemas.microsoft.com/office/powerpoint/2010/main" xmlns:p15="http://schemas.microsoft.com/office/powerpoint/2012/main" xmlns:ahyp="http://schemas.microsoft.com/office/drawing/2018/hyperlinkcolor" matchingName="Title and two columns" type="twoColTx">
+<p:sldLayout xmlns:a="http://schemas.openxmlformats.org/drawingml/2006/main" xmlns:r="http://schemas.openxmlformats.org/officeDocument/2006/relationships" xmlns:p="http://schemas.openxmlformats.org/presentationml/2006/main" matchingName="Title and two columns" type="twoColTx">
   <p:cSld name="TITLE_AND_TWO_COLUMNS">
     <p:spTree>
       <p:nvGrpSpPr>
-        <p:cNvPr id="20" name="Shape 20"/>
+        <p:cNvPr id="1" name="Shape 20"/>
         <p:cNvGrpSpPr/>
         <p:nvPr/>
       </p:nvGrpSpPr>
@@ -4421,7 +4587,9 @@
       <p:sp>
         <p:nvSpPr>
           <p:cNvPr id="21" name="Google Shape;21;p5"/>
-          <p:cNvSpPr txBox="1"/>
+          <p:cNvSpPr txBox="1">
+            <a:spLocks noGrp="1"/>
+          </p:cNvSpPr>
           <p:nvPr>
             <p:ph type="title"/>
           </p:nvPr>
@@ -4436,7 +4604,7 @@
           </a:prstGeom>
         </p:spPr>
         <p:txBody>
-          <a:bodyPr anchorCtr="0" anchor="t" bIns="91425" lIns="91425" spcFirstLastPara="1" rIns="91425" wrap="square" tIns="91425">
+          <a:bodyPr spcFirstLastPara="1" wrap="square" lIns="91425" tIns="91425" rIns="91425" bIns="91425" anchor="t" anchorCtr="0">
             <a:normAutofit/>
           </a:bodyPr>
           <a:lstStyle>
@@ -4540,15 +4708,19 @@
               <a:defRPr/>
             </a:lvl9pPr>
           </a:lstStyle>
-          <a:p/>
+          <a:p>
+            <a:endParaRPr/>
+          </a:p>
         </p:txBody>
       </p:sp>
       <p:sp>
         <p:nvSpPr>
           <p:cNvPr id="22" name="Google Shape;22;p5"/>
-          <p:cNvSpPr txBox="1"/>
+          <p:cNvSpPr txBox="1">
+            <a:spLocks noGrp="1"/>
+          </p:cNvSpPr>
           <p:nvPr>
-            <p:ph idx="1" type="body"/>
+            <p:ph type="body" idx="1"/>
           </p:nvPr>
         </p:nvSpPr>
         <p:spPr>
@@ -4561,11 +4733,11 @@
           </a:prstGeom>
         </p:spPr>
         <p:txBody>
-          <a:bodyPr anchorCtr="0" anchor="t" bIns="91425" lIns="91425" spcFirstLastPara="1" rIns="91425" wrap="square" tIns="91425">
+          <a:bodyPr spcFirstLastPara="1" wrap="square" lIns="91425" tIns="91425" rIns="91425" bIns="91425" anchor="t" anchorCtr="0">
             <a:normAutofit/>
           </a:bodyPr>
           <a:lstStyle>
-            <a:lvl1pPr indent="-317500" lvl="0" marL="457200">
+            <a:lvl1pPr marL="457200" lvl="0" indent="-317500">
               <a:spcBef>
                 <a:spcPts val="0"/>
               </a:spcBef>
@@ -4576,7 +4748,7 @@
               <a:buChar char="●"/>
               <a:defRPr sz="1400"/>
             </a:lvl1pPr>
-            <a:lvl2pPr indent="-304800" lvl="1" marL="914400">
+            <a:lvl2pPr marL="914400" lvl="1" indent="-304800">
               <a:spcBef>
                 <a:spcPts val="0"/>
               </a:spcBef>
@@ -4587,7 +4759,7 @@
               <a:buChar char="○"/>
               <a:defRPr sz="1200"/>
             </a:lvl2pPr>
-            <a:lvl3pPr indent="-304800" lvl="2" marL="1371600">
+            <a:lvl3pPr marL="1371600" lvl="2" indent="-304800">
               <a:spcBef>
                 <a:spcPts val="0"/>
               </a:spcBef>
@@ -4598,7 +4770,7 @@
               <a:buChar char="■"/>
               <a:defRPr sz="1200"/>
             </a:lvl3pPr>
-            <a:lvl4pPr indent="-304800" lvl="3" marL="1828800">
+            <a:lvl4pPr marL="1828800" lvl="3" indent="-304800">
               <a:spcBef>
                 <a:spcPts val="0"/>
               </a:spcBef>
@@ -4609,7 +4781,7 @@
               <a:buChar char="●"/>
               <a:defRPr sz="1200"/>
             </a:lvl4pPr>
-            <a:lvl5pPr indent="-304800" lvl="4" marL="2286000">
+            <a:lvl5pPr marL="2286000" lvl="4" indent="-304800">
               <a:spcBef>
                 <a:spcPts val="0"/>
               </a:spcBef>
@@ -4620,7 +4792,7 @@
               <a:buChar char="○"/>
               <a:defRPr sz="1200"/>
             </a:lvl5pPr>
-            <a:lvl6pPr indent="-304800" lvl="5" marL="2743200">
+            <a:lvl6pPr marL="2743200" lvl="5" indent="-304800">
               <a:spcBef>
                 <a:spcPts val="0"/>
               </a:spcBef>
@@ -4631,7 +4803,7 @@
               <a:buChar char="■"/>
               <a:defRPr sz="1200"/>
             </a:lvl6pPr>
-            <a:lvl7pPr indent="-304800" lvl="6" marL="3200400">
+            <a:lvl7pPr marL="3200400" lvl="6" indent="-304800">
               <a:spcBef>
                 <a:spcPts val="0"/>
               </a:spcBef>
@@ -4642,7 +4814,7 @@
               <a:buChar char="●"/>
               <a:defRPr sz="1200"/>
             </a:lvl7pPr>
-            <a:lvl8pPr indent="-304800" lvl="7" marL="3657600">
+            <a:lvl8pPr marL="3657600" lvl="7" indent="-304800">
               <a:spcBef>
                 <a:spcPts val="0"/>
               </a:spcBef>
@@ -4653,7 +4825,7 @@
               <a:buChar char="○"/>
               <a:defRPr sz="1200"/>
             </a:lvl8pPr>
-            <a:lvl9pPr indent="-304800" lvl="8" marL="4114800">
+            <a:lvl9pPr marL="4114800" lvl="8" indent="-304800">
               <a:spcBef>
                 <a:spcPts val="0"/>
               </a:spcBef>
@@ -4665,15 +4837,19 @@
               <a:defRPr sz="1200"/>
             </a:lvl9pPr>
           </a:lstStyle>
-          <a:p/>
+          <a:p>
+            <a:endParaRPr/>
+          </a:p>
         </p:txBody>
       </p:sp>
       <p:sp>
         <p:nvSpPr>
           <p:cNvPr id="23" name="Google Shape;23;p5"/>
-          <p:cNvSpPr txBox="1"/>
+          <p:cNvSpPr txBox="1">
+            <a:spLocks noGrp="1"/>
+          </p:cNvSpPr>
           <p:nvPr>
-            <p:ph idx="2" type="body"/>
+            <p:ph type="body" idx="2"/>
           </p:nvPr>
         </p:nvSpPr>
         <p:spPr>
@@ -4686,11 +4862,11 @@
           </a:prstGeom>
         </p:spPr>
         <p:txBody>
-          <a:bodyPr anchorCtr="0" anchor="t" bIns="91425" lIns="91425" spcFirstLastPara="1" rIns="91425" wrap="square" tIns="91425">
+          <a:bodyPr spcFirstLastPara="1" wrap="square" lIns="91425" tIns="91425" rIns="91425" bIns="91425" anchor="t" anchorCtr="0">
             <a:normAutofit/>
           </a:bodyPr>
           <a:lstStyle>
-            <a:lvl1pPr indent="-317500" lvl="0" marL="457200">
+            <a:lvl1pPr marL="457200" lvl="0" indent="-317500">
               <a:spcBef>
                 <a:spcPts val="0"/>
               </a:spcBef>
@@ -4701,7 +4877,7 @@
               <a:buChar char="●"/>
               <a:defRPr sz="1400"/>
             </a:lvl1pPr>
-            <a:lvl2pPr indent="-304800" lvl="1" marL="914400">
+            <a:lvl2pPr marL="914400" lvl="1" indent="-304800">
               <a:spcBef>
                 <a:spcPts val="0"/>
               </a:spcBef>
@@ -4712,7 +4888,7 @@
               <a:buChar char="○"/>
               <a:defRPr sz="1200"/>
             </a:lvl2pPr>
-            <a:lvl3pPr indent="-304800" lvl="2" marL="1371600">
+            <a:lvl3pPr marL="1371600" lvl="2" indent="-304800">
               <a:spcBef>
                 <a:spcPts val="0"/>
               </a:spcBef>
@@ -4723,7 +4899,7 @@
               <a:buChar char="■"/>
               <a:defRPr sz="1200"/>
             </a:lvl3pPr>
-            <a:lvl4pPr indent="-304800" lvl="3" marL="1828800">
+            <a:lvl4pPr marL="1828800" lvl="3" indent="-304800">
               <a:spcBef>
                 <a:spcPts val="0"/>
               </a:spcBef>
@@ -4734,7 +4910,7 @@
               <a:buChar char="●"/>
               <a:defRPr sz="1200"/>
             </a:lvl4pPr>
-            <a:lvl5pPr indent="-304800" lvl="4" marL="2286000">
+            <a:lvl5pPr marL="2286000" lvl="4" indent="-304800">
               <a:spcBef>
                 <a:spcPts val="0"/>
               </a:spcBef>
@@ -4745,7 +4921,7 @@
               <a:buChar char="○"/>
               <a:defRPr sz="1200"/>
             </a:lvl5pPr>
-            <a:lvl6pPr indent="-304800" lvl="5" marL="2743200">
+            <a:lvl6pPr marL="2743200" lvl="5" indent="-304800">
               <a:spcBef>
                 <a:spcPts val="0"/>
               </a:spcBef>
@@ -4756,7 +4932,7 @@
               <a:buChar char="■"/>
               <a:defRPr sz="1200"/>
             </a:lvl6pPr>
-            <a:lvl7pPr indent="-304800" lvl="6" marL="3200400">
+            <a:lvl7pPr marL="3200400" lvl="6" indent="-304800">
               <a:spcBef>
                 <a:spcPts val="0"/>
               </a:spcBef>
@@ -4767,7 +4943,7 @@
               <a:buChar char="●"/>
               <a:defRPr sz="1200"/>
             </a:lvl7pPr>
-            <a:lvl8pPr indent="-304800" lvl="7" marL="3657600">
+            <a:lvl8pPr marL="3657600" lvl="7" indent="-304800">
               <a:spcBef>
                 <a:spcPts val="0"/>
               </a:spcBef>
@@ -4778,7 +4954,7 @@
               <a:buChar char="○"/>
               <a:defRPr sz="1200"/>
             </a:lvl8pPr>
-            <a:lvl9pPr indent="-304800" lvl="8" marL="4114800">
+            <a:lvl9pPr marL="4114800" lvl="8" indent="-304800">
               <a:spcBef>
                 <a:spcPts val="0"/>
               </a:spcBef>
@@ -4790,15 +4966,19 @@
               <a:defRPr sz="1200"/>
             </a:lvl9pPr>
           </a:lstStyle>
-          <a:p/>
+          <a:p>
+            <a:endParaRPr/>
+          </a:p>
         </p:txBody>
       </p:sp>
       <p:sp>
         <p:nvSpPr>
           <p:cNvPr id="24" name="Google Shape;24;p5"/>
-          <p:cNvSpPr txBox="1"/>
+          <p:cNvSpPr txBox="1">
+            <a:spLocks noGrp="1"/>
+          </p:cNvSpPr>
           <p:nvPr>
-            <p:ph idx="12" type="sldNum"/>
+            <p:ph type="sldNum" idx="12"/>
           </p:nvPr>
         </p:nvSpPr>
         <p:spPr>
@@ -4811,7 +4991,7 @@
           </a:prstGeom>
         </p:spPr>
         <p:txBody>
-          <a:bodyPr anchorCtr="0" anchor="ctr" bIns="91425" lIns="91425" spcFirstLastPara="1" rIns="91425" wrap="square" tIns="91425">
+          <a:bodyPr spcFirstLastPara="1" wrap="square" lIns="91425" tIns="91425" rIns="91425" bIns="91425" anchor="ctr" anchorCtr="0">
             <a:normAutofit/>
           </a:bodyPr>
           <a:lstStyle>
@@ -4853,7 +5033,7 @@
             </a:lvl9pPr>
           </a:lstStyle>
           <a:p>
-            <a:pPr indent="0" lvl="0" marL="0" rtl="0" algn="r">
+            <a:pPr marL="0" lvl="0" indent="0" algn="r" rtl="0">
               <a:spcBef>
                 <a:spcPts val="0"/>
               </a:spcBef>
@@ -4879,11 +5059,11 @@
 </file>
 
 <file path=ppt/slideLayouts/slideLayout5.xml><?xml version="1.0" encoding="utf-8"?>
-<p:sldLayout xmlns:a="http://schemas.openxmlformats.org/drawingml/2006/main" xmlns:r="http://schemas.openxmlformats.org/officeDocument/2006/relationships" xmlns:mc="http://schemas.openxmlformats.org/markup-compatibility/2006" xmlns:mv="urn:schemas-microsoft-com:mac:vml" xmlns:p="http://schemas.openxmlformats.org/presentationml/2006/main" xmlns:c="http://schemas.openxmlformats.org/drawingml/2006/chart" xmlns:dgm="http://schemas.openxmlformats.org/drawingml/2006/diagram" xmlns:o="urn:schemas-microsoft-com:office:office" xmlns:v="urn:schemas-microsoft-com:vml" xmlns:pvml="urn:schemas-microsoft-com:office:powerpoint" xmlns:com="http://schemas.openxmlformats.org/drawingml/2006/compatibility" xmlns:p14="http://schemas.microsoft.com/office/powerpoint/2010/main" xmlns:p15="http://schemas.microsoft.com/office/powerpoint/2012/main" xmlns:ahyp="http://schemas.microsoft.com/office/drawing/2018/hyperlinkcolor" matchingName="Title only" type="titleOnly">
+<p:sldLayout xmlns:a="http://schemas.openxmlformats.org/drawingml/2006/main" xmlns:r="http://schemas.openxmlformats.org/officeDocument/2006/relationships" xmlns:p="http://schemas.openxmlformats.org/presentationml/2006/main" matchingName="Title only" type="titleOnly">
   <p:cSld name="TITLE_ONLY">
     <p:spTree>
       <p:nvGrpSpPr>
-        <p:cNvPr id="25" name="Shape 25"/>
+        <p:cNvPr id="1" name="Shape 25"/>
         <p:cNvGrpSpPr/>
         <p:nvPr/>
       </p:nvGrpSpPr>
@@ -4898,7 +5078,9 @@
       <p:sp>
         <p:nvSpPr>
           <p:cNvPr id="26" name="Google Shape;26;p6"/>
-          <p:cNvSpPr txBox="1"/>
+          <p:cNvSpPr txBox="1">
+            <a:spLocks noGrp="1"/>
+          </p:cNvSpPr>
           <p:nvPr>
             <p:ph type="title"/>
           </p:nvPr>
@@ -4913,7 +5095,7 @@
           </a:prstGeom>
         </p:spPr>
         <p:txBody>
-          <a:bodyPr anchorCtr="0" anchor="t" bIns="91425" lIns="91425" spcFirstLastPara="1" rIns="91425" wrap="square" tIns="91425">
+          <a:bodyPr spcFirstLastPara="1" wrap="square" lIns="91425" tIns="91425" rIns="91425" bIns="91425" anchor="t" anchorCtr="0">
             <a:normAutofit/>
           </a:bodyPr>
           <a:lstStyle>
@@ -5017,15 +5199,19 @@
               <a:defRPr/>
             </a:lvl9pPr>
           </a:lstStyle>
-          <a:p/>
+          <a:p>
+            <a:endParaRPr/>
+          </a:p>
         </p:txBody>
       </p:sp>
       <p:sp>
         <p:nvSpPr>
           <p:cNvPr id="27" name="Google Shape;27;p6"/>
-          <p:cNvSpPr txBox="1"/>
+          <p:cNvSpPr txBox="1">
+            <a:spLocks noGrp="1"/>
+          </p:cNvSpPr>
           <p:nvPr>
-            <p:ph idx="12" type="sldNum"/>
+            <p:ph type="sldNum" idx="12"/>
           </p:nvPr>
         </p:nvSpPr>
         <p:spPr>
@@ -5038,7 +5224,7 @@
           </a:prstGeom>
         </p:spPr>
         <p:txBody>
-          <a:bodyPr anchorCtr="0" anchor="ctr" bIns="91425" lIns="91425" spcFirstLastPara="1" rIns="91425" wrap="square" tIns="91425">
+          <a:bodyPr spcFirstLastPara="1" wrap="square" lIns="91425" tIns="91425" rIns="91425" bIns="91425" anchor="ctr" anchorCtr="0">
             <a:normAutofit/>
           </a:bodyPr>
           <a:lstStyle>
@@ -5080,7 +5266,7 @@
             </a:lvl9pPr>
           </a:lstStyle>
           <a:p>
-            <a:pPr indent="0" lvl="0" marL="0" rtl="0" algn="r">
+            <a:pPr marL="0" lvl="0" indent="0" algn="r" rtl="0">
               <a:spcBef>
                 <a:spcPts val="0"/>
               </a:spcBef>
@@ -5106,11 +5292,11 @@
 </file>
 
 <file path=ppt/slideLayouts/slideLayout6.xml><?xml version="1.0" encoding="utf-8"?>
-<p:sldLayout xmlns:a="http://schemas.openxmlformats.org/drawingml/2006/main" xmlns:r="http://schemas.openxmlformats.org/officeDocument/2006/relationships" xmlns:mc="http://schemas.openxmlformats.org/markup-compatibility/2006" xmlns:mv="urn:schemas-microsoft-com:mac:vml" xmlns:p="http://schemas.openxmlformats.org/presentationml/2006/main" xmlns:c="http://schemas.openxmlformats.org/drawingml/2006/chart" xmlns:dgm="http://schemas.openxmlformats.org/drawingml/2006/diagram" xmlns:o="urn:schemas-microsoft-com:office:office" xmlns:v="urn:schemas-microsoft-com:vml" xmlns:pvml="urn:schemas-microsoft-com:office:powerpoint" xmlns:com="http://schemas.openxmlformats.org/drawingml/2006/compatibility" xmlns:p14="http://schemas.microsoft.com/office/powerpoint/2010/main" xmlns:p15="http://schemas.microsoft.com/office/powerpoint/2012/main" xmlns:ahyp="http://schemas.microsoft.com/office/drawing/2018/hyperlinkcolor" matchingName="One column text">
+<p:sldLayout xmlns:a="http://schemas.openxmlformats.org/drawingml/2006/main" xmlns:r="http://schemas.openxmlformats.org/officeDocument/2006/relationships" xmlns:p="http://schemas.openxmlformats.org/presentationml/2006/main" matchingName="One column text">
   <p:cSld name="ONE_COLUMN_TEXT">
     <p:spTree>
       <p:nvGrpSpPr>
-        <p:cNvPr id="28" name="Shape 28"/>
+        <p:cNvPr id="1" name="Shape 28"/>
         <p:cNvGrpSpPr/>
         <p:nvPr/>
       </p:nvGrpSpPr>
@@ -5125,7 +5311,9 @@
       <p:sp>
         <p:nvSpPr>
           <p:cNvPr id="29" name="Google Shape;29;p7"/>
-          <p:cNvSpPr txBox="1"/>
+          <p:cNvSpPr txBox="1">
+            <a:spLocks noGrp="1"/>
+          </p:cNvSpPr>
           <p:nvPr>
             <p:ph type="title"/>
           </p:nvPr>
@@ -5140,7 +5328,7 @@
           </a:prstGeom>
         </p:spPr>
         <p:txBody>
-          <a:bodyPr anchorCtr="0" anchor="b" bIns="91425" lIns="91425" spcFirstLastPara="1" rIns="91425" wrap="square" tIns="91425">
+          <a:bodyPr spcFirstLastPara="1" wrap="square" lIns="91425" tIns="91425" rIns="91425" bIns="91425" anchor="b" anchorCtr="0">
             <a:normAutofit/>
           </a:bodyPr>
           <a:lstStyle>
@@ -5244,15 +5432,19 @@
               <a:defRPr sz="2400"/>
             </a:lvl9pPr>
           </a:lstStyle>
-          <a:p/>
+          <a:p>
+            <a:endParaRPr/>
+          </a:p>
         </p:txBody>
       </p:sp>
       <p:sp>
         <p:nvSpPr>
           <p:cNvPr id="30" name="Google Shape;30;p7"/>
-          <p:cNvSpPr txBox="1"/>
+          <p:cNvSpPr txBox="1">
+            <a:spLocks noGrp="1"/>
+          </p:cNvSpPr>
           <p:nvPr>
-            <p:ph idx="1" type="body"/>
+            <p:ph type="body" idx="1"/>
           </p:nvPr>
         </p:nvSpPr>
         <p:spPr>
@@ -5265,11 +5457,11 @@
           </a:prstGeom>
         </p:spPr>
         <p:txBody>
-          <a:bodyPr anchorCtr="0" anchor="t" bIns="91425" lIns="91425" spcFirstLastPara="1" rIns="91425" wrap="square" tIns="91425">
+          <a:bodyPr spcFirstLastPara="1" wrap="square" lIns="91425" tIns="91425" rIns="91425" bIns="91425" anchor="t" anchorCtr="0">
             <a:normAutofit/>
           </a:bodyPr>
           <a:lstStyle>
-            <a:lvl1pPr indent="-304800" lvl="0" marL="457200">
+            <a:lvl1pPr marL="457200" lvl="0" indent="-304800">
               <a:spcBef>
                 <a:spcPts val="0"/>
               </a:spcBef>
@@ -5280,7 +5472,7 @@
               <a:buChar char="●"/>
               <a:defRPr sz="1200"/>
             </a:lvl1pPr>
-            <a:lvl2pPr indent="-304800" lvl="1" marL="914400">
+            <a:lvl2pPr marL="914400" lvl="1" indent="-304800">
               <a:spcBef>
                 <a:spcPts val="0"/>
               </a:spcBef>
@@ -5291,7 +5483,7 @@
               <a:buChar char="○"/>
               <a:defRPr sz="1200"/>
             </a:lvl2pPr>
-            <a:lvl3pPr indent="-304800" lvl="2" marL="1371600">
+            <a:lvl3pPr marL="1371600" lvl="2" indent="-304800">
               <a:spcBef>
                 <a:spcPts val="0"/>
               </a:spcBef>
@@ -5302,7 +5494,7 @@
               <a:buChar char="■"/>
               <a:defRPr sz="1200"/>
             </a:lvl3pPr>
-            <a:lvl4pPr indent="-304800" lvl="3" marL="1828800">
+            <a:lvl4pPr marL="1828800" lvl="3" indent="-304800">
               <a:spcBef>
                 <a:spcPts val="0"/>
               </a:spcBef>
@@ -5313,7 +5505,7 @@
               <a:buChar char="●"/>
               <a:defRPr sz="1200"/>
             </a:lvl4pPr>
-            <a:lvl5pPr indent="-304800" lvl="4" marL="2286000">
+            <a:lvl5pPr marL="2286000" lvl="4" indent="-304800">
               <a:spcBef>
                 <a:spcPts val="0"/>
               </a:spcBef>
@@ -5324,7 +5516,7 @@
               <a:buChar char="○"/>
               <a:defRPr sz="1200"/>
             </a:lvl5pPr>
-            <a:lvl6pPr indent="-304800" lvl="5" marL="2743200">
+            <a:lvl6pPr marL="2743200" lvl="5" indent="-304800">
               <a:spcBef>
                 <a:spcPts val="0"/>
               </a:spcBef>
@@ -5335,7 +5527,7 @@
               <a:buChar char="■"/>
               <a:defRPr sz="1200"/>
             </a:lvl6pPr>
-            <a:lvl7pPr indent="-304800" lvl="6" marL="3200400">
+            <a:lvl7pPr marL="3200400" lvl="6" indent="-304800">
               <a:spcBef>
                 <a:spcPts val="0"/>
               </a:spcBef>
@@ -5346,7 +5538,7 @@
               <a:buChar char="●"/>
               <a:defRPr sz="1200"/>
             </a:lvl7pPr>
-            <a:lvl8pPr indent="-304800" lvl="7" marL="3657600">
+            <a:lvl8pPr marL="3657600" lvl="7" indent="-304800">
               <a:spcBef>
                 <a:spcPts val="0"/>
               </a:spcBef>
@@ -5357,7 +5549,7 @@
               <a:buChar char="○"/>
               <a:defRPr sz="1200"/>
             </a:lvl8pPr>
-            <a:lvl9pPr indent="-304800" lvl="8" marL="4114800">
+            <a:lvl9pPr marL="4114800" lvl="8" indent="-304800">
               <a:spcBef>
                 <a:spcPts val="0"/>
               </a:spcBef>
@@ -5369,15 +5561,19 @@
               <a:defRPr sz="1200"/>
             </a:lvl9pPr>
           </a:lstStyle>
-          <a:p/>
+          <a:p>
+            <a:endParaRPr/>
+          </a:p>
         </p:txBody>
       </p:sp>
       <p:sp>
         <p:nvSpPr>
           <p:cNvPr id="31" name="Google Shape;31;p7"/>
-          <p:cNvSpPr txBox="1"/>
+          <p:cNvSpPr txBox="1">
+            <a:spLocks noGrp="1"/>
+          </p:cNvSpPr>
           <p:nvPr>
-            <p:ph idx="12" type="sldNum"/>
+            <p:ph type="sldNum" idx="12"/>
           </p:nvPr>
         </p:nvSpPr>
         <p:spPr>
@@ -5390,7 +5586,7 @@
           </a:prstGeom>
         </p:spPr>
         <p:txBody>
-          <a:bodyPr anchorCtr="0" anchor="ctr" bIns="91425" lIns="91425" spcFirstLastPara="1" rIns="91425" wrap="square" tIns="91425">
+          <a:bodyPr spcFirstLastPara="1" wrap="square" lIns="91425" tIns="91425" rIns="91425" bIns="91425" anchor="ctr" anchorCtr="0">
             <a:normAutofit/>
           </a:bodyPr>
           <a:lstStyle>
@@ -5432,7 +5628,7 @@
             </a:lvl9pPr>
           </a:lstStyle>
           <a:p>
-            <a:pPr indent="0" lvl="0" marL="0" rtl="0" algn="r">
+            <a:pPr marL="0" lvl="0" indent="0" algn="r" rtl="0">
               <a:spcBef>
                 <a:spcPts val="0"/>
               </a:spcBef>
@@ -5458,11 +5654,11 @@
 </file>
 
 <file path=ppt/slideLayouts/slideLayout7.xml><?xml version="1.0" encoding="utf-8"?>
-<p:sldLayout xmlns:a="http://schemas.openxmlformats.org/drawingml/2006/main" xmlns:r="http://schemas.openxmlformats.org/officeDocument/2006/relationships" xmlns:mc="http://schemas.openxmlformats.org/markup-compatibility/2006" xmlns:mv="urn:schemas-microsoft-com:mac:vml" xmlns:p="http://schemas.openxmlformats.org/presentationml/2006/main" xmlns:c="http://schemas.openxmlformats.org/drawingml/2006/chart" xmlns:dgm="http://schemas.openxmlformats.org/drawingml/2006/diagram" xmlns:o="urn:schemas-microsoft-com:office:office" xmlns:v="urn:schemas-microsoft-com:vml" xmlns:pvml="urn:schemas-microsoft-com:office:powerpoint" xmlns:com="http://schemas.openxmlformats.org/drawingml/2006/compatibility" xmlns:p14="http://schemas.microsoft.com/office/powerpoint/2010/main" xmlns:p15="http://schemas.microsoft.com/office/powerpoint/2012/main" xmlns:ahyp="http://schemas.microsoft.com/office/drawing/2018/hyperlinkcolor" matchingName="Main point">
+<p:sldLayout xmlns:a="http://schemas.openxmlformats.org/drawingml/2006/main" xmlns:r="http://schemas.openxmlformats.org/officeDocument/2006/relationships" xmlns:p="http://schemas.openxmlformats.org/presentationml/2006/main" matchingName="Main point">
   <p:cSld name="MAIN_POINT">
     <p:spTree>
       <p:nvGrpSpPr>
-        <p:cNvPr id="32" name="Shape 32"/>
+        <p:cNvPr id="1" name="Shape 32"/>
         <p:cNvGrpSpPr/>
         <p:nvPr/>
       </p:nvGrpSpPr>
@@ -5477,7 +5673,9 @@
       <p:sp>
         <p:nvSpPr>
           <p:cNvPr id="33" name="Google Shape;33;p8"/>
-          <p:cNvSpPr txBox="1"/>
+          <p:cNvSpPr txBox="1">
+            <a:spLocks noGrp="1"/>
+          </p:cNvSpPr>
           <p:nvPr>
             <p:ph type="title"/>
           </p:nvPr>
@@ -5492,7 +5690,7 @@
           </a:prstGeom>
         </p:spPr>
         <p:txBody>
-          <a:bodyPr anchorCtr="0" anchor="ctr" bIns="91425" lIns="91425" spcFirstLastPara="1" rIns="91425" wrap="square" tIns="91425">
+          <a:bodyPr spcFirstLastPara="1" wrap="square" lIns="91425" tIns="91425" rIns="91425" bIns="91425" anchor="ctr" anchorCtr="0">
             <a:normAutofit/>
           </a:bodyPr>
           <a:lstStyle>
@@ -5596,15 +5794,19 @@
               <a:defRPr sz="4800"/>
             </a:lvl9pPr>
           </a:lstStyle>
-          <a:p/>
+          <a:p>
+            <a:endParaRPr/>
+          </a:p>
         </p:txBody>
       </p:sp>
       <p:sp>
         <p:nvSpPr>
           <p:cNvPr id="34" name="Google Shape;34;p8"/>
-          <p:cNvSpPr txBox="1"/>
+          <p:cNvSpPr txBox="1">
+            <a:spLocks noGrp="1"/>
+          </p:cNvSpPr>
           <p:nvPr>
-            <p:ph idx="12" type="sldNum"/>
+            <p:ph type="sldNum" idx="12"/>
           </p:nvPr>
         </p:nvSpPr>
         <p:spPr>
@@ -5617,7 +5819,7 @@
           </a:prstGeom>
         </p:spPr>
         <p:txBody>
-          <a:bodyPr anchorCtr="0" anchor="ctr" bIns="91425" lIns="91425" spcFirstLastPara="1" rIns="91425" wrap="square" tIns="91425">
+          <a:bodyPr spcFirstLastPara="1" wrap="square" lIns="91425" tIns="91425" rIns="91425" bIns="91425" anchor="ctr" anchorCtr="0">
             <a:normAutofit/>
           </a:bodyPr>
           <a:lstStyle>
@@ -5659,7 +5861,7 @@
             </a:lvl9pPr>
           </a:lstStyle>
           <a:p>
-            <a:pPr indent="0" lvl="0" marL="0" rtl="0" algn="r">
+            <a:pPr marL="0" lvl="0" indent="0" algn="r" rtl="0">
               <a:spcBef>
                 <a:spcPts val="0"/>
               </a:spcBef>
@@ -5685,11 +5887,11 @@
 </file>
 
 <file path=ppt/slideLayouts/slideLayout8.xml><?xml version="1.0" encoding="utf-8"?>
-<p:sldLayout xmlns:a="http://schemas.openxmlformats.org/drawingml/2006/main" xmlns:r="http://schemas.openxmlformats.org/officeDocument/2006/relationships" xmlns:mc="http://schemas.openxmlformats.org/markup-compatibility/2006" xmlns:mv="urn:schemas-microsoft-com:mac:vml" xmlns:p="http://schemas.openxmlformats.org/presentationml/2006/main" xmlns:c="http://schemas.openxmlformats.org/drawingml/2006/chart" xmlns:dgm="http://schemas.openxmlformats.org/drawingml/2006/diagram" xmlns:o="urn:schemas-microsoft-com:office:office" xmlns:v="urn:schemas-microsoft-com:vml" xmlns:pvml="urn:schemas-microsoft-com:office:powerpoint" xmlns:com="http://schemas.openxmlformats.org/drawingml/2006/compatibility" xmlns:p14="http://schemas.microsoft.com/office/powerpoint/2010/main" xmlns:p15="http://schemas.microsoft.com/office/powerpoint/2012/main" xmlns:ahyp="http://schemas.microsoft.com/office/drawing/2018/hyperlinkcolor" matchingName="Section title and description">
+<p:sldLayout xmlns:a="http://schemas.openxmlformats.org/drawingml/2006/main" xmlns:r="http://schemas.openxmlformats.org/officeDocument/2006/relationships" xmlns:p="http://schemas.openxmlformats.org/presentationml/2006/main" matchingName="Section title and description">
   <p:cSld name="SECTION_TITLE_AND_DESCRIPTION">
     <p:spTree>
       <p:nvGrpSpPr>
-        <p:cNvPr id="35" name="Shape 35"/>
+        <p:cNvPr id="1" name="Shape 35"/>
         <p:cNvGrpSpPr/>
         <p:nvPr/>
       </p:nvGrpSpPr>
@@ -5723,23 +5925,20 @@
           </a:ln>
         </p:spPr>
         <p:txBody>
-          <a:bodyPr anchorCtr="0" anchor="ctr" bIns="91425" lIns="91425" spcFirstLastPara="1" rIns="91425" wrap="square" tIns="91425">
+          <a:bodyPr spcFirstLastPara="1" wrap="square" lIns="91425" tIns="91425" rIns="91425" bIns="91425" anchor="ctr" anchorCtr="0">
             <a:noAutofit/>
           </a:bodyPr>
           <a:lstStyle/>
           <a:p>
-            <a:pPr indent="0" lvl="0" marL="0" rtl="0" algn="l">
-              <a:spcBef>
-                <a:spcPts val="0"/>
-              </a:spcBef>
-              <a:spcAft>
-                <a:spcPts val="0"/>
-              </a:spcAft>
-              <a:buNone/>
-            </a:pPr>
-            <a:r>
-              <a:t/>
-            </a:r>
+            <a:pPr marL="0" lvl="0" indent="0" algn="l" rtl="0">
+              <a:spcBef>
+                <a:spcPts val="0"/>
+              </a:spcBef>
+              <a:spcAft>
+                <a:spcPts val="0"/>
+              </a:spcAft>
+              <a:buNone/>
+            </a:pPr>
             <a:endParaRPr/>
           </a:p>
         </p:txBody>
@@ -5747,7 +5946,9 @@
       <p:sp>
         <p:nvSpPr>
           <p:cNvPr id="37" name="Google Shape;37;p9"/>
-          <p:cNvSpPr txBox="1"/>
+          <p:cNvSpPr txBox="1">
+            <a:spLocks noGrp="1"/>
+          </p:cNvSpPr>
           <p:nvPr>
             <p:ph type="title"/>
           </p:nvPr>
@@ -5762,7 +5963,7 @@
           </a:prstGeom>
         </p:spPr>
         <p:txBody>
-          <a:bodyPr anchorCtr="0" anchor="b" bIns="91425" lIns="91425" spcFirstLastPara="1" rIns="91425" wrap="square" tIns="91425">
+          <a:bodyPr spcFirstLastPara="1" wrap="square" lIns="91425" tIns="91425" rIns="91425" bIns="91425" anchor="b" anchorCtr="0">
             <a:normAutofit/>
           </a:bodyPr>
           <a:lstStyle>
@@ -5866,15 +6067,19 @@
               <a:defRPr sz="4200"/>
             </a:lvl9pPr>
           </a:lstStyle>
-          <a:p/>
+          <a:p>
+            <a:endParaRPr/>
+          </a:p>
         </p:txBody>
       </p:sp>
       <p:sp>
         <p:nvSpPr>
           <p:cNvPr id="38" name="Google Shape;38;p9"/>
-          <p:cNvSpPr txBox="1"/>
+          <p:cNvSpPr txBox="1">
+            <a:spLocks noGrp="1"/>
+          </p:cNvSpPr>
           <p:nvPr>
-            <p:ph idx="1" type="subTitle"/>
+            <p:ph type="subTitle" idx="1"/>
           </p:nvPr>
         </p:nvSpPr>
         <p:spPr>
@@ -5887,7 +6092,7 @@
           </a:prstGeom>
         </p:spPr>
         <p:txBody>
-          <a:bodyPr anchorCtr="0" anchor="t" bIns="91425" lIns="91425" spcFirstLastPara="1" rIns="91425" wrap="square" tIns="91425">
+          <a:bodyPr spcFirstLastPara="1" wrap="square" lIns="91425" tIns="91425" rIns="91425" bIns="91425" anchor="t" anchorCtr="0">
             <a:normAutofit/>
           </a:bodyPr>
           <a:lstStyle>
@@ -6018,15 +6223,19 @@
               <a:defRPr sz="2100"/>
             </a:lvl9pPr>
           </a:lstStyle>
-          <a:p/>
+          <a:p>
+            <a:endParaRPr/>
+          </a:p>
         </p:txBody>
       </p:sp>
       <p:sp>
         <p:nvSpPr>
           <p:cNvPr id="39" name="Google Shape;39;p9"/>
-          <p:cNvSpPr txBox="1"/>
+          <p:cNvSpPr txBox="1">
+            <a:spLocks noGrp="1"/>
+          </p:cNvSpPr>
           <p:nvPr>
-            <p:ph idx="2" type="body"/>
+            <p:ph type="body" idx="2"/>
           </p:nvPr>
         </p:nvSpPr>
         <p:spPr>
@@ -6039,11 +6248,11 @@
           </a:prstGeom>
         </p:spPr>
         <p:txBody>
-          <a:bodyPr anchorCtr="0" anchor="ctr" bIns="91425" lIns="91425" spcFirstLastPara="1" rIns="91425" wrap="square" tIns="91425">
+          <a:bodyPr spcFirstLastPara="1" wrap="square" lIns="91425" tIns="91425" rIns="91425" bIns="91425" anchor="ctr" anchorCtr="0">
             <a:normAutofit/>
           </a:bodyPr>
           <a:lstStyle>
-            <a:lvl1pPr indent="-342900" lvl="0" marL="457200">
+            <a:lvl1pPr marL="457200" lvl="0" indent="-342900">
               <a:spcBef>
                 <a:spcPts val="0"/>
               </a:spcBef>
@@ -6054,7 +6263,7 @@
               <a:buChar char="●"/>
               <a:defRPr/>
             </a:lvl1pPr>
-            <a:lvl2pPr indent="-317500" lvl="1" marL="914400">
+            <a:lvl2pPr marL="914400" lvl="1" indent="-317500">
               <a:spcBef>
                 <a:spcPts val="0"/>
               </a:spcBef>
@@ -6065,7 +6274,7 @@
               <a:buChar char="○"/>
               <a:defRPr/>
             </a:lvl2pPr>
-            <a:lvl3pPr indent="-317500" lvl="2" marL="1371600">
+            <a:lvl3pPr marL="1371600" lvl="2" indent="-317500">
               <a:spcBef>
                 <a:spcPts val="0"/>
               </a:spcBef>
@@ -6076,7 +6285,7 @@
               <a:buChar char="■"/>
               <a:defRPr/>
             </a:lvl3pPr>
-            <a:lvl4pPr indent="-317500" lvl="3" marL="1828800">
+            <a:lvl4pPr marL="1828800" lvl="3" indent="-317500">
               <a:spcBef>
                 <a:spcPts val="0"/>
               </a:spcBef>
@@ -6087,7 +6296,7 @@
               <a:buChar char="●"/>
               <a:defRPr/>
             </a:lvl4pPr>
-            <a:lvl5pPr indent="-317500" lvl="4" marL="2286000">
+            <a:lvl5pPr marL="2286000" lvl="4" indent="-317500">
               <a:spcBef>
                 <a:spcPts val="0"/>
               </a:spcBef>
@@ -6098,7 +6307,7 @@
               <a:buChar char="○"/>
               <a:defRPr/>
             </a:lvl5pPr>
-            <a:lvl6pPr indent="-317500" lvl="5" marL="2743200">
+            <a:lvl6pPr marL="2743200" lvl="5" indent="-317500">
               <a:spcBef>
                 <a:spcPts val="0"/>
               </a:spcBef>
@@ -6109,7 +6318,7 @@
               <a:buChar char="■"/>
               <a:defRPr/>
             </a:lvl6pPr>
-            <a:lvl7pPr indent="-317500" lvl="6" marL="3200400">
+            <a:lvl7pPr marL="3200400" lvl="6" indent="-317500">
               <a:spcBef>
                 <a:spcPts val="0"/>
               </a:spcBef>
@@ -6120,7 +6329,7 @@
               <a:buChar char="●"/>
               <a:defRPr/>
             </a:lvl7pPr>
-            <a:lvl8pPr indent="-317500" lvl="7" marL="3657600">
+            <a:lvl8pPr marL="3657600" lvl="7" indent="-317500">
               <a:spcBef>
                 <a:spcPts val="0"/>
               </a:spcBef>
@@ -6131,7 +6340,7 @@
               <a:buChar char="○"/>
               <a:defRPr/>
             </a:lvl8pPr>
-            <a:lvl9pPr indent="-317500" lvl="8" marL="4114800">
+            <a:lvl9pPr marL="4114800" lvl="8" indent="-317500">
               <a:spcBef>
                 <a:spcPts val="0"/>
               </a:spcBef>
@@ -6143,15 +6352,19 @@
               <a:defRPr/>
             </a:lvl9pPr>
           </a:lstStyle>
-          <a:p/>
+          <a:p>
+            <a:endParaRPr/>
+          </a:p>
         </p:txBody>
       </p:sp>
       <p:sp>
         <p:nvSpPr>
           <p:cNvPr id="40" name="Google Shape;40;p9"/>
-          <p:cNvSpPr txBox="1"/>
+          <p:cNvSpPr txBox="1">
+            <a:spLocks noGrp="1"/>
+          </p:cNvSpPr>
           <p:nvPr>
-            <p:ph idx="12" type="sldNum"/>
+            <p:ph type="sldNum" idx="12"/>
           </p:nvPr>
         </p:nvSpPr>
         <p:spPr>
@@ -6164,7 +6377,7 @@
           </a:prstGeom>
         </p:spPr>
         <p:txBody>
-          <a:bodyPr anchorCtr="0" anchor="ctr" bIns="91425" lIns="91425" spcFirstLastPara="1" rIns="91425" wrap="square" tIns="91425">
+          <a:bodyPr spcFirstLastPara="1" wrap="square" lIns="91425" tIns="91425" rIns="91425" bIns="91425" anchor="ctr" anchorCtr="0">
             <a:normAutofit/>
           </a:bodyPr>
           <a:lstStyle>
@@ -6206,7 +6419,7 @@
             </a:lvl9pPr>
           </a:lstStyle>
           <a:p>
-            <a:pPr indent="0" lvl="0" marL="0" rtl="0" algn="r">
+            <a:pPr marL="0" lvl="0" indent="0" algn="r" rtl="0">
               <a:spcBef>
                 <a:spcPts val="0"/>
               </a:spcBef>
@@ -6232,11 +6445,11 @@
 </file>
 
 <file path=ppt/slideLayouts/slideLayout9.xml><?xml version="1.0" encoding="utf-8"?>
-<p:sldLayout xmlns:a="http://schemas.openxmlformats.org/drawingml/2006/main" xmlns:r="http://schemas.openxmlformats.org/officeDocument/2006/relationships" xmlns:mc="http://schemas.openxmlformats.org/markup-compatibility/2006" xmlns:mv="urn:schemas-microsoft-com:mac:vml" xmlns:p="http://schemas.openxmlformats.org/presentationml/2006/main" xmlns:c="http://schemas.openxmlformats.org/drawingml/2006/chart" xmlns:dgm="http://schemas.openxmlformats.org/drawingml/2006/diagram" xmlns:o="urn:schemas-microsoft-com:office:office" xmlns:v="urn:schemas-microsoft-com:vml" xmlns:pvml="urn:schemas-microsoft-com:office:powerpoint" xmlns:com="http://schemas.openxmlformats.org/drawingml/2006/compatibility" xmlns:p14="http://schemas.microsoft.com/office/powerpoint/2010/main" xmlns:p15="http://schemas.microsoft.com/office/powerpoint/2012/main" xmlns:ahyp="http://schemas.microsoft.com/office/drawing/2018/hyperlinkcolor" matchingName="Caption">
+<p:sldLayout xmlns:a="http://schemas.openxmlformats.org/drawingml/2006/main" xmlns:r="http://schemas.openxmlformats.org/officeDocument/2006/relationships" xmlns:p="http://schemas.openxmlformats.org/presentationml/2006/main" matchingName="Caption">
   <p:cSld name="CAPTION_ONLY">
     <p:spTree>
       <p:nvGrpSpPr>
-        <p:cNvPr id="41" name="Shape 41"/>
+        <p:cNvPr id="1" name="Shape 41"/>
         <p:cNvGrpSpPr/>
         <p:nvPr/>
       </p:nvGrpSpPr>
@@ -6251,9 +6464,11 @@
       <p:sp>
         <p:nvSpPr>
           <p:cNvPr id="42" name="Google Shape;42;p10"/>
-          <p:cNvSpPr txBox="1"/>
+          <p:cNvSpPr txBox="1">
+            <a:spLocks noGrp="1"/>
+          </p:cNvSpPr>
           <p:nvPr>
-            <p:ph idx="1" type="body"/>
+            <p:ph type="body" idx="1"/>
           </p:nvPr>
         </p:nvSpPr>
         <p:spPr>
@@ -6266,11 +6481,11 @@
           </a:prstGeom>
         </p:spPr>
         <p:txBody>
-          <a:bodyPr anchorCtr="0" anchor="ctr" bIns="91425" lIns="91425" spcFirstLastPara="1" rIns="91425" wrap="square" tIns="91425">
+          <a:bodyPr spcFirstLastPara="1" wrap="square" lIns="91425" tIns="91425" rIns="91425" bIns="91425" anchor="ctr" anchorCtr="0">
             <a:normAutofit/>
           </a:bodyPr>
           <a:lstStyle>
-            <a:lvl1pPr indent="-228600" lvl="0" marL="457200">
+            <a:lvl1pPr marL="457200" lvl="0" indent="-228600">
               <a:lnSpc>
                 <a:spcPct val="100000"/>
               </a:lnSpc>
@@ -6285,15 +6500,19 @@
               <a:defRPr/>
             </a:lvl1pPr>
           </a:lstStyle>
-          <a:p/>
+          <a:p>
+            <a:endParaRPr/>
+          </a:p>
         </p:txBody>
       </p:sp>
       <p:sp>
         <p:nvSpPr>
           <p:cNvPr id="43" name="Google Shape;43;p10"/>
-          <p:cNvSpPr txBox="1"/>
+          <p:cNvSpPr txBox="1">
+            <a:spLocks noGrp="1"/>
+          </p:cNvSpPr>
           <p:nvPr>
-            <p:ph idx="12" type="sldNum"/>
+            <p:ph type="sldNum" idx="12"/>
           </p:nvPr>
         </p:nvSpPr>
         <p:spPr>
@@ -6306,7 +6525,7 @@
           </a:prstGeom>
         </p:spPr>
         <p:txBody>
-          <a:bodyPr anchorCtr="0" anchor="ctr" bIns="91425" lIns="91425" spcFirstLastPara="1" rIns="91425" wrap="square" tIns="91425">
+          <a:bodyPr spcFirstLastPara="1" wrap="square" lIns="91425" tIns="91425" rIns="91425" bIns="91425" anchor="ctr" anchorCtr="0">
             <a:normAutofit/>
           </a:bodyPr>
           <a:lstStyle>
@@ -6348,7 +6567,7 @@
             </a:lvl9pPr>
           </a:lstStyle>
           <a:p>
-            <a:pPr indent="0" lvl="0" marL="0" rtl="0" algn="r">
+            <a:pPr marL="0" lvl="0" indent="0" algn="r" rtl="0">
               <a:spcBef>
                 <a:spcPts val="0"/>
               </a:spcBef>
@@ -6374,18 +6593,19 @@
 </file>
 
 <file path=ppt/slideMasters/slideMaster1.xml><?xml version="1.0" encoding="utf-8"?>
-<p:sldMaster xmlns:a="http://schemas.openxmlformats.org/drawingml/2006/main" xmlns:r="http://schemas.openxmlformats.org/officeDocument/2006/relationships" xmlns:mc="http://schemas.openxmlformats.org/markup-compatibility/2006" xmlns:mv="urn:schemas-microsoft-com:mac:vml" xmlns:p="http://schemas.openxmlformats.org/presentationml/2006/main" xmlns:c="http://schemas.openxmlformats.org/drawingml/2006/chart" xmlns:dgm="http://schemas.openxmlformats.org/drawingml/2006/diagram" xmlns:o="urn:schemas-microsoft-com:office:office" xmlns:v="urn:schemas-microsoft-com:vml" xmlns:pvml="urn:schemas-microsoft-com:office:powerpoint" xmlns:com="http://schemas.openxmlformats.org/drawingml/2006/compatibility" xmlns:p14="http://schemas.microsoft.com/office/powerpoint/2010/main" xmlns:p15="http://schemas.microsoft.com/office/powerpoint/2012/main" xmlns:ahyp="http://schemas.microsoft.com/office/drawing/2018/hyperlinkcolor">
+<p:sldMaster xmlns:a="http://schemas.openxmlformats.org/drawingml/2006/main" xmlns:r="http://schemas.openxmlformats.org/officeDocument/2006/relationships" xmlns:p="http://schemas.openxmlformats.org/presentationml/2006/main">
   <p:cSld name="simple-light-2">
     <p:bg>
       <p:bgPr>
         <a:solidFill>
           <a:schemeClr val="lt1"/>
         </a:solidFill>
+        <a:effectLst/>
       </p:bgPr>
     </p:bg>
     <p:spTree>
       <p:nvGrpSpPr>
-        <p:cNvPr id="5" name="Shape 5"/>
+        <p:cNvPr id="1" name="Shape 5"/>
         <p:cNvGrpSpPr/>
         <p:nvPr/>
       </p:nvGrpSpPr>
@@ -6400,7 +6620,9 @@
       <p:sp>
         <p:nvSpPr>
           <p:cNvPr id="6" name="Google Shape;6;p1"/>
-          <p:cNvSpPr txBox="1"/>
+          <p:cNvSpPr txBox="1">
+            <a:spLocks noGrp="1"/>
+          </p:cNvSpPr>
           <p:nvPr>
             <p:ph type="title"/>
           </p:nvPr>
@@ -6419,7 +6641,7 @@
           </a:ln>
         </p:spPr>
         <p:txBody>
-          <a:bodyPr anchorCtr="0" anchor="t" bIns="91425" lIns="91425" spcFirstLastPara="1" rIns="91425" wrap="square" tIns="91425">
+          <a:bodyPr spcFirstLastPara="1" wrap="square" lIns="91425" tIns="91425" rIns="91425" bIns="91425" anchor="t" anchorCtr="0">
             <a:normAutofit/>
           </a:bodyPr>
           <a:lstStyle>
@@ -6586,15 +6808,19 @@
               </a:defRPr>
             </a:lvl9pPr>
           </a:lstStyle>
-          <a:p/>
+          <a:p>
+            <a:endParaRPr/>
+          </a:p>
         </p:txBody>
       </p:sp>
       <p:sp>
         <p:nvSpPr>
           <p:cNvPr id="7" name="Google Shape;7;p1"/>
-          <p:cNvSpPr txBox="1"/>
+          <p:cNvSpPr txBox="1">
+            <a:spLocks noGrp="1"/>
+          </p:cNvSpPr>
           <p:nvPr>
-            <p:ph idx="1" type="body"/>
+            <p:ph type="body" idx="1"/>
           </p:nvPr>
         </p:nvSpPr>
         <p:spPr>
@@ -6611,11 +6837,11 @@
           </a:ln>
         </p:spPr>
         <p:txBody>
-          <a:bodyPr anchorCtr="0" anchor="t" bIns="91425" lIns="91425" spcFirstLastPara="1" rIns="91425" wrap="square" tIns="91425">
+          <a:bodyPr spcFirstLastPara="1" wrap="square" lIns="91425" tIns="91425" rIns="91425" bIns="91425" anchor="t" anchorCtr="0">
             <a:normAutofit/>
           </a:bodyPr>
           <a:lstStyle>
-            <a:lvl1pPr indent="-342900" lvl="0" marL="457200">
+            <a:lvl1pPr marL="457200" lvl="0" indent="-342900">
               <a:lnSpc>
                 <a:spcPct val="115000"/>
               </a:lnSpc>
@@ -6636,7 +6862,7 @@
                 </a:solidFill>
               </a:defRPr>
             </a:lvl1pPr>
-            <a:lvl2pPr indent="-317500" lvl="1" marL="914400">
+            <a:lvl2pPr marL="914400" lvl="1" indent="-317500">
               <a:lnSpc>
                 <a:spcPct val="115000"/>
               </a:lnSpc>
@@ -6657,7 +6883,7 @@
                 </a:solidFill>
               </a:defRPr>
             </a:lvl2pPr>
-            <a:lvl3pPr indent="-317500" lvl="2" marL="1371600">
+            <a:lvl3pPr marL="1371600" lvl="2" indent="-317500">
               <a:lnSpc>
                 <a:spcPct val="115000"/>
               </a:lnSpc>
@@ -6678,7 +6904,7 @@
                 </a:solidFill>
               </a:defRPr>
             </a:lvl3pPr>
-            <a:lvl4pPr indent="-317500" lvl="3" marL="1828800">
+            <a:lvl4pPr marL="1828800" lvl="3" indent="-317500">
               <a:lnSpc>
                 <a:spcPct val="115000"/>
               </a:lnSpc>
@@ -6699,7 +6925,7 @@
                 </a:solidFill>
               </a:defRPr>
             </a:lvl4pPr>
-            <a:lvl5pPr indent="-317500" lvl="4" marL="2286000">
+            <a:lvl5pPr marL="2286000" lvl="4" indent="-317500">
               <a:lnSpc>
                 <a:spcPct val="115000"/>
               </a:lnSpc>
@@ -6720,7 +6946,7 @@
                 </a:solidFill>
               </a:defRPr>
             </a:lvl5pPr>
-            <a:lvl6pPr indent="-317500" lvl="5" marL="2743200">
+            <a:lvl6pPr marL="2743200" lvl="5" indent="-317500">
               <a:lnSpc>
                 <a:spcPct val="115000"/>
               </a:lnSpc>
@@ -6741,7 +6967,7 @@
                 </a:solidFill>
               </a:defRPr>
             </a:lvl6pPr>
-            <a:lvl7pPr indent="-317500" lvl="6" marL="3200400">
+            <a:lvl7pPr marL="3200400" lvl="6" indent="-317500">
               <a:lnSpc>
                 <a:spcPct val="115000"/>
               </a:lnSpc>
@@ -6762,7 +6988,7 @@
                 </a:solidFill>
               </a:defRPr>
             </a:lvl7pPr>
-            <a:lvl8pPr indent="-317500" lvl="7" marL="3657600">
+            <a:lvl8pPr marL="3657600" lvl="7" indent="-317500">
               <a:lnSpc>
                 <a:spcPct val="115000"/>
               </a:lnSpc>
@@ -6783,7 +7009,7 @@
                 </a:solidFill>
               </a:defRPr>
             </a:lvl8pPr>
-            <a:lvl9pPr indent="-317500" lvl="8" marL="4114800">
+            <a:lvl9pPr marL="4114800" lvl="8" indent="-317500">
               <a:lnSpc>
                 <a:spcPct val="115000"/>
               </a:lnSpc>
@@ -6805,15 +7031,19 @@
               </a:defRPr>
             </a:lvl9pPr>
           </a:lstStyle>
-          <a:p/>
+          <a:p>
+            <a:endParaRPr/>
+          </a:p>
         </p:txBody>
       </p:sp>
       <p:sp>
         <p:nvSpPr>
           <p:cNvPr id="8" name="Google Shape;8;p1"/>
-          <p:cNvSpPr txBox="1"/>
+          <p:cNvSpPr txBox="1">
+            <a:spLocks noGrp="1"/>
+          </p:cNvSpPr>
           <p:nvPr>
-            <p:ph idx="12" type="sldNum"/>
+            <p:ph type="sldNum" idx="12"/>
           </p:nvPr>
         </p:nvSpPr>
         <p:spPr>
@@ -6830,7 +7060,7 @@
           </a:ln>
         </p:spPr>
         <p:txBody>
-          <a:bodyPr anchorCtr="0" anchor="ctr" bIns="91425" lIns="91425" spcFirstLastPara="1" rIns="91425" wrap="square" tIns="91425">
+          <a:bodyPr spcFirstLastPara="1" wrap="square" lIns="91425" tIns="91425" rIns="91425" bIns="91425" anchor="ctr" anchorCtr="0">
             <a:normAutofit/>
           </a:bodyPr>
           <a:lstStyle>
@@ -6908,7 +7138,7 @@
             </a:lvl9pPr>
           </a:lstStyle>
           <a:p>
-            <a:pPr indent="0" lvl="0" marL="0" rtl="0" algn="r">
+            <a:pPr marL="0" lvl="0" indent="0" algn="r" rtl="0">
               <a:spcBef>
                 <a:spcPts val="0"/>
               </a:spcBef>
@@ -6927,7 +7157,7 @@
       </p:sp>
     </p:spTree>
   </p:cSld>
-  <p:clrMap accent1="accent1" accent2="accent2" accent3="accent3" accent4="accent4" accent5="accent5" accent6="accent6" bg1="lt1" bg2="dk2" tx1="dk1" tx2="lt2" folHlink="folHlink" hlink="hlink"/>
+  <p:clrMap bg1="lt1" tx1="dk1" bg2="dk2" tx2="lt2" accent1="accent1" accent2="accent2" accent3="accent3" accent4="accent4" accent5="accent5" accent6="accent6" hlink="hlink" folHlink="folHlink"/>
   <p:sldLayoutIdLst>
     <p:sldLayoutId id="2147483648" r:id="rId1"/>
     <p:sldLayoutId id="2147483649" r:id="rId2"/>
@@ -6941,10 +7171,10 @@
     <p:sldLayoutId id="2147483657" r:id="rId10"/>
     <p:sldLayoutId id="2147483658" r:id="rId11"/>
   </p:sldLayoutIdLst>
-  <p:hf dt="0" ftr="0" hdr="0" sldNum="0"/>
+  <p:hf sldNum="0" hdr="0" ftr="0" dt="0"/>
   <p:txStyles>
     <p:titleStyle>
-      <a:defPPr lvl="0" marR="0" rtl="0" algn="l">
+      <a:defPPr marR="0" lvl="0" algn="l" rtl="0">
         <a:lnSpc>
           <a:spcPct val="100000"/>
         </a:lnSpc>
@@ -6955,7 +7185,7 @@
           <a:spcPts val="0"/>
         </a:spcAft>
       </a:defPPr>
-      <a:lvl1pPr lvl="0" marR="0" rtl="0" algn="l">
+      <a:lvl1pPr marR="0" lvl="0" algn="l" rtl="0">
         <a:lnSpc>
           <a:spcPct val="100000"/>
         </a:lnSpc>
@@ -6969,7 +7199,7 @@
           <a:srgbClr val="000000"/>
         </a:buClr>
         <a:buFont typeface="Arial"/>
-        <a:defRPr b="0" i="0" sz="1400" u="none" cap="none" strike="noStrike">
+        <a:defRPr sz="1400" b="0" i="0" u="none" strike="noStrike" cap="none">
           <a:solidFill>
             <a:srgbClr val="000000"/>
           </a:solidFill>
@@ -6979,7 +7209,7 @@
           <a:sym typeface="Arial"/>
         </a:defRPr>
       </a:lvl1pPr>
-      <a:lvl2pPr lvl="1" marR="0" rtl="0" algn="l">
+      <a:lvl2pPr marR="0" lvl="1" algn="l" rtl="0">
         <a:lnSpc>
           <a:spcPct val="100000"/>
         </a:lnSpc>
@@ -6993,7 +7223,7 @@
           <a:srgbClr val="000000"/>
         </a:buClr>
         <a:buFont typeface="Arial"/>
-        <a:defRPr b="0" i="0" sz="1400" u="none" cap="none" strike="noStrike">
+        <a:defRPr sz="1400" b="0" i="0" u="none" strike="noStrike" cap="none">
           <a:solidFill>
             <a:srgbClr val="000000"/>
           </a:solidFill>
@@ -7003,7 +7233,7 @@
           <a:sym typeface="Arial"/>
         </a:defRPr>
       </a:lvl2pPr>
-      <a:lvl3pPr lvl="2" marR="0" rtl="0" algn="l">
+      <a:lvl3pPr marR="0" lvl="2" algn="l" rtl="0">
         <a:lnSpc>
           <a:spcPct val="100000"/>
         </a:lnSpc>
@@ -7017,7 +7247,7 @@
           <a:srgbClr val="000000"/>
         </a:buClr>
         <a:buFont typeface="Arial"/>
-        <a:defRPr b="0" i="0" sz="1400" u="none" cap="none" strike="noStrike">
+        <a:defRPr sz="1400" b="0" i="0" u="none" strike="noStrike" cap="none">
           <a:solidFill>
             <a:srgbClr val="000000"/>
           </a:solidFill>
@@ -7027,7 +7257,7 @@
           <a:sym typeface="Arial"/>
         </a:defRPr>
       </a:lvl3pPr>
-      <a:lvl4pPr lvl="3" marR="0" rtl="0" algn="l">
+      <a:lvl4pPr marR="0" lvl="3" algn="l" rtl="0">
         <a:lnSpc>
           <a:spcPct val="100000"/>
         </a:lnSpc>
@@ -7041,7 +7271,7 @@
           <a:srgbClr val="000000"/>
         </a:buClr>
         <a:buFont typeface="Arial"/>
-        <a:defRPr b="0" i="0" sz="1400" u="none" cap="none" strike="noStrike">
+        <a:defRPr sz="1400" b="0" i="0" u="none" strike="noStrike" cap="none">
           <a:solidFill>
             <a:srgbClr val="000000"/>
           </a:solidFill>
@@ -7051,7 +7281,7 @@
           <a:sym typeface="Arial"/>
         </a:defRPr>
       </a:lvl4pPr>
-      <a:lvl5pPr lvl="4" marR="0" rtl="0" algn="l">
+      <a:lvl5pPr marR="0" lvl="4" algn="l" rtl="0">
         <a:lnSpc>
           <a:spcPct val="100000"/>
         </a:lnSpc>
@@ -7065,7 +7295,7 @@
           <a:srgbClr val="000000"/>
         </a:buClr>
         <a:buFont typeface="Arial"/>
-        <a:defRPr b="0" i="0" sz="1400" u="none" cap="none" strike="noStrike">
+        <a:defRPr sz="1400" b="0" i="0" u="none" strike="noStrike" cap="none">
           <a:solidFill>
             <a:srgbClr val="000000"/>
           </a:solidFill>
@@ -7075,7 +7305,7 @@
           <a:sym typeface="Arial"/>
         </a:defRPr>
       </a:lvl5pPr>
-      <a:lvl6pPr lvl="5" marR="0" rtl="0" algn="l">
+      <a:lvl6pPr marR="0" lvl="5" algn="l" rtl="0">
         <a:lnSpc>
           <a:spcPct val="100000"/>
         </a:lnSpc>
@@ -7089,7 +7319,7 @@
           <a:srgbClr val="000000"/>
         </a:buClr>
         <a:buFont typeface="Arial"/>
-        <a:defRPr b="0" i="0" sz="1400" u="none" cap="none" strike="noStrike">
+        <a:defRPr sz="1400" b="0" i="0" u="none" strike="noStrike" cap="none">
           <a:solidFill>
             <a:srgbClr val="000000"/>
           </a:solidFill>
@@ -7099,7 +7329,7 @@
           <a:sym typeface="Arial"/>
         </a:defRPr>
       </a:lvl6pPr>
-      <a:lvl7pPr lvl="6" marR="0" rtl="0" algn="l">
+      <a:lvl7pPr marR="0" lvl="6" algn="l" rtl="0">
         <a:lnSpc>
           <a:spcPct val="100000"/>
         </a:lnSpc>
@@ -7113,7 +7343,7 @@
           <a:srgbClr val="000000"/>
         </a:buClr>
         <a:buFont typeface="Arial"/>
-        <a:defRPr b="0" i="0" sz="1400" u="none" cap="none" strike="noStrike">
+        <a:defRPr sz="1400" b="0" i="0" u="none" strike="noStrike" cap="none">
           <a:solidFill>
             <a:srgbClr val="000000"/>
           </a:solidFill>
@@ -7123,7 +7353,7 @@
           <a:sym typeface="Arial"/>
         </a:defRPr>
       </a:lvl7pPr>
-      <a:lvl8pPr lvl="7" marR="0" rtl="0" algn="l">
+      <a:lvl8pPr marR="0" lvl="7" algn="l" rtl="0">
         <a:lnSpc>
           <a:spcPct val="100000"/>
         </a:lnSpc>
@@ -7137,7 +7367,7 @@
           <a:srgbClr val="000000"/>
         </a:buClr>
         <a:buFont typeface="Arial"/>
-        <a:defRPr b="0" i="0" sz="1400" u="none" cap="none" strike="noStrike">
+        <a:defRPr sz="1400" b="0" i="0" u="none" strike="noStrike" cap="none">
           <a:solidFill>
             <a:srgbClr val="000000"/>
           </a:solidFill>
@@ -7147,7 +7377,7 @@
           <a:sym typeface="Arial"/>
         </a:defRPr>
       </a:lvl8pPr>
-      <a:lvl9pPr lvl="8" marR="0" rtl="0" algn="l">
+      <a:lvl9pPr marR="0" lvl="8" algn="l" rtl="0">
         <a:lnSpc>
           <a:spcPct val="100000"/>
         </a:lnSpc>
@@ -7161,7 +7391,7 @@
           <a:srgbClr val="000000"/>
         </a:buClr>
         <a:buFont typeface="Arial"/>
-        <a:defRPr b="0" i="0" sz="1400" u="none" cap="none" strike="noStrike">
+        <a:defRPr sz="1400" b="0" i="0" u="none" strike="noStrike" cap="none">
           <a:solidFill>
             <a:srgbClr val="000000"/>
           </a:solidFill>
@@ -7173,7 +7403,7 @@
       </a:lvl9pPr>
     </p:titleStyle>
     <p:bodyStyle>
-      <a:defPPr lvl="0" marR="0" rtl="0" algn="l">
+      <a:defPPr marR="0" lvl="0" algn="l" rtl="0">
         <a:lnSpc>
           <a:spcPct val="100000"/>
         </a:lnSpc>
@@ -7184,7 +7414,7 @@
           <a:spcPts val="0"/>
         </a:spcAft>
       </a:defPPr>
-      <a:lvl1pPr lvl="0" marR="0" rtl="0" algn="l">
+      <a:lvl1pPr marR="0" lvl="0" algn="l" rtl="0">
         <a:lnSpc>
           <a:spcPct val="100000"/>
         </a:lnSpc>
@@ -7198,7 +7428,7 @@
           <a:srgbClr val="000000"/>
         </a:buClr>
         <a:buFont typeface="Arial"/>
-        <a:defRPr b="0" i="0" sz="1400" u="none" cap="none" strike="noStrike">
+        <a:defRPr sz="1400" b="0" i="0" u="none" strike="noStrike" cap="none">
           <a:solidFill>
             <a:srgbClr val="000000"/>
           </a:solidFill>
@@ -7208,7 +7438,7 @@
           <a:sym typeface="Arial"/>
         </a:defRPr>
       </a:lvl1pPr>
-      <a:lvl2pPr lvl="1" marR="0" rtl="0" algn="l">
+      <a:lvl2pPr marR="0" lvl="1" algn="l" rtl="0">
         <a:lnSpc>
           <a:spcPct val="100000"/>
         </a:lnSpc>
@@ -7222,7 +7452,7 @@
           <a:srgbClr val="000000"/>
         </a:buClr>
         <a:buFont typeface="Arial"/>
-        <a:defRPr b="0" i="0" sz="1400" u="none" cap="none" strike="noStrike">
+        <a:defRPr sz="1400" b="0" i="0" u="none" strike="noStrike" cap="none">
           <a:solidFill>
             <a:srgbClr val="000000"/>
           </a:solidFill>
@@ -7232,7 +7462,7 @@
           <a:sym typeface="Arial"/>
         </a:defRPr>
       </a:lvl2pPr>
-      <a:lvl3pPr lvl="2" marR="0" rtl="0" algn="l">
+      <a:lvl3pPr marR="0" lvl="2" algn="l" rtl="0">
         <a:lnSpc>
           <a:spcPct val="100000"/>
         </a:lnSpc>
@@ -7246,7 +7476,7 @@
           <a:srgbClr val="000000"/>
         </a:buClr>
         <a:buFont typeface="Arial"/>
-        <a:defRPr b="0" i="0" sz="1400" u="none" cap="none" strike="noStrike">
+        <a:defRPr sz="1400" b="0" i="0" u="none" strike="noStrike" cap="none">
           <a:solidFill>
             <a:srgbClr val="000000"/>
           </a:solidFill>
@@ -7256,7 +7486,7 @@
           <a:sym typeface="Arial"/>
         </a:defRPr>
       </a:lvl3pPr>
-      <a:lvl4pPr lvl="3" marR="0" rtl="0" algn="l">
+      <a:lvl4pPr marR="0" lvl="3" algn="l" rtl="0">
         <a:lnSpc>
           <a:spcPct val="100000"/>
         </a:lnSpc>
@@ -7270,7 +7500,7 @@
           <a:srgbClr val="000000"/>
         </a:buClr>
         <a:buFont typeface="Arial"/>
-        <a:defRPr b="0" i="0" sz="1400" u="none" cap="none" strike="noStrike">
+        <a:defRPr sz="1400" b="0" i="0" u="none" strike="noStrike" cap="none">
           <a:solidFill>
             <a:srgbClr val="000000"/>
           </a:solidFill>
@@ -7280,7 +7510,7 @@
           <a:sym typeface="Arial"/>
         </a:defRPr>
       </a:lvl4pPr>
-      <a:lvl5pPr lvl="4" marR="0" rtl="0" algn="l">
+      <a:lvl5pPr marR="0" lvl="4" algn="l" rtl="0">
         <a:lnSpc>
           <a:spcPct val="100000"/>
         </a:lnSpc>
@@ -7294,7 +7524,7 @@
           <a:srgbClr val="000000"/>
         </a:buClr>
         <a:buFont typeface="Arial"/>
-        <a:defRPr b="0" i="0" sz="1400" u="none" cap="none" strike="noStrike">
+        <a:defRPr sz="1400" b="0" i="0" u="none" strike="noStrike" cap="none">
           <a:solidFill>
             <a:srgbClr val="000000"/>
           </a:solidFill>
@@ -7304,7 +7534,7 @@
           <a:sym typeface="Arial"/>
         </a:defRPr>
       </a:lvl5pPr>
-      <a:lvl6pPr lvl="5" marR="0" rtl="0" algn="l">
+      <a:lvl6pPr marR="0" lvl="5" algn="l" rtl="0">
         <a:lnSpc>
           <a:spcPct val="100000"/>
         </a:lnSpc>
@@ -7318,7 +7548,7 @@
           <a:srgbClr val="000000"/>
         </a:buClr>
         <a:buFont typeface="Arial"/>
-        <a:defRPr b="0" i="0" sz="1400" u="none" cap="none" strike="noStrike">
+        <a:defRPr sz="1400" b="0" i="0" u="none" strike="noStrike" cap="none">
           <a:solidFill>
             <a:srgbClr val="000000"/>
           </a:solidFill>
@@ -7328,7 +7558,7 @@
           <a:sym typeface="Arial"/>
         </a:defRPr>
       </a:lvl6pPr>
-      <a:lvl7pPr lvl="6" marR="0" rtl="0" algn="l">
+      <a:lvl7pPr marR="0" lvl="6" algn="l" rtl="0">
         <a:lnSpc>
           <a:spcPct val="100000"/>
         </a:lnSpc>
@@ -7342,7 +7572,7 @@
           <a:srgbClr val="000000"/>
         </a:buClr>
         <a:buFont typeface="Arial"/>
-        <a:defRPr b="0" i="0" sz="1400" u="none" cap="none" strike="noStrike">
+        <a:defRPr sz="1400" b="0" i="0" u="none" strike="noStrike" cap="none">
           <a:solidFill>
             <a:srgbClr val="000000"/>
           </a:solidFill>
@@ -7352,7 +7582,7 @@
           <a:sym typeface="Arial"/>
         </a:defRPr>
       </a:lvl7pPr>
-      <a:lvl8pPr lvl="7" marR="0" rtl="0" algn="l">
+      <a:lvl8pPr marR="0" lvl="7" algn="l" rtl="0">
         <a:lnSpc>
           <a:spcPct val="100000"/>
         </a:lnSpc>
@@ -7366,7 +7596,7 @@
           <a:srgbClr val="000000"/>
         </a:buClr>
         <a:buFont typeface="Arial"/>
-        <a:defRPr b="0" i="0" sz="1400" u="none" cap="none" strike="noStrike">
+        <a:defRPr sz="1400" b="0" i="0" u="none" strike="noStrike" cap="none">
           <a:solidFill>
             <a:srgbClr val="000000"/>
           </a:solidFill>
@@ -7376,7 +7606,7 @@
           <a:sym typeface="Arial"/>
         </a:defRPr>
       </a:lvl8pPr>
-      <a:lvl9pPr lvl="8" marR="0" rtl="0" algn="l">
+      <a:lvl9pPr marR="0" lvl="8" algn="l" rtl="0">
         <a:lnSpc>
           <a:spcPct val="100000"/>
         </a:lnSpc>
@@ -7390,7 +7620,7 @@
           <a:srgbClr val="000000"/>
         </a:buClr>
         <a:buFont typeface="Arial"/>
-        <a:defRPr b="0" i="0" sz="1400" u="none" cap="none" strike="noStrike">
+        <a:defRPr sz="1400" b="0" i="0" u="none" strike="noStrike" cap="none">
           <a:solidFill>
             <a:srgbClr val="000000"/>
           </a:solidFill>
@@ -7402,7 +7632,7 @@
       </a:lvl9pPr>
     </p:bodyStyle>
     <p:otherStyle>
-      <a:defPPr lvl="0" marR="0" rtl="0" algn="l">
+      <a:defPPr marR="0" lvl="0" algn="l" rtl="0">
         <a:lnSpc>
           <a:spcPct val="100000"/>
         </a:lnSpc>
@@ -7413,7 +7643,7 @@
           <a:spcPts val="0"/>
         </a:spcAft>
       </a:defPPr>
-      <a:lvl1pPr lvl="0" marR="0" rtl="0" algn="l">
+      <a:lvl1pPr marR="0" lvl="0" algn="l" rtl="0">
         <a:lnSpc>
           <a:spcPct val="100000"/>
         </a:lnSpc>
@@ -7427,7 +7657,7 @@
           <a:srgbClr val="000000"/>
         </a:buClr>
         <a:buFont typeface="Arial"/>
-        <a:defRPr b="0" i="0" sz="1400" u="none" cap="none" strike="noStrike">
+        <a:defRPr sz="1400" b="0" i="0" u="none" strike="noStrike" cap="none">
           <a:solidFill>
             <a:srgbClr val="000000"/>
           </a:solidFill>
@@ -7437,7 +7667,7 @@
           <a:sym typeface="Arial"/>
         </a:defRPr>
       </a:lvl1pPr>
-      <a:lvl2pPr lvl="1" marR="0" rtl="0" algn="l">
+      <a:lvl2pPr marR="0" lvl="1" algn="l" rtl="0">
         <a:lnSpc>
           <a:spcPct val="100000"/>
         </a:lnSpc>
@@ -7451,7 +7681,7 @@
           <a:srgbClr val="000000"/>
         </a:buClr>
         <a:buFont typeface="Arial"/>
-        <a:defRPr b="0" i="0" sz="1400" u="none" cap="none" strike="noStrike">
+        <a:defRPr sz="1400" b="0" i="0" u="none" strike="noStrike" cap="none">
           <a:solidFill>
             <a:srgbClr val="000000"/>
           </a:solidFill>
@@ -7461,7 +7691,7 @@
           <a:sym typeface="Arial"/>
         </a:defRPr>
       </a:lvl2pPr>
-      <a:lvl3pPr lvl="2" marR="0" rtl="0" algn="l">
+      <a:lvl3pPr marR="0" lvl="2" algn="l" rtl="0">
         <a:lnSpc>
           <a:spcPct val="100000"/>
         </a:lnSpc>
@@ -7475,7 +7705,7 @@
           <a:srgbClr val="000000"/>
         </a:buClr>
         <a:buFont typeface="Arial"/>
-        <a:defRPr b="0" i="0" sz="1400" u="none" cap="none" strike="noStrike">
+        <a:defRPr sz="1400" b="0" i="0" u="none" strike="noStrike" cap="none">
           <a:solidFill>
             <a:srgbClr val="000000"/>
           </a:solidFill>
@@ -7485,7 +7715,7 @@
           <a:sym typeface="Arial"/>
         </a:defRPr>
       </a:lvl3pPr>
-      <a:lvl4pPr lvl="3" marR="0" rtl="0" algn="l">
+      <a:lvl4pPr marR="0" lvl="3" algn="l" rtl="0">
         <a:lnSpc>
           <a:spcPct val="100000"/>
         </a:lnSpc>
@@ -7499,7 +7729,7 @@
           <a:srgbClr val="000000"/>
         </a:buClr>
         <a:buFont typeface="Arial"/>
-        <a:defRPr b="0" i="0" sz="1400" u="none" cap="none" strike="noStrike">
+        <a:defRPr sz="1400" b="0" i="0" u="none" strike="noStrike" cap="none">
           <a:solidFill>
             <a:srgbClr val="000000"/>
           </a:solidFill>
@@ -7509,7 +7739,7 @@
           <a:sym typeface="Arial"/>
         </a:defRPr>
       </a:lvl4pPr>
-      <a:lvl5pPr lvl="4" marR="0" rtl="0" algn="l">
+      <a:lvl5pPr marR="0" lvl="4" algn="l" rtl="0">
         <a:lnSpc>
           <a:spcPct val="100000"/>
         </a:lnSpc>
@@ -7523,7 +7753,7 @@
           <a:srgbClr val="000000"/>
         </a:buClr>
         <a:buFont typeface="Arial"/>
-        <a:defRPr b="0" i="0" sz="1400" u="none" cap="none" strike="noStrike">
+        <a:defRPr sz="1400" b="0" i="0" u="none" strike="noStrike" cap="none">
           <a:solidFill>
             <a:srgbClr val="000000"/>
           </a:solidFill>
@@ -7533,7 +7763,7 @@
           <a:sym typeface="Arial"/>
         </a:defRPr>
       </a:lvl5pPr>
-      <a:lvl6pPr lvl="5" marR="0" rtl="0" algn="l">
+      <a:lvl6pPr marR="0" lvl="5" algn="l" rtl="0">
         <a:lnSpc>
           <a:spcPct val="100000"/>
         </a:lnSpc>
@@ -7547,7 +7777,7 @@
           <a:srgbClr val="000000"/>
         </a:buClr>
         <a:buFont typeface="Arial"/>
-        <a:defRPr b="0" i="0" sz="1400" u="none" cap="none" strike="noStrike">
+        <a:defRPr sz="1400" b="0" i="0" u="none" strike="noStrike" cap="none">
           <a:solidFill>
             <a:srgbClr val="000000"/>
           </a:solidFill>
@@ -7557,7 +7787,7 @@
           <a:sym typeface="Arial"/>
         </a:defRPr>
       </a:lvl6pPr>
-      <a:lvl7pPr lvl="6" marR="0" rtl="0" algn="l">
+      <a:lvl7pPr marR="0" lvl="6" algn="l" rtl="0">
         <a:lnSpc>
           <a:spcPct val="100000"/>
         </a:lnSpc>
@@ -7571,7 +7801,7 @@
           <a:srgbClr val="000000"/>
         </a:buClr>
         <a:buFont typeface="Arial"/>
-        <a:defRPr b="0" i="0" sz="1400" u="none" cap="none" strike="noStrike">
+        <a:defRPr sz="1400" b="0" i="0" u="none" strike="noStrike" cap="none">
           <a:solidFill>
             <a:srgbClr val="000000"/>
           </a:solidFill>
@@ -7581,7 +7811,7 @@
           <a:sym typeface="Arial"/>
         </a:defRPr>
       </a:lvl7pPr>
-      <a:lvl8pPr lvl="7" marR="0" rtl="0" algn="l">
+      <a:lvl8pPr marR="0" lvl="7" algn="l" rtl="0">
         <a:lnSpc>
           <a:spcPct val="100000"/>
         </a:lnSpc>
@@ -7595,7 +7825,7 @@
           <a:srgbClr val="000000"/>
         </a:buClr>
         <a:buFont typeface="Arial"/>
-        <a:defRPr b="0" i="0" sz="1400" u="none" cap="none" strike="noStrike">
+        <a:defRPr sz="1400" b="0" i="0" u="none" strike="noStrike" cap="none">
           <a:solidFill>
             <a:srgbClr val="000000"/>
           </a:solidFill>
@@ -7605,7 +7835,7 @@
           <a:sym typeface="Arial"/>
         </a:defRPr>
       </a:lvl8pPr>
-      <a:lvl9pPr lvl="8" marR="0" rtl="0" algn="l">
+      <a:lvl9pPr marR="0" lvl="8" algn="l" rtl="0">
         <a:lnSpc>
           <a:spcPct val="100000"/>
         </a:lnSpc>
@@ -7619,7 +7849,7 @@
           <a:srgbClr val="000000"/>
         </a:buClr>
         <a:buFont typeface="Arial"/>
-        <a:defRPr b="0" i="0" sz="1400" u="none" cap="none" strike="noStrike">
+        <a:defRPr sz="1400" b="0" i="0" u="none" strike="noStrike" cap="none">
           <a:solidFill>
             <a:srgbClr val="000000"/>
           </a:solidFill>
@@ -7635,11 +7865,11 @@
 </file>
 
 <file path=ppt/slides/slide1.xml><?xml version="1.0" encoding="utf-8"?>
-<p:sld xmlns:a="http://schemas.openxmlformats.org/drawingml/2006/main" xmlns:r="http://schemas.openxmlformats.org/officeDocument/2006/relationships" xmlns:mc="http://schemas.openxmlformats.org/markup-compatibility/2006" xmlns:mv="urn:schemas-microsoft-com:mac:vml" xmlns:p="http://schemas.openxmlformats.org/presentationml/2006/main" xmlns:c="http://schemas.openxmlformats.org/drawingml/2006/chart" xmlns:dgm="http://schemas.openxmlformats.org/drawingml/2006/diagram" xmlns:o="urn:schemas-microsoft-com:office:office" xmlns:v="urn:schemas-microsoft-com:vml" xmlns:pvml="urn:schemas-microsoft-com:office:powerpoint" xmlns:com="http://schemas.openxmlformats.org/drawingml/2006/compatibility" xmlns:p14="http://schemas.microsoft.com/office/powerpoint/2010/main" xmlns:p15="http://schemas.microsoft.com/office/powerpoint/2012/main" xmlns:ahyp="http://schemas.microsoft.com/office/drawing/2018/hyperlinkcolor">
+<p:sld xmlns:a="http://schemas.openxmlformats.org/drawingml/2006/main" xmlns:r="http://schemas.openxmlformats.org/officeDocument/2006/relationships" xmlns:p="http://schemas.openxmlformats.org/presentationml/2006/main">
   <p:cSld>
     <p:spTree>
       <p:nvGrpSpPr>
-        <p:cNvPr id="53" name="Shape 53"/>
+        <p:cNvPr id="1" name="Shape 53"/>
         <p:cNvGrpSpPr/>
         <p:nvPr/>
       </p:nvGrpSpPr>
@@ -7654,7 +7884,9 @@
       <p:sp>
         <p:nvSpPr>
           <p:cNvPr id="54" name="Google Shape;54;p13"/>
-          <p:cNvSpPr txBox="1"/>
+          <p:cNvSpPr txBox="1">
+            <a:spLocks noGrp="1"/>
+          </p:cNvSpPr>
           <p:nvPr>
             <p:ph type="ctrTitle"/>
           </p:nvPr>
@@ -7669,12 +7901,12 @@
           </a:prstGeom>
         </p:spPr>
         <p:txBody>
-          <a:bodyPr anchorCtr="0" anchor="b" bIns="91425" lIns="91425" spcFirstLastPara="1" rIns="91425" wrap="square" tIns="91425">
+          <a:bodyPr spcFirstLastPara="1" wrap="square" lIns="91425" tIns="91425" rIns="91425" bIns="91425" anchor="b" anchorCtr="0">
             <a:normAutofit fontScale="90000"/>
           </a:bodyPr>
           <a:lstStyle/>
           <a:p>
-            <a:pPr indent="0" lvl="0" marL="0" rtl="0" algn="ctr">
+            <a:pPr marL="0" lvl="0" indent="0" algn="ctr" rtl="0">
               <a:spcBef>
                 <a:spcPts val="0"/>
               </a:spcBef>
@@ -7694,9 +7926,11 @@
       <p:sp>
         <p:nvSpPr>
           <p:cNvPr id="55" name="Google Shape;55;p13"/>
-          <p:cNvSpPr txBox="1"/>
+          <p:cNvSpPr txBox="1">
+            <a:spLocks noGrp="1"/>
+          </p:cNvSpPr>
           <p:nvPr>
-            <p:ph idx="1" type="subTitle"/>
+            <p:ph type="subTitle" idx="1"/>
           </p:nvPr>
         </p:nvSpPr>
         <p:spPr>
@@ -7709,12 +7943,12 @@
           </a:prstGeom>
         </p:spPr>
         <p:txBody>
-          <a:bodyPr anchorCtr="0" anchor="t" bIns="91425" lIns="91425" spcFirstLastPara="1" rIns="91425" wrap="square" tIns="91425">
+          <a:bodyPr spcFirstLastPara="1" wrap="square" lIns="91425" tIns="91425" rIns="91425" bIns="91425" anchor="t" anchorCtr="0">
             <a:normAutofit fontScale="85000" lnSpcReduction="20000"/>
           </a:bodyPr>
           <a:lstStyle/>
           <a:p>
-            <a:pPr indent="0" lvl="0" marL="0" rtl="0" algn="ctr">
+            <a:pPr marL="0" lvl="0" indent="0" algn="ctr" rtl="0">
               <a:spcBef>
                 <a:spcPts val="0"/>
               </a:spcBef>
@@ -7730,7 +7964,7 @@
             <a:endParaRPr/>
           </a:p>
           <a:p>
-            <a:pPr indent="0" lvl="0" marL="0" rtl="0" algn="ctr">
+            <a:pPr marL="0" lvl="0" indent="0" algn="ctr" rtl="0">
               <a:spcBef>
                 <a:spcPts val="0"/>
               </a:spcBef>
@@ -7756,11 +7990,11 @@
 </file>
 
 <file path=ppt/slides/slide10.xml><?xml version="1.0" encoding="utf-8"?>
-<p:sld xmlns:a="http://schemas.openxmlformats.org/drawingml/2006/main" xmlns:r="http://schemas.openxmlformats.org/officeDocument/2006/relationships" xmlns:mc="http://schemas.openxmlformats.org/markup-compatibility/2006" xmlns:mv="urn:schemas-microsoft-com:mac:vml" xmlns:p="http://schemas.openxmlformats.org/presentationml/2006/main" xmlns:c="http://schemas.openxmlformats.org/drawingml/2006/chart" xmlns:dgm="http://schemas.openxmlformats.org/drawingml/2006/diagram" xmlns:o="urn:schemas-microsoft-com:office:office" xmlns:v="urn:schemas-microsoft-com:vml" xmlns:pvml="urn:schemas-microsoft-com:office:powerpoint" xmlns:com="http://schemas.openxmlformats.org/drawingml/2006/compatibility" xmlns:p14="http://schemas.microsoft.com/office/powerpoint/2010/main" xmlns:p15="http://schemas.microsoft.com/office/powerpoint/2012/main" xmlns:ahyp="http://schemas.microsoft.com/office/drawing/2018/hyperlinkcolor">
+<p:sld xmlns:a="http://schemas.openxmlformats.org/drawingml/2006/main" xmlns:r="http://schemas.openxmlformats.org/officeDocument/2006/relationships" xmlns:p="http://schemas.openxmlformats.org/presentationml/2006/main">
   <p:cSld>
     <p:spTree>
       <p:nvGrpSpPr>
-        <p:cNvPr id="108" name="Shape 108"/>
+        <p:cNvPr id="1" name="Shape 108"/>
         <p:cNvGrpSpPr/>
         <p:nvPr/>
       </p:nvGrpSpPr>
@@ -7775,7 +8009,9 @@
       <p:sp>
         <p:nvSpPr>
           <p:cNvPr id="109" name="Google Shape;109;p22"/>
-          <p:cNvSpPr txBox="1"/>
+          <p:cNvSpPr txBox="1">
+            <a:spLocks noGrp="1"/>
+          </p:cNvSpPr>
           <p:nvPr>
             <p:ph type="title"/>
           </p:nvPr>
@@ -7790,12 +8026,12 @@
           </a:prstGeom>
         </p:spPr>
         <p:txBody>
-          <a:bodyPr anchorCtr="0" anchor="t" bIns="91425" lIns="91425" spcFirstLastPara="1" rIns="91425" wrap="square" tIns="91425">
+          <a:bodyPr spcFirstLastPara="1" wrap="square" lIns="91425" tIns="91425" rIns="91425" bIns="91425" anchor="t" anchorCtr="0">
             <a:normAutofit fontScale="90000"/>
           </a:bodyPr>
           <a:lstStyle/>
           <a:p>
-            <a:pPr indent="0" lvl="0" marL="0" rtl="0" algn="l">
+            <a:pPr marL="0" lvl="0" indent="0" algn="l" rtl="0">
               <a:spcBef>
                 <a:spcPts val="0"/>
               </a:spcBef>
@@ -7815,9 +8051,11 @@
       <p:sp>
         <p:nvSpPr>
           <p:cNvPr id="110" name="Google Shape;110;p22"/>
-          <p:cNvSpPr txBox="1"/>
+          <p:cNvSpPr txBox="1">
+            <a:spLocks noGrp="1"/>
+          </p:cNvSpPr>
           <p:nvPr>
-            <p:ph idx="1" type="body"/>
+            <p:ph type="body" idx="1"/>
           </p:nvPr>
         </p:nvSpPr>
         <p:spPr>
@@ -7830,12 +8068,12 @@
           </a:prstGeom>
         </p:spPr>
         <p:txBody>
-          <a:bodyPr anchorCtr="0" anchor="t" bIns="91425" lIns="91425" spcFirstLastPara="1" rIns="91425" wrap="square" tIns="91425">
+          <a:bodyPr spcFirstLastPara="1" wrap="square" lIns="91425" tIns="91425" rIns="91425" bIns="91425" anchor="t" anchorCtr="0">
             <a:normAutofit lnSpcReduction="20000"/>
           </a:bodyPr>
           <a:lstStyle/>
           <a:p>
-            <a:pPr indent="0" lvl="0" marL="0" rtl="0" algn="l">
+            <a:pPr marL="0" lvl="0" indent="0" algn="l" rtl="0">
               <a:spcBef>
                 <a:spcPts val="0"/>
               </a:spcBef>
@@ -7850,23 +8088,7 @@
                   <a:schemeClr val="dk1"/>
                 </a:solidFill>
               </a:rPr>
-              <a:t>4 </a:t>
-            </a:r>
-            <a:r>
-              <a:rPr lang="en-GB" sz="1300">
-                <a:solidFill>
-                  <a:schemeClr val="dk1"/>
-                </a:solidFill>
-              </a:rPr>
-              <a:t>critical</a:t>
-            </a:r>
-            <a:r>
-              <a:rPr lang="en-GB" sz="1300">
-                <a:solidFill>
-                  <a:schemeClr val="dk1"/>
-                </a:solidFill>
-              </a:rPr>
-              <a:t> instructions, one of which must be necessarily executed to extract ether from a contract</a:t>
+              <a:t>4 critical instructions, one of which must be necessarily executed to extract ether from a contract</a:t>
             </a:r>
             <a:endParaRPr sz="1300">
               <a:solidFill>
@@ -7875,7 +8097,7 @@
             </a:endParaRPr>
           </a:p>
           <a:p>
-            <a:pPr indent="-311150" lvl="0" marL="457200" rtl="0" algn="l">
+            <a:pPr marL="457200" lvl="0" indent="-311150" algn="l" rtl="0">
               <a:spcBef>
                 <a:spcPts val="1200"/>
               </a:spcBef>
@@ -7897,21 +8119,21 @@
               <a:t>Two instructions cause a </a:t>
             </a:r>
             <a:r>
-              <a:rPr b="1" lang="en-GB" sz="1300">
+              <a:rPr lang="en-GB" sz="1300" b="1">
                 <a:solidFill>
                   <a:schemeClr val="dk1"/>
                 </a:solidFill>
               </a:rPr>
               <a:t>direct transfer </a:t>
             </a:r>
-            <a:endParaRPr b="1" sz="1300">
+            <a:endParaRPr sz="1300" b="1">
               <a:solidFill>
                 <a:schemeClr val="dk1"/>
               </a:solidFill>
             </a:endParaRPr>
           </a:p>
           <a:p>
-            <a:pPr indent="0" lvl="0" marL="457200" rtl="0" algn="l">
+            <a:pPr marL="457200" lvl="0" indent="0" algn="l" rtl="0">
               <a:spcBef>
                 <a:spcPts val="1200"/>
               </a:spcBef>
@@ -7921,7 +8143,7 @@
               <a:buNone/>
             </a:pPr>
             <a:r>
-              <a:rPr b="1" lang="en-GB" sz="1300">
+              <a:rPr lang="en-GB" sz="1300" b="1">
                 <a:solidFill>
                   <a:schemeClr val="dk1"/>
                 </a:solidFill>
@@ -7935,7 +8157,7 @@
             </a:endParaRPr>
           </a:p>
           <a:p>
-            <a:pPr indent="-311150" lvl="0" marL="457200" rtl="0" algn="l">
+            <a:pPr marL="457200" lvl="0" indent="-311150" algn="l" rtl="0">
               <a:spcBef>
                 <a:spcPts val="1200"/>
               </a:spcBef>
@@ -7957,7 +8179,7 @@
               <a:t>Used to transfer the </a:t>
             </a:r>
             <a:r>
-              <a:rPr b="1" lang="en-GB" sz="1300">
+              <a:rPr lang="en-GB" sz="1300" b="1">
                 <a:solidFill>
                   <a:schemeClr val="dk1"/>
                 </a:solidFill>
@@ -7970,23 +8192,7 @@
                   <a:schemeClr val="dk1"/>
                 </a:solidFill>
               </a:rPr>
-              <a:t>to  the </a:t>
-            </a:r>
-            <a:r>
-              <a:rPr lang="en-GB" sz="1300">
-                <a:solidFill>
-                  <a:schemeClr val="dk1"/>
-                </a:solidFill>
-              </a:rPr>
-              <a:t>beneficiary</a:t>
-            </a:r>
-            <a:r>
-              <a:rPr lang="en-GB" sz="1300">
-                <a:solidFill>
-                  <a:schemeClr val="dk1"/>
-                </a:solidFill>
-              </a:rPr>
-              <a:t> of the transaction.</a:t>
+              <a:t>to  the beneficiary of the transaction.</a:t>
             </a:r>
             <a:endParaRPr sz="1300">
               <a:solidFill>
@@ -7995,7 +8201,7 @@
             </a:endParaRPr>
           </a:p>
           <a:p>
-            <a:pPr indent="-311150" lvl="0" marL="457200" rtl="0" algn="l">
+            <a:pPr marL="457200" lvl="0" indent="-311150" algn="l" rtl="0">
               <a:spcBef>
                 <a:spcPts val="0"/>
               </a:spcBef>
@@ -8017,7 +8223,7 @@
               <a:t>Manipulating the stack argument of </a:t>
             </a:r>
             <a:r>
-              <a:rPr b="1" lang="en-GB" sz="1300">
+              <a:rPr lang="en-GB" sz="1300" b="1">
                 <a:solidFill>
                   <a:schemeClr val="dk1"/>
                 </a:solidFill>
@@ -8039,7 +8245,7 @@
             </a:endParaRPr>
           </a:p>
           <a:p>
-            <a:pPr indent="0" lvl="0" marL="457200" rtl="0" algn="l">
+            <a:pPr marL="457200" lvl="0" indent="0" algn="l" rtl="0">
               <a:spcBef>
                 <a:spcPts val="1200"/>
               </a:spcBef>
@@ -8049,21 +8255,21 @@
               <a:buNone/>
             </a:pPr>
             <a:r>
-              <a:rPr b="1" lang="en-GB" sz="1300">
+              <a:rPr lang="en-GB" sz="1300" b="1">
                 <a:solidFill>
                   <a:schemeClr val="dk1"/>
                 </a:solidFill>
               </a:rPr>
               <a:t>SELFDESTRUCT</a:t>
             </a:r>
-            <a:endParaRPr b="1" sz="1300">
+            <a:endParaRPr sz="1300" b="1">
               <a:solidFill>
                 <a:schemeClr val="dk1"/>
               </a:solidFill>
             </a:endParaRPr>
           </a:p>
           <a:p>
-            <a:pPr indent="-311150" lvl="0" marL="457200" rtl="0" algn="l">
+            <a:pPr marL="457200" lvl="0" indent="-311150" algn="l" rtl="0">
               <a:spcBef>
                 <a:spcPts val="1200"/>
               </a:spcBef>
@@ -8085,7 +8291,7 @@
               <a:t>Used to </a:t>
             </a:r>
             <a:r>
-              <a:rPr b="1" lang="en-GB" sz="1300">
+              <a:rPr lang="en-GB" sz="1300" b="1">
                 <a:solidFill>
                   <a:schemeClr val="dk1"/>
                 </a:solidFill>
@@ -8107,7 +8313,7 @@
             </a:endParaRPr>
           </a:p>
           <a:p>
-            <a:pPr indent="-311150" lvl="0" marL="457200" rtl="0" algn="l">
+            <a:pPr marL="457200" lvl="0" indent="-311150" algn="l" rtl="0">
               <a:spcBef>
                 <a:spcPts val="0"/>
               </a:spcBef>
@@ -8129,7 +8335,7 @@
               <a:t>Takes a single argument an </a:t>
             </a:r>
             <a:r>
-              <a:rPr b="1" lang="en-GB" sz="1300">
+              <a:rPr lang="en-GB" sz="1300" b="1">
                 <a:solidFill>
                   <a:schemeClr val="dk1"/>
                 </a:solidFill>
@@ -8151,7 +8357,7 @@
             </a:endParaRPr>
           </a:p>
           <a:p>
-            <a:pPr indent="-311150" lvl="0" marL="457200" rtl="0" algn="l">
+            <a:pPr marL="457200" lvl="0" indent="-311150" algn="l" rtl="0">
               <a:spcBef>
                 <a:spcPts val="0"/>
               </a:spcBef>
@@ -8173,7 +8379,7 @@
               <a:t>Controlling the top stack element allows attackers to execute a SELFDESTRUCT instruction, leading to </a:t>
             </a:r>
             <a:r>
-              <a:rPr b="1" lang="en-GB" sz="1300">
+              <a:rPr lang="en-GB" sz="1300" b="1">
                 <a:solidFill>
                   <a:schemeClr val="dk1"/>
                 </a:solidFill>
@@ -8189,14 +8395,14 @@
               <a:t> and </a:t>
             </a:r>
             <a:r>
-              <a:rPr b="1" lang="en-GB" sz="1300">
+              <a:rPr lang="en-GB" sz="1300" b="1">
                 <a:solidFill>
                   <a:schemeClr val="dk1"/>
                 </a:solidFill>
               </a:rPr>
               <a:t>permanent Denial-of-Service of the contract.</a:t>
             </a:r>
-            <a:endParaRPr b="1" sz="1300">
+            <a:endParaRPr sz="1300" b="1">
               <a:solidFill>
                 <a:schemeClr val="dk1"/>
               </a:solidFill>
@@ -8213,11 +8419,11 @@
 </file>
 
 <file path=ppt/slides/slide11.xml><?xml version="1.0" encoding="utf-8"?>
-<p:sld xmlns:a="http://schemas.openxmlformats.org/drawingml/2006/main" xmlns:r="http://schemas.openxmlformats.org/officeDocument/2006/relationships" xmlns:mc="http://schemas.openxmlformats.org/markup-compatibility/2006" xmlns:mv="urn:schemas-microsoft-com:mac:vml" xmlns:p="http://schemas.openxmlformats.org/presentationml/2006/main" xmlns:c="http://schemas.openxmlformats.org/drawingml/2006/chart" xmlns:dgm="http://schemas.openxmlformats.org/drawingml/2006/diagram" xmlns:o="urn:schemas-microsoft-com:office:office" xmlns:v="urn:schemas-microsoft-com:vml" xmlns:pvml="urn:schemas-microsoft-com:office:powerpoint" xmlns:com="http://schemas.openxmlformats.org/drawingml/2006/compatibility" xmlns:p14="http://schemas.microsoft.com/office/powerpoint/2010/main" xmlns:p15="http://schemas.microsoft.com/office/powerpoint/2012/main" xmlns:ahyp="http://schemas.microsoft.com/office/drawing/2018/hyperlinkcolor">
+<p:sld xmlns:a="http://schemas.openxmlformats.org/drawingml/2006/main" xmlns:r="http://schemas.openxmlformats.org/officeDocument/2006/relationships" xmlns:p="http://schemas.openxmlformats.org/presentationml/2006/main">
   <p:cSld>
     <p:spTree>
       <p:nvGrpSpPr>
-        <p:cNvPr id="114" name="Shape 114"/>
+        <p:cNvPr id="1" name="Shape 114"/>
         <p:cNvGrpSpPr/>
         <p:nvPr/>
       </p:nvGrpSpPr>
@@ -8232,7 +8438,9 @@
       <p:sp>
         <p:nvSpPr>
           <p:cNvPr id="115" name="Google Shape;115;p23"/>
-          <p:cNvSpPr txBox="1"/>
+          <p:cNvSpPr txBox="1">
+            <a:spLocks noGrp="1"/>
+          </p:cNvSpPr>
           <p:nvPr>
             <p:ph type="title"/>
           </p:nvPr>
@@ -8247,12 +8455,12 @@
           </a:prstGeom>
         </p:spPr>
         <p:txBody>
-          <a:bodyPr anchorCtr="0" anchor="t" bIns="91425" lIns="91425" spcFirstLastPara="1" rIns="91425" wrap="square" tIns="91425">
+          <a:bodyPr spcFirstLastPara="1" wrap="square" lIns="91425" tIns="91425" rIns="91425" bIns="91425" anchor="t" anchorCtr="0">
             <a:normAutofit fontScale="90000"/>
           </a:bodyPr>
           <a:lstStyle/>
           <a:p>
-            <a:pPr indent="0" lvl="0" marL="0" rtl="0" algn="l">
+            <a:pPr marL="0" lvl="0" indent="0" algn="l" rtl="0">
               <a:spcBef>
                 <a:spcPts val="0"/>
               </a:spcBef>
@@ -8272,9 +8480,11 @@
       <p:sp>
         <p:nvSpPr>
           <p:cNvPr id="116" name="Google Shape;116;p23"/>
-          <p:cNvSpPr txBox="1"/>
+          <p:cNvSpPr txBox="1">
+            <a:spLocks noGrp="1"/>
+          </p:cNvSpPr>
           <p:nvPr>
-            <p:ph idx="1" type="body"/>
+            <p:ph type="body" idx="1"/>
           </p:nvPr>
         </p:nvSpPr>
         <p:spPr>
@@ -8287,12 +8497,12 @@
           </a:prstGeom>
         </p:spPr>
         <p:txBody>
-          <a:bodyPr anchorCtr="0" anchor="t" bIns="91425" lIns="91425" spcFirstLastPara="1" rIns="91425" wrap="square" tIns="91425">
+          <a:bodyPr spcFirstLastPara="1" wrap="square" lIns="91425" tIns="91425" rIns="91425" bIns="91425" anchor="t" anchorCtr="0">
             <a:noAutofit/>
           </a:bodyPr>
           <a:lstStyle/>
           <a:p>
-            <a:pPr indent="-323850" lvl="0" marL="457200" rtl="0" algn="l">
+            <a:pPr marL="457200" lvl="0" indent="-323850" algn="l" rtl="0">
               <a:spcBef>
                 <a:spcPts val="0"/>
               </a:spcBef>
@@ -8314,7 +8524,7 @@
               <a:t>EVM provides the </a:t>
             </a:r>
             <a:r>
-              <a:rPr b="1" lang="en-GB" sz="1500">
+              <a:rPr lang="en-GB" sz="1500" b="1">
                 <a:solidFill>
                   <a:schemeClr val="dk1"/>
                 </a:solidFill>
@@ -8330,7 +8540,7 @@
               <a:t> and </a:t>
             </a:r>
             <a:r>
-              <a:rPr b="1" lang="en-GB" sz="1500">
+              <a:rPr lang="en-GB" sz="1500" b="1">
                 <a:solidFill>
                   <a:schemeClr val="dk1"/>
                 </a:solidFill>
@@ -8352,7 +8562,7 @@
             </a:endParaRPr>
           </a:p>
           <a:p>
-            <a:pPr indent="-323850" lvl="0" marL="457200" rtl="0" algn="l">
+            <a:pPr marL="457200" lvl="0" indent="-323850" algn="l" rtl="0">
               <a:spcBef>
                 <a:spcPts val="0"/>
               </a:spcBef>
@@ -8366,7 +8576,7 @@
               <a:buAutoNum type="arabicPeriod"/>
             </a:pPr>
             <a:r>
-              <a:rPr b="1" lang="en-GB" sz="1500">
+              <a:rPr lang="en-GB" sz="1500" b="1">
                 <a:solidFill>
                   <a:schemeClr val="dk1"/>
                 </a:solidFill>
@@ -8388,7 +8598,7 @@
             </a:endParaRPr>
           </a:p>
           <a:p>
-            <a:pPr indent="0" lvl="0" marL="457200" rtl="0" algn="l">
+            <a:pPr marL="457200" lvl="0" indent="0" algn="l" rtl="0">
               <a:spcBef>
                 <a:spcPts val="1200"/>
               </a:spcBef>
@@ -8412,7 +8622,7 @@
             </a:endParaRPr>
           </a:p>
           <a:p>
-            <a:pPr indent="-323850" lvl="0" marL="457200" rtl="0" algn="l">
+            <a:pPr marL="457200" lvl="0" indent="-323850" algn="l" rtl="0">
               <a:spcBef>
                 <a:spcPts val="1200"/>
               </a:spcBef>
@@ -8426,21 +8636,21 @@
               <a:buAutoNum type="arabicPeriod" startAt="2"/>
             </a:pPr>
             <a:r>
-              <a:rPr b="1" lang="en-GB" sz="1500">
+              <a:rPr lang="en-GB" sz="1500" b="1">
                 <a:solidFill>
                   <a:schemeClr val="dk1"/>
                 </a:solidFill>
               </a:rPr>
               <a:t>DELEGATECALL</a:t>
             </a:r>
-            <a:endParaRPr b="1" sz="1500">
+            <a:endParaRPr sz="1500" b="1">
               <a:solidFill>
                 <a:schemeClr val="dk1"/>
               </a:solidFill>
             </a:endParaRPr>
           </a:p>
           <a:p>
-            <a:pPr indent="0" lvl="0" marL="450000" rtl="0" algn="l">
+            <a:pPr marL="450000" lvl="0" indent="0" algn="l" rtl="0">
               <a:spcBef>
                 <a:spcPts val="1200"/>
               </a:spcBef>
@@ -8464,7 +8674,7 @@
             </a:endParaRPr>
           </a:p>
           <a:p>
-            <a:pPr indent="-323850" lvl="0" marL="457200" rtl="0" algn="l">
+            <a:pPr marL="457200" lvl="0" indent="-323850" algn="l" rtl="0">
               <a:spcBef>
                 <a:spcPts val="1200"/>
               </a:spcBef>
@@ -8478,21 +8688,21 @@
               <a:buAutoNum type="arabicPeriod" startAt="3"/>
             </a:pPr>
             <a:r>
-              <a:rPr b="1" lang="en-GB" sz="1500">
+              <a:rPr lang="en-GB" sz="1500" b="1">
                 <a:solidFill>
                   <a:schemeClr val="dk1"/>
                 </a:solidFill>
               </a:rPr>
               <a:t>SSTORE</a:t>
             </a:r>
-            <a:endParaRPr b="1" sz="1500">
+            <a:endParaRPr sz="1500" b="1">
               <a:solidFill>
                 <a:schemeClr val="dk1"/>
               </a:solidFill>
             </a:endParaRPr>
           </a:p>
           <a:p>
-            <a:pPr indent="0" lvl="0" marL="457200" rtl="0" algn="l">
+            <a:pPr marL="457200" lvl="0" indent="0" algn="l" rtl="0">
               <a:spcBef>
                 <a:spcPts val="1200"/>
               </a:spcBef>
@@ -8507,39 +8717,7 @@
                   <a:schemeClr val="dk1"/>
                 </a:solidFill>
               </a:rPr>
-              <a:t>Only instruction that allows to modify </a:t>
-            </a:r>
-            <a:r>
-              <a:rPr lang="en-GB" sz="1500">
-                <a:solidFill>
-                  <a:schemeClr val="dk1"/>
-                </a:solidFill>
-              </a:rPr>
-              <a:t>the</a:t>
-            </a:r>
-            <a:r>
-              <a:rPr lang="en-GB" sz="1500">
-                <a:solidFill>
-                  <a:schemeClr val="dk1"/>
-                </a:solidFill>
-              </a:rPr>
-              <a:t> storage by </a:t>
-            </a:r>
-            <a:r>
-              <a:rPr lang="en-GB" sz="1500">
-                <a:solidFill>
-                  <a:schemeClr val="dk1"/>
-                </a:solidFill>
-              </a:rPr>
-              <a:t>storing</a:t>
-            </a:r>
-            <a:r>
-              <a:rPr lang="en-GB" sz="1500">
-                <a:solidFill>
-                  <a:schemeClr val="dk1"/>
-                </a:solidFill>
-              </a:rPr>
-              <a:t> value at the key.</a:t>
+              <a:t>Only instruction that allows to modify the storage by storing value at the key.</a:t>
             </a:r>
             <a:endParaRPr sz="1500">
               <a:solidFill>
@@ -8558,11 +8736,11 @@
 </file>
 
 <file path=ppt/slides/slide12.xml><?xml version="1.0" encoding="utf-8"?>
-<p:sld xmlns:a="http://schemas.openxmlformats.org/drawingml/2006/main" xmlns:r="http://schemas.openxmlformats.org/officeDocument/2006/relationships" xmlns:mc="http://schemas.openxmlformats.org/markup-compatibility/2006" xmlns:mv="urn:schemas-microsoft-com:mac:vml" xmlns:p="http://schemas.openxmlformats.org/presentationml/2006/main" xmlns:c="http://schemas.openxmlformats.org/drawingml/2006/chart" xmlns:dgm="http://schemas.openxmlformats.org/drawingml/2006/diagram" xmlns:o="urn:schemas-microsoft-com:office:office" xmlns:v="urn:schemas-microsoft-com:vml" xmlns:pvml="urn:schemas-microsoft-com:office:powerpoint" xmlns:com="http://schemas.openxmlformats.org/drawingml/2006/compatibility" xmlns:p14="http://schemas.microsoft.com/office/powerpoint/2010/main" xmlns:p15="http://schemas.microsoft.com/office/powerpoint/2012/main" xmlns:ahyp="http://schemas.microsoft.com/office/drawing/2018/hyperlinkcolor">
+<p:sld xmlns:a="http://schemas.openxmlformats.org/drawingml/2006/main" xmlns:r="http://schemas.openxmlformats.org/officeDocument/2006/relationships" xmlns:p="http://schemas.openxmlformats.org/presentationml/2006/main">
   <p:cSld>
     <p:spTree>
       <p:nvGrpSpPr>
-        <p:cNvPr id="120" name="Shape 120"/>
+        <p:cNvPr id="1" name="Shape 120"/>
         <p:cNvGrpSpPr/>
         <p:nvPr/>
       </p:nvGrpSpPr>
@@ -8577,7 +8755,9 @@
       <p:sp>
         <p:nvSpPr>
           <p:cNvPr id="121" name="Google Shape;121;p24"/>
-          <p:cNvSpPr txBox="1"/>
+          <p:cNvSpPr txBox="1">
+            <a:spLocks noGrp="1"/>
+          </p:cNvSpPr>
           <p:nvPr>
             <p:ph type="title"/>
           </p:nvPr>
@@ -8592,12 +8772,12 @@
           </a:prstGeom>
         </p:spPr>
         <p:txBody>
-          <a:bodyPr anchorCtr="0" anchor="t" bIns="91425" lIns="91425" spcFirstLastPara="1" rIns="91425" wrap="square" tIns="91425">
+          <a:bodyPr spcFirstLastPara="1" wrap="square" lIns="91425" tIns="91425" rIns="91425" bIns="91425" anchor="t" anchorCtr="0">
             <a:normAutofit fontScale="90000"/>
           </a:bodyPr>
           <a:lstStyle/>
           <a:p>
-            <a:pPr indent="0" lvl="0" marL="0" rtl="0" algn="l">
+            <a:pPr marL="0" lvl="0" indent="0" algn="l" rtl="0">
               <a:spcBef>
                 <a:spcPts val="0"/>
               </a:spcBef>
@@ -8617,9 +8797,11 @@
       <p:sp>
         <p:nvSpPr>
           <p:cNvPr id="122" name="Google Shape;122;p24"/>
-          <p:cNvSpPr txBox="1"/>
+          <p:cNvSpPr txBox="1">
+            <a:spLocks noGrp="1"/>
+          </p:cNvSpPr>
           <p:nvPr>
-            <p:ph idx="1" type="body"/>
+            <p:ph type="body" idx="1"/>
           </p:nvPr>
         </p:nvSpPr>
         <p:spPr>
@@ -8632,12 +8814,12 @@
           </a:prstGeom>
         </p:spPr>
         <p:txBody>
-          <a:bodyPr anchorCtr="0" anchor="t" bIns="91425" lIns="91425" spcFirstLastPara="1" rIns="91425" wrap="square" tIns="91425">
+          <a:bodyPr spcFirstLastPara="1" wrap="square" lIns="91425" tIns="91425" rIns="91425" bIns="91425" anchor="t" anchorCtr="0">
             <a:noAutofit/>
           </a:bodyPr>
           <a:lstStyle/>
           <a:p>
-            <a:pPr indent="0" lvl="0" marL="0" rtl="0" algn="l">
+            <a:pPr marL="0" lvl="0" indent="0" algn="l" rtl="0">
               <a:lnSpc>
                 <a:spcPct val="95000"/>
               </a:lnSpc>
@@ -8665,7 +8847,7 @@
             </a:endParaRPr>
           </a:p>
           <a:p>
-            <a:pPr indent="-323850" lvl="0" marL="457200" rtl="0" algn="l">
+            <a:pPr marL="457200" lvl="0" indent="-323850" algn="l" rtl="0">
               <a:lnSpc>
                 <a:spcPct val="95000"/>
               </a:lnSpc>
@@ -8690,7 +8872,7 @@
               <a:t>CALL instruction with a non-zero </a:t>
             </a:r>
             <a:r>
-              <a:rPr b="1" lang="en-GB" sz="1500">
+              <a:rPr lang="en-GB" sz="1500" b="1">
                 <a:solidFill>
                   <a:schemeClr val="dk1"/>
                 </a:solidFill>
@@ -8706,7 +8888,7 @@
               <a:t> and </a:t>
             </a:r>
             <a:r>
-              <a:rPr i="1" lang="en-GB" sz="1500">
+              <a:rPr lang="en-GB" sz="1500" i="1">
                 <a:solidFill>
                   <a:schemeClr val="dk1"/>
                 </a:solidFill>
@@ -8714,7 +8896,7 @@
               <a:t>externally controlled to </a:t>
             </a:r>
             <a:r>
-              <a:rPr b="1" i="1" lang="en-GB" sz="1500">
+              <a:rPr lang="en-GB" sz="1500" b="1" i="1">
                 <a:solidFill>
                   <a:schemeClr val="dk1"/>
                 </a:solidFill>
@@ -8722,21 +8904,21 @@
               <a:t>address</a:t>
             </a:r>
             <a:r>
-              <a:rPr i="1" lang="en-GB" sz="1500">
+              <a:rPr lang="en-GB" sz="1500" i="1">
                 <a:solidFill>
                   <a:schemeClr val="dk1"/>
                 </a:solidFill>
               </a:rPr>
               <a:t>.</a:t>
             </a:r>
-            <a:endParaRPr i="1" sz="1500">
+            <a:endParaRPr sz="1500" i="1">
               <a:solidFill>
                 <a:schemeClr val="dk1"/>
               </a:solidFill>
             </a:endParaRPr>
           </a:p>
           <a:p>
-            <a:pPr indent="-323850" lvl="0" marL="457200" rtl="0" algn="l">
+            <a:pPr marL="457200" lvl="0" indent="-323850" algn="l" rtl="0">
               <a:lnSpc>
                 <a:spcPct val="95000"/>
               </a:lnSpc>
@@ -8761,7 +8943,7 @@
               <a:t>SELFDESTRUCT instruction where </a:t>
             </a:r>
             <a:r>
-              <a:rPr b="1" lang="en-GB" sz="1500">
+              <a:rPr lang="en-GB" sz="1500" b="1">
                 <a:solidFill>
                   <a:schemeClr val="dk1"/>
                 </a:solidFill>
@@ -8783,7 +8965,7 @@
             </a:endParaRPr>
           </a:p>
           <a:p>
-            <a:pPr indent="-323850" lvl="0" marL="457200" rtl="0" algn="l">
+            <a:pPr marL="457200" lvl="0" indent="-323850" algn="l" rtl="0">
               <a:lnSpc>
                 <a:spcPct val="95000"/>
               </a:lnSpc>
@@ -8808,7 +8990,7 @@
               <a:t>CALLCODE and DELEGATECALL where </a:t>
             </a:r>
             <a:r>
-              <a:rPr b="1" lang="en-GB" sz="1500">
+              <a:rPr lang="en-GB" sz="1500" b="1">
                 <a:solidFill>
                   <a:schemeClr val="dk1"/>
                 </a:solidFill>
@@ -8830,7 +9012,7 @@
             </a:endParaRPr>
           </a:p>
           <a:p>
-            <a:pPr indent="0" lvl="0" marL="0" rtl="0" algn="l">
+            <a:pPr marL="0" lvl="0" indent="0" algn="l" rtl="0">
               <a:lnSpc>
                 <a:spcPct val="95000"/>
               </a:lnSpc>
@@ -8849,18 +9031,10 @@
                   <a:schemeClr val="dk1"/>
                 </a:solidFill>
               </a:rPr>
-              <a:t>A </a:t>
-            </a:r>
-            <a:r>
-              <a:rPr lang="en-GB" sz="1500">
-                <a:solidFill>
-                  <a:schemeClr val="dk1"/>
-                </a:solidFill>
-              </a:rPr>
-              <a:t>contract is in </a:t>
-            </a:r>
-            <a:r>
-              <a:rPr b="1" lang="en-GB" sz="1500">
+              <a:t>A contract is in </a:t>
+            </a:r>
+            <a:r>
+              <a:rPr lang="en-GB" sz="1500" b="1">
                 <a:solidFill>
                   <a:schemeClr val="dk1"/>
                 </a:solidFill>
@@ -8882,7 +9056,7 @@
             </a:endParaRPr>
           </a:p>
           <a:p>
-            <a:pPr indent="0" lvl="0" marL="0" rtl="0" algn="l">
+            <a:pPr marL="0" lvl="0" indent="0" algn="l" rtl="0">
               <a:lnSpc>
                 <a:spcPct val="95000"/>
               </a:lnSpc>
@@ -8904,7 +9078,7 @@
               <a:t>A </a:t>
             </a:r>
             <a:r>
-              <a:rPr b="1" lang="en-GB" sz="1500">
+              <a:rPr lang="en-GB" sz="1500" b="1">
                 <a:solidFill>
                   <a:schemeClr val="dk1"/>
                 </a:solidFill>
@@ -8926,7 +9100,7 @@
             </a:endParaRPr>
           </a:p>
           <a:p>
-            <a:pPr indent="0" lvl="0" marL="0" rtl="0" algn="l">
+            <a:pPr marL="0" lvl="0" indent="0" algn="l" rtl="0">
               <a:lnSpc>
                 <a:spcPct val="95000"/>
               </a:lnSpc>
@@ -8948,7 +9122,7 @@
               <a:t>A </a:t>
             </a:r>
             <a:r>
-              <a:rPr b="1" lang="en-GB" sz="1500">
+              <a:rPr lang="en-GB" sz="1500" b="1">
                 <a:solidFill>
                   <a:schemeClr val="dk1"/>
                 </a:solidFill>
@@ -8970,7 +9144,7 @@
             </a:endParaRPr>
           </a:p>
           <a:p>
-            <a:pPr indent="0" lvl="0" marL="0" rtl="0" algn="l">
+            <a:pPr marL="0" lvl="0" indent="0" algn="l" rtl="0">
               <a:lnSpc>
                 <a:spcPct val="95000"/>
               </a:lnSpc>
@@ -8992,7 +9166,7 @@
               <a:t>A contract is </a:t>
             </a:r>
             <a:r>
-              <a:rPr b="1" lang="en-GB" sz="1500">
+              <a:rPr lang="en-GB" sz="1500" b="1">
                 <a:solidFill>
                   <a:schemeClr val="dk1"/>
                 </a:solidFill>
@@ -9014,7 +9188,7 @@
             </a:endParaRPr>
           </a:p>
           <a:p>
-            <a:pPr indent="0" lvl="0" marL="0" rtl="0" algn="l">
+            <a:pPr marL="0" lvl="0" indent="0" algn="l" rtl="0">
               <a:lnSpc>
                 <a:spcPct val="95000"/>
               </a:lnSpc>
@@ -9027,9 +9201,6 @@
               <a:buSzPts val="770"/>
               <a:buNone/>
             </a:pPr>
-            <a:r>
-              <a:t/>
-            </a:r>
             <a:endParaRPr sz="1500">
               <a:solidFill>
                 <a:schemeClr val="dk1"/>
@@ -9037,7 +9208,7 @@
             </a:endParaRPr>
           </a:p>
           <a:p>
-            <a:pPr indent="0" lvl="0" marL="457200" rtl="0" algn="l">
+            <a:pPr marL="457200" lvl="0" indent="0" algn="l" rtl="0">
               <a:lnSpc>
                 <a:spcPct val="95000"/>
               </a:lnSpc>
@@ -9050,9 +9221,6 @@
               <a:buSzPts val="770"/>
               <a:buNone/>
             </a:pPr>
-            <a:r>
-              <a:t/>
-            </a:r>
             <a:endParaRPr sz="1500">
               <a:solidFill>
                 <a:schemeClr val="dk1"/>
@@ -9060,7 +9228,7 @@
             </a:endParaRPr>
           </a:p>
           <a:p>
-            <a:pPr indent="0" lvl="0" marL="457200" rtl="0" algn="l">
+            <a:pPr marL="457200" lvl="0" indent="0" algn="l" rtl="0">
               <a:lnSpc>
                 <a:spcPct val="95000"/>
               </a:lnSpc>
@@ -9073,9 +9241,6 @@
               <a:buSzPts val="770"/>
               <a:buNone/>
             </a:pPr>
-            <a:r>
-              <a:t/>
-            </a:r>
             <a:endParaRPr sz="1500">
               <a:solidFill>
                 <a:schemeClr val="dk1"/>
@@ -9083,7 +9248,7 @@
             </a:endParaRPr>
           </a:p>
           <a:p>
-            <a:pPr indent="0" lvl="0" marL="0" rtl="0" algn="l">
+            <a:pPr marL="0" lvl="0" indent="0" algn="l" rtl="0">
               <a:lnSpc>
                 <a:spcPct val="95000"/>
               </a:lnSpc>
@@ -9096,9 +9261,6 @@
               <a:buSzPts val="770"/>
               <a:buNone/>
             </a:pPr>
-            <a:r>
-              <a:t/>
-            </a:r>
             <a:endParaRPr sz="1500"/>
           </a:p>
         </p:txBody>
@@ -9112,11 +9274,11 @@
 </file>
 
 <file path=ppt/slides/slide13.xml><?xml version="1.0" encoding="utf-8"?>
-<p:sld xmlns:a="http://schemas.openxmlformats.org/drawingml/2006/main" xmlns:r="http://schemas.openxmlformats.org/officeDocument/2006/relationships" xmlns:mc="http://schemas.openxmlformats.org/markup-compatibility/2006" xmlns:mv="urn:schemas-microsoft-com:mac:vml" xmlns:p="http://schemas.openxmlformats.org/presentationml/2006/main" xmlns:c="http://schemas.openxmlformats.org/drawingml/2006/chart" xmlns:dgm="http://schemas.openxmlformats.org/drawingml/2006/diagram" xmlns:o="urn:schemas-microsoft-com:office:office" xmlns:v="urn:schemas-microsoft-com:vml" xmlns:pvml="urn:schemas-microsoft-com:office:powerpoint" xmlns:com="http://schemas.openxmlformats.org/drawingml/2006/compatibility" xmlns:p14="http://schemas.microsoft.com/office/powerpoint/2010/main" xmlns:p15="http://schemas.microsoft.com/office/powerpoint/2012/main" xmlns:ahyp="http://schemas.microsoft.com/office/drawing/2018/hyperlinkcolor">
+<p:sld xmlns:a="http://schemas.openxmlformats.org/drawingml/2006/main" xmlns:r="http://schemas.openxmlformats.org/officeDocument/2006/relationships" xmlns:p="http://schemas.openxmlformats.org/presentationml/2006/main">
   <p:cSld>
     <p:spTree>
       <p:nvGrpSpPr>
-        <p:cNvPr id="126" name="Shape 126"/>
+        <p:cNvPr id="1" name="Shape 126"/>
         <p:cNvGrpSpPr/>
         <p:nvPr/>
       </p:nvGrpSpPr>
@@ -9131,7 +9293,9 @@
       <p:sp>
         <p:nvSpPr>
           <p:cNvPr id="127" name="Google Shape;127;p25"/>
-          <p:cNvSpPr txBox="1"/>
+          <p:cNvSpPr txBox="1">
+            <a:spLocks noGrp="1"/>
+          </p:cNvSpPr>
           <p:nvPr>
             <p:ph type="title"/>
           </p:nvPr>
@@ -9146,12 +9310,12 @@
           </a:prstGeom>
         </p:spPr>
         <p:txBody>
-          <a:bodyPr anchorCtr="0" anchor="t" bIns="91425" lIns="91425" spcFirstLastPara="1" rIns="91425" wrap="square" tIns="91425">
+          <a:bodyPr spcFirstLastPara="1" wrap="square" lIns="91425" tIns="91425" rIns="91425" bIns="91425" anchor="t" anchorCtr="0">
             <a:normAutofit fontScale="90000"/>
           </a:bodyPr>
           <a:lstStyle/>
           <a:p>
-            <a:pPr indent="0" lvl="0" marL="0" rtl="0" algn="l">
+            <a:pPr marL="0" lvl="0" indent="0" algn="l" rtl="0">
               <a:spcBef>
                 <a:spcPts val="0"/>
               </a:spcBef>
@@ -9162,15 +9326,7 @@
             </a:pPr>
             <a:r>
               <a:rPr lang="en-GB"/>
-              <a:t>Architecture of Te</a:t>
-            </a:r>
-            <a:r>
-              <a:rPr lang="en-GB"/>
-              <a:t>E</a:t>
-            </a:r>
-            <a:r>
-              <a:rPr lang="en-GB"/>
-              <a:t>ther</a:t>
+              <a:t>Architecture of TeEther</a:t>
             </a:r>
             <a:endParaRPr/>
           </a:p>
@@ -9179,9 +9335,11 @@
       <p:sp>
         <p:nvSpPr>
           <p:cNvPr id="128" name="Google Shape;128;p25"/>
-          <p:cNvSpPr txBox="1"/>
+          <p:cNvSpPr txBox="1">
+            <a:spLocks noGrp="1"/>
+          </p:cNvSpPr>
           <p:nvPr>
-            <p:ph idx="1" type="body"/>
+            <p:ph type="body" idx="1"/>
           </p:nvPr>
         </p:nvSpPr>
         <p:spPr>
@@ -9194,12 +9352,12 @@
           </a:prstGeom>
         </p:spPr>
         <p:txBody>
-          <a:bodyPr anchorCtr="0" anchor="t" bIns="91425" lIns="91425" spcFirstLastPara="1" rIns="91425" wrap="square" tIns="91425">
+          <a:bodyPr spcFirstLastPara="1" wrap="square" lIns="91425" tIns="91425" rIns="91425" bIns="91425" anchor="t" anchorCtr="0">
             <a:normAutofit/>
           </a:bodyPr>
           <a:lstStyle/>
           <a:p>
-            <a:pPr indent="-323850" lvl="0" marL="457200" rtl="0" algn="l">
+            <a:pPr marL="457200" lvl="0" indent="-323850" algn="l" rtl="0">
               <a:spcBef>
                 <a:spcPts val="1200"/>
               </a:spcBef>
@@ -9210,7 +9368,7 @@
               <a:buChar char="●"/>
             </a:pPr>
             <a:r>
-              <a:rPr b="1" lang="en-GB" sz="1500">
+              <a:rPr lang="en-GB" sz="1500" b="1">
                 <a:solidFill>
                   <a:schemeClr val="dk1"/>
                 </a:solidFill>
@@ -9232,7 +9390,7 @@
             </a:endParaRPr>
           </a:p>
           <a:p>
-            <a:pPr indent="-323850" lvl="0" marL="457200" rtl="0" algn="l">
+            <a:pPr marL="457200" lvl="0" indent="-323850" algn="l" rtl="0">
               <a:spcBef>
                 <a:spcPts val="0"/>
               </a:spcBef>
@@ -9251,7 +9409,7 @@
               <a:t>CFG is scanned for </a:t>
             </a:r>
             <a:r>
-              <a:rPr b="1" lang="en-GB" sz="1500">
+              <a:rPr lang="en-GB" sz="1500" b="1">
                 <a:solidFill>
                   <a:schemeClr val="dk1"/>
                 </a:solidFill>
@@ -9273,7 +9431,7 @@
             </a:endParaRPr>
           </a:p>
           <a:p>
-            <a:pPr indent="-323850" lvl="0" marL="457200" rtl="0" algn="l">
+            <a:pPr marL="457200" lvl="0" indent="-323850" algn="l" rtl="0">
               <a:spcBef>
                 <a:spcPts val="0"/>
               </a:spcBef>
@@ -9295,7 +9453,7 @@
               <a:t>The </a:t>
             </a:r>
             <a:r>
-              <a:rPr b="1" lang="en-GB" sz="1500">
+              <a:rPr lang="en-GB" sz="1500" b="1">
                 <a:solidFill>
                   <a:schemeClr val="dk1"/>
                 </a:solidFill>
@@ -9311,7 +9469,7 @@
               <a:t>explores paths from the root of the CFG leading to these instructions, from which the </a:t>
             </a:r>
             <a:r>
-              <a:rPr b="1" lang="en-GB" sz="1500">
+              <a:rPr lang="en-GB" sz="1500" b="1">
                 <a:solidFill>
                   <a:schemeClr val="dk1"/>
                 </a:solidFill>
@@ -9333,7 +9491,7 @@
             </a:endParaRPr>
           </a:p>
           <a:p>
-            <a:pPr indent="-323850" lvl="0" marL="457200" rtl="0" algn="l">
+            <a:pPr marL="457200" lvl="0" indent="-323850" algn="l" rtl="0">
               <a:spcBef>
                 <a:spcPts val="0"/>
               </a:spcBef>
@@ -9355,7 +9513,7 @@
               <a:t>The </a:t>
             </a:r>
             <a:r>
-              <a:rPr b="1" lang="en-GB" sz="1500">
+              <a:rPr lang="en-GB" sz="1500" b="1">
                 <a:solidFill>
                   <a:schemeClr val="dk1"/>
                 </a:solidFill>
@@ -9415,11 +9573,11 @@
 </file>
 
 <file path=ppt/slides/slide14.xml><?xml version="1.0" encoding="utf-8"?>
-<p:sld xmlns:a="http://schemas.openxmlformats.org/drawingml/2006/main" xmlns:r="http://schemas.openxmlformats.org/officeDocument/2006/relationships" xmlns:mc="http://schemas.openxmlformats.org/markup-compatibility/2006" xmlns:mv="urn:schemas-microsoft-com:mac:vml" xmlns:p="http://schemas.openxmlformats.org/presentationml/2006/main" xmlns:c="http://schemas.openxmlformats.org/drawingml/2006/chart" xmlns:dgm="http://schemas.openxmlformats.org/drawingml/2006/diagram" xmlns:o="urn:schemas-microsoft-com:office:office" xmlns:v="urn:schemas-microsoft-com:vml" xmlns:pvml="urn:schemas-microsoft-com:office:powerpoint" xmlns:com="http://schemas.openxmlformats.org/drawingml/2006/compatibility" xmlns:p14="http://schemas.microsoft.com/office/powerpoint/2010/main" xmlns:p15="http://schemas.microsoft.com/office/powerpoint/2012/main" xmlns:ahyp="http://schemas.microsoft.com/office/drawing/2018/hyperlinkcolor">
+<p:sld xmlns:a="http://schemas.openxmlformats.org/drawingml/2006/main" xmlns:r="http://schemas.openxmlformats.org/officeDocument/2006/relationships" xmlns:p="http://schemas.openxmlformats.org/presentationml/2006/main">
   <p:cSld>
     <p:spTree>
       <p:nvGrpSpPr>
-        <p:cNvPr id="133" name="Shape 133"/>
+        <p:cNvPr id="1" name="Shape 133"/>
         <p:cNvGrpSpPr/>
         <p:nvPr/>
       </p:nvGrpSpPr>
@@ -9434,7 +9592,9 @@
       <p:sp>
         <p:nvSpPr>
           <p:cNvPr id="134" name="Google Shape;134;p26"/>
-          <p:cNvSpPr txBox="1"/>
+          <p:cNvSpPr txBox="1">
+            <a:spLocks noGrp="1"/>
+          </p:cNvSpPr>
           <p:nvPr>
             <p:ph type="title"/>
           </p:nvPr>
@@ -9449,12 +9609,12 @@
           </a:prstGeom>
         </p:spPr>
         <p:txBody>
-          <a:bodyPr anchorCtr="0" anchor="t" bIns="91425" lIns="91425" spcFirstLastPara="1" rIns="91425" wrap="square" tIns="91425">
+          <a:bodyPr spcFirstLastPara="1" wrap="square" lIns="91425" tIns="91425" rIns="91425" bIns="91425" anchor="t" anchorCtr="0">
             <a:normAutofit fontScale="90000"/>
           </a:bodyPr>
           <a:lstStyle/>
           <a:p>
-            <a:pPr indent="0" lvl="0" marL="0" rtl="0" algn="l">
+            <a:pPr marL="0" lvl="0" indent="0" algn="l" rtl="0">
               <a:spcBef>
                 <a:spcPts val="0"/>
               </a:spcBef>
@@ -9474,9 +9634,11 @@
       <p:sp>
         <p:nvSpPr>
           <p:cNvPr id="135" name="Google Shape;135;p26"/>
-          <p:cNvSpPr txBox="1"/>
+          <p:cNvSpPr txBox="1">
+            <a:spLocks noGrp="1"/>
+          </p:cNvSpPr>
           <p:nvPr>
-            <p:ph idx="1" type="body"/>
+            <p:ph type="body" idx="1"/>
           </p:nvPr>
         </p:nvSpPr>
         <p:spPr>
@@ -9489,12 +9651,12 @@
           </a:prstGeom>
         </p:spPr>
         <p:txBody>
-          <a:bodyPr anchorCtr="0" anchor="t" bIns="91425" lIns="91425" spcFirstLastPara="1" rIns="91425" wrap="square" tIns="91425">
+          <a:bodyPr spcFirstLastPara="1" wrap="square" lIns="91425" tIns="91425" rIns="91425" bIns="91425" anchor="t" anchorCtr="0">
             <a:noAutofit/>
           </a:bodyPr>
           <a:lstStyle/>
           <a:p>
-            <a:pPr indent="-323850" lvl="0" marL="457200" rtl="0" algn="l">
+            <a:pPr marL="457200" lvl="0" indent="-323850" algn="l" rtl="0">
               <a:spcBef>
                 <a:spcPts val="1200"/>
               </a:spcBef>
@@ -9522,7 +9684,7 @@
             </a:endParaRPr>
           </a:p>
           <a:p>
-            <a:pPr indent="-323850" lvl="0" marL="457200" rtl="0" algn="l">
+            <a:pPr marL="457200" lvl="0" indent="-323850" algn="l" rtl="0">
               <a:spcBef>
                 <a:spcPts val="0"/>
               </a:spcBef>
@@ -9544,20 +9706,12 @@
               <a:t>To reduce the number of invalid paths considered in further analyses, TEETHER uses an approach we call </a:t>
             </a:r>
             <a:r>
-              <a:rPr i="1" lang="en-GB" sz="1500">
-                <a:solidFill>
-                  <a:schemeClr val="dk1"/>
-                </a:solidFill>
-              </a:rPr>
-              <a:t>dependent</a:t>
-            </a:r>
-            <a:r>
-              <a:rPr i="1" lang="en-GB" sz="1500">
-                <a:solidFill>
-                  <a:schemeClr val="dk1"/>
-                </a:solidFill>
-              </a:rPr>
-              <a:t> edges</a:t>
+              <a:rPr lang="en-GB" sz="1500" i="1">
+                <a:solidFill>
+                  <a:schemeClr val="dk1"/>
+                </a:solidFill>
+              </a:rPr>
+              <a:t>dependent edges</a:t>
             </a:r>
             <a:r>
               <a:rPr lang="en-GB" sz="1500">
@@ -9574,7 +9728,7 @@
             </a:endParaRPr>
           </a:p>
           <a:p>
-            <a:pPr indent="-323850" lvl="0" marL="457200" rtl="0" algn="l">
+            <a:pPr marL="457200" lvl="0" indent="-323850" algn="l" rtl="0">
               <a:spcBef>
                 <a:spcPts val="0"/>
               </a:spcBef>
@@ -9602,7 +9756,7 @@
             </a:endParaRPr>
           </a:p>
           <a:p>
-            <a:pPr indent="0" lvl="0" marL="0" rtl="0" algn="l">
+            <a:pPr marL="0" lvl="0" indent="0" algn="l" rtl="0">
               <a:spcBef>
                 <a:spcPts val="1200"/>
               </a:spcBef>
@@ -9611,9 +9765,6 @@
               </a:spcAft>
               <a:buNone/>
             </a:pPr>
-            <a:r>
-              <a:t/>
-            </a:r>
             <a:endParaRPr sz="1500">
               <a:solidFill>
                 <a:schemeClr val="dk1"/>
@@ -9687,11 +9838,11 @@
 </file>
 
 <file path=ppt/slides/slide15.xml><?xml version="1.0" encoding="utf-8"?>
-<p:sld xmlns:a="http://schemas.openxmlformats.org/drawingml/2006/main" xmlns:r="http://schemas.openxmlformats.org/officeDocument/2006/relationships" xmlns:mc="http://schemas.openxmlformats.org/markup-compatibility/2006" xmlns:mv="urn:schemas-microsoft-com:mac:vml" xmlns:p="http://schemas.openxmlformats.org/presentationml/2006/main" xmlns:c="http://schemas.openxmlformats.org/drawingml/2006/chart" xmlns:dgm="http://schemas.openxmlformats.org/drawingml/2006/diagram" xmlns:o="urn:schemas-microsoft-com:office:office" xmlns:v="urn:schemas-microsoft-com:vml" xmlns:pvml="urn:schemas-microsoft-com:office:powerpoint" xmlns:com="http://schemas.openxmlformats.org/drawingml/2006/compatibility" xmlns:p14="http://schemas.microsoft.com/office/powerpoint/2010/main" xmlns:p15="http://schemas.microsoft.com/office/powerpoint/2012/main" xmlns:ahyp="http://schemas.microsoft.com/office/drawing/2018/hyperlinkcolor">
+<p:sld xmlns:a="http://schemas.openxmlformats.org/drawingml/2006/main" xmlns:r="http://schemas.openxmlformats.org/officeDocument/2006/relationships" xmlns:p="http://schemas.openxmlformats.org/presentationml/2006/main">
   <p:cSld>
     <p:spTree>
       <p:nvGrpSpPr>
-        <p:cNvPr id="141" name="Shape 141"/>
+        <p:cNvPr id="1" name="Shape 141"/>
         <p:cNvGrpSpPr/>
         <p:nvPr/>
       </p:nvGrpSpPr>
@@ -9706,7 +9857,9 @@
       <p:sp>
         <p:nvSpPr>
           <p:cNvPr id="142" name="Google Shape;142;p27"/>
-          <p:cNvSpPr txBox="1"/>
+          <p:cNvSpPr txBox="1">
+            <a:spLocks noGrp="1"/>
+          </p:cNvSpPr>
           <p:nvPr>
             <p:ph type="title"/>
           </p:nvPr>
@@ -9721,12 +9874,12 @@
           </a:prstGeom>
         </p:spPr>
         <p:txBody>
-          <a:bodyPr anchorCtr="0" anchor="t" bIns="91425" lIns="91425" spcFirstLastPara="1" rIns="91425" wrap="square" tIns="91425">
+          <a:bodyPr spcFirstLastPara="1" wrap="square" lIns="91425" tIns="91425" rIns="91425" bIns="91425" anchor="t" anchorCtr="0">
             <a:normAutofit fontScale="90000"/>
           </a:bodyPr>
           <a:lstStyle/>
           <a:p>
-            <a:pPr indent="0" lvl="0" marL="0" rtl="0" algn="l">
+            <a:pPr marL="0" lvl="0" indent="0" algn="l" rtl="0">
               <a:spcBef>
                 <a:spcPts val="0"/>
               </a:spcBef>
@@ -9737,19 +9890,7 @@
             </a:pPr>
             <a:r>
               <a:rPr lang="en-GB"/>
-              <a:t>Common</a:t>
-            </a:r>
-            <a:r>
-              <a:rPr lang="en-GB"/>
-              <a:t> </a:t>
-            </a:r>
-            <a:r>
-              <a:rPr lang="en-GB"/>
-              <a:t>Vulnerabilities found</a:t>
-            </a:r>
-            <a:r>
-              <a:rPr lang="en-GB"/>
-              <a:t> </a:t>
+              <a:t>Common Vulnerabilities found </a:t>
             </a:r>
             <a:endParaRPr/>
           </a:p>
@@ -9758,9 +9899,11 @@
       <p:sp>
         <p:nvSpPr>
           <p:cNvPr id="143" name="Google Shape;143;p27"/>
-          <p:cNvSpPr txBox="1"/>
+          <p:cNvSpPr txBox="1">
+            <a:spLocks noGrp="1"/>
+          </p:cNvSpPr>
           <p:nvPr>
-            <p:ph idx="1" type="body"/>
+            <p:ph type="body" idx="1"/>
           </p:nvPr>
         </p:nvSpPr>
         <p:spPr>
@@ -9773,12 +9916,12 @@
           </a:prstGeom>
         </p:spPr>
         <p:txBody>
-          <a:bodyPr anchorCtr="0" anchor="t" bIns="91425" lIns="91425" spcFirstLastPara="1" rIns="91425" wrap="square" tIns="91425">
+          <a:bodyPr spcFirstLastPara="1" wrap="square" lIns="91425" tIns="91425" rIns="91425" bIns="91425" anchor="t" anchorCtr="0">
             <a:noAutofit/>
           </a:bodyPr>
           <a:lstStyle/>
           <a:p>
-            <a:pPr indent="-323850" lvl="0" marL="457200" rtl="0" algn="l">
+            <a:pPr marL="457200" lvl="0" indent="-323850" algn="l" rtl="0">
               <a:lnSpc>
                 <a:spcPct val="105000"/>
               </a:lnSpc>
@@ -9795,29 +9938,21 @@
               <a:buChar char="●"/>
             </a:pPr>
             <a:r>
-              <a:rPr b="1" lang="en-GB" sz="1500">
-                <a:solidFill>
-                  <a:schemeClr val="dk1"/>
-                </a:solidFill>
-              </a:rPr>
-              <a:t>Erroneous </a:t>
-            </a:r>
-            <a:r>
-              <a:rPr b="1" lang="en-GB" sz="1500">
-                <a:solidFill>
-                  <a:schemeClr val="dk1"/>
-                </a:solidFill>
-              </a:rPr>
-              <a:t>visibility</a:t>
-            </a:r>
-            <a:endParaRPr b="1" sz="1500">
+              <a:rPr lang="en-GB" sz="1500" b="1">
+                <a:solidFill>
+                  <a:schemeClr val="dk1"/>
+                </a:solidFill>
+              </a:rPr>
+              <a:t>Erroneous visibility</a:t>
+            </a:r>
+            <a:endParaRPr sz="1500" b="1">
               <a:solidFill>
                 <a:schemeClr val="dk1"/>
               </a:solidFill>
             </a:endParaRPr>
           </a:p>
           <a:p>
-            <a:pPr indent="0" lvl="0" marL="457200" rtl="0" algn="l">
+            <a:pPr marL="457200" lvl="0" indent="0" algn="l" rtl="0">
               <a:lnSpc>
                 <a:spcPct val="105000"/>
               </a:lnSpc>
@@ -9845,7 +9980,7 @@
             </a:endParaRPr>
           </a:p>
           <a:p>
-            <a:pPr indent="0" lvl="0" marL="457200" rtl="0" algn="l">
+            <a:pPr marL="457200" lvl="0" indent="0" algn="l" rtl="0">
               <a:lnSpc>
                 <a:spcPct val="105000"/>
               </a:lnSpc>
@@ -9858,9 +9993,6 @@
               <a:buSzPts val="688"/>
               <a:buNone/>
             </a:pPr>
-            <a:r>
-              <a:t/>
-            </a:r>
             <a:endParaRPr sz="1500">
               <a:solidFill>
                 <a:schemeClr val="dk1"/>
@@ -9868,7 +10000,7 @@
             </a:endParaRPr>
           </a:p>
           <a:p>
-            <a:pPr indent="-323850" lvl="0" marL="457200" rtl="0" algn="l">
+            <a:pPr marL="457200" lvl="0" indent="-323850" algn="l" rtl="0">
               <a:lnSpc>
                 <a:spcPct val="105000"/>
               </a:lnSpc>
@@ -9885,21 +10017,21 @@
               <a:buChar char="●"/>
             </a:pPr>
             <a:r>
-              <a:rPr b="1" lang="en-GB" sz="1500">
+              <a:rPr lang="en-GB" sz="1500" b="1">
                 <a:solidFill>
                   <a:schemeClr val="dk1"/>
                 </a:solidFill>
               </a:rPr>
               <a:t>Erroneous constructor</a:t>
             </a:r>
-            <a:endParaRPr b="1" sz="1500">
+            <a:endParaRPr sz="1500" b="1">
               <a:solidFill>
                 <a:schemeClr val="dk1"/>
               </a:solidFill>
             </a:endParaRPr>
           </a:p>
           <a:p>
-            <a:pPr indent="0" lvl="0" marL="457200" rtl="0" algn="l">
+            <a:pPr marL="457200" lvl="0" indent="0" algn="l" rtl="0">
               <a:lnSpc>
                 <a:spcPct val="105000"/>
               </a:lnSpc>
@@ -9927,7 +10059,7 @@
             </a:endParaRPr>
           </a:p>
           <a:p>
-            <a:pPr indent="0" lvl="0" marL="457200" rtl="0" algn="l">
+            <a:pPr marL="457200" lvl="0" indent="0" algn="l" rtl="0">
               <a:lnSpc>
                 <a:spcPct val="105000"/>
               </a:lnSpc>
@@ -9955,7 +10087,7 @@
             </a:endParaRPr>
           </a:p>
           <a:p>
-            <a:pPr indent="0" lvl="0" marL="457200" rtl="0" algn="l">
+            <a:pPr marL="457200" lvl="0" indent="0" algn="l" rtl="0">
               <a:lnSpc>
                 <a:spcPct val="105000"/>
               </a:lnSpc>
@@ -9968,9 +10100,6 @@
               <a:buSzPts val="688"/>
               <a:buNone/>
             </a:pPr>
-            <a:r>
-              <a:t/>
-            </a:r>
             <a:endParaRPr sz="1500">
               <a:solidFill>
                 <a:schemeClr val="dk1"/>
@@ -9978,7 +10107,7 @@
             </a:endParaRPr>
           </a:p>
           <a:p>
-            <a:pPr indent="0" lvl="0" marL="457200" rtl="0" algn="l">
+            <a:pPr marL="457200" lvl="0" indent="0" algn="l" rtl="0">
               <a:lnSpc>
                 <a:spcPct val="105000"/>
               </a:lnSpc>
@@ -9991,9 +10120,6 @@
               <a:buSzPts val="688"/>
               <a:buNone/>
             </a:pPr>
-            <a:r>
-              <a:t/>
-            </a:r>
             <a:endParaRPr sz="1500">
               <a:solidFill>
                 <a:schemeClr val="dk1"/>
@@ -10001,7 +10127,7 @@
             </a:endParaRPr>
           </a:p>
           <a:p>
-            <a:pPr indent="0" lvl="0" marL="457200" rtl="0" algn="l">
+            <a:pPr marL="457200" lvl="0" indent="0" algn="l" rtl="0">
               <a:lnSpc>
                 <a:spcPct val="105000"/>
               </a:lnSpc>
@@ -10014,9 +10140,6 @@
               <a:buSzPts val="688"/>
               <a:buNone/>
             </a:pPr>
-            <a:r>
-              <a:t/>
-            </a:r>
             <a:endParaRPr sz="1500">
               <a:solidFill>
                 <a:schemeClr val="dk1"/>
@@ -10024,7 +10147,7 @@
             </a:endParaRPr>
           </a:p>
           <a:p>
-            <a:pPr indent="0" lvl="0" marL="457200" rtl="0" algn="l">
+            <a:pPr marL="457200" lvl="0" indent="0" algn="l" rtl="0">
               <a:lnSpc>
                 <a:spcPct val="105000"/>
               </a:lnSpc>
@@ -10037,9 +10160,6 @@
               <a:buSzPts val="688"/>
               <a:buNone/>
             </a:pPr>
-            <a:r>
-              <a:t/>
-            </a:r>
             <a:endParaRPr sz="1500">
               <a:solidFill>
                 <a:schemeClr val="dk1"/>
@@ -10047,7 +10167,7 @@
             </a:endParaRPr>
           </a:p>
           <a:p>
-            <a:pPr indent="0" lvl="0" marL="457200" rtl="0" algn="l">
+            <a:pPr marL="457200" lvl="0" indent="0" algn="l" rtl="0">
               <a:lnSpc>
                 <a:spcPct val="105000"/>
               </a:lnSpc>
@@ -10060,9 +10180,6 @@
               <a:buSzPts val="688"/>
               <a:buNone/>
             </a:pPr>
-            <a:r>
-              <a:t/>
-            </a:r>
             <a:endParaRPr sz="1500">
               <a:solidFill>
                 <a:schemeClr val="dk1"/>
@@ -10080,11 +10197,11 @@
 </file>
 
 <file path=ppt/slides/slide16.xml><?xml version="1.0" encoding="utf-8"?>
-<p:sld xmlns:a="http://schemas.openxmlformats.org/drawingml/2006/main" xmlns:r="http://schemas.openxmlformats.org/officeDocument/2006/relationships" xmlns:mc="http://schemas.openxmlformats.org/markup-compatibility/2006" xmlns:mv="urn:schemas-microsoft-com:mac:vml" xmlns:p="http://schemas.openxmlformats.org/presentationml/2006/main" xmlns:c="http://schemas.openxmlformats.org/drawingml/2006/chart" xmlns:dgm="http://schemas.openxmlformats.org/drawingml/2006/diagram" xmlns:o="urn:schemas-microsoft-com:office:office" xmlns:v="urn:schemas-microsoft-com:vml" xmlns:pvml="urn:schemas-microsoft-com:office:powerpoint" xmlns:com="http://schemas.openxmlformats.org/drawingml/2006/compatibility" xmlns:p14="http://schemas.microsoft.com/office/powerpoint/2010/main" xmlns:p15="http://schemas.microsoft.com/office/powerpoint/2012/main" xmlns:ahyp="http://schemas.microsoft.com/office/drawing/2018/hyperlinkcolor">
+<p:sld xmlns:a="http://schemas.openxmlformats.org/drawingml/2006/main" xmlns:r="http://schemas.openxmlformats.org/officeDocument/2006/relationships" xmlns:p="http://schemas.openxmlformats.org/presentationml/2006/main">
   <p:cSld>
     <p:spTree>
       <p:nvGrpSpPr>
-        <p:cNvPr id="147" name="Shape 147"/>
+        <p:cNvPr id="1" name="Shape 147"/>
         <p:cNvGrpSpPr/>
         <p:nvPr/>
       </p:nvGrpSpPr>
@@ -10099,7 +10216,9 @@
       <p:sp>
         <p:nvSpPr>
           <p:cNvPr id="148" name="Google Shape;148;p28"/>
-          <p:cNvSpPr txBox="1"/>
+          <p:cNvSpPr txBox="1">
+            <a:spLocks noGrp="1"/>
+          </p:cNvSpPr>
           <p:nvPr>
             <p:ph type="title"/>
           </p:nvPr>
@@ -10114,12 +10233,12 @@
           </a:prstGeom>
         </p:spPr>
         <p:txBody>
-          <a:bodyPr anchorCtr="0" anchor="t" bIns="91425" lIns="91425" spcFirstLastPara="1" rIns="91425" wrap="square" tIns="91425">
+          <a:bodyPr spcFirstLastPara="1" wrap="square" lIns="91425" tIns="91425" rIns="91425" bIns="91425" anchor="t" anchorCtr="0">
             <a:normAutofit fontScale="90000"/>
           </a:bodyPr>
           <a:lstStyle/>
           <a:p>
-            <a:pPr indent="0" lvl="0" marL="0" rtl="0" algn="l">
+            <a:pPr marL="0" lvl="0" indent="0" algn="l" rtl="0">
               <a:spcBef>
                 <a:spcPts val="0"/>
               </a:spcBef>
@@ -10140,18 +10259,15 @@
             <a:endParaRPr/>
           </a:p>
           <a:p>
-            <a:pPr indent="0" lvl="0" marL="0" rtl="0" algn="l">
-              <a:spcBef>
-                <a:spcPts val="0"/>
-              </a:spcBef>
-              <a:spcAft>
-                <a:spcPts val="0"/>
-              </a:spcAft>
-              <a:buNone/>
-            </a:pPr>
-            <a:r>
-              <a:t/>
-            </a:r>
+            <a:pPr marL="0" lvl="0" indent="0" algn="l" rtl="0">
+              <a:spcBef>
+                <a:spcPts val="0"/>
+              </a:spcBef>
+              <a:spcAft>
+                <a:spcPts val="0"/>
+              </a:spcAft>
+              <a:buNone/>
+            </a:pPr>
             <a:endParaRPr/>
           </a:p>
         </p:txBody>
@@ -10159,9 +10275,11 @@
       <p:sp>
         <p:nvSpPr>
           <p:cNvPr id="149" name="Google Shape;149;p28"/>
-          <p:cNvSpPr txBox="1"/>
+          <p:cNvSpPr txBox="1">
+            <a:spLocks noGrp="1"/>
+          </p:cNvSpPr>
           <p:nvPr>
-            <p:ph idx="1" type="body"/>
+            <p:ph type="body" idx="1"/>
           </p:nvPr>
         </p:nvSpPr>
         <p:spPr>
@@ -10174,12 +10292,12 @@
           </a:prstGeom>
         </p:spPr>
         <p:txBody>
-          <a:bodyPr anchorCtr="0" anchor="t" bIns="91425" lIns="91425" spcFirstLastPara="1" rIns="91425" wrap="square" tIns="91425">
+          <a:bodyPr spcFirstLastPara="1" wrap="square" lIns="91425" tIns="91425" rIns="91425" bIns="91425" anchor="t" anchorCtr="0">
             <a:noAutofit/>
           </a:bodyPr>
           <a:lstStyle/>
           <a:p>
-            <a:pPr indent="-323850" lvl="0" marL="457200" rtl="0" algn="l">
+            <a:pPr marL="457200" lvl="0" indent="-323850" algn="l" rtl="0">
               <a:lnSpc>
                 <a:spcPct val="105000"/>
               </a:lnSpc>
@@ -10196,21 +10314,21 @@
               <a:buChar char="●"/>
             </a:pPr>
             <a:r>
-              <a:rPr b="1" lang="en-GB" sz="1500">
+              <a:rPr lang="en-GB" sz="1500" b="1">
                 <a:solidFill>
                   <a:schemeClr val="dk1"/>
                 </a:solidFill>
               </a:rPr>
               <a:t>Semantic confusion</a:t>
             </a:r>
-            <a:endParaRPr b="1" sz="1500">
+            <a:endParaRPr sz="1500" b="1">
               <a:solidFill>
                 <a:schemeClr val="dk1"/>
               </a:solidFill>
             </a:endParaRPr>
           </a:p>
           <a:p>
-            <a:pPr indent="0" lvl="0" marL="457200" rtl="0" algn="l">
+            <a:pPr marL="457200" lvl="0" indent="0" algn="l" rtl="0">
               <a:lnSpc>
                 <a:spcPct val="105000"/>
               </a:lnSpc>
@@ -10242,7 +10360,7 @@
             </a:endParaRPr>
           </a:p>
           <a:p>
-            <a:pPr indent="0" lvl="0" marL="457200" rtl="0" algn="l">
+            <a:pPr marL="457200" lvl="0" indent="0" algn="l" rtl="0">
               <a:lnSpc>
                 <a:spcPct val="105000"/>
               </a:lnSpc>
@@ -10274,7 +10392,7 @@
             </a:endParaRPr>
           </a:p>
           <a:p>
-            <a:pPr indent="-323850" lvl="0" marL="457200" rtl="0" algn="l">
+            <a:pPr marL="457200" lvl="0" indent="-323850" algn="l" rtl="0">
               <a:lnSpc>
                 <a:spcPct val="105000"/>
               </a:lnSpc>
@@ -10291,21 +10409,21 @@
               <a:buChar char="●"/>
             </a:pPr>
             <a:r>
-              <a:rPr b="1" lang="en-GB" sz="1500">
+              <a:rPr lang="en-GB" sz="1500" b="1">
                 <a:solidFill>
                   <a:schemeClr val="dk1"/>
                 </a:solidFill>
               </a:rPr>
               <a:t>Logic Flaws</a:t>
             </a:r>
-            <a:endParaRPr b="1" sz="1500">
+            <a:endParaRPr sz="1500" b="1">
               <a:solidFill>
                 <a:schemeClr val="dk1"/>
               </a:solidFill>
             </a:endParaRPr>
           </a:p>
           <a:p>
-            <a:pPr indent="0" lvl="0" marL="457200" rtl="0" algn="l">
+            <a:pPr marL="457200" lvl="0" indent="0" algn="l" rtl="0">
               <a:lnSpc>
                 <a:spcPct val="105000"/>
               </a:lnSpc>
@@ -10337,7 +10455,7 @@
             </a:endParaRPr>
           </a:p>
           <a:p>
-            <a:pPr indent="0" lvl="0" marL="457200" rtl="0" algn="l">
+            <a:pPr marL="457200" lvl="0" indent="0" algn="l" rtl="0">
               <a:lnSpc>
                 <a:spcPct val="105000"/>
               </a:lnSpc>
@@ -10403,11 +10521,11 @@
 </file>
 
 <file path=ppt/slides/slide17.xml><?xml version="1.0" encoding="utf-8"?>
-<p:sld xmlns:a="http://schemas.openxmlformats.org/drawingml/2006/main" xmlns:r="http://schemas.openxmlformats.org/officeDocument/2006/relationships" xmlns:mc="http://schemas.openxmlformats.org/markup-compatibility/2006" xmlns:mv="urn:schemas-microsoft-com:mac:vml" xmlns:p="http://schemas.openxmlformats.org/presentationml/2006/main" xmlns:c="http://schemas.openxmlformats.org/drawingml/2006/chart" xmlns:dgm="http://schemas.openxmlformats.org/drawingml/2006/diagram" xmlns:o="urn:schemas-microsoft-com:office:office" xmlns:v="urn:schemas-microsoft-com:vml" xmlns:pvml="urn:schemas-microsoft-com:office:powerpoint" xmlns:com="http://schemas.openxmlformats.org/drawingml/2006/compatibility" xmlns:p14="http://schemas.microsoft.com/office/powerpoint/2010/main" xmlns:p15="http://schemas.microsoft.com/office/powerpoint/2012/main" xmlns:ahyp="http://schemas.microsoft.com/office/drawing/2018/hyperlinkcolor">
+<p:sld xmlns:a="http://schemas.openxmlformats.org/drawingml/2006/main" xmlns:r="http://schemas.openxmlformats.org/officeDocument/2006/relationships" xmlns:p="http://schemas.openxmlformats.org/presentationml/2006/main">
   <p:cSld>
     <p:spTree>
       <p:nvGrpSpPr>
-        <p:cNvPr id="154" name="Shape 154"/>
+        <p:cNvPr id="1" name="Shape 154"/>
         <p:cNvGrpSpPr/>
         <p:nvPr/>
       </p:nvGrpSpPr>
@@ -10422,7 +10540,9 @@
       <p:sp>
         <p:nvSpPr>
           <p:cNvPr id="155" name="Google Shape;155;p29"/>
-          <p:cNvSpPr txBox="1"/>
+          <p:cNvSpPr txBox="1">
+            <a:spLocks noGrp="1"/>
+          </p:cNvSpPr>
           <p:nvPr>
             <p:ph type="title"/>
           </p:nvPr>
@@ -10437,12 +10557,12 @@
           </a:prstGeom>
         </p:spPr>
         <p:txBody>
-          <a:bodyPr anchorCtr="0" anchor="t" bIns="91425" lIns="91425" spcFirstLastPara="1" rIns="91425" wrap="square" tIns="91425">
+          <a:bodyPr spcFirstLastPara="1" wrap="square" lIns="91425" tIns="91425" rIns="91425" bIns="91425" anchor="t" anchorCtr="0">
             <a:normAutofit fontScale="90000"/>
           </a:bodyPr>
           <a:lstStyle/>
           <a:p>
-            <a:pPr indent="0" lvl="0" marL="0" rtl="0" algn="l">
+            <a:pPr marL="0" lvl="0" indent="0" algn="l" rtl="0">
               <a:spcBef>
                 <a:spcPts val="0"/>
               </a:spcBef>
@@ -10462,9 +10582,11 @@
       <p:sp>
         <p:nvSpPr>
           <p:cNvPr id="156" name="Google Shape;156;p29"/>
-          <p:cNvSpPr txBox="1"/>
+          <p:cNvSpPr txBox="1">
+            <a:spLocks noGrp="1"/>
+          </p:cNvSpPr>
           <p:nvPr>
-            <p:ph idx="1" type="body"/>
+            <p:ph type="body" idx="1"/>
           </p:nvPr>
         </p:nvSpPr>
         <p:spPr>
@@ -10477,12 +10599,12 @@
           </a:prstGeom>
         </p:spPr>
         <p:txBody>
-          <a:bodyPr anchorCtr="0" anchor="t" bIns="91425" lIns="91425" spcFirstLastPara="1" rIns="91425" wrap="square" tIns="91425">
+          <a:bodyPr spcFirstLastPara="1" wrap="square" lIns="91425" tIns="91425" rIns="91425" bIns="91425" anchor="t" anchorCtr="0">
             <a:normAutofit/>
           </a:bodyPr>
           <a:lstStyle/>
           <a:p>
-            <a:pPr indent="-323850" lvl="0" marL="457200" rtl="0" algn="l">
+            <a:pPr marL="457200" lvl="0" indent="-323850" algn="l" rtl="0">
               <a:spcBef>
                 <a:spcPts val="0"/>
               </a:spcBef>
@@ -10496,37 +10618,21 @@
               <a:buChar char="●"/>
             </a:pPr>
             <a:r>
-              <a:rPr lang="en-GB" sz="1500">
-                <a:solidFill>
-                  <a:schemeClr val="dk1"/>
-                </a:solidFill>
-              </a:rPr>
-              <a:t>Creation of a tool TEETHER that can generate exploits for contracts based only on </a:t>
-            </a:r>
-            <a:r>
-              <a:rPr lang="en-GB" sz="1500">
-                <a:solidFill>
-                  <a:schemeClr val="dk1"/>
-                </a:solidFill>
-              </a:rPr>
-              <a:t>their</a:t>
-            </a:r>
-            <a:r>
-              <a:rPr lang="en-GB" sz="1500">
-                <a:solidFill>
-                  <a:schemeClr val="dk1"/>
-                </a:solidFill>
-              </a:rPr>
-              <a:t> bytecode.</a:t>
-            </a:r>
-            <a:endParaRPr sz="1500">
+              <a:rPr lang="en-GB" sz="1500" dirty="0">
+                <a:solidFill>
+                  <a:schemeClr val="dk1"/>
+                </a:solidFill>
+              </a:rPr>
+              <a:t>Creation of a tool TEETHER that can generate exploits for contracts based only on their bytecode.</a:t>
+            </a:r>
+            <a:endParaRPr sz="1500" dirty="0">
               <a:solidFill>
                 <a:schemeClr val="dk1"/>
               </a:solidFill>
             </a:endParaRPr>
           </a:p>
           <a:p>
-            <a:pPr indent="-323850" lvl="0" marL="457200" rtl="0" algn="l">
+            <a:pPr marL="457200" lvl="0" indent="-323850" algn="l" rtl="0">
               <a:spcBef>
                 <a:spcPts val="0"/>
               </a:spcBef>
@@ -10540,21 +10646,21 @@
               <a:buChar char="●"/>
             </a:pPr>
             <a:r>
-              <a:rPr lang="en-GB" sz="1500">
+              <a:rPr lang="en-GB" sz="1500" dirty="0">
                 <a:solidFill>
                   <a:schemeClr val="dk1"/>
                 </a:solidFill>
               </a:rPr>
               <a:t>The paper defines what are the different type of instructions that can make the contract vulnerable.</a:t>
             </a:r>
-            <a:endParaRPr sz="1500">
+            <a:endParaRPr sz="1500" dirty="0">
               <a:solidFill>
                 <a:schemeClr val="dk1"/>
               </a:solidFill>
             </a:endParaRPr>
           </a:p>
           <a:p>
-            <a:pPr indent="-323850" lvl="0" marL="457200" rtl="0" algn="l">
+            <a:pPr marL="457200" lvl="0" indent="-323850" algn="l" rtl="0">
               <a:spcBef>
                 <a:spcPts val="0"/>
               </a:spcBef>
@@ -10568,69 +10674,21 @@
               <a:buChar char="●"/>
             </a:pPr>
             <a:r>
-              <a:rPr lang="en-GB" sz="1500">
-                <a:solidFill>
-                  <a:schemeClr val="dk1"/>
-                </a:solidFill>
-              </a:rPr>
-              <a:t>Author did a </a:t>
-            </a:r>
-            <a:r>
-              <a:rPr lang="en-GB" sz="1500">
-                <a:solidFill>
-                  <a:schemeClr val="dk1"/>
-                </a:solidFill>
-              </a:rPr>
-              <a:t>comprehensive</a:t>
-            </a:r>
-            <a:r>
-              <a:rPr lang="en-GB" sz="1500">
-                <a:solidFill>
-                  <a:schemeClr val="dk1"/>
-                </a:solidFill>
-              </a:rPr>
-              <a:t> analysis of 38,757 </a:t>
-            </a:r>
-            <a:r>
-              <a:rPr lang="en-GB" sz="1500">
-                <a:solidFill>
-                  <a:schemeClr val="dk1"/>
-                </a:solidFill>
-              </a:rPr>
-              <a:t>contracts</a:t>
-            </a:r>
-            <a:r>
-              <a:rPr lang="en-GB" sz="1500">
-                <a:solidFill>
-                  <a:schemeClr val="dk1"/>
-                </a:solidFill>
-              </a:rPr>
-              <a:t> obtained from Ethereum blockchain to identify </a:t>
-            </a:r>
-            <a:r>
-              <a:rPr lang="en-GB" sz="1500">
-                <a:solidFill>
-                  <a:schemeClr val="dk1"/>
-                </a:solidFill>
-              </a:rPr>
-              <a:t>vulnerabilities</a:t>
-            </a:r>
-            <a:r>
-              <a:rPr lang="en-GB" sz="1500">
-                <a:solidFill>
-                  <a:schemeClr val="dk1"/>
-                </a:solidFill>
-              </a:rPr>
-              <a:t>.</a:t>
-            </a:r>
-            <a:endParaRPr sz="1500">
+              <a:rPr lang="en-GB" sz="1500" dirty="0">
+                <a:solidFill>
+                  <a:schemeClr val="dk1"/>
+                </a:solidFill>
+              </a:rPr>
+              <a:t>Author did a comprehensive analysis of 38,757 contracts obtained from Ethereum blockchain to identify vulnerabilities.</a:t>
+            </a:r>
+            <a:endParaRPr sz="1500" dirty="0">
               <a:solidFill>
                 <a:schemeClr val="dk1"/>
               </a:solidFill>
             </a:endParaRPr>
           </a:p>
           <a:p>
-            <a:pPr indent="-323850" lvl="0" marL="457200" rtl="0" algn="l">
+            <a:pPr marL="457200" lvl="0" indent="-323850" algn="l" rtl="0">
               <a:spcBef>
                 <a:spcPts val="0"/>
               </a:spcBef>
@@ -10644,30 +10702,14 @@
               <a:buChar char="●"/>
             </a:pPr>
             <a:r>
-              <a:rPr lang="en-GB" sz="1500">
-                <a:solidFill>
-                  <a:schemeClr val="dk1"/>
-                </a:solidFill>
-              </a:rPr>
-              <a:t>Authors defined what are the </a:t>
-            </a:r>
-            <a:r>
-              <a:rPr lang="en-GB" sz="1500">
-                <a:solidFill>
-                  <a:schemeClr val="dk1"/>
-                </a:solidFill>
-              </a:rPr>
-              <a:t>common</a:t>
-            </a:r>
-            <a:r>
-              <a:rPr lang="en-GB" sz="1500">
-                <a:solidFill>
-                  <a:schemeClr val="dk1"/>
-                </a:solidFill>
-              </a:rPr>
-              <a:t> mistakes while writing a smart contract.</a:t>
-            </a:r>
-            <a:endParaRPr sz="1500">
+              <a:rPr lang="en-GB" sz="1500" dirty="0">
+                <a:solidFill>
+                  <a:schemeClr val="dk1"/>
+                </a:solidFill>
+              </a:rPr>
+              <a:t>Authors defined what are the common mistakes while writing a smart contract.</a:t>
+            </a:r>
+            <a:endParaRPr sz="1500" dirty="0">
               <a:solidFill>
                 <a:schemeClr val="dk1"/>
               </a:solidFill>
@@ -10684,11 +10726,11 @@
 </file>
 
 <file path=ppt/slides/slide18.xml><?xml version="1.0" encoding="utf-8"?>
-<p:sld xmlns:a="http://schemas.openxmlformats.org/drawingml/2006/main" xmlns:r="http://schemas.openxmlformats.org/officeDocument/2006/relationships" xmlns:mc="http://schemas.openxmlformats.org/markup-compatibility/2006" xmlns:mv="urn:schemas-microsoft-com:mac:vml" xmlns:p="http://schemas.openxmlformats.org/presentationml/2006/main" xmlns:c="http://schemas.openxmlformats.org/drawingml/2006/chart" xmlns:dgm="http://schemas.openxmlformats.org/drawingml/2006/diagram" xmlns:o="urn:schemas-microsoft-com:office:office" xmlns:v="urn:schemas-microsoft-com:vml" xmlns:pvml="urn:schemas-microsoft-com:office:powerpoint" xmlns:com="http://schemas.openxmlformats.org/drawingml/2006/compatibility" xmlns:p14="http://schemas.microsoft.com/office/powerpoint/2010/main" xmlns:p15="http://schemas.microsoft.com/office/powerpoint/2012/main" xmlns:ahyp="http://schemas.microsoft.com/office/drawing/2018/hyperlinkcolor">
+<p:sld xmlns:a="http://schemas.openxmlformats.org/drawingml/2006/main" xmlns:r="http://schemas.openxmlformats.org/officeDocument/2006/relationships" xmlns:p="http://schemas.openxmlformats.org/presentationml/2006/main">
   <p:cSld>
     <p:spTree>
       <p:nvGrpSpPr>
-        <p:cNvPr id="160" name="Shape 160"/>
+        <p:cNvPr id="1" name="Shape 160"/>
         <p:cNvGrpSpPr/>
         <p:nvPr/>
       </p:nvGrpSpPr>
@@ -10703,7 +10745,9 @@
       <p:sp>
         <p:nvSpPr>
           <p:cNvPr id="161" name="Google Shape;161;p30"/>
-          <p:cNvSpPr txBox="1"/>
+          <p:cNvSpPr txBox="1">
+            <a:spLocks noGrp="1"/>
+          </p:cNvSpPr>
           <p:nvPr>
             <p:ph type="title"/>
           </p:nvPr>
@@ -10718,12 +10762,12 @@
           </a:prstGeom>
         </p:spPr>
         <p:txBody>
-          <a:bodyPr anchorCtr="0" anchor="t" bIns="91425" lIns="91425" spcFirstLastPara="1" rIns="91425" wrap="square" tIns="91425">
+          <a:bodyPr spcFirstLastPara="1" wrap="square" lIns="91425" tIns="91425" rIns="91425" bIns="91425" anchor="t" anchorCtr="0">
             <a:normAutofit fontScale="90000"/>
           </a:bodyPr>
           <a:lstStyle/>
           <a:p>
-            <a:pPr indent="0" lvl="0" marL="0" rtl="0" algn="l">
+            <a:pPr marL="0" lvl="0" indent="0" algn="l" rtl="0">
               <a:spcBef>
                 <a:spcPts val="0"/>
               </a:spcBef>
@@ -10743,9 +10787,11 @@
       <p:sp>
         <p:nvSpPr>
           <p:cNvPr id="162" name="Google Shape;162;p30"/>
-          <p:cNvSpPr txBox="1"/>
+          <p:cNvSpPr txBox="1">
+            <a:spLocks noGrp="1"/>
+          </p:cNvSpPr>
           <p:nvPr>
-            <p:ph idx="1" type="body"/>
+            <p:ph type="body" idx="1"/>
           </p:nvPr>
         </p:nvSpPr>
         <p:spPr>
@@ -10758,12 +10804,12 @@
           </a:prstGeom>
         </p:spPr>
         <p:txBody>
-          <a:bodyPr anchorCtr="0" anchor="t" bIns="91425" lIns="91425" spcFirstLastPara="1" rIns="91425" wrap="square" tIns="91425">
+          <a:bodyPr spcFirstLastPara="1" wrap="square" lIns="91425" tIns="91425" rIns="91425" bIns="91425" anchor="t" anchorCtr="0">
             <a:normAutofit lnSpcReduction="10000"/>
           </a:bodyPr>
           <a:lstStyle/>
           <a:p>
-            <a:pPr indent="-342900" lvl="0" marL="457200" rtl="0" algn="l">
+            <a:pPr marL="457200" lvl="0" indent="-342900" algn="l" rtl="0">
               <a:spcBef>
                 <a:spcPts val="0"/>
               </a:spcBef>
@@ -10780,7 +10826,7 @@
             <a:endParaRPr/>
           </a:p>
           <a:p>
-            <a:pPr indent="-342900" lvl="0" marL="457200" rtl="0" algn="l">
+            <a:pPr marL="457200" lvl="0" indent="-342900" algn="l" rtl="0">
               <a:spcBef>
                 <a:spcPts val="0"/>
               </a:spcBef>
@@ -10797,7 +10843,7 @@
             <a:endParaRPr/>
           </a:p>
           <a:p>
-            <a:pPr indent="-342900" lvl="0" marL="457200" rtl="0" algn="l">
+            <a:pPr marL="457200" lvl="0" indent="-342900" algn="l" rtl="0">
               <a:spcBef>
                 <a:spcPts val="0"/>
               </a:spcBef>
@@ -10809,15 +10855,7 @@
             </a:pPr>
             <a:r>
               <a:rPr lang="en-GB"/>
-              <a:t>The dataset we used was mwritescode/slither-audited-smart-contracts and </a:t>
-            </a:r>
-            <a:r>
-              <a:rPr lang="en-GB"/>
-              <a:t>additionally</a:t>
-            </a:r>
-            <a:r>
-              <a:rPr lang="en-GB"/>
-              <a:t> we used dataset </a:t>
+              <a:t>The dataset we used was mwritescode/slither-audited-smart-contracts and additionally we used dataset </a:t>
             </a:r>
             <a:r>
               <a:rPr lang="en-GB" sz="1100" u="sng">
@@ -10831,7 +10869,7 @@
             <a:endParaRPr/>
           </a:p>
           <a:p>
-            <a:pPr indent="-342900" lvl="0" marL="457200" rtl="0" algn="l">
+            <a:pPr marL="457200" lvl="0" indent="-342900" algn="l" rtl="0">
               <a:spcBef>
                 <a:spcPts val="0"/>
               </a:spcBef>
@@ -10848,7 +10886,7 @@
             <a:endParaRPr/>
           </a:p>
           <a:p>
-            <a:pPr indent="-342900" lvl="0" marL="457200" rtl="0" algn="l">
+            <a:pPr marL="457200" lvl="0" indent="-342900" algn="l" rtl="0">
               <a:spcBef>
                 <a:spcPts val="0"/>
               </a:spcBef>
@@ -10865,7 +10903,7 @@
             <a:endParaRPr/>
           </a:p>
           <a:p>
-            <a:pPr indent="0" lvl="0" marL="457200" rtl="0" algn="l">
+            <a:pPr marL="457200" lvl="0" indent="0" algn="l" rtl="0">
               <a:spcBef>
                 <a:spcPts val="1200"/>
               </a:spcBef>
@@ -10874,9 +10912,6 @@
               </a:spcAft>
               <a:buNone/>
             </a:pPr>
-            <a:r>
-              <a:t/>
-            </a:r>
             <a:endParaRPr/>
           </a:p>
         </p:txBody>
@@ -10890,11 +10925,11 @@
 </file>
 
 <file path=ppt/slides/slide19.xml><?xml version="1.0" encoding="utf-8"?>
-<p:sld xmlns:a="http://schemas.openxmlformats.org/drawingml/2006/main" xmlns:r="http://schemas.openxmlformats.org/officeDocument/2006/relationships" xmlns:mc="http://schemas.openxmlformats.org/markup-compatibility/2006" xmlns:mv="urn:schemas-microsoft-com:mac:vml" xmlns:p="http://schemas.openxmlformats.org/presentationml/2006/main" xmlns:c="http://schemas.openxmlformats.org/drawingml/2006/chart" xmlns:dgm="http://schemas.openxmlformats.org/drawingml/2006/diagram" xmlns:o="urn:schemas-microsoft-com:office:office" xmlns:v="urn:schemas-microsoft-com:vml" xmlns:pvml="urn:schemas-microsoft-com:office:powerpoint" xmlns:com="http://schemas.openxmlformats.org/drawingml/2006/compatibility" xmlns:p14="http://schemas.microsoft.com/office/powerpoint/2010/main" xmlns:p15="http://schemas.microsoft.com/office/powerpoint/2012/main" xmlns:ahyp="http://schemas.microsoft.com/office/drawing/2018/hyperlinkcolor">
+<p:sld xmlns:a="http://schemas.openxmlformats.org/drawingml/2006/main" xmlns:r="http://schemas.openxmlformats.org/officeDocument/2006/relationships" xmlns:p="http://schemas.openxmlformats.org/presentationml/2006/main">
   <p:cSld>
     <p:spTree>
       <p:nvGrpSpPr>
-        <p:cNvPr id="166" name="Shape 166"/>
+        <p:cNvPr id="1" name="Shape 166"/>
         <p:cNvGrpSpPr/>
         <p:nvPr/>
       </p:nvGrpSpPr>
@@ -10909,7 +10944,9 @@
       <p:sp>
         <p:nvSpPr>
           <p:cNvPr id="167" name="Google Shape;167;p31"/>
-          <p:cNvSpPr txBox="1"/>
+          <p:cNvSpPr txBox="1">
+            <a:spLocks noGrp="1"/>
+          </p:cNvSpPr>
           <p:nvPr>
             <p:ph type="title"/>
           </p:nvPr>
@@ -10924,12 +10961,12 @@
           </a:prstGeom>
         </p:spPr>
         <p:txBody>
-          <a:bodyPr anchorCtr="0" anchor="t" bIns="91425" lIns="91425" spcFirstLastPara="1" rIns="91425" wrap="square" tIns="91425">
+          <a:bodyPr spcFirstLastPara="1" wrap="square" lIns="91425" tIns="91425" rIns="91425" bIns="91425" anchor="t" anchorCtr="0">
             <a:normAutofit fontScale="90000"/>
           </a:bodyPr>
           <a:lstStyle/>
           <a:p>
-            <a:pPr indent="0" lvl="0" marL="0" rtl="0" algn="l">
+            <a:pPr marL="0" lvl="0" indent="0" algn="l" rtl="0">
               <a:spcBef>
                 <a:spcPts val="0"/>
               </a:spcBef>
@@ -10949,9 +10986,11 @@
       <p:sp>
         <p:nvSpPr>
           <p:cNvPr id="168" name="Google Shape;168;p31"/>
-          <p:cNvSpPr txBox="1"/>
+          <p:cNvSpPr txBox="1">
+            <a:spLocks noGrp="1"/>
+          </p:cNvSpPr>
           <p:nvPr>
-            <p:ph idx="1" type="body"/>
+            <p:ph type="body" idx="1"/>
           </p:nvPr>
         </p:nvSpPr>
         <p:spPr>
@@ -10964,12 +11003,12 @@
           </a:prstGeom>
         </p:spPr>
         <p:txBody>
-          <a:bodyPr anchorCtr="0" anchor="t" bIns="91425" lIns="91425" spcFirstLastPara="1" rIns="91425" wrap="square" tIns="91425">
+          <a:bodyPr spcFirstLastPara="1" wrap="square" lIns="91425" tIns="91425" rIns="91425" bIns="91425" anchor="t" anchorCtr="0">
             <a:normAutofit/>
           </a:bodyPr>
           <a:lstStyle/>
           <a:p>
-            <a:pPr indent="-342900" lvl="0" marL="457200" rtl="0" algn="l">
+            <a:pPr marL="457200" lvl="0" indent="-342900" algn="l" rtl="0">
               <a:spcBef>
                 <a:spcPts val="0"/>
               </a:spcBef>
@@ -10980,13 +11019,13 @@
               <a:buChar char="●"/>
             </a:pPr>
             <a:r>
-              <a:rPr lang="en-GB"/>
+              <a:rPr lang="en-GB" dirty="0"/>
               <a:t>The script was running using the following command</a:t>
             </a:r>
-            <a:endParaRPr/>
-          </a:p>
-          <a:p>
-            <a:pPr indent="-342900" lvl="0" marL="457200" rtl="0" algn="l">
+            <a:endParaRPr dirty="0"/>
+          </a:p>
+          <a:p>
+            <a:pPr marL="457200" lvl="0" indent="-342900" algn="l" rtl="0">
               <a:spcBef>
                 <a:spcPts val="0"/>
               </a:spcBef>
@@ -10997,13 +11036,13 @@
               <a:buChar char="●"/>
             </a:pPr>
             <a:r>
-              <a:rPr lang="en-GB"/>
+              <a:rPr lang="en-GB" dirty="0"/>
               <a:t>The above script runs teether tool to generate the Control Flow graph followed by exploit generation.</a:t>
             </a:r>
-            <a:endParaRPr/>
-          </a:p>
-          <a:p>
-            <a:pPr indent="-342900" lvl="0" marL="457200" rtl="0" algn="l">
+            <a:endParaRPr dirty="0"/>
+          </a:p>
+          <a:p>
+            <a:pPr marL="457200" lvl="0" indent="-342900" algn="l" rtl="0">
               <a:spcBef>
                 <a:spcPts val="0"/>
               </a:spcBef>
@@ -11014,13 +11053,17 @@
               <a:buChar char="●"/>
             </a:pPr>
             <a:r>
-              <a:rPr lang="en-GB"/>
-              <a:t>We run this script in the background and pipe it to write it to results.log</a:t>
-            </a:r>
-            <a:endParaRPr/>
-          </a:p>
-          <a:p>
-            <a:pPr indent="-342900" lvl="0" marL="457200" rtl="0" algn="l">
+              <a:rPr lang="en-GB" dirty="0"/>
+              <a:t>We run this script in the background and pipe it to write it to </a:t>
+            </a:r>
+            <a:r>
+              <a:rPr lang="en-GB" dirty="0" err="1"/>
+              <a:t>results.log</a:t>
+            </a:r>
+            <a:endParaRPr dirty="0"/>
+          </a:p>
+          <a:p>
+            <a:pPr marL="457200" lvl="0" indent="-342900" algn="l" rtl="0">
               <a:spcBef>
                 <a:spcPts val="0"/>
               </a:spcBef>
@@ -11031,21 +11074,13 @@
               <a:buChar char="●"/>
             </a:pPr>
             <a:r>
-              <a:rPr lang="en-GB"/>
-              <a:t>The code prints the symbolic execution of the bytecode for tracing </a:t>
-            </a:r>
-            <a:r>
-              <a:rPr lang="en-GB"/>
-              <a:t>the</a:t>
-            </a:r>
-            <a:r>
-              <a:rPr lang="en-GB"/>
-              <a:t> execution.</a:t>
-            </a:r>
-            <a:endParaRPr/>
-          </a:p>
-          <a:p>
-            <a:pPr indent="-342900" lvl="0" marL="457200" rtl="0" algn="l">
+              <a:rPr lang="en-GB" dirty="0"/>
+              <a:t>The code prints the symbolic execution of the bytecode for tracing the execution.</a:t>
+            </a:r>
+            <a:endParaRPr dirty="0"/>
+          </a:p>
+          <a:p>
+            <a:pPr marL="457200" lvl="0" indent="-342900" algn="l" rtl="0">
               <a:spcBef>
                 <a:spcPts val="0"/>
               </a:spcBef>
@@ -11056,13 +11091,13 @@
               <a:buChar char="●"/>
             </a:pPr>
             <a:r>
-              <a:rPr lang="en-GB"/>
+              <a:rPr lang="en-GB" dirty="0"/>
               <a:t>We can see in the logs how bytecode is analysed at EVM.</a:t>
             </a:r>
-            <a:endParaRPr/>
-          </a:p>
-          <a:p>
-            <a:pPr indent="0" lvl="0" marL="0" rtl="0" algn="l">
+            <a:endParaRPr dirty="0"/>
+          </a:p>
+          <a:p>
+            <a:pPr marL="0" lvl="0" indent="0" algn="l" rtl="0">
               <a:spcBef>
                 <a:spcPts val="1200"/>
               </a:spcBef>
@@ -11071,13 +11106,10 @@
               </a:spcAft>
               <a:buNone/>
             </a:pPr>
-            <a:r>
-              <a:t/>
-            </a:r>
-            <a:endParaRPr/>
-          </a:p>
-          <a:p>
-            <a:pPr indent="-342900" lvl="0" marL="457200" rtl="0" algn="l">
+            <a:endParaRPr dirty="0"/>
+          </a:p>
+          <a:p>
+            <a:pPr marL="457200" lvl="0" indent="-342900" algn="l" rtl="0">
               <a:spcBef>
                 <a:spcPts val="1200"/>
               </a:spcBef>
@@ -11087,10 +11119,7 @@
               <a:buSzPts val="1800"/>
               <a:buChar char="●"/>
             </a:pPr>
-            <a:r>
-              <a:t/>
-            </a:r>
-            <a:endParaRPr/>
+            <a:endParaRPr dirty="0"/>
           </a:p>
         </p:txBody>
       </p:sp>
@@ -11131,11 +11160,11 @@
 </file>
 
 <file path=ppt/slides/slide2.xml><?xml version="1.0" encoding="utf-8"?>
-<p:sld xmlns:a="http://schemas.openxmlformats.org/drawingml/2006/main" xmlns:r="http://schemas.openxmlformats.org/officeDocument/2006/relationships" xmlns:mc="http://schemas.openxmlformats.org/markup-compatibility/2006" xmlns:mv="urn:schemas-microsoft-com:mac:vml" xmlns:p="http://schemas.openxmlformats.org/presentationml/2006/main" xmlns:c="http://schemas.openxmlformats.org/drawingml/2006/chart" xmlns:dgm="http://schemas.openxmlformats.org/drawingml/2006/diagram" xmlns:o="urn:schemas-microsoft-com:office:office" xmlns:v="urn:schemas-microsoft-com:vml" xmlns:pvml="urn:schemas-microsoft-com:office:powerpoint" xmlns:com="http://schemas.openxmlformats.org/drawingml/2006/compatibility" xmlns:p14="http://schemas.microsoft.com/office/powerpoint/2010/main" xmlns:p15="http://schemas.microsoft.com/office/powerpoint/2012/main" xmlns:ahyp="http://schemas.microsoft.com/office/drawing/2018/hyperlinkcolor">
+<p:sld xmlns:a="http://schemas.openxmlformats.org/drawingml/2006/main" xmlns:r="http://schemas.openxmlformats.org/officeDocument/2006/relationships" xmlns:p="http://schemas.openxmlformats.org/presentationml/2006/main">
   <p:cSld>
     <p:spTree>
       <p:nvGrpSpPr>
-        <p:cNvPr id="59" name="Shape 59"/>
+        <p:cNvPr id="1" name="Shape 59"/>
         <p:cNvGrpSpPr/>
         <p:nvPr/>
       </p:nvGrpSpPr>
@@ -11150,7 +11179,9 @@
       <p:sp>
         <p:nvSpPr>
           <p:cNvPr id="60" name="Google Shape;60;p14"/>
-          <p:cNvSpPr txBox="1"/>
+          <p:cNvSpPr txBox="1">
+            <a:spLocks noGrp="1"/>
+          </p:cNvSpPr>
           <p:nvPr>
             <p:ph type="title"/>
           </p:nvPr>
@@ -11165,12 +11196,12 @@
           </a:prstGeom>
         </p:spPr>
         <p:txBody>
-          <a:bodyPr anchorCtr="0" anchor="t" bIns="91425" lIns="91425" spcFirstLastPara="1" rIns="91425" wrap="square" tIns="91425">
+          <a:bodyPr spcFirstLastPara="1" wrap="square" lIns="91425" tIns="91425" rIns="91425" bIns="91425" anchor="t" anchorCtr="0">
             <a:normAutofit fontScale="90000"/>
           </a:bodyPr>
           <a:lstStyle/>
           <a:p>
-            <a:pPr indent="0" lvl="0" marL="0" rtl="0" algn="l">
+            <a:pPr marL="0" lvl="0" indent="0" algn="l" rtl="0">
               <a:spcBef>
                 <a:spcPts val="0"/>
               </a:spcBef>
@@ -11190,9 +11221,11 @@
       <p:sp>
         <p:nvSpPr>
           <p:cNvPr id="61" name="Google Shape;61;p14"/>
-          <p:cNvSpPr txBox="1"/>
+          <p:cNvSpPr txBox="1">
+            <a:spLocks noGrp="1"/>
+          </p:cNvSpPr>
           <p:nvPr>
-            <p:ph idx="1" type="body"/>
+            <p:ph type="body" idx="1"/>
           </p:nvPr>
         </p:nvSpPr>
         <p:spPr>
@@ -11205,12 +11238,12 @@
           </a:prstGeom>
         </p:spPr>
         <p:txBody>
-          <a:bodyPr anchorCtr="0" anchor="t" bIns="91425" lIns="91425" spcFirstLastPara="1" rIns="91425" wrap="square" tIns="91425">
+          <a:bodyPr spcFirstLastPara="1" wrap="square" lIns="91425" tIns="91425" rIns="91425" bIns="91425" anchor="t" anchorCtr="0">
             <a:noAutofit/>
           </a:bodyPr>
           <a:lstStyle/>
           <a:p>
-            <a:pPr indent="-323850" lvl="0" marL="457200" rtl="0" algn="l">
+            <a:pPr marL="457200" lvl="0" indent="-323850" algn="l" rtl="0">
               <a:spcBef>
                 <a:spcPts val="0"/>
               </a:spcBef>
@@ -11238,7 +11271,7 @@
             </a:endParaRPr>
           </a:p>
           <a:p>
-            <a:pPr indent="-323850" lvl="0" marL="457200" rtl="0" algn="l">
+            <a:pPr marL="457200" lvl="0" indent="-323850" algn="l" rtl="0">
               <a:spcBef>
                 <a:spcPts val="0"/>
               </a:spcBef>
@@ -11266,7 +11299,7 @@
             </a:endParaRPr>
           </a:p>
           <a:p>
-            <a:pPr indent="-323850" lvl="0" marL="457200" rtl="0" algn="l">
+            <a:pPr marL="457200" lvl="0" indent="-323850" algn="l" rtl="0">
               <a:spcBef>
                 <a:spcPts val="0"/>
               </a:spcBef>
@@ -11294,7 +11327,7 @@
             </a:endParaRPr>
           </a:p>
           <a:p>
-            <a:pPr indent="-323850" lvl="0" marL="457200" rtl="0" algn="l">
+            <a:pPr marL="457200" lvl="0" indent="-323850" algn="l" rtl="0">
               <a:spcBef>
                 <a:spcPts val="0"/>
               </a:spcBef>
@@ -11316,7 +11349,7 @@
               <a:t>Ethereum allows these rules to be specified in a Turing-complete language which makes makes Ethereum the number one platform for so-called </a:t>
             </a:r>
             <a:r>
-              <a:rPr i="1" lang="en-GB" sz="1500">
+              <a:rPr lang="en-GB" sz="1500" i="1">
                 <a:solidFill>
                   <a:schemeClr val="dk1"/>
                 </a:solidFill>
@@ -11338,7 +11371,7 @@
             </a:endParaRPr>
           </a:p>
           <a:p>
-            <a:pPr indent="-323850" lvl="0" marL="457200" rtl="0" algn="l">
+            <a:pPr marL="457200" lvl="0" indent="-323850" algn="l" rtl="0">
               <a:spcBef>
                 <a:spcPts val="0"/>
               </a:spcBef>
@@ -11366,7 +11399,7 @@
             </a:endParaRPr>
           </a:p>
           <a:p>
-            <a:pPr indent="-323850" lvl="0" marL="457200" rtl="0" algn="l">
+            <a:pPr marL="457200" lvl="0" indent="-323850" algn="l" rtl="0">
               <a:spcBef>
                 <a:spcPts val="0"/>
               </a:spcBef>
@@ -11404,11 +11437,11 @@
 </file>
 
 <file path=ppt/slides/slide20.xml><?xml version="1.0" encoding="utf-8"?>
-<p:sld xmlns:a="http://schemas.openxmlformats.org/drawingml/2006/main" xmlns:r="http://schemas.openxmlformats.org/officeDocument/2006/relationships" xmlns:mc="http://schemas.openxmlformats.org/markup-compatibility/2006" xmlns:mv="urn:schemas-microsoft-com:mac:vml" xmlns:p="http://schemas.openxmlformats.org/presentationml/2006/main" xmlns:c="http://schemas.openxmlformats.org/drawingml/2006/chart" xmlns:dgm="http://schemas.openxmlformats.org/drawingml/2006/diagram" xmlns:o="urn:schemas-microsoft-com:office:office" xmlns:v="urn:schemas-microsoft-com:vml" xmlns:pvml="urn:schemas-microsoft-com:office:powerpoint" xmlns:com="http://schemas.openxmlformats.org/drawingml/2006/compatibility" xmlns:p14="http://schemas.microsoft.com/office/powerpoint/2010/main" xmlns:p15="http://schemas.microsoft.com/office/powerpoint/2012/main" xmlns:ahyp="http://schemas.microsoft.com/office/drawing/2018/hyperlinkcolor">
+<p:sld xmlns:a="http://schemas.openxmlformats.org/drawingml/2006/main" xmlns:r="http://schemas.openxmlformats.org/officeDocument/2006/relationships" xmlns:p="http://schemas.openxmlformats.org/presentationml/2006/main">
   <p:cSld>
     <p:spTree>
       <p:nvGrpSpPr>
-        <p:cNvPr id="173" name="Shape 173"/>
+        <p:cNvPr id="1" name="Shape 173"/>
         <p:cNvGrpSpPr/>
         <p:nvPr/>
       </p:nvGrpSpPr>
@@ -11423,7 +11456,9 @@
       <p:sp>
         <p:nvSpPr>
           <p:cNvPr id="174" name="Google Shape;174;p32"/>
-          <p:cNvSpPr txBox="1"/>
+          <p:cNvSpPr txBox="1">
+            <a:spLocks noGrp="1"/>
+          </p:cNvSpPr>
           <p:nvPr>
             <p:ph type="title"/>
           </p:nvPr>
@@ -11438,12 +11473,12 @@
           </a:prstGeom>
         </p:spPr>
         <p:txBody>
-          <a:bodyPr anchorCtr="0" anchor="t" bIns="91425" lIns="91425" spcFirstLastPara="1" rIns="91425" wrap="square" tIns="91425">
+          <a:bodyPr spcFirstLastPara="1" wrap="square" lIns="91425" tIns="91425" rIns="91425" bIns="91425" anchor="t" anchorCtr="0">
             <a:normAutofit fontScale="90000"/>
           </a:bodyPr>
           <a:lstStyle/>
           <a:p>
-            <a:pPr indent="0" lvl="0" marL="0" rtl="0" algn="l">
+            <a:pPr marL="0" lvl="0" indent="0" algn="l" rtl="0">
               <a:spcBef>
                 <a:spcPts val="0"/>
               </a:spcBef>
@@ -11498,32 +11533,32 @@
   <p:timing>
     <p:tnLst>
       <p:par>
-        <p:cTn dur="indefinite" nodeType="tmRoot" restart="never">
+        <p:cTn id="1" dur="indefinite" restart="never" nodeType="tmRoot">
           <p:childTnLst>
             <p:seq concurrent="1" nextAc="seek">
-              <p:cTn dur="indefinite" id="2" nodeType="mainSeq">
+              <p:cTn id="2" dur="indefinite" nodeType="mainSeq">
                 <p:childTnLst>
                   <p:par>
-                    <p:cTn fill="hold">
+                    <p:cTn id="3" fill="hold">
                       <p:stCondLst>
                         <p:cond delay="indefinite"/>
                       </p:stCondLst>
                       <p:childTnLst>
                         <p:par>
-                          <p:cTn fill="hold">
+                          <p:cTn id="4" fill="hold">
                             <p:stCondLst>
                               <p:cond delay="0"/>
                             </p:stCondLst>
                             <p:childTnLst>
                               <p:par>
-                                <p:cTn fill="hold" nodeType="clickEffect" presetClass="entr" presetID="10" presetSubtype="0">
+                                <p:cTn id="5" presetID="10" presetClass="entr" presetSubtype="0" fill="hold" nodeType="clickEffect">
                                   <p:stCondLst>
                                     <p:cond delay="0"/>
                                   </p:stCondLst>
                                   <p:childTnLst>
                                     <p:set>
                                       <p:cBhvr>
-                                        <p:cTn dur="1" fill="hold">
+                                        <p:cTn id="6" dur="1" fill="hold">
                                           <p:stCondLst>
                                             <p:cond delay="0"/>
                                           </p:stCondLst>
@@ -11539,9 +11574,9 @@
                                         <p:strVal val="visible"/>
                                       </p:to>
                                     </p:set>
-                                    <p:animEffect filter="fade" transition="in">
+                                    <p:animEffect transition="in" filter="fade">
                                       <p:cBhvr>
-                                        <p:cTn dur="1000"/>
+                                        <p:cTn id="7" dur="1000"/>
                                         <p:tgtEl>
                                           <p:spTgt spid="175"/>
                                         </p:tgtEl>
@@ -11559,14 +11594,14 @@
                 </p:childTnLst>
               </p:cTn>
               <p:prevCondLst>
-                <p:cond evt="onPrev">
+                <p:cond evt="onPrev" delay="0">
                   <p:tgtEl>
                     <p:sldTgt/>
                   </p:tgtEl>
                 </p:cond>
               </p:prevCondLst>
               <p:nextCondLst>
-                <p:cond evt="onNext">
+                <p:cond evt="onNext" delay="0">
                   <p:tgtEl>
                     <p:sldTgt/>
                   </p:tgtEl>
@@ -11582,11 +11617,11 @@
 </file>
 
 <file path=ppt/slides/slide21.xml><?xml version="1.0" encoding="utf-8"?>
-<p:sld xmlns:a="http://schemas.openxmlformats.org/drawingml/2006/main" xmlns:r="http://schemas.openxmlformats.org/officeDocument/2006/relationships" xmlns:mc="http://schemas.openxmlformats.org/markup-compatibility/2006" xmlns:mv="urn:schemas-microsoft-com:mac:vml" xmlns:p="http://schemas.openxmlformats.org/presentationml/2006/main" xmlns:c="http://schemas.openxmlformats.org/drawingml/2006/chart" xmlns:dgm="http://schemas.openxmlformats.org/drawingml/2006/diagram" xmlns:o="urn:schemas-microsoft-com:office:office" xmlns:v="urn:schemas-microsoft-com:vml" xmlns:pvml="urn:schemas-microsoft-com:office:powerpoint" xmlns:com="http://schemas.openxmlformats.org/drawingml/2006/compatibility" xmlns:p14="http://schemas.microsoft.com/office/powerpoint/2010/main" xmlns:p15="http://schemas.microsoft.com/office/powerpoint/2012/main" xmlns:ahyp="http://schemas.microsoft.com/office/drawing/2018/hyperlinkcolor">
+<p:sld xmlns:a="http://schemas.openxmlformats.org/drawingml/2006/main" xmlns:r="http://schemas.openxmlformats.org/officeDocument/2006/relationships" xmlns:p="http://schemas.openxmlformats.org/presentationml/2006/main">
   <p:cSld>
     <p:spTree>
       <p:nvGrpSpPr>
-        <p:cNvPr id="179" name="Shape 179"/>
+        <p:cNvPr id="1" name="Shape 179"/>
         <p:cNvGrpSpPr/>
         <p:nvPr/>
       </p:nvGrpSpPr>
@@ -11601,7 +11636,9 @@
       <p:sp>
         <p:nvSpPr>
           <p:cNvPr id="180" name="Google Shape;180;p33"/>
-          <p:cNvSpPr txBox="1"/>
+          <p:cNvSpPr txBox="1">
+            <a:spLocks noGrp="1"/>
+          </p:cNvSpPr>
           <p:nvPr>
             <p:ph type="title"/>
           </p:nvPr>
@@ -11616,12 +11653,12 @@
           </a:prstGeom>
         </p:spPr>
         <p:txBody>
-          <a:bodyPr anchorCtr="0" anchor="t" bIns="91425" lIns="91425" spcFirstLastPara="1" rIns="91425" wrap="square" tIns="91425">
+          <a:bodyPr spcFirstLastPara="1" wrap="square" lIns="91425" tIns="91425" rIns="91425" bIns="91425" anchor="t" anchorCtr="0">
             <a:normAutofit fontScale="90000"/>
           </a:bodyPr>
           <a:lstStyle/>
           <a:p>
-            <a:pPr indent="0" lvl="0" marL="0" rtl="0" algn="l">
+            <a:pPr marL="0" lvl="0" indent="0" algn="l" rtl="0">
               <a:spcBef>
                 <a:spcPts val="0"/>
               </a:spcBef>
@@ -11641,9 +11678,11 @@
       <p:sp>
         <p:nvSpPr>
           <p:cNvPr id="181" name="Google Shape;181;p33"/>
-          <p:cNvSpPr txBox="1"/>
+          <p:cNvSpPr txBox="1">
+            <a:spLocks noGrp="1"/>
+          </p:cNvSpPr>
           <p:nvPr>
-            <p:ph idx="1" type="body"/>
+            <p:ph type="body" idx="1"/>
           </p:nvPr>
         </p:nvSpPr>
         <p:spPr>
@@ -11656,12 +11695,12 @@
           </a:prstGeom>
         </p:spPr>
         <p:txBody>
-          <a:bodyPr anchorCtr="0" anchor="t" bIns="91425" lIns="91425" spcFirstLastPara="1" rIns="91425" wrap="square" tIns="91425">
+          <a:bodyPr spcFirstLastPara="1" wrap="square" lIns="91425" tIns="91425" rIns="91425" bIns="91425" anchor="t" anchorCtr="0">
             <a:normAutofit/>
           </a:bodyPr>
           <a:lstStyle/>
           <a:p>
-            <a:pPr indent="-342900" lvl="0" marL="457200" rtl="0" algn="l">
+            <a:pPr marL="457200" lvl="0" indent="-342900" algn="l" rtl="0">
               <a:spcBef>
                 <a:spcPts val="0"/>
               </a:spcBef>
@@ -11672,13 +11711,21 @@
               <a:buChar char="●"/>
             </a:pPr>
             <a:r>
-              <a:rPr lang="en-GB"/>
+              <a:rPr lang="en-GB" dirty="0">
+                <a:solidFill>
+                  <a:schemeClr val="tx1"/>
+                </a:solidFill>
+              </a:rPr>
               <a:t>Wrote a function that would extract the bytecode for a given address and save it to the folder.</a:t>
             </a:r>
-            <a:endParaRPr/>
-          </a:p>
-          <a:p>
-            <a:pPr indent="-342900" lvl="0" marL="457200" rtl="0" algn="l">
+            <a:endParaRPr dirty="0">
+              <a:solidFill>
+                <a:schemeClr val="tx1"/>
+              </a:solidFill>
+            </a:endParaRPr>
+          </a:p>
+          <a:p>
+            <a:pPr marL="457200" lvl="0" indent="-342900" algn="l" rtl="0">
               <a:spcBef>
                 <a:spcPts val="0"/>
               </a:spcBef>
@@ -11689,18 +11736,18 @@
               <a:buChar char="●"/>
             </a:pPr>
             <a:r>
-              <a:rPr lang="en-GB"/>
-              <a:t>Automated the process of extracting CFG and exploiting them in a </a:t>
-            </a:r>
-            <a:r>
-              <a:rPr lang="en-GB"/>
-              <a:t>single</a:t>
-            </a:r>
-            <a:r>
-              <a:rPr lang="en-GB"/>
-              <a:t> script from a stand alone command.</a:t>
-            </a:r>
-            <a:endParaRPr/>
+              <a:rPr lang="en-GB" dirty="0">
+                <a:solidFill>
+                  <a:schemeClr val="tx1"/>
+                </a:solidFill>
+              </a:rPr>
+              <a:t>Automated the process of extracting CFG and exploiting them in a single script from a stand alone command.</a:t>
+            </a:r>
+            <a:endParaRPr dirty="0">
+              <a:solidFill>
+                <a:schemeClr val="tx1"/>
+              </a:solidFill>
+            </a:endParaRPr>
           </a:p>
         </p:txBody>
       </p:sp>
@@ -11713,11 +11760,11 @@
 </file>
 
 <file path=ppt/slides/slide22.xml><?xml version="1.0" encoding="utf-8"?>
-<p:sld xmlns:a="http://schemas.openxmlformats.org/drawingml/2006/main" xmlns:r="http://schemas.openxmlformats.org/officeDocument/2006/relationships" xmlns:mc="http://schemas.openxmlformats.org/markup-compatibility/2006" xmlns:mv="urn:schemas-microsoft-com:mac:vml" xmlns:p="http://schemas.openxmlformats.org/presentationml/2006/main" xmlns:c="http://schemas.openxmlformats.org/drawingml/2006/chart" xmlns:dgm="http://schemas.openxmlformats.org/drawingml/2006/diagram" xmlns:o="urn:schemas-microsoft-com:office:office" xmlns:v="urn:schemas-microsoft-com:vml" xmlns:pvml="urn:schemas-microsoft-com:office:powerpoint" xmlns:com="http://schemas.openxmlformats.org/drawingml/2006/compatibility" xmlns:p14="http://schemas.microsoft.com/office/powerpoint/2010/main" xmlns:p15="http://schemas.microsoft.com/office/powerpoint/2012/main" xmlns:ahyp="http://schemas.microsoft.com/office/drawing/2018/hyperlinkcolor">
+<p:sld xmlns:a="http://schemas.openxmlformats.org/drawingml/2006/main" xmlns:r="http://schemas.openxmlformats.org/officeDocument/2006/relationships" xmlns:p="http://schemas.openxmlformats.org/presentationml/2006/main">
   <p:cSld>
     <p:spTree>
       <p:nvGrpSpPr>
-        <p:cNvPr id="185" name="Shape 185"/>
+        <p:cNvPr id="1" name="Shape 185"/>
         <p:cNvGrpSpPr/>
         <p:nvPr/>
       </p:nvGrpSpPr>
@@ -11732,7 +11779,9 @@
       <p:sp>
         <p:nvSpPr>
           <p:cNvPr id="186" name="Google Shape;186;p34"/>
-          <p:cNvSpPr txBox="1"/>
+          <p:cNvSpPr txBox="1">
+            <a:spLocks noGrp="1"/>
+          </p:cNvSpPr>
           <p:nvPr>
             <p:ph type="title"/>
           </p:nvPr>
@@ -11747,34 +11796,36 @@
           </a:prstGeom>
         </p:spPr>
         <p:txBody>
-          <a:bodyPr anchorCtr="0" anchor="t" bIns="91425" lIns="91425" spcFirstLastPara="1" rIns="91425" wrap="square" tIns="91425">
+          <a:bodyPr spcFirstLastPara="1" wrap="square" lIns="91425" tIns="91425" rIns="91425" bIns="91425" anchor="t" anchorCtr="0">
             <a:normAutofit fontScale="90000"/>
           </a:bodyPr>
           <a:lstStyle/>
           <a:p>
-            <a:pPr indent="0" lvl="0" marL="0" rtl="0" algn="l">
-              <a:spcBef>
-                <a:spcPts val="0"/>
-              </a:spcBef>
-              <a:spcAft>
-                <a:spcPts val="0"/>
-              </a:spcAft>
-              <a:buNone/>
-            </a:pPr>
-            <a:r>
-              <a:rPr lang="en-GB"/>
+            <a:pPr marL="0" lvl="0" indent="0" algn="l" rtl="0">
+              <a:spcBef>
+                <a:spcPts val="0"/>
+              </a:spcBef>
+              <a:spcAft>
+                <a:spcPts val="0"/>
+              </a:spcAft>
+              <a:buNone/>
+            </a:pPr>
+            <a:r>
+              <a:rPr lang="en-GB" dirty="0"/>
               <a:t>Results</a:t>
             </a:r>
-            <a:endParaRPr/>
+            <a:endParaRPr dirty="0"/>
           </a:p>
         </p:txBody>
       </p:sp>
       <p:sp>
         <p:nvSpPr>
           <p:cNvPr id="187" name="Google Shape;187;p34"/>
-          <p:cNvSpPr txBox="1"/>
+          <p:cNvSpPr txBox="1">
+            <a:spLocks noGrp="1"/>
+          </p:cNvSpPr>
           <p:nvPr>
-            <p:ph idx="1" type="body"/>
+            <p:ph type="body" idx="1"/>
           </p:nvPr>
         </p:nvSpPr>
         <p:spPr>
@@ -11787,28 +11838,36 @@
           </a:prstGeom>
         </p:spPr>
         <p:txBody>
-          <a:bodyPr anchorCtr="0" anchor="t" bIns="91425" lIns="91425" spcFirstLastPara="1" rIns="91425" wrap="square" tIns="91425">
+          <a:bodyPr spcFirstLastPara="1" wrap="square" lIns="91425" tIns="91425" rIns="91425" bIns="91425" anchor="t" anchorCtr="0">
             <a:normAutofit/>
           </a:bodyPr>
           <a:lstStyle/>
           <a:p>
-            <a:pPr indent="0" lvl="0" marL="0" rtl="0" algn="l">
-              <a:spcBef>
-                <a:spcPts val="0"/>
-              </a:spcBef>
-              <a:spcAft>
-                <a:spcPts val="0"/>
-              </a:spcAft>
-              <a:buNone/>
-            </a:pPr>
-            <a:r>
-              <a:rPr lang="en-GB"/>
+            <a:pPr marL="0" lvl="0" indent="0" algn="l" rtl="0">
+              <a:spcBef>
+                <a:spcPts val="0"/>
+              </a:spcBef>
+              <a:spcAft>
+                <a:spcPts val="0"/>
+              </a:spcAft>
+              <a:buNone/>
+            </a:pPr>
+            <a:r>
+              <a:rPr lang="en-GB" dirty="0">
+                <a:solidFill>
+                  <a:schemeClr val="tx1"/>
+                </a:solidFill>
+              </a:rPr>
               <a:t>TEETHER identified vulnerabilities in 1.6% of 1000 contract codes, whereas in the research paper, vulnerabilities were found in 2.10% of 33,195 contract codes.</a:t>
             </a:r>
-            <a:endParaRPr/>
-          </a:p>
-          <a:p>
-            <a:pPr indent="0" lvl="0" marL="0" rtl="0" algn="l">
+            <a:endParaRPr dirty="0">
+              <a:solidFill>
+                <a:schemeClr val="tx1"/>
+              </a:solidFill>
+            </a:endParaRPr>
+          </a:p>
+          <a:p>
+            <a:pPr marL="0" lvl="0" indent="0" algn="l" rtl="0">
               <a:spcBef>
                 <a:spcPts val="1200"/>
               </a:spcBef>
@@ -11818,13 +11877,21 @@
               <a:buNone/>
             </a:pPr>
             <a:r>
-              <a:rPr lang="en-GB"/>
+              <a:rPr lang="en-GB" dirty="0">
+                <a:solidFill>
+                  <a:schemeClr val="tx1"/>
+                </a:solidFill>
+              </a:rPr>
               <a:t>The reason behind fewer computing power and shorter analysis time for Control Flow Graph (CFG) processing. </a:t>
             </a:r>
-            <a:endParaRPr/>
-          </a:p>
-          <a:p>
-            <a:pPr indent="0" lvl="0" marL="0" rtl="0" algn="l">
+            <a:endParaRPr dirty="0">
+              <a:solidFill>
+                <a:schemeClr val="tx1"/>
+              </a:solidFill>
+            </a:endParaRPr>
+          </a:p>
+          <a:p>
+            <a:pPr marL="0" lvl="0" indent="0" algn="l" rtl="0">
               <a:spcBef>
                 <a:spcPts val="1200"/>
               </a:spcBef>
@@ -11839,10 +11906,18 @@
               <a:buNone/>
             </a:pPr>
             <a:r>
-              <a:rPr lang="en-GB"/>
+              <a:rPr lang="en-GB" dirty="0">
+                <a:solidFill>
+                  <a:schemeClr val="tx1"/>
+                </a:solidFill>
+              </a:rPr>
               <a:t>This likely affected TEETHER's performance, resulting in lower vulnerability detection rates.</a:t>
             </a:r>
-            <a:endParaRPr/>
+            <a:endParaRPr dirty="0">
+              <a:solidFill>
+                <a:schemeClr val="tx1"/>
+              </a:solidFill>
+            </a:endParaRPr>
           </a:p>
         </p:txBody>
       </p:sp>
@@ -11855,11 +11930,11 @@
 </file>
 
 <file path=ppt/slides/slide23.xml><?xml version="1.0" encoding="utf-8"?>
-<p:sld xmlns:a="http://schemas.openxmlformats.org/drawingml/2006/main" xmlns:r="http://schemas.openxmlformats.org/officeDocument/2006/relationships" xmlns:mc="http://schemas.openxmlformats.org/markup-compatibility/2006" xmlns:mv="urn:schemas-microsoft-com:mac:vml" xmlns:p="http://schemas.openxmlformats.org/presentationml/2006/main" xmlns:c="http://schemas.openxmlformats.org/drawingml/2006/chart" xmlns:dgm="http://schemas.openxmlformats.org/drawingml/2006/diagram" xmlns:o="urn:schemas-microsoft-com:office:office" xmlns:v="urn:schemas-microsoft-com:vml" xmlns:pvml="urn:schemas-microsoft-com:office:powerpoint" xmlns:com="http://schemas.openxmlformats.org/drawingml/2006/compatibility" xmlns:p14="http://schemas.microsoft.com/office/powerpoint/2010/main" xmlns:p15="http://schemas.microsoft.com/office/powerpoint/2012/main" xmlns:ahyp="http://schemas.microsoft.com/office/drawing/2018/hyperlinkcolor">
+<p:sld xmlns:a="http://schemas.openxmlformats.org/drawingml/2006/main" xmlns:r="http://schemas.openxmlformats.org/officeDocument/2006/relationships" xmlns:p="http://schemas.openxmlformats.org/presentationml/2006/main">
   <p:cSld>
     <p:spTree>
       <p:nvGrpSpPr>
-        <p:cNvPr id="191" name="Shape 191"/>
+        <p:cNvPr id="1" name="Shape 191"/>
         <p:cNvGrpSpPr/>
         <p:nvPr/>
       </p:nvGrpSpPr>
@@ -11874,7 +11949,9 @@
       <p:sp>
         <p:nvSpPr>
           <p:cNvPr id="192" name="Google Shape;192;p35"/>
-          <p:cNvSpPr txBox="1"/>
+          <p:cNvSpPr txBox="1">
+            <a:spLocks noGrp="1"/>
+          </p:cNvSpPr>
           <p:nvPr>
             <p:ph type="title"/>
           </p:nvPr>
@@ -11889,12 +11966,12 @@
           </a:prstGeom>
         </p:spPr>
         <p:txBody>
-          <a:bodyPr anchorCtr="0" anchor="t" bIns="91425" lIns="91425" spcFirstLastPara="1" rIns="91425" wrap="square" tIns="91425">
+          <a:bodyPr spcFirstLastPara="1" wrap="square" lIns="91425" tIns="91425" rIns="91425" bIns="91425" anchor="t" anchorCtr="0">
             <a:noAutofit/>
           </a:bodyPr>
           <a:lstStyle/>
           <a:p>
-            <a:pPr indent="0" lvl="0" marL="0" rtl="0" algn="l">
+            <a:pPr marL="0" lvl="0" indent="0" algn="l" rtl="0">
               <a:lnSpc>
                 <a:spcPct val="115000"/>
               </a:lnSpc>
@@ -11908,7 +11985,7 @@
               <a:buNone/>
             </a:pPr>
             <a:r>
-              <a:rPr b="1" lang="en-GB" sz="1904">
+              <a:rPr lang="en-GB" sz="1904" b="1" dirty="0">
                 <a:solidFill>
                   <a:srgbClr val="202122"/>
                 </a:solidFill>
@@ -11918,7 +11995,7 @@
               </a:rPr>
               <a:t>Learning from the paper</a:t>
             </a:r>
-            <a:endParaRPr b="1" sz="1904">
+            <a:endParaRPr sz="1904" b="1" dirty="0">
               <a:solidFill>
                 <a:srgbClr val="202122"/>
               </a:solidFill>
@@ -11928,7 +12005,7 @@
             </a:endParaRPr>
           </a:p>
           <a:p>
-            <a:pPr indent="0" lvl="0" marL="0" rtl="0" algn="l">
+            <a:pPr marL="0" lvl="0" indent="0" algn="l" rtl="0">
               <a:spcBef>
                 <a:spcPts val="0"/>
               </a:spcBef>
@@ -11938,19 +12015,18 @@
               <a:buSzPts val="990"/>
               <a:buNone/>
             </a:pPr>
-            <a:r>
-              <a:t/>
-            </a:r>
-            <a:endParaRPr sz="2520"/>
+            <a:endParaRPr sz="2520" dirty="0"/>
           </a:p>
         </p:txBody>
       </p:sp>
       <p:sp>
         <p:nvSpPr>
           <p:cNvPr id="193" name="Google Shape;193;p35"/>
-          <p:cNvSpPr txBox="1"/>
+          <p:cNvSpPr txBox="1">
+            <a:spLocks noGrp="1"/>
+          </p:cNvSpPr>
           <p:nvPr>
-            <p:ph idx="1" type="body"/>
+            <p:ph type="body" idx="1"/>
           </p:nvPr>
         </p:nvSpPr>
         <p:spPr>
@@ -11963,122 +12039,101 @@
           </a:prstGeom>
         </p:spPr>
         <p:txBody>
-          <a:bodyPr anchorCtr="0" anchor="t" bIns="91425" lIns="91425" spcFirstLastPara="1" rIns="91425" wrap="square" tIns="91425">
+          <a:bodyPr spcFirstLastPara="1" wrap="square" lIns="91425" tIns="91425" rIns="91425" bIns="91425" anchor="t" anchorCtr="0">
             <a:normAutofit/>
           </a:bodyPr>
           <a:lstStyle/>
           <a:p>
-            <a:pPr indent="0" lvl="0" marL="0" rtl="0" algn="l">
-              <a:spcBef>
-                <a:spcPts val="0"/>
-              </a:spcBef>
-              <a:spcAft>
-                <a:spcPts val="0"/>
-              </a:spcAft>
-              <a:buNone/>
-            </a:pPr>
-            <a:r>
-              <a:rPr lang="en-GB" sz="1200">
-                <a:solidFill>
-                  <a:schemeClr val="dk1"/>
+            <a:pPr marL="285750" indent="-285750"/>
+            <a:r>
+              <a:rPr lang="en-GB" sz="1600" dirty="0">
+                <a:solidFill>
+                  <a:schemeClr val="tx1"/>
                 </a:solidFill>
                 <a:highlight>
                   <a:srgbClr val="FFFFFF"/>
                 </a:highlight>
               </a:rPr>
-              <a:t>From the research paper, we've learned that tools like TEETHER are crucial for finding and fixing security issues in Ethereum smart contracts automatically. </a:t>
-            </a:r>
-            <a:endParaRPr sz="1200">
-              <a:solidFill>
-                <a:schemeClr val="dk1"/>
-              </a:solidFill>
-              <a:highlight>
-                <a:srgbClr val="FFFFFF"/>
-              </a:highlight>
-            </a:endParaRPr>
-          </a:p>
-          <a:p>
-            <a:pPr indent="0" lvl="0" marL="0" rtl="0" algn="l">
-              <a:spcBef>
-                <a:spcPts val="1200"/>
-              </a:spcBef>
-              <a:spcAft>
-                <a:spcPts val="0"/>
-              </a:spcAft>
-              <a:buNone/>
-            </a:pPr>
-            <a:r>
-              <a:rPr lang="en-GB" sz="1200">
-                <a:solidFill>
-                  <a:schemeClr val="dk1"/>
+              <a:t>From the research paper, we've learned about EVM, Ethereum, Smart Contracts work.</a:t>
+            </a:r>
+          </a:p>
+          <a:p>
+            <a:pPr marL="285750" indent="-285750"/>
+            <a:r>
+              <a:rPr lang="en-GB" sz="1600" dirty="0">
+                <a:solidFill>
+                  <a:schemeClr val="tx1"/>
                 </a:solidFill>
                 <a:highlight>
                   <a:srgbClr val="FFFFFF"/>
                 </a:highlight>
               </a:rPr>
-              <a:t>These tools use advanced techniques like symbolic execution and constraint solving to carefully analyze contract code. By systematically examining the code's flow and identifying critical paths, they can pinpoint vulnerabilities. </a:t>
-            </a:r>
-            <a:endParaRPr sz="1200">
-              <a:solidFill>
-                <a:schemeClr val="dk1"/>
-              </a:solidFill>
-              <a:highlight>
-                <a:srgbClr val="FFFFFF"/>
-              </a:highlight>
-            </a:endParaRPr>
-          </a:p>
-          <a:p>
-            <a:pPr indent="0" lvl="0" marL="0" rtl="0" algn="l">
-              <a:spcBef>
-                <a:spcPts val="1200"/>
-              </a:spcBef>
-              <a:spcAft>
-                <a:spcPts val="0"/>
-              </a:spcAft>
-              <a:buNone/>
-            </a:pPr>
-            <a:r>
-              <a:rPr lang="en-GB" sz="1200">
-                <a:solidFill>
-                  <a:schemeClr val="dk1"/>
+              <a:t>Working with Solidity environment setup.</a:t>
+            </a:r>
+          </a:p>
+          <a:p>
+            <a:pPr marL="285750" indent="-285750"/>
+            <a:r>
+              <a:rPr lang="en-GB" sz="1600" dirty="0">
+                <a:solidFill>
+                  <a:schemeClr val="tx1"/>
                 </a:solidFill>
                 <a:highlight>
                   <a:srgbClr val="FFFFFF"/>
                 </a:highlight>
               </a:rPr>
-              <a:t>The paper highlights the practical importance of such tools, emphasizing the financial risks associated with contract vulnerabilities. </a:t>
-            </a:r>
-            <a:endParaRPr sz="1200">
-              <a:solidFill>
-                <a:schemeClr val="dk1"/>
-              </a:solidFill>
-              <a:highlight>
-                <a:srgbClr val="FFFFFF"/>
-              </a:highlight>
-            </a:endParaRPr>
-          </a:p>
-          <a:p>
-            <a:pPr indent="0" lvl="0" marL="0" rtl="0" algn="l">
-              <a:spcBef>
-                <a:spcPts val="1200"/>
-              </a:spcBef>
-              <a:spcAft>
-                <a:spcPts val="1200"/>
-              </a:spcAft>
-              <a:buNone/>
-            </a:pPr>
-            <a:r>
-              <a:rPr lang="en-GB" sz="1200">
-                <a:solidFill>
-                  <a:schemeClr val="dk1"/>
+              <a:t>Types of Critical Instructions.</a:t>
+            </a:r>
+          </a:p>
+          <a:p>
+            <a:pPr marL="285750" indent="-285750"/>
+            <a:r>
+              <a:rPr lang="en-GB" sz="1600" dirty="0">
+                <a:solidFill>
+                  <a:schemeClr val="tx1"/>
                 </a:solidFill>
                 <a:highlight>
                   <a:srgbClr val="FFFFFF"/>
                 </a:highlight>
               </a:rPr>
-              <a:t>Overall, the research contributes to improving contract security and underscores the ongoing need for developers to stay vigilant and utilize the latest tools and knowledge to protect against exploits </a:t>
-            </a:r>
-            <a:endParaRPr/>
+              <a:t>Learned working with </a:t>
+            </a:r>
+            <a:r>
+              <a:rPr lang="en-GB" sz="1600" dirty="0" err="1">
+                <a:solidFill>
+                  <a:schemeClr val="tx1"/>
+                </a:solidFill>
+                <a:highlight>
+                  <a:srgbClr val="FFFFFF"/>
+                </a:highlight>
+              </a:rPr>
+              <a:t>etherscan</a:t>
+            </a:r>
+            <a:r>
+              <a:rPr lang="en-GB" sz="1600" dirty="0">
+                <a:solidFill>
+                  <a:schemeClr val="tx1"/>
+                </a:solidFill>
+                <a:highlight>
+                  <a:srgbClr val="FFFFFF"/>
+                </a:highlight>
+              </a:rPr>
+              <a:t> APIs to extract contract bytecode given an address.</a:t>
+            </a:r>
+          </a:p>
+          <a:p>
+            <a:pPr marL="285750" indent="-285750"/>
+            <a:r>
+              <a:rPr lang="en-GB" sz="1600" dirty="0">
+                <a:solidFill>
+                  <a:schemeClr val="tx1"/>
+                </a:solidFill>
+                <a:highlight>
+                  <a:srgbClr val="FFFFFF"/>
+                </a:highlight>
+              </a:rPr>
+              <a:t>Common mistakes that make a smart contract vulnerable as they are immutable once deployed.</a:t>
+            </a:r>
           </a:p>
         </p:txBody>
       </p:sp>
@@ -12091,11 +12146,11 @@
 </file>
 
 <file path=ppt/slides/slide3.xml><?xml version="1.0" encoding="utf-8"?>
-<p:sld xmlns:a="http://schemas.openxmlformats.org/drawingml/2006/main" xmlns:r="http://schemas.openxmlformats.org/officeDocument/2006/relationships" xmlns:mc="http://schemas.openxmlformats.org/markup-compatibility/2006" xmlns:mv="urn:schemas-microsoft-com:mac:vml" xmlns:p="http://schemas.openxmlformats.org/presentationml/2006/main" xmlns:c="http://schemas.openxmlformats.org/drawingml/2006/chart" xmlns:dgm="http://schemas.openxmlformats.org/drawingml/2006/diagram" xmlns:o="urn:schemas-microsoft-com:office:office" xmlns:v="urn:schemas-microsoft-com:vml" xmlns:pvml="urn:schemas-microsoft-com:office:powerpoint" xmlns:com="http://schemas.openxmlformats.org/drawingml/2006/compatibility" xmlns:p14="http://schemas.microsoft.com/office/powerpoint/2010/main" xmlns:p15="http://schemas.microsoft.com/office/powerpoint/2012/main" xmlns:ahyp="http://schemas.microsoft.com/office/drawing/2018/hyperlinkcolor">
+<p:sld xmlns:a="http://schemas.openxmlformats.org/drawingml/2006/main" xmlns:r="http://schemas.openxmlformats.org/officeDocument/2006/relationships" xmlns:p="http://schemas.openxmlformats.org/presentationml/2006/main">
   <p:cSld>
     <p:spTree>
       <p:nvGrpSpPr>
-        <p:cNvPr id="65" name="Shape 65"/>
+        <p:cNvPr id="1" name="Shape 65"/>
         <p:cNvGrpSpPr/>
         <p:nvPr/>
       </p:nvGrpSpPr>
@@ -12110,7 +12165,9 @@
       <p:sp>
         <p:nvSpPr>
           <p:cNvPr id="66" name="Google Shape;66;p15"/>
-          <p:cNvSpPr txBox="1"/>
+          <p:cNvSpPr txBox="1">
+            <a:spLocks noGrp="1"/>
+          </p:cNvSpPr>
           <p:nvPr>
             <p:ph type="title"/>
           </p:nvPr>
@@ -12125,12 +12182,12 @@
           </a:prstGeom>
         </p:spPr>
         <p:txBody>
-          <a:bodyPr anchorCtr="0" anchor="t" bIns="91425" lIns="91425" spcFirstLastPara="1" rIns="91425" wrap="square" tIns="91425">
+          <a:bodyPr spcFirstLastPara="1" wrap="square" lIns="91425" tIns="91425" rIns="91425" bIns="91425" anchor="t" anchorCtr="0">
             <a:normAutofit fontScale="90000"/>
           </a:bodyPr>
           <a:lstStyle/>
           <a:p>
-            <a:pPr indent="0" lvl="0" marL="0" rtl="0" algn="l">
+            <a:pPr marL="0" lvl="0" indent="0" algn="l" rtl="0">
               <a:spcBef>
                 <a:spcPts val="0"/>
               </a:spcBef>
@@ -12150,9 +12207,11 @@
       <p:sp>
         <p:nvSpPr>
           <p:cNvPr id="67" name="Google Shape;67;p15"/>
-          <p:cNvSpPr txBox="1"/>
+          <p:cNvSpPr txBox="1">
+            <a:spLocks noGrp="1"/>
+          </p:cNvSpPr>
           <p:nvPr>
-            <p:ph idx="1" type="body"/>
+            <p:ph type="body" idx="1"/>
           </p:nvPr>
         </p:nvSpPr>
         <p:spPr>
@@ -12165,12 +12224,12 @@
           </a:prstGeom>
         </p:spPr>
         <p:txBody>
-          <a:bodyPr anchorCtr="0" anchor="t" bIns="91425" lIns="91425" spcFirstLastPara="1" rIns="91425" wrap="square" tIns="91425">
+          <a:bodyPr spcFirstLastPara="1" wrap="square" lIns="91425" tIns="91425" rIns="91425" bIns="91425" anchor="t" anchorCtr="0">
             <a:noAutofit/>
           </a:bodyPr>
           <a:lstStyle/>
           <a:p>
-            <a:pPr indent="-323850" lvl="0" marL="457200" rtl="0" algn="l">
+            <a:pPr marL="457200" lvl="0" indent="-323850" algn="l" rtl="0">
               <a:spcBef>
                 <a:spcPts val="0"/>
               </a:spcBef>
@@ -12189,15 +12248,7 @@
                   <a:schemeClr val="dk1"/>
                 </a:solidFill>
               </a:rPr>
-              <a:t>It is often described as a </a:t>
-            </a:r>
-            <a:r>
-              <a:rPr lang="en-GB" sz="1500">
-                <a:solidFill>
-                  <a:schemeClr val="dk1"/>
-                </a:solidFill>
-              </a:rPr>
-              <a:t>second generation blockchain due to support of smart contracts.</a:t>
+              <a:t>It is often described as a second generation blockchain due to support of smart contracts.</a:t>
             </a:r>
             <a:endParaRPr sz="1500">
               <a:solidFill>
@@ -12206,7 +12257,7 @@
             </a:endParaRPr>
           </a:p>
           <a:p>
-            <a:pPr indent="-323850" lvl="0" marL="457200" rtl="0" algn="l">
+            <a:pPr marL="457200" lvl="0" indent="-323850" algn="l" rtl="0">
               <a:spcBef>
                 <a:spcPts val="0"/>
               </a:spcBef>
@@ -12234,7 +12285,7 @@
             </a:endParaRPr>
           </a:p>
           <a:p>
-            <a:pPr indent="-323850" lvl="0" marL="457200" rtl="0" algn="l">
+            <a:pPr marL="457200" lvl="0" indent="-323850" algn="l" rtl="0">
               <a:spcBef>
                 <a:spcPts val="0"/>
               </a:spcBef>
@@ -12262,7 +12313,7 @@
             </a:endParaRPr>
           </a:p>
           <a:p>
-            <a:pPr indent="-323850" lvl="0" marL="457200" rtl="0" algn="l">
+            <a:pPr marL="457200" lvl="0" indent="-323850" algn="l" rtl="0">
               <a:spcBef>
                 <a:spcPts val="0"/>
               </a:spcBef>
@@ -12290,7 +12341,7 @@
             </a:endParaRPr>
           </a:p>
           <a:p>
-            <a:pPr indent="-323850" lvl="0" marL="457200" rtl="0" algn="l">
+            <a:pPr marL="457200" lvl="0" indent="-323850" algn="l" rtl="0">
               <a:spcBef>
                 <a:spcPts val="0"/>
               </a:spcBef>
@@ -12318,7 +12369,7 @@
             </a:endParaRPr>
           </a:p>
           <a:p>
-            <a:pPr indent="-323850" lvl="0" marL="457200" rtl="0" algn="l">
+            <a:pPr marL="457200" lvl="0" indent="-323850" algn="l" rtl="0">
               <a:spcBef>
                 <a:spcPts val="0"/>
               </a:spcBef>
@@ -12346,7 +12397,7 @@
             </a:endParaRPr>
           </a:p>
           <a:p>
-            <a:pPr indent="-323850" lvl="0" marL="457200" rtl="0" algn="l">
+            <a:pPr marL="457200" lvl="0" indent="-323850" algn="l" rtl="0">
               <a:spcBef>
                 <a:spcPts val="0"/>
               </a:spcBef>
@@ -12384,11 +12435,11 @@
 </file>
 
 <file path=ppt/slides/slide4.xml><?xml version="1.0" encoding="utf-8"?>
-<p:sld xmlns:a="http://schemas.openxmlformats.org/drawingml/2006/main" xmlns:r="http://schemas.openxmlformats.org/officeDocument/2006/relationships" xmlns:mc="http://schemas.openxmlformats.org/markup-compatibility/2006" xmlns:mv="urn:schemas-microsoft-com:mac:vml" xmlns:p="http://schemas.openxmlformats.org/presentationml/2006/main" xmlns:c="http://schemas.openxmlformats.org/drawingml/2006/chart" xmlns:dgm="http://schemas.openxmlformats.org/drawingml/2006/diagram" xmlns:o="urn:schemas-microsoft-com:office:office" xmlns:v="urn:schemas-microsoft-com:vml" xmlns:pvml="urn:schemas-microsoft-com:office:powerpoint" xmlns:com="http://schemas.openxmlformats.org/drawingml/2006/compatibility" xmlns:p14="http://schemas.microsoft.com/office/powerpoint/2010/main" xmlns:p15="http://schemas.microsoft.com/office/powerpoint/2012/main" xmlns:ahyp="http://schemas.microsoft.com/office/drawing/2018/hyperlinkcolor">
+<p:sld xmlns:a="http://schemas.openxmlformats.org/drawingml/2006/main" xmlns:r="http://schemas.openxmlformats.org/officeDocument/2006/relationships" xmlns:p="http://schemas.openxmlformats.org/presentationml/2006/main">
   <p:cSld>
     <p:spTree>
       <p:nvGrpSpPr>
-        <p:cNvPr id="71" name="Shape 71"/>
+        <p:cNvPr id="1" name="Shape 71"/>
         <p:cNvGrpSpPr/>
         <p:nvPr/>
       </p:nvGrpSpPr>
@@ -12403,7 +12454,9 @@
       <p:sp>
         <p:nvSpPr>
           <p:cNvPr id="72" name="Google Shape;72;p16"/>
-          <p:cNvSpPr txBox="1"/>
+          <p:cNvSpPr txBox="1">
+            <a:spLocks noGrp="1"/>
+          </p:cNvSpPr>
           <p:nvPr>
             <p:ph type="title"/>
           </p:nvPr>
@@ -12418,12 +12471,12 @@
           </a:prstGeom>
         </p:spPr>
         <p:txBody>
-          <a:bodyPr anchorCtr="0" anchor="t" bIns="91425" lIns="91425" spcFirstLastPara="1" rIns="91425" wrap="square" tIns="91425">
+          <a:bodyPr spcFirstLastPara="1" wrap="square" lIns="91425" tIns="91425" rIns="91425" bIns="91425" anchor="t" anchorCtr="0">
             <a:normAutofit fontScale="90000"/>
           </a:bodyPr>
           <a:lstStyle/>
           <a:p>
-            <a:pPr indent="0" lvl="0" marL="0" rtl="0" algn="l">
+            <a:pPr marL="0" lvl="0" indent="0" algn="l" rtl="0">
               <a:spcBef>
                 <a:spcPts val="0"/>
               </a:spcBef>
@@ -12443,9 +12496,11 @@
       <p:sp>
         <p:nvSpPr>
           <p:cNvPr id="73" name="Google Shape;73;p16"/>
-          <p:cNvSpPr txBox="1"/>
+          <p:cNvSpPr txBox="1">
+            <a:spLocks noGrp="1"/>
+          </p:cNvSpPr>
           <p:nvPr>
-            <p:ph idx="1" type="body"/>
+            <p:ph type="body" idx="1"/>
           </p:nvPr>
         </p:nvSpPr>
         <p:spPr>
@@ -12458,12 +12513,12 @@
           </a:prstGeom>
         </p:spPr>
         <p:txBody>
-          <a:bodyPr anchorCtr="0" anchor="t" bIns="91425" lIns="91425" spcFirstLastPara="1" rIns="91425" wrap="square" tIns="91425">
+          <a:bodyPr spcFirstLastPara="1" wrap="square" lIns="91425" tIns="91425" rIns="91425" bIns="91425" anchor="t" anchorCtr="0">
             <a:noAutofit/>
           </a:bodyPr>
           <a:lstStyle/>
           <a:p>
-            <a:pPr indent="-323850" lvl="0" marL="457200" rtl="0" algn="l">
+            <a:pPr marL="457200" lvl="0" indent="-323850" algn="l" rtl="0">
               <a:spcBef>
                 <a:spcPts val="1200"/>
               </a:spcBef>
@@ -12485,7 +12540,7 @@
               <a:t>A </a:t>
             </a:r>
             <a:r>
-              <a:rPr i="1" lang="en-GB" sz="1500">
+              <a:rPr lang="en-GB" sz="1500" i="1">
                 <a:solidFill>
                   <a:schemeClr val="dk1"/>
                 </a:solidFill>
@@ -12507,7 +12562,7 @@
             </a:endParaRPr>
           </a:p>
           <a:p>
-            <a:pPr indent="-323850" lvl="0" marL="457200" rtl="0" algn="l">
+            <a:pPr marL="457200" lvl="0" indent="-323850" algn="l" rtl="0">
               <a:spcBef>
                 <a:spcPts val="0"/>
               </a:spcBef>
@@ -12529,7 +12584,7 @@
               <a:t>Smart contracts also have a (private) storage a key-value store with </a:t>
             </a:r>
             <a:r>
-              <a:rPr b="1" lang="en-GB" sz="1500">
+              <a:rPr lang="en-GB" sz="1500" b="1">
                 <a:solidFill>
                   <a:schemeClr val="dk1"/>
                 </a:solidFill>
@@ -12545,21 +12600,21 @@
               <a:t> and </a:t>
             </a:r>
             <a:r>
-              <a:rPr b="1" lang="en-GB" sz="1500">
+              <a:rPr lang="en-GB" sz="1500" b="1">
                 <a:solidFill>
                   <a:schemeClr val="dk1"/>
                 </a:solidFill>
               </a:rPr>
               <a:t>256-bit values.</a:t>
             </a:r>
-            <a:endParaRPr b="1" sz="1500">
+            <a:endParaRPr sz="1500" b="1">
               <a:solidFill>
                 <a:schemeClr val="dk1"/>
               </a:solidFill>
             </a:endParaRPr>
           </a:p>
           <a:p>
-            <a:pPr indent="-323850" lvl="0" marL="457200" rtl="0" algn="l">
+            <a:pPr marL="457200" lvl="0" indent="-323850" algn="l" rtl="0">
               <a:spcBef>
                 <a:spcPts val="0"/>
               </a:spcBef>
@@ -12581,7 +12636,7 @@
               <a:t>Storage is only “</a:t>
             </a:r>
             <a:r>
-              <a:rPr b="1" lang="en-GB" sz="1500">
+              <a:rPr lang="en-GB" sz="1500" b="1">
                 <a:solidFill>
                   <a:schemeClr val="dk1"/>
                 </a:solidFill>
@@ -12603,7 +12658,7 @@
             </a:endParaRPr>
           </a:p>
           <a:p>
-            <a:pPr indent="-323850" lvl="0" marL="457200" rtl="0" algn="l">
+            <a:pPr marL="457200" lvl="0" indent="-323850" algn="l" rtl="0">
               <a:spcBef>
                 <a:spcPts val="0"/>
               </a:spcBef>
@@ -12631,7 +12686,7 @@
             </a:endParaRPr>
           </a:p>
           <a:p>
-            <a:pPr indent="-323850" lvl="0" marL="457200" rtl="0" algn="l">
+            <a:pPr marL="457200" lvl="0" indent="-323850" algn="l" rtl="0">
               <a:spcBef>
                 <a:spcPts val="0"/>
               </a:spcBef>
@@ -12653,7 +12708,7 @@
               <a:t>They must be </a:t>
             </a:r>
             <a:r>
-              <a:rPr b="1" lang="en-GB" sz="1500">
+              <a:rPr lang="en-GB" sz="1500" b="1">
                 <a:solidFill>
                   <a:schemeClr val="dk1"/>
                 </a:solidFill>
@@ -12675,7 +12730,7 @@
             </a:endParaRPr>
           </a:p>
           <a:p>
-            <a:pPr indent="-323850" lvl="0" marL="457200" rtl="0" algn="l">
+            <a:pPr marL="457200" lvl="0" indent="-323850" algn="l" rtl="0">
               <a:spcBef>
                 <a:spcPts val="0"/>
               </a:spcBef>
@@ -12713,11 +12768,11 @@
 </file>
 
 <file path=ppt/slides/slide5.xml><?xml version="1.0" encoding="utf-8"?>
-<p:sld xmlns:a="http://schemas.openxmlformats.org/drawingml/2006/main" xmlns:r="http://schemas.openxmlformats.org/officeDocument/2006/relationships" xmlns:mc="http://schemas.openxmlformats.org/markup-compatibility/2006" xmlns:mv="urn:schemas-microsoft-com:mac:vml" xmlns:p="http://schemas.openxmlformats.org/presentationml/2006/main" xmlns:c="http://schemas.openxmlformats.org/drawingml/2006/chart" xmlns:dgm="http://schemas.openxmlformats.org/drawingml/2006/diagram" xmlns:o="urn:schemas-microsoft-com:office:office" xmlns:v="urn:schemas-microsoft-com:vml" xmlns:pvml="urn:schemas-microsoft-com:office:powerpoint" xmlns:com="http://schemas.openxmlformats.org/drawingml/2006/compatibility" xmlns:p14="http://schemas.microsoft.com/office/powerpoint/2010/main" xmlns:p15="http://schemas.microsoft.com/office/powerpoint/2012/main" xmlns:ahyp="http://schemas.microsoft.com/office/drawing/2018/hyperlinkcolor">
+<p:sld xmlns:a="http://schemas.openxmlformats.org/drawingml/2006/main" xmlns:r="http://schemas.openxmlformats.org/officeDocument/2006/relationships" xmlns:p="http://schemas.openxmlformats.org/presentationml/2006/main">
   <p:cSld>
     <p:spTree>
       <p:nvGrpSpPr>
-        <p:cNvPr id="77" name="Shape 77"/>
+        <p:cNvPr id="1" name="Shape 77"/>
         <p:cNvGrpSpPr/>
         <p:nvPr/>
       </p:nvGrpSpPr>
@@ -12732,7 +12787,9 @@
       <p:sp>
         <p:nvSpPr>
           <p:cNvPr id="78" name="Google Shape;78;p17"/>
-          <p:cNvSpPr txBox="1"/>
+          <p:cNvSpPr txBox="1">
+            <a:spLocks noGrp="1"/>
+          </p:cNvSpPr>
           <p:nvPr>
             <p:ph type="title"/>
           </p:nvPr>
@@ -12747,12 +12804,12 @@
           </a:prstGeom>
         </p:spPr>
         <p:txBody>
-          <a:bodyPr anchorCtr="0" anchor="t" bIns="91425" lIns="91425" spcFirstLastPara="1" rIns="91425" wrap="square" tIns="91425">
+          <a:bodyPr spcFirstLastPara="1" wrap="square" lIns="91425" tIns="91425" rIns="91425" bIns="91425" anchor="t" anchorCtr="0">
             <a:normAutofit fontScale="90000"/>
           </a:bodyPr>
           <a:lstStyle/>
           <a:p>
-            <a:pPr indent="0" lvl="0" marL="0" rtl="0" algn="l">
+            <a:pPr marL="0" lvl="0" indent="0" algn="l" rtl="0">
               <a:spcBef>
                 <a:spcPts val="0"/>
               </a:spcBef>
@@ -12772,9 +12829,11 @@
       <p:sp>
         <p:nvSpPr>
           <p:cNvPr id="79" name="Google Shape;79;p17"/>
-          <p:cNvSpPr txBox="1"/>
+          <p:cNvSpPr txBox="1">
+            <a:spLocks noGrp="1"/>
+          </p:cNvSpPr>
           <p:nvPr>
-            <p:ph idx="1" type="body"/>
+            <p:ph type="body" idx="1"/>
           </p:nvPr>
         </p:nvSpPr>
         <p:spPr>
@@ -12787,12 +12846,12 @@
           </a:prstGeom>
         </p:spPr>
         <p:txBody>
-          <a:bodyPr anchorCtr="0" anchor="t" bIns="91425" lIns="91425" spcFirstLastPara="1" rIns="91425" wrap="square" tIns="91425">
+          <a:bodyPr spcFirstLastPara="1" wrap="square" lIns="91425" tIns="91425" rIns="91425" bIns="91425" anchor="t" anchorCtr="0">
             <a:normAutofit/>
           </a:bodyPr>
           <a:lstStyle/>
           <a:p>
-            <a:pPr indent="-323850" lvl="0" marL="457200" rtl="0" algn="l">
+            <a:pPr marL="457200" lvl="0" indent="-323850" algn="l" rtl="0">
               <a:spcBef>
                 <a:spcPts val="1200"/>
               </a:spcBef>
@@ -12817,7 +12876,7 @@
             </a:endParaRPr>
           </a:p>
           <a:p>
-            <a:pPr indent="-323850" lvl="0" marL="457200" rtl="0" algn="l">
+            <a:pPr marL="457200" lvl="0" indent="-323850" algn="l" rtl="0">
               <a:spcBef>
                 <a:spcPts val="0"/>
               </a:spcBef>
@@ -12845,7 +12904,7 @@
             </a:endParaRPr>
           </a:p>
           <a:p>
-            <a:pPr indent="-323850" lvl="0" marL="457200" rtl="0" algn="l">
+            <a:pPr marL="457200" lvl="0" indent="-323850" algn="l" rtl="0">
               <a:spcBef>
                 <a:spcPts val="0"/>
               </a:spcBef>
@@ -12873,7 +12932,7 @@
             </a:endParaRPr>
           </a:p>
           <a:p>
-            <a:pPr indent="-323850" lvl="0" marL="457200" rtl="0" algn="l">
+            <a:pPr marL="457200" lvl="0" indent="-323850" algn="l" rtl="0">
               <a:spcBef>
                 <a:spcPts val="0"/>
               </a:spcBef>
@@ -12901,7 +12960,7 @@
             </a:endParaRPr>
           </a:p>
           <a:p>
-            <a:pPr indent="0" lvl="0" marL="0" rtl="0" algn="l">
+            <a:pPr marL="0" lvl="0" indent="0" algn="l" rtl="0">
               <a:spcBef>
                 <a:spcPts val="1200"/>
               </a:spcBef>
@@ -12910,9 +12969,6 @@
               </a:spcAft>
               <a:buNone/>
             </a:pPr>
-            <a:r>
-              <a:t/>
-            </a:r>
             <a:endParaRPr sz="1500">
               <a:solidFill>
                 <a:schemeClr val="dk1"/>
@@ -12930,11 +12986,11 @@
 </file>
 
 <file path=ppt/slides/slide6.xml><?xml version="1.0" encoding="utf-8"?>
-<p:sld xmlns:a="http://schemas.openxmlformats.org/drawingml/2006/main" xmlns:r="http://schemas.openxmlformats.org/officeDocument/2006/relationships" xmlns:mc="http://schemas.openxmlformats.org/markup-compatibility/2006" xmlns:mv="urn:schemas-microsoft-com:mac:vml" xmlns:p="http://schemas.openxmlformats.org/presentationml/2006/main" xmlns:c="http://schemas.openxmlformats.org/drawingml/2006/chart" xmlns:dgm="http://schemas.openxmlformats.org/drawingml/2006/diagram" xmlns:o="urn:schemas-microsoft-com:office:office" xmlns:v="urn:schemas-microsoft-com:vml" xmlns:pvml="urn:schemas-microsoft-com:office:powerpoint" xmlns:com="http://schemas.openxmlformats.org/drawingml/2006/compatibility" xmlns:p14="http://schemas.microsoft.com/office/powerpoint/2010/main" xmlns:p15="http://schemas.microsoft.com/office/powerpoint/2012/main" xmlns:ahyp="http://schemas.microsoft.com/office/drawing/2018/hyperlinkcolor">
+<p:sld xmlns:a="http://schemas.openxmlformats.org/drawingml/2006/main" xmlns:r="http://schemas.openxmlformats.org/officeDocument/2006/relationships" xmlns:p="http://schemas.openxmlformats.org/presentationml/2006/main">
   <p:cSld>
     <p:spTree>
       <p:nvGrpSpPr>
-        <p:cNvPr id="83" name="Shape 83"/>
+        <p:cNvPr id="1" name="Shape 83"/>
         <p:cNvGrpSpPr/>
         <p:nvPr/>
       </p:nvGrpSpPr>
@@ -12949,9 +13005,11 @@
       <p:sp>
         <p:nvSpPr>
           <p:cNvPr id="84" name="Google Shape;84;p18"/>
-          <p:cNvSpPr txBox="1"/>
+          <p:cNvSpPr txBox="1">
+            <a:spLocks noGrp="1"/>
+          </p:cNvSpPr>
           <p:nvPr>
-            <p:ph idx="1" type="body"/>
+            <p:ph type="body" idx="1"/>
           </p:nvPr>
         </p:nvSpPr>
         <p:spPr>
@@ -12964,12 +13022,12 @@
           </a:prstGeom>
         </p:spPr>
         <p:txBody>
-          <a:bodyPr anchorCtr="0" anchor="t" bIns="91425" lIns="91425" spcFirstLastPara="1" rIns="91425" wrap="square" tIns="91425">
+          <a:bodyPr spcFirstLastPara="1" wrap="square" lIns="91425" tIns="91425" rIns="91425" bIns="91425" anchor="t" anchorCtr="0">
             <a:noAutofit/>
           </a:bodyPr>
           <a:lstStyle/>
           <a:p>
-            <a:pPr indent="0" lvl="0" marL="0" rtl="0" algn="l">
+            <a:pPr marL="0" lvl="0" indent="0" algn="l" rtl="0">
               <a:lnSpc>
                 <a:spcPct val="100000"/>
               </a:lnSpc>
@@ -12982,14 +13040,14 @@
               <a:buNone/>
             </a:pPr>
             <a:r>
-              <a:rPr b="1" lang="en-GB" sz="2500">
+              <a:rPr lang="en-GB" sz="2500" b="1">
                 <a:solidFill>
                   <a:schemeClr val="dk1"/>
                 </a:solidFill>
               </a:rPr>
               <a:t>Wallet Example</a:t>
             </a:r>
-            <a:endParaRPr b="1" sz="2500">
+            <a:endParaRPr sz="2500" b="1">
               <a:solidFill>
                 <a:schemeClr val="dk1"/>
               </a:solidFill>
@@ -13017,12 +13075,12 @@
           </a:ln>
         </p:spPr>
         <p:txBody>
-          <a:bodyPr anchorCtr="0" anchor="t" bIns="91425" lIns="91425" spcFirstLastPara="1" rIns="91425" wrap="square" tIns="91425">
+          <a:bodyPr spcFirstLastPara="1" wrap="square" lIns="91425" tIns="91425" rIns="91425" bIns="91425" anchor="t" anchorCtr="0">
             <a:noAutofit/>
           </a:bodyPr>
           <a:lstStyle/>
           <a:p>
-            <a:pPr indent="-317500" lvl="0" marL="457200" rtl="0" algn="l">
+            <a:pPr marL="457200" lvl="0" indent="-317500" algn="l" rtl="0">
               <a:spcBef>
                 <a:spcPts val="0"/>
               </a:spcBef>
@@ -13044,7 +13102,7 @@
               <a:t>A  function with the same name as the contract is considered a </a:t>
             </a:r>
             <a:r>
-              <a:rPr b="1" lang="en-GB">
+              <a:rPr lang="en-GB" b="1">
                 <a:solidFill>
                   <a:schemeClr val="dk1"/>
                 </a:solidFill>
@@ -13060,7 +13118,7 @@
               <a:t> (</a:t>
             </a:r>
             <a:r>
-              <a:rPr b="1" lang="en-GB">
+              <a:rPr lang="en-GB" b="1">
                 <a:solidFill>
                   <a:schemeClr val="dk1"/>
                 </a:solidFill>
@@ -13082,7 +13140,7 @@
             </a:endParaRPr>
           </a:p>
           <a:p>
-            <a:pPr indent="-317500" lvl="0" marL="457200" rtl="0" algn="l">
+            <a:pPr marL="457200" lvl="0" indent="-317500" algn="l" rtl="0">
               <a:spcBef>
                 <a:spcPts val="1200"/>
               </a:spcBef>
@@ -13096,7 +13154,7 @@
               <a:buAutoNum type="arabicPeriod"/>
             </a:pPr>
             <a:r>
-              <a:rPr b="1" lang="en-GB">
+              <a:rPr lang="en-GB" b="1">
                 <a:solidFill>
                   <a:schemeClr val="dk1"/>
                 </a:solidFill>
@@ -13118,7 +13176,7 @@
             </a:endParaRPr>
           </a:p>
           <a:p>
-            <a:pPr indent="-317500" lvl="0" marL="457200" rtl="0" algn="l">
+            <a:pPr marL="457200" lvl="0" indent="-317500" algn="l" rtl="0">
               <a:spcBef>
                 <a:spcPts val="1200"/>
               </a:spcBef>
@@ -13140,7 +13198,7 @@
               <a:t>Modifiers are special functions with a placeholder ( ) that allow to “wrap” other functions  and implement sanity or security checks and ends with </a:t>
             </a:r>
             <a:r>
-              <a:rPr b="1" lang="en-GB">
+              <a:rPr lang="en-GB" b="1">
                 <a:solidFill>
                   <a:schemeClr val="dk1"/>
                 </a:solidFill>
@@ -13162,7 +13220,7 @@
             </a:endParaRPr>
           </a:p>
           <a:p>
-            <a:pPr indent="-317500" lvl="0" marL="457200" rtl="0" algn="l">
+            <a:pPr marL="457200" lvl="0" indent="-317500" algn="l" rtl="0">
               <a:spcBef>
                 <a:spcPts val="1200"/>
               </a:spcBef>
@@ -13184,7 +13242,7 @@
               <a:t>Contract defines a modifier </a:t>
             </a:r>
             <a:r>
-              <a:rPr b="1" lang="en-GB">
+              <a:rPr lang="en-GB" b="1">
                 <a:solidFill>
                   <a:schemeClr val="dk1"/>
                 </a:solidFill>
@@ -13206,7 +13264,7 @@
             </a:endParaRPr>
           </a:p>
           <a:p>
-            <a:pPr indent="-317500" lvl="0" marL="457200" rtl="0" algn="l">
+            <a:pPr marL="457200" lvl="0" indent="-317500" algn="l" rtl="0">
               <a:spcBef>
                 <a:spcPts val="1200"/>
               </a:spcBef>
@@ -13220,7 +13278,7 @@
               <a:buAutoNum type="arabicPeriod"/>
             </a:pPr>
             <a:r>
-              <a:rPr b="1" lang="en-GB">
+              <a:rPr lang="en-GB" b="1">
                 <a:solidFill>
                   <a:schemeClr val="dk1"/>
                 </a:solidFill>
@@ -13236,7 +13294,7 @@
               <a:t>function allows the caller to transfer ownership to the </a:t>
             </a:r>
             <a:r>
-              <a:rPr b="1" lang="en-GB">
+              <a:rPr lang="en-GB" b="1">
                 <a:solidFill>
                   <a:schemeClr val="dk1"/>
                 </a:solidFill>
@@ -13250,7 +13308,7 @@
             </a:endParaRPr>
           </a:p>
           <a:p>
-            <a:pPr indent="-317500" lvl="0" marL="457200" rtl="0" algn="l">
+            <a:pPr marL="457200" lvl="0" indent="-317500" algn="l" rtl="0">
               <a:spcBef>
                 <a:spcPts val="1200"/>
               </a:spcBef>
@@ -13264,7 +13322,7 @@
               <a:buAutoNum type="arabicPeriod"/>
             </a:pPr>
             <a:r>
-              <a:rPr b="1" lang="en-GB">
+              <a:rPr lang="en-GB" b="1">
                 <a:solidFill>
                   <a:schemeClr val="dk1"/>
                 </a:solidFill>
@@ -13286,7 +13344,7 @@
             </a:endParaRPr>
           </a:p>
           <a:p>
-            <a:pPr indent="-317500" lvl="0" marL="457200" rtl="0" algn="l">
+            <a:pPr marL="457200" lvl="0" indent="-317500" algn="l" rtl="0">
               <a:spcBef>
                 <a:spcPts val="1200"/>
               </a:spcBef>
@@ -13300,7 +13358,7 @@
               <a:buAutoNum type="arabicPeriod"/>
             </a:pPr>
             <a:r>
-              <a:rPr b="1" lang="en-GB">
+              <a:rPr lang="en-GB" b="1">
                 <a:solidFill>
                   <a:schemeClr val="dk1"/>
                 </a:solidFill>
@@ -13322,7 +13380,7 @@
             </a:endParaRPr>
           </a:p>
           <a:p>
-            <a:pPr indent="-317500" lvl="0" marL="457200" rtl="0" algn="l">
+            <a:pPr marL="457200" lvl="0" indent="-317500" algn="l" rtl="0">
               <a:spcBef>
                 <a:spcPts val="1200"/>
               </a:spcBef>
@@ -13336,7 +13394,7 @@
               <a:buAutoNum type="arabicPeriod"/>
             </a:pPr>
             <a:r>
-              <a:rPr b="1" lang="en-GB">
+              <a:rPr lang="en-GB" b="1">
                 <a:solidFill>
                   <a:schemeClr val="dk1"/>
                 </a:solidFill>
@@ -13358,7 +13416,7 @@
             </a:endParaRPr>
           </a:p>
           <a:p>
-            <a:pPr indent="0" lvl="0" marL="0" rtl="0" algn="l">
+            <a:pPr marL="0" lvl="0" indent="0" algn="l" rtl="0">
               <a:spcBef>
                 <a:spcPts val="1200"/>
               </a:spcBef>
@@ -13367,9 +13425,6 @@
               </a:spcAft>
               <a:buNone/>
             </a:pPr>
-            <a:r>
-              <a:t/>
-            </a:r>
             <a:endParaRPr>
               <a:solidFill>
                 <a:schemeClr val="dk1"/>
@@ -13415,11 +13470,11 @@
 </file>
 
 <file path=ppt/slides/slide7.xml><?xml version="1.0" encoding="utf-8"?>
-<p:sld xmlns:a="http://schemas.openxmlformats.org/drawingml/2006/main" xmlns:r="http://schemas.openxmlformats.org/officeDocument/2006/relationships" xmlns:mc="http://schemas.openxmlformats.org/markup-compatibility/2006" xmlns:mv="urn:schemas-microsoft-com:mac:vml" xmlns:p="http://schemas.openxmlformats.org/presentationml/2006/main" xmlns:c="http://schemas.openxmlformats.org/drawingml/2006/chart" xmlns:dgm="http://schemas.openxmlformats.org/drawingml/2006/diagram" xmlns:o="urn:schemas-microsoft-com:office:office" xmlns:v="urn:schemas-microsoft-com:vml" xmlns:pvml="urn:schemas-microsoft-com:office:powerpoint" xmlns:com="http://schemas.openxmlformats.org/drawingml/2006/compatibility" xmlns:p14="http://schemas.microsoft.com/office/powerpoint/2010/main" xmlns:p15="http://schemas.microsoft.com/office/powerpoint/2012/main" xmlns:ahyp="http://schemas.microsoft.com/office/drawing/2018/hyperlinkcolor">
+<p:sld xmlns:a="http://schemas.openxmlformats.org/drawingml/2006/main" xmlns:r="http://schemas.openxmlformats.org/officeDocument/2006/relationships" xmlns:p="http://schemas.openxmlformats.org/presentationml/2006/main">
   <p:cSld>
     <p:spTree>
       <p:nvGrpSpPr>
-        <p:cNvPr id="90" name="Shape 90"/>
+        <p:cNvPr id="1" name="Shape 90"/>
         <p:cNvGrpSpPr/>
         <p:nvPr/>
       </p:nvGrpSpPr>
@@ -13434,7 +13489,9 @@
       <p:sp>
         <p:nvSpPr>
           <p:cNvPr id="91" name="Google Shape;91;p19"/>
-          <p:cNvSpPr txBox="1"/>
+          <p:cNvSpPr txBox="1">
+            <a:spLocks noGrp="1"/>
+          </p:cNvSpPr>
           <p:nvPr>
             <p:ph type="title"/>
           </p:nvPr>
@@ -13449,12 +13506,12 @@
           </a:prstGeom>
         </p:spPr>
         <p:txBody>
-          <a:bodyPr anchorCtr="0" anchor="t" bIns="91425" lIns="91425" spcFirstLastPara="1" rIns="91425" wrap="square" tIns="91425">
+          <a:bodyPr spcFirstLastPara="1" wrap="square" lIns="91425" tIns="91425" rIns="91425" bIns="91425" anchor="t" anchorCtr="0">
             <a:normAutofit fontScale="90000"/>
           </a:bodyPr>
           <a:lstStyle/>
           <a:p>
-            <a:pPr indent="0" lvl="0" marL="0" rtl="0" algn="l">
+            <a:pPr marL="0" lvl="0" indent="0" algn="l" rtl="0">
               <a:spcBef>
                 <a:spcPts val="0"/>
               </a:spcBef>
@@ -13474,9 +13531,11 @@
       <p:sp>
         <p:nvSpPr>
           <p:cNvPr id="92" name="Google Shape;92;p19"/>
-          <p:cNvSpPr txBox="1"/>
+          <p:cNvSpPr txBox="1">
+            <a:spLocks noGrp="1"/>
+          </p:cNvSpPr>
           <p:nvPr>
-            <p:ph idx="1" type="body"/>
+            <p:ph type="body" idx="1"/>
           </p:nvPr>
         </p:nvSpPr>
         <p:spPr>
@@ -13489,12 +13548,12 @@
           </a:prstGeom>
         </p:spPr>
         <p:txBody>
-          <a:bodyPr anchorCtr="0" anchor="t" bIns="91425" lIns="91425" spcFirstLastPara="1" rIns="91425" wrap="square" tIns="91425">
+          <a:bodyPr spcFirstLastPara="1" wrap="square" lIns="91425" tIns="91425" rIns="91425" bIns="91425" anchor="t" anchorCtr="0">
             <a:noAutofit/>
           </a:bodyPr>
           <a:lstStyle/>
           <a:p>
-            <a:pPr indent="-323850" lvl="0" marL="457200" rtl="0" algn="l">
+            <a:pPr marL="457200" lvl="0" indent="-323850" algn="l" rtl="0">
               <a:spcBef>
                 <a:spcPts val="0"/>
               </a:spcBef>
@@ -13513,23 +13572,7 @@
                   <a:schemeClr val="dk1"/>
                 </a:solidFill>
               </a:rPr>
-              <a:t>Smart contract code is executed in a special virtual </a:t>
-            </a:r>
-            <a:r>
-              <a:rPr lang="en-GB" sz="1500">
-                <a:solidFill>
-                  <a:schemeClr val="dk1"/>
-                </a:solidFill>
-              </a:rPr>
-              <a:t>machine called</a:t>
-            </a:r>
-            <a:r>
-              <a:rPr lang="en-GB" sz="1500">
-                <a:solidFill>
-                  <a:schemeClr val="dk1"/>
-                </a:solidFill>
-              </a:rPr>
-              <a:t> EVM.</a:t>
+              <a:t>Smart contract code is executed in a special virtual machine called EVM.</a:t>
             </a:r>
             <a:endParaRPr sz="1500">
               <a:solidFill>
@@ -13538,7 +13581,7 @@
             </a:endParaRPr>
           </a:p>
           <a:p>
-            <a:pPr indent="-323850" lvl="0" marL="457200" rtl="0" algn="l">
+            <a:pPr marL="457200" lvl="0" indent="-323850" algn="l" rtl="0">
               <a:spcBef>
                 <a:spcPts val="0"/>
               </a:spcBef>
@@ -13557,23 +13600,7 @@
                   <a:schemeClr val="dk1"/>
                 </a:solidFill>
               </a:rPr>
-              <a:t>Stack based </a:t>
-            </a:r>
-            <a:r>
-              <a:rPr lang="en-GB" sz="1500">
-                <a:solidFill>
-                  <a:schemeClr val="dk1"/>
-                </a:solidFill>
-              </a:rPr>
-              <a:t>virtual</a:t>
-            </a:r>
-            <a:r>
-              <a:rPr lang="en-GB" sz="1500">
-                <a:solidFill>
-                  <a:schemeClr val="dk1"/>
-                </a:solidFill>
-              </a:rPr>
-              <a:t> machine with a wordsize of 256 bit.</a:t>
+              <a:t>Stack based virtual machine with a wordsize of 256 bit.</a:t>
             </a:r>
             <a:endParaRPr sz="1500">
               <a:solidFill>
@@ -13582,7 +13609,7 @@
             </a:endParaRPr>
           </a:p>
           <a:p>
-            <a:pPr indent="-323850" lvl="0" marL="457200" rtl="0" algn="l">
+            <a:pPr marL="457200" lvl="0" indent="-323850" algn="l" rtl="0">
               <a:spcBef>
                 <a:spcPts val="0"/>
               </a:spcBef>
@@ -13601,15 +13628,7 @@
                   <a:schemeClr val="dk1"/>
                 </a:solidFill>
               </a:rPr>
-              <a:t>In addition to arithmetic and control flow instructions it also offers special </a:t>
-            </a:r>
-            <a:r>
-              <a:rPr lang="en-GB" sz="1500">
-                <a:solidFill>
-                  <a:schemeClr val="dk1"/>
-                </a:solidFill>
-              </a:rPr>
-              <a:t>instructions.</a:t>
+              <a:t>In addition to arithmetic and control flow instructions it also offers special instructions.</a:t>
             </a:r>
             <a:endParaRPr sz="1500">
               <a:solidFill>
@@ -13618,7 +13637,7 @@
             </a:endParaRPr>
           </a:p>
           <a:p>
-            <a:pPr indent="-323850" lvl="0" marL="457200" rtl="0" algn="l">
+            <a:pPr marL="457200" lvl="0" indent="-323850" algn="l" rtl="0">
               <a:spcBef>
                 <a:spcPts val="0"/>
               </a:spcBef>
@@ -13646,7 +13665,7 @@
             </a:endParaRPr>
           </a:p>
           <a:p>
-            <a:pPr indent="-323850" lvl="0" marL="457200" rtl="0" algn="l">
+            <a:pPr marL="457200" lvl="0" indent="-323850" algn="l" rtl="0">
               <a:spcBef>
                 <a:spcPts val="0"/>
               </a:spcBef>
@@ -13674,7 +13693,7 @@
             </a:endParaRPr>
           </a:p>
           <a:p>
-            <a:pPr indent="-323850" lvl="0" marL="457200" rtl="0" algn="l">
+            <a:pPr marL="457200" lvl="0" indent="-323850" algn="l" rtl="0">
               <a:spcBef>
                 <a:spcPts val="0"/>
               </a:spcBef>
@@ -13702,7 +13721,7 @@
             </a:endParaRPr>
           </a:p>
           <a:p>
-            <a:pPr indent="-323850" lvl="0" marL="457200" rtl="0" algn="l">
+            <a:pPr marL="457200" lvl="0" indent="-323850" algn="l" rtl="0">
               <a:spcBef>
                 <a:spcPts val="0"/>
               </a:spcBef>
@@ -13730,7 +13749,7 @@
             </a:endParaRPr>
           </a:p>
           <a:p>
-            <a:pPr indent="-323850" lvl="0" marL="457200" rtl="0" algn="l">
+            <a:pPr marL="457200" lvl="0" indent="-323850" algn="l" rtl="0">
               <a:spcBef>
                 <a:spcPts val="0"/>
               </a:spcBef>
@@ -13758,7 +13777,7 @@
             </a:endParaRPr>
           </a:p>
           <a:p>
-            <a:pPr indent="-323850" lvl="0" marL="457200" rtl="0" algn="l">
+            <a:pPr marL="457200" lvl="0" indent="-323850" algn="l" rtl="0">
               <a:spcBef>
                 <a:spcPts val="0"/>
               </a:spcBef>
@@ -13780,7 +13799,7 @@
               <a:t>To be able to denote values smaller than 1 Ether, balance is expressed in </a:t>
             </a:r>
             <a:r>
-              <a:rPr i="1" lang="en-GB" sz="1500">
+              <a:rPr lang="en-GB" sz="1500" i="1">
                 <a:solidFill>
                   <a:schemeClr val="dk1"/>
                 </a:solidFill>
@@ -13812,11 +13831,11 @@
 </file>
 
 <file path=ppt/slides/slide8.xml><?xml version="1.0" encoding="utf-8"?>
-<p:sld xmlns:a="http://schemas.openxmlformats.org/drawingml/2006/main" xmlns:r="http://schemas.openxmlformats.org/officeDocument/2006/relationships" xmlns:mc="http://schemas.openxmlformats.org/markup-compatibility/2006" xmlns:mv="urn:schemas-microsoft-com:mac:vml" xmlns:p="http://schemas.openxmlformats.org/presentationml/2006/main" xmlns:c="http://schemas.openxmlformats.org/drawingml/2006/chart" xmlns:dgm="http://schemas.openxmlformats.org/drawingml/2006/diagram" xmlns:o="urn:schemas-microsoft-com:office:office" xmlns:v="urn:schemas-microsoft-com:vml" xmlns:pvml="urn:schemas-microsoft-com:office:powerpoint" xmlns:com="http://schemas.openxmlformats.org/drawingml/2006/compatibility" xmlns:p14="http://schemas.microsoft.com/office/powerpoint/2010/main" xmlns:p15="http://schemas.microsoft.com/office/powerpoint/2012/main" xmlns:ahyp="http://schemas.microsoft.com/office/drawing/2018/hyperlinkcolor">
+<p:sld xmlns:a="http://schemas.openxmlformats.org/drawingml/2006/main" xmlns:r="http://schemas.openxmlformats.org/officeDocument/2006/relationships" xmlns:p="http://schemas.openxmlformats.org/presentationml/2006/main">
   <p:cSld>
     <p:spTree>
       <p:nvGrpSpPr>
-        <p:cNvPr id="96" name="Shape 96"/>
+        <p:cNvPr id="1" name="Shape 96"/>
         <p:cNvGrpSpPr/>
         <p:nvPr/>
       </p:nvGrpSpPr>
@@ -13831,7 +13850,9 @@
       <p:sp>
         <p:nvSpPr>
           <p:cNvPr id="97" name="Google Shape;97;p20"/>
-          <p:cNvSpPr txBox="1"/>
+          <p:cNvSpPr txBox="1">
+            <a:spLocks noGrp="1"/>
+          </p:cNvSpPr>
           <p:nvPr>
             <p:ph type="title"/>
           </p:nvPr>
@@ -13846,12 +13867,12 @@
           </a:prstGeom>
         </p:spPr>
         <p:txBody>
-          <a:bodyPr anchorCtr="0" anchor="t" bIns="91425" lIns="91425" spcFirstLastPara="1" rIns="91425" wrap="square" tIns="91425">
+          <a:bodyPr spcFirstLastPara="1" wrap="square" lIns="91425" tIns="91425" rIns="91425" bIns="91425" anchor="t" anchorCtr="0">
             <a:normAutofit fontScale="90000"/>
           </a:bodyPr>
           <a:lstStyle/>
           <a:p>
-            <a:pPr indent="0" lvl="0" marL="0" rtl="0" algn="l">
+            <a:pPr marL="0" lvl="0" indent="0" algn="l" rtl="0">
               <a:spcBef>
                 <a:spcPts val="0"/>
               </a:spcBef>
@@ -13871,9 +13892,11 @@
       <p:sp>
         <p:nvSpPr>
           <p:cNvPr id="98" name="Google Shape;98;p20"/>
-          <p:cNvSpPr txBox="1"/>
+          <p:cNvSpPr txBox="1">
+            <a:spLocks noGrp="1"/>
+          </p:cNvSpPr>
           <p:nvPr>
-            <p:ph idx="1" type="body"/>
+            <p:ph type="body" idx="1"/>
           </p:nvPr>
         </p:nvSpPr>
         <p:spPr>
@@ -13886,12 +13909,12 @@
           </a:prstGeom>
         </p:spPr>
         <p:txBody>
-          <a:bodyPr anchorCtr="0" anchor="t" bIns="91425" lIns="91425" spcFirstLastPara="1" rIns="91425" wrap="square" tIns="91425">
+          <a:bodyPr spcFirstLastPara="1" wrap="square" lIns="91425" tIns="91425" rIns="91425" bIns="91425" anchor="t" anchorCtr="0">
             <a:normAutofit/>
           </a:bodyPr>
           <a:lstStyle/>
           <a:p>
-            <a:pPr indent="-323850" lvl="0" marL="457200" rtl="0" algn="l">
+            <a:pPr marL="457200" lvl="0" indent="-323850" algn="l" rtl="0">
               <a:spcBef>
                 <a:spcPts val="0"/>
               </a:spcBef>
@@ -13910,23 +13933,7 @@
                   <a:schemeClr val="dk1"/>
                 </a:solidFill>
               </a:rPr>
-              <a:t>The aim here is to develop a tool that performs </a:t>
-            </a:r>
-            <a:r>
-              <a:rPr lang="en-GB" sz="1500">
-                <a:solidFill>
-                  <a:schemeClr val="dk1"/>
-                </a:solidFill>
-              </a:rPr>
-              <a:t>automatic</a:t>
-            </a:r>
-            <a:r>
-              <a:rPr lang="en-GB" sz="1500">
-                <a:solidFill>
-                  <a:schemeClr val="dk1"/>
-                </a:solidFill>
-              </a:rPr>
-              <a:t> vulnerability discovery and automatic exploit generation.</a:t>
+              <a:t>The aim here is to develop a tool that performs automatic vulnerability discovery and automatic exploit generation.</a:t>
             </a:r>
             <a:endParaRPr sz="1500">
               <a:solidFill>
@@ -13935,7 +13942,7 @@
             </a:endParaRPr>
           </a:p>
           <a:p>
-            <a:pPr indent="-323850" lvl="0" marL="457200" rtl="0" algn="l">
+            <a:pPr marL="457200" lvl="0" indent="-323850" algn="l" rtl="0">
               <a:spcBef>
                 <a:spcPts val="0"/>
               </a:spcBef>
@@ -13973,11 +13980,11 @@
 </file>
 
 <file path=ppt/slides/slide9.xml><?xml version="1.0" encoding="utf-8"?>
-<p:sld xmlns:a="http://schemas.openxmlformats.org/drawingml/2006/main" xmlns:r="http://schemas.openxmlformats.org/officeDocument/2006/relationships" xmlns:mc="http://schemas.openxmlformats.org/markup-compatibility/2006" xmlns:mv="urn:schemas-microsoft-com:mac:vml" xmlns:p="http://schemas.openxmlformats.org/presentationml/2006/main" xmlns:c="http://schemas.openxmlformats.org/drawingml/2006/chart" xmlns:dgm="http://schemas.openxmlformats.org/drawingml/2006/diagram" xmlns:o="urn:schemas-microsoft-com:office:office" xmlns:v="urn:schemas-microsoft-com:vml" xmlns:pvml="urn:schemas-microsoft-com:office:powerpoint" xmlns:com="http://schemas.openxmlformats.org/drawingml/2006/compatibility" xmlns:p14="http://schemas.microsoft.com/office/powerpoint/2010/main" xmlns:p15="http://schemas.microsoft.com/office/powerpoint/2012/main" xmlns:ahyp="http://schemas.microsoft.com/office/drawing/2018/hyperlinkcolor">
+<p:sld xmlns:a="http://schemas.openxmlformats.org/drawingml/2006/main" xmlns:r="http://schemas.openxmlformats.org/officeDocument/2006/relationships" xmlns:p="http://schemas.openxmlformats.org/presentationml/2006/main">
   <p:cSld>
     <p:spTree>
       <p:nvGrpSpPr>
-        <p:cNvPr id="102" name="Shape 102"/>
+        <p:cNvPr id="1" name="Shape 102"/>
         <p:cNvGrpSpPr/>
         <p:nvPr/>
       </p:nvGrpSpPr>
@@ -13992,7 +13999,9 @@
       <p:sp>
         <p:nvSpPr>
           <p:cNvPr id="103" name="Google Shape;103;p21"/>
-          <p:cNvSpPr txBox="1"/>
+          <p:cNvSpPr txBox="1">
+            <a:spLocks noGrp="1"/>
+          </p:cNvSpPr>
           <p:nvPr>
             <p:ph type="title"/>
           </p:nvPr>
@@ -14007,12 +14016,12 @@
           </a:prstGeom>
         </p:spPr>
         <p:txBody>
-          <a:bodyPr anchorCtr="0" anchor="t" bIns="91425" lIns="91425" spcFirstLastPara="1" rIns="91425" wrap="square" tIns="91425">
+          <a:bodyPr spcFirstLastPara="1" wrap="square" lIns="91425" tIns="91425" rIns="91425" bIns="91425" anchor="t" anchorCtr="0">
             <a:normAutofit fontScale="90000"/>
           </a:bodyPr>
           <a:lstStyle/>
           <a:p>
-            <a:pPr indent="0" lvl="0" marL="0" rtl="0" algn="l">
+            <a:pPr marL="0" lvl="0" indent="0" algn="l" rtl="0">
               <a:spcBef>
                 <a:spcPts val="0"/>
               </a:spcBef>
@@ -14023,11 +14032,7 @@
             </a:pPr>
             <a:r>
               <a:rPr lang="en-GB"/>
-              <a:t>Smart Contract </a:t>
-            </a:r>
-            <a:r>
-              <a:rPr lang="en-GB"/>
-              <a:t>Vulnerabilities</a:t>
+              <a:t>Smart Contract Vulnerabilities</a:t>
             </a:r>
             <a:endParaRPr/>
           </a:p>
@@ -14036,9 +14041,11 @@
       <p:sp>
         <p:nvSpPr>
           <p:cNvPr id="104" name="Google Shape;104;p21"/>
-          <p:cNvSpPr txBox="1"/>
+          <p:cNvSpPr txBox="1">
+            <a:spLocks noGrp="1"/>
+          </p:cNvSpPr>
           <p:nvPr>
-            <p:ph idx="1" type="body"/>
+            <p:ph type="body" idx="1"/>
           </p:nvPr>
         </p:nvSpPr>
         <p:spPr>
@@ -14051,12 +14058,12 @@
           </a:prstGeom>
         </p:spPr>
         <p:txBody>
-          <a:bodyPr anchorCtr="0" anchor="t" bIns="91425" lIns="91425" spcFirstLastPara="1" rIns="91425" wrap="square" tIns="91425">
+          <a:bodyPr spcFirstLastPara="1" wrap="square" lIns="91425" tIns="91425" rIns="91425" bIns="91425" anchor="t" anchorCtr="0">
             <a:normAutofit/>
           </a:bodyPr>
           <a:lstStyle/>
           <a:p>
-            <a:pPr indent="-323850" lvl="0" marL="457200" rtl="0" algn="l">
+            <a:pPr marL="457200" lvl="0" indent="-323850" algn="l" rtl="0">
               <a:spcBef>
                 <a:spcPts val="1200"/>
               </a:spcBef>
@@ -14084,7 +14091,7 @@
             </a:endParaRPr>
           </a:p>
           <a:p>
-            <a:pPr indent="-323850" lvl="0" marL="457200" rtl="0" algn="l">
+            <a:pPr marL="457200" lvl="0" indent="-323850" algn="l" rtl="0">
               <a:spcBef>
                 <a:spcPts val="0"/>
               </a:spcBef>
@@ -14106,7 +14113,7 @@
               <a:t>In this context, a contract is </a:t>
             </a:r>
             <a:r>
-              <a:rPr i="1" lang="en-GB" sz="1500">
+              <a:rPr lang="en-GB" sz="1500" i="1">
                 <a:solidFill>
                   <a:schemeClr val="dk1"/>
                 </a:solidFill>
@@ -14128,7 +14135,7 @@
             </a:endParaRPr>
           </a:p>
           <a:p>
-            <a:pPr indent="-323850" lvl="0" marL="457200" rtl="0" algn="l">
+            <a:pPr marL="457200" lvl="0" indent="-323850" algn="l" rtl="0">
               <a:spcBef>
                 <a:spcPts val="0"/>
               </a:spcBef>
@@ -14156,7 +14163,7 @@
             </a:endParaRPr>
           </a:p>
           <a:p>
-            <a:pPr indent="-323850" lvl="0" marL="457200" rtl="0" algn="l">
+            <a:pPr marL="457200" lvl="0" indent="-323850" algn="l" rtl="0">
               <a:spcBef>
                 <a:spcPts val="0"/>
               </a:spcBef>
@@ -14184,7 +14191,7 @@
             </a:endParaRPr>
           </a:p>
           <a:p>
-            <a:pPr indent="-323850" lvl="0" marL="457200" rtl="0" algn="l">
+            <a:pPr marL="457200" lvl="0" indent="-323850" algn="l" rtl="0">
               <a:spcBef>
                 <a:spcPts val="0"/>
               </a:spcBef>
@@ -14203,23 +14210,7 @@
                   <a:schemeClr val="dk1"/>
                 </a:solidFill>
               </a:rPr>
-              <a:t>Now we discuss the </a:t>
-            </a:r>
-            <a:r>
-              <a:rPr lang="en-GB" sz="1500">
-                <a:solidFill>
-                  <a:schemeClr val="dk1"/>
-                </a:solidFill>
-              </a:rPr>
-              <a:t>vulnerabilities</a:t>
-            </a:r>
-            <a:r>
-              <a:rPr lang="en-GB" sz="1500">
-                <a:solidFill>
-                  <a:schemeClr val="dk1"/>
-                </a:solidFill>
-              </a:rPr>
-              <a:t> that map to EVM instructions.</a:t>
+              <a:t>Now we discuss the vulnerabilities that map to EVM instructions.</a:t>
             </a:r>
             <a:endParaRPr sz="1500">
               <a:solidFill>
@@ -14238,7 +14229,288 @@
 </file>
 
 <file path=ppt/theme/theme1.xml><?xml version="1.0" encoding="utf-8"?>
-<a:theme xmlns:a="http://schemas.openxmlformats.org/drawingml/2006/main" xmlns:r="http://schemas.openxmlformats.org/officeDocument/2006/relationships">
+<a:theme xmlns:a="http://schemas.openxmlformats.org/drawingml/2006/main" name="Simple Light">
+  <a:themeElements>
+    <a:clrScheme name="Simple Light">
+      <a:dk1>
+        <a:srgbClr val="000000"/>
+      </a:dk1>
+      <a:lt1>
+        <a:srgbClr val="FFFFFF"/>
+      </a:lt1>
+      <a:dk2>
+        <a:srgbClr val="595959"/>
+      </a:dk2>
+      <a:lt2>
+        <a:srgbClr val="EEEEEE"/>
+      </a:lt2>
+      <a:accent1>
+        <a:srgbClr val="4285F4"/>
+      </a:accent1>
+      <a:accent2>
+        <a:srgbClr val="212121"/>
+      </a:accent2>
+      <a:accent3>
+        <a:srgbClr val="78909C"/>
+      </a:accent3>
+      <a:accent4>
+        <a:srgbClr val="FFAB40"/>
+      </a:accent4>
+      <a:accent5>
+        <a:srgbClr val="0097A7"/>
+      </a:accent5>
+      <a:accent6>
+        <a:srgbClr val="EEFF41"/>
+      </a:accent6>
+      <a:hlink>
+        <a:srgbClr val="0097A7"/>
+      </a:hlink>
+      <a:folHlink>
+        <a:srgbClr val="0097A7"/>
+      </a:folHlink>
+    </a:clrScheme>
+    <a:fontScheme name="Office">
+      <a:majorFont>
+        <a:latin typeface="Arial"/>
+        <a:ea typeface=""/>
+        <a:cs typeface=""/>
+        <a:font script="Jpan" typeface="ＭＳ Ｐゴシック"/>
+        <a:font script="Hang" typeface="맑은 고딕"/>
+        <a:font script="Hans" typeface="宋体"/>
+        <a:font script="Hant" typeface="新細明體"/>
+        <a:font script="Arab" typeface="Times New Roman"/>
+        <a:font script="Hebr" typeface="Times New Roman"/>
+        <a:font script="Thai" typeface="Angsana New"/>
+        <a:font script="Ethi" typeface="Nyala"/>
+        <a:font script="Beng" typeface="Vrinda"/>
+        <a:font script="Gujr" typeface="Shruti"/>
+        <a:font script="Khmr" typeface="MoolBoran"/>
+        <a:font script="Knda" typeface="Tunga"/>
+        <a:font script="Guru" typeface="Raavi"/>
+        <a:font script="Cans" typeface="Euphemia"/>
+        <a:font script="Cher" typeface="Plantagenet Cherokee"/>
+        <a:font script="Yiii" typeface="Microsoft Yi Baiti"/>
+        <a:font script="Tibt" typeface="Microsoft Himalaya"/>
+        <a:font script="Thaa" typeface="MV Boli"/>
+        <a:font script="Deva" typeface="Mangal"/>
+        <a:font script="Telu" typeface="Gautami"/>
+        <a:font script="Taml" typeface="Latha"/>
+        <a:font script="Syrc" typeface="Estrangelo Edessa"/>
+        <a:font script="Orya" typeface="Kalinga"/>
+        <a:font script="Mlym" typeface="Kartika"/>
+        <a:font script="Laoo" typeface="DokChampa"/>
+        <a:font script="Sinh" typeface="Iskoola Pota"/>
+        <a:font script="Mong" typeface="Mongolian Baiti"/>
+        <a:font script="Viet" typeface="Times New Roman"/>
+        <a:font script="Uigh" typeface="Microsoft Uighur"/>
+        <a:font script="Geor" typeface="Sylfaen"/>
+      </a:majorFont>
+      <a:minorFont>
+        <a:latin typeface="Arial"/>
+        <a:ea typeface=""/>
+        <a:cs typeface=""/>
+        <a:font script="Jpan" typeface="ＭＳ Ｐゴシック"/>
+        <a:font script="Hang" typeface="맑은 고딕"/>
+        <a:font script="Hans" typeface="宋体"/>
+        <a:font script="Hant" typeface="新細明體"/>
+        <a:font script="Arab" typeface="Arial"/>
+        <a:font script="Hebr" typeface="Arial"/>
+        <a:font script="Thai" typeface="Cordia New"/>
+        <a:font script="Ethi" typeface="Nyala"/>
+        <a:font script="Beng" typeface="Vrinda"/>
+        <a:font script="Gujr" typeface="Shruti"/>
+        <a:font script="Khmr" typeface="DaunPenh"/>
+        <a:font script="Knda" typeface="Tunga"/>
+        <a:font script="Guru" typeface="Raavi"/>
+        <a:font script="Cans" typeface="Euphemia"/>
+        <a:font script="Cher" typeface="Plantagenet Cherokee"/>
+        <a:font script="Yiii" typeface="Microsoft Yi Baiti"/>
+        <a:font script="Tibt" typeface="Microsoft Himalaya"/>
+        <a:font script="Thaa" typeface="MV Boli"/>
+        <a:font script="Deva" typeface="Mangal"/>
+        <a:font script="Telu" typeface="Gautami"/>
+        <a:font script="Taml" typeface="Latha"/>
+        <a:font script="Syrc" typeface="Estrangelo Edessa"/>
+        <a:font script="Orya" typeface="Kalinga"/>
+        <a:font script="Mlym" typeface="Kartika"/>
+        <a:font script="Laoo" typeface="DokChampa"/>
+        <a:font script="Sinh" typeface="Iskoola Pota"/>
+        <a:font script="Mong" typeface="Mongolian Baiti"/>
+        <a:font script="Viet" typeface="Arial"/>
+        <a:font script="Uigh" typeface="Microsoft Uighur"/>
+        <a:font script="Geor" typeface="Sylfaen"/>
+      </a:minorFont>
+    </a:fontScheme>
+    <a:fmtScheme name="Office">
+      <a:fillStyleLst>
+        <a:solidFill>
+          <a:schemeClr val="phClr"/>
+        </a:solidFill>
+        <a:gradFill rotWithShape="1">
+          <a:gsLst>
+            <a:gs pos="0">
+              <a:schemeClr val="phClr">
+                <a:tint val="50000"/>
+                <a:satMod val="300000"/>
+              </a:schemeClr>
+            </a:gs>
+            <a:gs pos="35000">
+              <a:schemeClr val="phClr">
+                <a:tint val="37000"/>
+                <a:satMod val="300000"/>
+              </a:schemeClr>
+            </a:gs>
+            <a:gs pos="100000">
+              <a:schemeClr val="phClr">
+                <a:tint val="15000"/>
+                <a:satMod val="350000"/>
+              </a:schemeClr>
+            </a:gs>
+          </a:gsLst>
+          <a:lin ang="16200000" scaled="1"/>
+        </a:gradFill>
+        <a:gradFill rotWithShape="1">
+          <a:gsLst>
+            <a:gs pos="0">
+              <a:schemeClr val="phClr">
+                <a:tint val="100000"/>
+                <a:shade val="100000"/>
+                <a:satMod val="130000"/>
+              </a:schemeClr>
+            </a:gs>
+            <a:gs pos="100000">
+              <a:schemeClr val="phClr">
+                <a:tint val="50000"/>
+                <a:shade val="100000"/>
+                <a:satMod val="350000"/>
+              </a:schemeClr>
+            </a:gs>
+          </a:gsLst>
+          <a:lin ang="16200000" scaled="0"/>
+        </a:gradFill>
+      </a:fillStyleLst>
+      <a:lnStyleLst>
+        <a:ln w="9525" cap="flat" cmpd="sng" algn="ctr">
+          <a:solidFill>
+            <a:schemeClr val="phClr">
+              <a:shade val="95000"/>
+              <a:satMod val="105000"/>
+            </a:schemeClr>
+          </a:solidFill>
+          <a:prstDash val="solid"/>
+        </a:ln>
+        <a:ln w="25400" cap="flat" cmpd="sng" algn="ctr">
+          <a:solidFill>
+            <a:schemeClr val="phClr"/>
+          </a:solidFill>
+          <a:prstDash val="solid"/>
+        </a:ln>
+        <a:ln w="38100" cap="flat" cmpd="sng" algn="ctr">
+          <a:solidFill>
+            <a:schemeClr val="phClr"/>
+          </a:solidFill>
+          <a:prstDash val="solid"/>
+        </a:ln>
+      </a:lnStyleLst>
+      <a:effectStyleLst>
+        <a:effectStyle>
+          <a:effectLst>
+            <a:outerShdw blurRad="40000" dist="20000" dir="5400000" rotWithShape="0">
+              <a:srgbClr val="000000">
+                <a:alpha val="38000"/>
+              </a:srgbClr>
+            </a:outerShdw>
+          </a:effectLst>
+        </a:effectStyle>
+        <a:effectStyle>
+          <a:effectLst>
+            <a:outerShdw blurRad="40000" dist="23000" dir="5400000" rotWithShape="0">
+              <a:srgbClr val="000000">
+                <a:alpha val="35000"/>
+              </a:srgbClr>
+            </a:outerShdw>
+          </a:effectLst>
+        </a:effectStyle>
+        <a:effectStyle>
+          <a:effectLst>
+            <a:outerShdw blurRad="40000" dist="23000" dir="5400000" rotWithShape="0">
+              <a:srgbClr val="000000">
+                <a:alpha val="35000"/>
+              </a:srgbClr>
+            </a:outerShdw>
+          </a:effectLst>
+          <a:scene3d>
+            <a:camera prst="orthographicFront">
+              <a:rot lat="0" lon="0" rev="0"/>
+            </a:camera>
+            <a:lightRig rig="threePt" dir="t">
+              <a:rot lat="0" lon="0" rev="1200000"/>
+            </a:lightRig>
+          </a:scene3d>
+          <a:sp3d>
+            <a:bevelT w="63500" h="25400"/>
+          </a:sp3d>
+        </a:effectStyle>
+      </a:effectStyleLst>
+      <a:bgFillStyleLst>
+        <a:solidFill>
+          <a:schemeClr val="phClr"/>
+        </a:solidFill>
+        <a:gradFill rotWithShape="1">
+          <a:gsLst>
+            <a:gs pos="0">
+              <a:schemeClr val="phClr">
+                <a:tint val="40000"/>
+                <a:satMod val="350000"/>
+              </a:schemeClr>
+            </a:gs>
+            <a:gs pos="40000">
+              <a:schemeClr val="phClr">
+                <a:tint val="45000"/>
+                <a:shade val="99000"/>
+                <a:satMod val="350000"/>
+              </a:schemeClr>
+            </a:gs>
+            <a:gs pos="100000">
+              <a:schemeClr val="phClr">
+                <a:shade val="20000"/>
+                <a:satMod val="255000"/>
+              </a:schemeClr>
+            </a:gs>
+          </a:gsLst>
+          <a:path path="circle">
+            <a:fillToRect l="50000" t="-80000" r="50000" b="180000"/>
+          </a:path>
+        </a:gradFill>
+        <a:gradFill rotWithShape="1">
+          <a:gsLst>
+            <a:gs pos="0">
+              <a:schemeClr val="phClr">
+                <a:tint val="80000"/>
+                <a:satMod val="300000"/>
+              </a:schemeClr>
+            </a:gs>
+            <a:gs pos="100000">
+              <a:schemeClr val="phClr">
+                <a:shade val="30000"/>
+                <a:satMod val="200000"/>
+              </a:schemeClr>
+            </a:gs>
+          </a:gsLst>
+          <a:path path="circle">
+            <a:fillToRect l="50000" t="50000" r="50000" b="50000"/>
+          </a:path>
+        </a:gradFill>
+      </a:bgFillStyleLst>
+    </a:fmtScheme>
+  </a:themeElements>
+  <a:objectDefaults/>
+  <a:extraClrSchemeLst/>
+</a:theme>
+</file>
+
+<file path=ppt/theme/theme2.xml><?xml version="1.0" encoding="utf-8"?>
+<a:theme xmlns:a="http://schemas.openxmlformats.org/drawingml/2006/main">
   <a:themeElements>
     <a:clrScheme name="Default">
       <a:dk1>
@@ -14513,284 +14785,7 @@
       </a:bgFillStyleLst>
     </a:fmtScheme>
   </a:themeElements>
-</a:theme>
-</file>
-
-<file path=ppt/theme/theme2.xml><?xml version="1.0" encoding="utf-8"?>
-<a:theme xmlns:a="http://schemas.openxmlformats.org/drawingml/2006/main" xmlns:r="http://schemas.openxmlformats.org/officeDocument/2006/relationships" name="Simple Light">
-  <a:themeElements>
-    <a:clrScheme name="Simple Light">
-      <a:dk1>
-        <a:srgbClr val="000000"/>
-      </a:dk1>
-      <a:lt1>
-        <a:srgbClr val="FFFFFF"/>
-      </a:lt1>
-      <a:dk2>
-        <a:srgbClr val="595959"/>
-      </a:dk2>
-      <a:lt2>
-        <a:srgbClr val="EEEEEE"/>
-      </a:lt2>
-      <a:accent1>
-        <a:srgbClr val="4285F4"/>
-      </a:accent1>
-      <a:accent2>
-        <a:srgbClr val="212121"/>
-      </a:accent2>
-      <a:accent3>
-        <a:srgbClr val="78909C"/>
-      </a:accent3>
-      <a:accent4>
-        <a:srgbClr val="FFAB40"/>
-      </a:accent4>
-      <a:accent5>
-        <a:srgbClr val="0097A7"/>
-      </a:accent5>
-      <a:accent6>
-        <a:srgbClr val="EEFF41"/>
-      </a:accent6>
-      <a:hlink>
-        <a:srgbClr val="0097A7"/>
-      </a:hlink>
-      <a:folHlink>
-        <a:srgbClr val="0097A7"/>
-      </a:folHlink>
-    </a:clrScheme>
-    <a:fontScheme name="Office">
-      <a:majorFont>
-        <a:latin typeface="Arial"/>
-        <a:ea typeface=""/>
-        <a:cs typeface=""/>
-        <a:font script="Jpan" typeface="ＭＳ Ｐゴシック"/>
-        <a:font script="Hang" typeface="맑은 고딕"/>
-        <a:font script="Hans" typeface="宋体"/>
-        <a:font script="Hant" typeface="新細明體"/>
-        <a:font script="Arab" typeface="Times New Roman"/>
-        <a:font script="Hebr" typeface="Times New Roman"/>
-        <a:font script="Thai" typeface="Angsana New"/>
-        <a:font script="Ethi" typeface="Nyala"/>
-        <a:font script="Beng" typeface="Vrinda"/>
-        <a:font script="Gujr" typeface="Shruti"/>
-        <a:font script="Khmr" typeface="MoolBoran"/>
-        <a:font script="Knda" typeface="Tunga"/>
-        <a:font script="Guru" typeface="Raavi"/>
-        <a:font script="Cans" typeface="Euphemia"/>
-        <a:font script="Cher" typeface="Plantagenet Cherokee"/>
-        <a:font script="Yiii" typeface="Microsoft Yi Baiti"/>
-        <a:font script="Tibt" typeface="Microsoft Himalaya"/>
-        <a:font script="Thaa" typeface="MV Boli"/>
-        <a:font script="Deva" typeface="Mangal"/>
-        <a:font script="Telu" typeface="Gautami"/>
-        <a:font script="Taml" typeface="Latha"/>
-        <a:font script="Syrc" typeface="Estrangelo Edessa"/>
-        <a:font script="Orya" typeface="Kalinga"/>
-        <a:font script="Mlym" typeface="Kartika"/>
-        <a:font script="Laoo" typeface="DokChampa"/>
-        <a:font script="Sinh" typeface="Iskoola Pota"/>
-        <a:font script="Mong" typeface="Mongolian Baiti"/>
-        <a:font script="Viet" typeface="Times New Roman"/>
-        <a:font script="Uigh" typeface="Microsoft Uighur"/>
-        <a:font script="Geor" typeface="Sylfaen"/>
-      </a:majorFont>
-      <a:minorFont>
-        <a:latin typeface="Arial"/>
-        <a:ea typeface=""/>
-        <a:cs typeface=""/>
-        <a:font script="Jpan" typeface="ＭＳ Ｐゴシック"/>
-        <a:font script="Hang" typeface="맑은 고딕"/>
-        <a:font script="Hans" typeface="宋体"/>
-        <a:font script="Hant" typeface="新細明體"/>
-        <a:font script="Arab" typeface="Arial"/>
-        <a:font script="Hebr" typeface="Arial"/>
-        <a:font script="Thai" typeface="Cordia New"/>
-        <a:font script="Ethi" typeface="Nyala"/>
-        <a:font script="Beng" typeface="Vrinda"/>
-        <a:font script="Gujr" typeface="Shruti"/>
-        <a:font script="Khmr" typeface="DaunPenh"/>
-        <a:font script="Knda" typeface="Tunga"/>
-        <a:font script="Guru" typeface="Raavi"/>
-        <a:font script="Cans" typeface="Euphemia"/>
-        <a:font script="Cher" typeface="Plantagenet Cherokee"/>
-        <a:font script="Yiii" typeface="Microsoft Yi Baiti"/>
-        <a:font script="Tibt" typeface="Microsoft Himalaya"/>
-        <a:font script="Thaa" typeface="MV Boli"/>
-        <a:font script="Deva" typeface="Mangal"/>
-        <a:font script="Telu" typeface="Gautami"/>
-        <a:font script="Taml" typeface="Latha"/>
-        <a:font script="Syrc" typeface="Estrangelo Edessa"/>
-        <a:font script="Orya" typeface="Kalinga"/>
-        <a:font script="Mlym" typeface="Kartika"/>
-        <a:font script="Laoo" typeface="DokChampa"/>
-        <a:font script="Sinh" typeface="Iskoola Pota"/>
-        <a:font script="Mong" typeface="Mongolian Baiti"/>
-        <a:font script="Viet" typeface="Arial"/>
-        <a:font script="Uigh" typeface="Microsoft Uighur"/>
-        <a:font script="Geor" typeface="Sylfaen"/>
-      </a:minorFont>
-    </a:fontScheme>
-    <a:fmtScheme name="Office">
-      <a:fillStyleLst>
-        <a:solidFill>
-          <a:schemeClr val="phClr"/>
-        </a:solidFill>
-        <a:gradFill rotWithShape="1">
-          <a:gsLst>
-            <a:gs pos="0">
-              <a:schemeClr val="phClr">
-                <a:tint val="50000"/>
-                <a:satMod val="300000"/>
-              </a:schemeClr>
-            </a:gs>
-            <a:gs pos="35000">
-              <a:schemeClr val="phClr">
-                <a:tint val="37000"/>
-                <a:satMod val="300000"/>
-              </a:schemeClr>
-            </a:gs>
-            <a:gs pos="100000">
-              <a:schemeClr val="phClr">
-                <a:tint val="15000"/>
-                <a:satMod val="350000"/>
-              </a:schemeClr>
-            </a:gs>
-          </a:gsLst>
-          <a:lin ang="16200000" scaled="1"/>
-        </a:gradFill>
-        <a:gradFill rotWithShape="1">
-          <a:gsLst>
-            <a:gs pos="0">
-              <a:schemeClr val="phClr">
-                <a:tint val="100000"/>
-                <a:shade val="100000"/>
-                <a:satMod val="130000"/>
-              </a:schemeClr>
-            </a:gs>
-            <a:gs pos="100000">
-              <a:schemeClr val="phClr">
-                <a:tint val="50000"/>
-                <a:shade val="100000"/>
-                <a:satMod val="350000"/>
-              </a:schemeClr>
-            </a:gs>
-          </a:gsLst>
-          <a:lin ang="16200000" scaled="0"/>
-        </a:gradFill>
-      </a:fillStyleLst>
-      <a:lnStyleLst>
-        <a:ln w="9525" cap="flat" cmpd="sng" algn="ctr">
-          <a:solidFill>
-            <a:schemeClr val="phClr">
-              <a:shade val="95000"/>
-              <a:satMod val="105000"/>
-            </a:schemeClr>
-          </a:solidFill>
-          <a:prstDash val="solid"/>
-        </a:ln>
-        <a:ln w="25400" cap="flat" cmpd="sng" algn="ctr">
-          <a:solidFill>
-            <a:schemeClr val="phClr"/>
-          </a:solidFill>
-          <a:prstDash val="solid"/>
-        </a:ln>
-        <a:ln w="38100" cap="flat" cmpd="sng" algn="ctr">
-          <a:solidFill>
-            <a:schemeClr val="phClr"/>
-          </a:solidFill>
-          <a:prstDash val="solid"/>
-        </a:ln>
-      </a:lnStyleLst>
-      <a:effectStyleLst>
-        <a:effectStyle>
-          <a:effectLst>
-            <a:outerShdw blurRad="40000" dist="20000" dir="5400000" rotWithShape="0">
-              <a:srgbClr val="000000">
-                <a:alpha val="38000"/>
-              </a:srgbClr>
-            </a:outerShdw>
-          </a:effectLst>
-        </a:effectStyle>
-        <a:effectStyle>
-          <a:effectLst>
-            <a:outerShdw blurRad="40000" dist="23000" dir="5400000" rotWithShape="0">
-              <a:srgbClr val="000000">
-                <a:alpha val="35000"/>
-              </a:srgbClr>
-            </a:outerShdw>
-          </a:effectLst>
-        </a:effectStyle>
-        <a:effectStyle>
-          <a:effectLst>
-            <a:outerShdw blurRad="40000" dist="23000" dir="5400000" rotWithShape="0">
-              <a:srgbClr val="000000">
-                <a:alpha val="35000"/>
-              </a:srgbClr>
-            </a:outerShdw>
-          </a:effectLst>
-          <a:scene3d>
-            <a:camera prst="orthographicFront">
-              <a:rot lat="0" lon="0" rev="0"/>
-            </a:camera>
-            <a:lightRig rig="threePt" dir="t">
-              <a:rot lat="0" lon="0" rev="1200000"/>
-            </a:lightRig>
-          </a:scene3d>
-          <a:sp3d>
-            <a:bevelT w="63500" h="25400"/>
-          </a:sp3d>
-        </a:effectStyle>
-      </a:effectStyleLst>
-      <a:bgFillStyleLst>
-        <a:solidFill>
-          <a:schemeClr val="phClr"/>
-        </a:solidFill>
-        <a:gradFill rotWithShape="1">
-          <a:gsLst>
-            <a:gs pos="0">
-              <a:schemeClr val="phClr">
-                <a:tint val="40000"/>
-                <a:satMod val="350000"/>
-              </a:schemeClr>
-            </a:gs>
-            <a:gs pos="40000">
-              <a:schemeClr val="phClr">
-                <a:tint val="45000"/>
-                <a:shade val="99000"/>
-                <a:satMod val="350000"/>
-              </a:schemeClr>
-            </a:gs>
-            <a:gs pos="100000">
-              <a:schemeClr val="phClr">
-                <a:shade val="20000"/>
-                <a:satMod val="255000"/>
-              </a:schemeClr>
-            </a:gs>
-          </a:gsLst>
-          <a:path path="circle">
-            <a:fillToRect l="50000" t="-80000" r="50000" b="180000"/>
-          </a:path>
-        </a:gradFill>
-        <a:gradFill rotWithShape="1">
-          <a:gsLst>
-            <a:gs pos="0">
-              <a:schemeClr val="phClr">
-                <a:tint val="80000"/>
-                <a:satMod val="300000"/>
-              </a:schemeClr>
-            </a:gs>
-            <a:gs pos="100000">
-              <a:schemeClr val="phClr">
-                <a:shade val="30000"/>
-                <a:satMod val="200000"/>
-              </a:schemeClr>
-            </a:gs>
-          </a:gsLst>
-          <a:path path="circle">
-            <a:fillToRect l="50000" t="50000" r="50000" b="50000"/>
-          </a:path>
-        </a:gradFill>
-      </a:bgFillStyleLst>
-    </a:fmtScheme>
-  </a:themeElements>
+  <a:objectDefaults/>
+  <a:extraClrSchemeLst/>
 </a:theme>
 </file>